--- a/2 vsStudio_P/210408_cSharp_basic_chap5/sukje_lotto/PPT/210409_로또번호 생성기.pptx
+++ b/2 vsStudio_P/210408_cSharp_basic_chap5/sukje_lotto/PPT/210409_로또번호 생성기.pptx
@@ -12,13 +12,13 @@
   </p:handoutMasterIdLst>
   <p:sldIdLst>
     <p:sldId id="260" r:id="rId2"/>
-    <p:sldId id="288" r:id="rId3"/>
+    <p:sldId id="293" r:id="rId3"/>
     <p:sldId id="275" r:id="rId4"/>
-    <p:sldId id="276" r:id="rId5"/>
-    <p:sldId id="286" r:id="rId6"/>
-    <p:sldId id="290" r:id="rId7"/>
-    <p:sldId id="291" r:id="rId8"/>
-    <p:sldId id="279" r:id="rId9"/>
+    <p:sldId id="286" r:id="rId5"/>
+    <p:sldId id="290" r:id="rId6"/>
+    <p:sldId id="291" r:id="rId7"/>
+    <p:sldId id="279" r:id="rId8"/>
+    <p:sldId id="303" r:id="rId9"/>
   </p:sldIdLst>
   <p:sldSz cx="9144000" cy="5143500" type="screen16x9"/>
   <p:notesSz cx="6858000" cy="9144000"/>
@@ -26,7 +26,7 @@
     <a:defPPr>
       <a:defRPr lang="ko-KR"/>
     </a:defPPr>
-    <a:lvl1pPr marL="0" algn="l" defTabSz="914400" rtl="0" eaLnBrk="1" latinLnBrk="1" hangingPunct="1">
+    <a:lvl1pPr marL="0" algn="l" defTabSz="914378" rtl="0" eaLnBrk="1" latinLnBrk="1" hangingPunct="1">
       <a:defRPr sz="1800" kern="1200">
         <a:solidFill>
           <a:schemeClr val="tx1"/>
@@ -36,7 +36,7 @@
         <a:cs typeface="+mn-cs"/>
       </a:defRPr>
     </a:lvl1pPr>
-    <a:lvl2pPr marL="457200" algn="l" defTabSz="914400" rtl="0" eaLnBrk="1" latinLnBrk="1" hangingPunct="1">
+    <a:lvl2pPr marL="457189" algn="l" defTabSz="914378" rtl="0" eaLnBrk="1" latinLnBrk="1" hangingPunct="1">
       <a:defRPr sz="1800" kern="1200">
         <a:solidFill>
           <a:schemeClr val="tx1"/>
@@ -46,7 +46,7 @@
         <a:cs typeface="+mn-cs"/>
       </a:defRPr>
     </a:lvl2pPr>
-    <a:lvl3pPr marL="914400" algn="l" defTabSz="914400" rtl="0" eaLnBrk="1" latinLnBrk="1" hangingPunct="1">
+    <a:lvl3pPr marL="914378" algn="l" defTabSz="914378" rtl="0" eaLnBrk="1" latinLnBrk="1" hangingPunct="1">
       <a:defRPr sz="1800" kern="1200">
         <a:solidFill>
           <a:schemeClr val="tx1"/>
@@ -56,7 +56,7 @@
         <a:cs typeface="+mn-cs"/>
       </a:defRPr>
     </a:lvl3pPr>
-    <a:lvl4pPr marL="1371600" algn="l" defTabSz="914400" rtl="0" eaLnBrk="1" latinLnBrk="1" hangingPunct="1">
+    <a:lvl4pPr marL="1371566" algn="l" defTabSz="914378" rtl="0" eaLnBrk="1" latinLnBrk="1" hangingPunct="1">
       <a:defRPr sz="1800" kern="1200">
         <a:solidFill>
           <a:schemeClr val="tx1"/>
@@ -66,7 +66,7 @@
         <a:cs typeface="+mn-cs"/>
       </a:defRPr>
     </a:lvl4pPr>
-    <a:lvl5pPr marL="1828800" algn="l" defTabSz="914400" rtl="0" eaLnBrk="1" latinLnBrk="1" hangingPunct="1">
+    <a:lvl5pPr marL="1828754" algn="l" defTabSz="914378" rtl="0" eaLnBrk="1" latinLnBrk="1" hangingPunct="1">
       <a:defRPr sz="1800" kern="1200">
         <a:solidFill>
           <a:schemeClr val="tx1"/>
@@ -76,7 +76,7 @@
         <a:cs typeface="+mn-cs"/>
       </a:defRPr>
     </a:lvl5pPr>
-    <a:lvl6pPr marL="2286000" algn="l" defTabSz="914400" rtl="0" eaLnBrk="1" latinLnBrk="1" hangingPunct="1">
+    <a:lvl6pPr marL="2285943" algn="l" defTabSz="914378" rtl="0" eaLnBrk="1" latinLnBrk="1" hangingPunct="1">
       <a:defRPr sz="1800" kern="1200">
         <a:solidFill>
           <a:schemeClr val="tx1"/>
@@ -86,7 +86,7 @@
         <a:cs typeface="+mn-cs"/>
       </a:defRPr>
     </a:lvl6pPr>
-    <a:lvl7pPr marL="2743200" algn="l" defTabSz="914400" rtl="0" eaLnBrk="1" latinLnBrk="1" hangingPunct="1">
+    <a:lvl7pPr marL="2743132" algn="l" defTabSz="914378" rtl="0" eaLnBrk="1" latinLnBrk="1" hangingPunct="1">
       <a:defRPr sz="1800" kern="1200">
         <a:solidFill>
           <a:schemeClr val="tx1"/>
@@ -96,7 +96,7 @@
         <a:cs typeface="+mn-cs"/>
       </a:defRPr>
     </a:lvl7pPr>
-    <a:lvl8pPr marL="3200400" algn="l" defTabSz="914400" rtl="0" eaLnBrk="1" latinLnBrk="1" hangingPunct="1">
+    <a:lvl8pPr marL="3200320" algn="l" defTabSz="914378" rtl="0" eaLnBrk="1" latinLnBrk="1" hangingPunct="1">
       <a:defRPr sz="1800" kern="1200">
         <a:solidFill>
           <a:schemeClr val="tx1"/>
@@ -106,7 +106,7 @@
         <a:cs typeface="+mn-cs"/>
       </a:defRPr>
     </a:lvl8pPr>
-    <a:lvl9pPr marL="3657600" algn="l" defTabSz="914400" rtl="0" eaLnBrk="1" latinLnBrk="1" hangingPunct="1">
+    <a:lvl9pPr marL="3657509" algn="l" defTabSz="914378" rtl="0" eaLnBrk="1" latinLnBrk="1" hangingPunct="1">
       <a:defRPr sz="1800" kern="1200">
         <a:solidFill>
           <a:schemeClr val="tx1"/>
@@ -595,11 +595,11 @@
           <c:showBubbleSize val="0"/>
         </c:dLbls>
         <c:gapWidth val="150"/>
-        <c:axId val="180176384"/>
-        <c:axId val="139067392"/>
+        <c:axId val="56566272"/>
+        <c:axId val="166881536"/>
       </c:barChart>
       <c:catAx>
-        <c:axId val="180176384"/>
+        <c:axId val="56566272"/>
         <c:scaling>
           <c:orientation val="minMax"/>
         </c:scaling>
@@ -609,7 +609,7 @@
         <c:majorTickMark val="out"/>
         <c:minorTickMark val="none"/>
         <c:tickLblPos val="nextTo"/>
-        <c:crossAx val="139067392"/>
+        <c:crossAx val="166881536"/>
         <c:crosses val="autoZero"/>
         <c:auto val="1"/>
         <c:lblAlgn val="ctr"/>
@@ -617,7 +617,7 @@
         <c:noMultiLvlLbl val="0"/>
       </c:catAx>
       <c:valAx>
-        <c:axId val="139067392"/>
+        <c:axId val="166881536"/>
         <c:scaling>
           <c:orientation val="minMax"/>
           <c:max val="1"/>
@@ -640,7 +640,7 @@
         <c:majorTickMark val="out"/>
         <c:minorTickMark val="none"/>
         <c:tickLblPos val="nextTo"/>
-        <c:crossAx val="180176384"/>
+        <c:crossAx val="56566272"/>
         <c:crosses val="autoZero"/>
         <c:crossBetween val="between"/>
       </c:valAx>
@@ -1089,7 +1089,7 @@
   </p:cSld>
   <p:clrMap bg1="lt1" tx1="dk1" bg2="lt2" tx2="dk2" accent1="accent1" accent2="accent2" accent3="accent3" accent4="accent4" accent5="accent5" accent6="accent6" hlink="hlink" folHlink="folHlink"/>
   <p:notesStyle>
-    <a:lvl1pPr marL="0" algn="l" defTabSz="914400" rtl="0" eaLnBrk="1" latinLnBrk="1" hangingPunct="1">
+    <a:lvl1pPr marL="0" algn="l" defTabSz="914378" rtl="0" eaLnBrk="1" latinLnBrk="1" hangingPunct="1">
       <a:defRPr sz="1200" kern="1200">
         <a:solidFill>
           <a:schemeClr val="tx1"/>
@@ -1099,7 +1099,7 @@
         <a:cs typeface="+mn-cs"/>
       </a:defRPr>
     </a:lvl1pPr>
-    <a:lvl2pPr marL="457200" algn="l" defTabSz="914400" rtl="0" eaLnBrk="1" latinLnBrk="1" hangingPunct="1">
+    <a:lvl2pPr marL="457189" algn="l" defTabSz="914378" rtl="0" eaLnBrk="1" latinLnBrk="1" hangingPunct="1">
       <a:defRPr sz="1200" kern="1200">
         <a:solidFill>
           <a:schemeClr val="tx1"/>
@@ -1109,7 +1109,7 @@
         <a:cs typeface="+mn-cs"/>
       </a:defRPr>
     </a:lvl2pPr>
-    <a:lvl3pPr marL="914400" algn="l" defTabSz="914400" rtl="0" eaLnBrk="1" latinLnBrk="1" hangingPunct="1">
+    <a:lvl3pPr marL="914378" algn="l" defTabSz="914378" rtl="0" eaLnBrk="1" latinLnBrk="1" hangingPunct="1">
       <a:defRPr sz="1200" kern="1200">
         <a:solidFill>
           <a:schemeClr val="tx1"/>
@@ -1119,7 +1119,7 @@
         <a:cs typeface="+mn-cs"/>
       </a:defRPr>
     </a:lvl3pPr>
-    <a:lvl4pPr marL="1371600" algn="l" defTabSz="914400" rtl="0" eaLnBrk="1" latinLnBrk="1" hangingPunct="1">
+    <a:lvl4pPr marL="1371566" algn="l" defTabSz="914378" rtl="0" eaLnBrk="1" latinLnBrk="1" hangingPunct="1">
       <a:defRPr sz="1200" kern="1200">
         <a:solidFill>
           <a:schemeClr val="tx1"/>
@@ -1129,7 +1129,7 @@
         <a:cs typeface="+mn-cs"/>
       </a:defRPr>
     </a:lvl4pPr>
-    <a:lvl5pPr marL="1828800" algn="l" defTabSz="914400" rtl="0" eaLnBrk="1" latinLnBrk="1" hangingPunct="1">
+    <a:lvl5pPr marL="1828754" algn="l" defTabSz="914378" rtl="0" eaLnBrk="1" latinLnBrk="1" hangingPunct="1">
       <a:defRPr sz="1200" kern="1200">
         <a:solidFill>
           <a:schemeClr val="tx1"/>
@@ -1139,7 +1139,7 @@
         <a:cs typeface="+mn-cs"/>
       </a:defRPr>
     </a:lvl5pPr>
-    <a:lvl6pPr marL="2286000" algn="l" defTabSz="914400" rtl="0" eaLnBrk="1" latinLnBrk="1" hangingPunct="1">
+    <a:lvl6pPr marL="2285943" algn="l" defTabSz="914378" rtl="0" eaLnBrk="1" latinLnBrk="1" hangingPunct="1">
       <a:defRPr sz="1200" kern="1200">
         <a:solidFill>
           <a:schemeClr val="tx1"/>
@@ -1149,7 +1149,7 @@
         <a:cs typeface="+mn-cs"/>
       </a:defRPr>
     </a:lvl6pPr>
-    <a:lvl7pPr marL="2743200" algn="l" defTabSz="914400" rtl="0" eaLnBrk="1" latinLnBrk="1" hangingPunct="1">
+    <a:lvl7pPr marL="2743132" algn="l" defTabSz="914378" rtl="0" eaLnBrk="1" latinLnBrk="1" hangingPunct="1">
       <a:defRPr sz="1200" kern="1200">
         <a:solidFill>
           <a:schemeClr val="tx1"/>
@@ -1159,7 +1159,7 @@
         <a:cs typeface="+mn-cs"/>
       </a:defRPr>
     </a:lvl7pPr>
-    <a:lvl8pPr marL="3200400" algn="l" defTabSz="914400" rtl="0" eaLnBrk="1" latinLnBrk="1" hangingPunct="1">
+    <a:lvl8pPr marL="3200320" algn="l" defTabSz="914378" rtl="0" eaLnBrk="1" latinLnBrk="1" hangingPunct="1">
       <a:defRPr sz="1200" kern="1200">
         <a:solidFill>
           <a:schemeClr val="tx1"/>
@@ -1169,7 +1169,7 @@
         <a:cs typeface="+mn-cs"/>
       </a:defRPr>
     </a:lvl8pPr>
-    <a:lvl9pPr marL="3657600" algn="l" defTabSz="914400" rtl="0" eaLnBrk="1" latinLnBrk="1" hangingPunct="1">
+    <a:lvl9pPr marL="3657509" algn="l" defTabSz="914378" rtl="0" eaLnBrk="1" latinLnBrk="1" hangingPunct="1">
       <a:defRPr sz="1200" kern="1200">
         <a:solidFill>
           <a:schemeClr val="tx1"/>
@@ -1351,6 +1351,90 @@
 </p:notes>
 </file>
 
+<file path=ppt/notesSlides/notesSlide3.xml><?xml version="1.0" encoding="utf-8"?>
+<p:notes xmlns:a="http://schemas.openxmlformats.org/drawingml/2006/main" xmlns:r="http://schemas.openxmlformats.org/officeDocument/2006/relationships" xmlns:p="http://schemas.openxmlformats.org/presentationml/2006/main">
+  <p:cSld>
+    <p:spTree>
+      <p:nvGrpSpPr>
+        <p:cNvPr id="1" name=""/>
+        <p:cNvGrpSpPr/>
+        <p:nvPr/>
+      </p:nvGrpSpPr>
+      <p:grpSpPr>
+        <a:xfrm>
+          <a:off x="0" y="0"/>
+          <a:ext cx="0" cy="0"/>
+          <a:chOff x="0" y="0"/>
+          <a:chExt cx="0" cy="0"/>
+        </a:xfrm>
+      </p:grpSpPr>
+      <p:sp>
+        <p:nvSpPr>
+          <p:cNvPr id="2" name="슬라이드 이미지 개체 틀 1"/>
+          <p:cNvSpPr>
+            <a:spLocks noGrp="1" noRot="1" noChangeAspect="1"/>
+          </p:cNvSpPr>
+          <p:nvPr>
+            <p:ph type="sldImg"/>
+          </p:nvPr>
+        </p:nvSpPr>
+        <p:spPr/>
+      </p:sp>
+      <p:sp>
+        <p:nvSpPr>
+          <p:cNvPr id="3" name="슬라이드 노트 개체 틀 2"/>
+          <p:cNvSpPr>
+            <a:spLocks noGrp="1"/>
+          </p:cNvSpPr>
+          <p:nvPr>
+            <p:ph type="body" idx="1"/>
+          </p:nvPr>
+        </p:nvSpPr>
+        <p:spPr/>
+        <p:txBody>
+          <a:bodyPr/>
+          <a:lstStyle/>
+          <a:p>
+            <a:endParaRPr lang="ko-KR" altLang="en-US" dirty="0"/>
+          </a:p>
+        </p:txBody>
+      </p:sp>
+      <p:sp>
+        <p:nvSpPr>
+          <p:cNvPr id="4" name="슬라이드 번호 개체 틀 3"/>
+          <p:cNvSpPr>
+            <a:spLocks noGrp="1"/>
+          </p:cNvSpPr>
+          <p:nvPr>
+            <p:ph type="sldNum" sz="quarter" idx="5"/>
+          </p:nvPr>
+        </p:nvSpPr>
+        <p:spPr/>
+        <p:txBody>
+          <a:bodyPr/>
+          <a:lstStyle/>
+          <a:p>
+            <a:fld id="{72EC76F7-949C-4639-B2C3-5E6FE8A19520}" type="slidenum">
+              <a:rPr lang="ko-KR" altLang="en-US" smtClean="0"/>
+              <a:t>8</a:t>
+            </a:fld>
+            <a:endParaRPr lang="ko-KR" altLang="en-US"/>
+          </a:p>
+        </p:txBody>
+      </p:sp>
+    </p:spTree>
+    <p:extLst>
+      <p:ext uri="{BB962C8B-B14F-4D97-AF65-F5344CB8AC3E}">
+        <p14:creationId xmlns:p14="http://schemas.microsoft.com/office/powerpoint/2010/main" val="4194997032"/>
+      </p:ext>
+    </p:extLst>
+  </p:cSld>
+  <p:clrMapOvr>
+    <a:masterClrMapping/>
+  </p:clrMapOvr>
+</p:notes>
+</file>
+
 <file path=ppt/slideLayouts/slideLayout1.xml><?xml version="1.0" encoding="utf-8"?>
 <p:sldLayout xmlns:a="http://schemas.openxmlformats.org/drawingml/2006/main" xmlns:r="http://schemas.openxmlformats.org/officeDocument/2006/relationships" xmlns:p="http://schemas.openxmlformats.org/presentationml/2006/main" preserve="1" userDrawn="1">
   <p:cSld name="제목 슬라이드">
@@ -1373,7 +1457,7 @@
           <p:cNvPr id="4" name="날짜 개체 틀 3">
             <a:extLst>
               <a:ext uri="{FF2B5EF4-FFF2-40B4-BE49-F238E27FC236}">
-                <a16:creationId xmlns="" xmlns:a16="http://schemas.microsoft.com/office/drawing/2014/main" id="{3BA2C713-AC81-4EB2-9330-581E0B6AE811}"/>
+                <a16:creationId xmlns:a16="http://schemas.microsoft.com/office/drawing/2014/main" xmlns="" id="{3BA2C713-AC81-4EB2-9330-581E0B6AE811}"/>
               </a:ext>
             </a:extLst>
           </p:cNvPr>
@@ -1402,7 +1486,7 @@
           <p:cNvPr id="5" name="바닥글 개체 틀 4">
             <a:extLst>
               <a:ext uri="{FF2B5EF4-FFF2-40B4-BE49-F238E27FC236}">
-                <a16:creationId xmlns="" xmlns:a16="http://schemas.microsoft.com/office/drawing/2014/main" id="{1F0F55EC-D62C-46D0-85AA-2079E978B3AC}"/>
+                <a16:creationId xmlns:a16="http://schemas.microsoft.com/office/drawing/2014/main" xmlns="" id="{1F0F55EC-D62C-46D0-85AA-2079E978B3AC}"/>
               </a:ext>
             </a:extLst>
           </p:cNvPr>
@@ -1427,7 +1511,7 @@
           <p:cNvPr id="6" name="슬라이드 번호 개체 틀 5">
             <a:extLst>
               <a:ext uri="{FF2B5EF4-FFF2-40B4-BE49-F238E27FC236}">
-                <a16:creationId xmlns="" xmlns:a16="http://schemas.microsoft.com/office/drawing/2014/main" id="{A786F994-D68F-40EE-B340-2867A153420B}"/>
+                <a16:creationId xmlns:a16="http://schemas.microsoft.com/office/drawing/2014/main" xmlns="" id="{A786F994-D68F-40EE-B340-2867A153420B}"/>
               </a:ext>
             </a:extLst>
           </p:cNvPr>
@@ -1470,7 +1554,7 @@
   </p:timing>
   <p:extLst mod="1">
     <p:ext uri="{DCECCB84-F9BA-43D5-87BE-67443E8EF086}">
-      <p15:sldGuideLst xmlns="" xmlns:p15="http://schemas.microsoft.com/office/powerpoint/2012/main">
+      <p15:sldGuideLst xmlns:p15="http://schemas.microsoft.com/office/powerpoint/2012/main" xmlns="">
         <p15:guide id="1" orient="horz" pos="278" userDrawn="1">
           <p15:clr>
             <a:srgbClr val="FBAE40"/>
@@ -1519,7 +1603,7 @@
           <p:cNvPr id="4" name="날짜 개체 틀 3">
             <a:extLst>
               <a:ext uri="{FF2B5EF4-FFF2-40B4-BE49-F238E27FC236}">
-                <a16:creationId xmlns="" xmlns:a16="http://schemas.microsoft.com/office/drawing/2014/main" id="{46623D75-7690-462B-A0DC-A4F3108DC644}"/>
+                <a16:creationId xmlns:a16="http://schemas.microsoft.com/office/drawing/2014/main" xmlns="" id="{46623D75-7690-462B-A0DC-A4F3108DC644}"/>
               </a:ext>
             </a:extLst>
           </p:cNvPr>
@@ -1548,7 +1632,7 @@
           <p:cNvPr id="5" name="바닥글 개체 틀 4">
             <a:extLst>
               <a:ext uri="{FF2B5EF4-FFF2-40B4-BE49-F238E27FC236}">
-                <a16:creationId xmlns="" xmlns:a16="http://schemas.microsoft.com/office/drawing/2014/main" id="{70F3BCB1-6A24-432F-A778-B735C6861206}"/>
+                <a16:creationId xmlns:a16="http://schemas.microsoft.com/office/drawing/2014/main" xmlns="" id="{70F3BCB1-6A24-432F-A778-B735C6861206}"/>
               </a:ext>
             </a:extLst>
           </p:cNvPr>
@@ -1573,7 +1657,7 @@
           <p:cNvPr id="6" name="슬라이드 번호 개체 틀 5">
             <a:extLst>
               <a:ext uri="{FF2B5EF4-FFF2-40B4-BE49-F238E27FC236}">
-                <a16:creationId xmlns="" xmlns:a16="http://schemas.microsoft.com/office/drawing/2014/main" id="{FB4ED32B-3446-46D1-A849-41F78A9D9060}"/>
+                <a16:creationId xmlns:a16="http://schemas.microsoft.com/office/drawing/2014/main" xmlns="" id="{FB4ED32B-3446-46D1-A849-41F78A9D9060}"/>
               </a:ext>
             </a:extLst>
           </p:cNvPr>
@@ -1602,7 +1686,7 @@
           <p:cNvPr id="7" name="TextBox 6">
             <a:extLst>
               <a:ext uri="{FF2B5EF4-FFF2-40B4-BE49-F238E27FC236}">
-                <a16:creationId xmlns="" xmlns:a16="http://schemas.microsoft.com/office/drawing/2014/main" id="{A1687216-9C76-4F29-934C-F430DF40C5FA}"/>
+                <a16:creationId xmlns:a16="http://schemas.microsoft.com/office/drawing/2014/main" xmlns="" id="{A1687216-9C76-4F29-934C-F430DF40C5FA}"/>
               </a:ext>
             </a:extLst>
           </p:cNvPr>
@@ -1611,7 +1695,7 @@
         </p:nvSpPr>
         <p:spPr>
           <a:xfrm>
-            <a:off x="333000" y="411510"/>
+            <a:off x="333000" y="411511"/>
             <a:ext cx="1929246" cy="523220"/>
           </a:xfrm>
           <a:prstGeom prst="rect">
@@ -1620,12 +1704,12 @@
           <a:noFill/>
         </p:spPr>
         <p:txBody>
-          <a:bodyPr wrap="none" lIns="0" rIns="0" rtlCol="0">
+          <a:bodyPr wrap="none" lIns="0" tIns="45719" rIns="0" bIns="45719" rtlCol="0">
             <a:spAutoFit/>
           </a:bodyPr>
           <a:lstStyle/>
           <a:p>
-            <a:pPr marL="0" marR="0" indent="0" algn="l" defTabSz="914400" rtl="0" eaLnBrk="1" fontAlgn="auto" latinLnBrk="1" hangingPunct="1">
+            <a:pPr marL="0" marR="0" indent="0" algn="l" defTabSz="914378" rtl="0" eaLnBrk="1" fontAlgn="auto" latinLnBrk="1" hangingPunct="1">
               <a:lnSpc>
                 <a:spcPct val="100000"/>
               </a:lnSpc>
@@ -1746,7 +1830,7 @@
           </a:fontRef>
         </p:style>
         <p:txBody>
-          <a:bodyPr rtlCol="0" anchor="ctr"/>
+          <a:bodyPr lIns="91438" tIns="45719" rIns="91438" bIns="45719" rtlCol="0" anchor="ctr"/>
           <a:lstStyle/>
           <a:p>
             <a:pPr algn="ctr"/>
@@ -1776,7 +1860,7 @@
 
 <file path=ppt/slideLayouts/slideLayout3.xml><?xml version="1.0" encoding="utf-8"?>
 <p:sldLayout xmlns:a="http://schemas.openxmlformats.org/drawingml/2006/main" xmlns:r="http://schemas.openxmlformats.org/officeDocument/2006/relationships" xmlns:p="http://schemas.openxmlformats.org/presentationml/2006/main" preserve="1" userDrawn="1">
-  <p:cSld name="02. 관련이론">
+  <p:cSld name="1_03. 제작과정">
     <p:spTree>
       <p:nvGrpSpPr>
         <p:cNvPr id="1" name=""/>
@@ -1796,7 +1880,7 @@
           <p:cNvPr id="4" name="날짜 개체 틀 3">
             <a:extLst>
               <a:ext uri="{FF2B5EF4-FFF2-40B4-BE49-F238E27FC236}">
-                <a16:creationId xmlns="" xmlns:a16="http://schemas.microsoft.com/office/drawing/2014/main" id="{46623D75-7690-462B-A0DC-A4F3108DC644}"/>
+                <a16:creationId xmlns:a16="http://schemas.microsoft.com/office/drawing/2014/main" xmlns="" id="{46623D75-7690-462B-A0DC-A4F3108DC644}"/>
               </a:ext>
             </a:extLst>
           </p:cNvPr>
@@ -1825,7 +1909,7 @@
           <p:cNvPr id="5" name="바닥글 개체 틀 4">
             <a:extLst>
               <a:ext uri="{FF2B5EF4-FFF2-40B4-BE49-F238E27FC236}">
-                <a16:creationId xmlns="" xmlns:a16="http://schemas.microsoft.com/office/drawing/2014/main" id="{70F3BCB1-6A24-432F-A778-B735C6861206}"/>
+                <a16:creationId xmlns:a16="http://schemas.microsoft.com/office/drawing/2014/main" xmlns="" id="{70F3BCB1-6A24-432F-A778-B735C6861206}"/>
               </a:ext>
             </a:extLst>
           </p:cNvPr>
@@ -1850,7 +1934,7 @@
           <p:cNvPr id="6" name="슬라이드 번호 개체 틀 5">
             <a:extLst>
               <a:ext uri="{FF2B5EF4-FFF2-40B4-BE49-F238E27FC236}">
-                <a16:creationId xmlns="" xmlns:a16="http://schemas.microsoft.com/office/drawing/2014/main" id="{FB4ED32B-3446-46D1-A849-41F78A9D9060}"/>
+                <a16:creationId xmlns:a16="http://schemas.microsoft.com/office/drawing/2014/main" xmlns="" id="{FB4ED32B-3446-46D1-A849-41F78A9D9060}"/>
               </a:ext>
             </a:extLst>
           </p:cNvPr>
@@ -1879,7 +1963,7 @@
           <p:cNvPr id="7" name="TextBox 6">
             <a:extLst>
               <a:ext uri="{FF2B5EF4-FFF2-40B4-BE49-F238E27FC236}">
-                <a16:creationId xmlns="" xmlns:a16="http://schemas.microsoft.com/office/drawing/2014/main" id="{A1687216-9C76-4F29-934C-F430DF40C5FA}"/>
+                <a16:creationId xmlns:a16="http://schemas.microsoft.com/office/drawing/2014/main" xmlns="" id="{A1687216-9C76-4F29-934C-F430DF40C5FA}"/>
               </a:ext>
             </a:extLst>
           </p:cNvPr>
@@ -1888,8 +1972,8 @@
         </p:nvSpPr>
         <p:spPr>
           <a:xfrm>
-            <a:off x="333000" y="411510"/>
-            <a:ext cx="1994777" cy="523220"/>
+            <a:off x="333000" y="411511"/>
+            <a:ext cx="2000676" cy="523220"/>
           </a:xfrm>
           <a:prstGeom prst="rect">
             <a:avLst/>
@@ -1897,12 +1981,12 @@
           <a:noFill/>
         </p:spPr>
         <p:txBody>
-          <a:bodyPr wrap="none" lIns="0" rIns="0" rtlCol="0">
+          <a:bodyPr wrap="none" lIns="0" tIns="45719" rIns="0" bIns="45719" rtlCol="0">
             <a:spAutoFit/>
           </a:bodyPr>
           <a:lstStyle/>
           <a:p>
-            <a:pPr marL="0" marR="0" indent="0" algn="l" defTabSz="914400" rtl="0" eaLnBrk="1" fontAlgn="auto" latinLnBrk="1" hangingPunct="1">
+            <a:pPr marL="0" marR="0" indent="0" algn="l" defTabSz="914378" rtl="0" eaLnBrk="1" fontAlgn="auto" latinLnBrk="1" hangingPunct="1">
               <a:lnSpc>
                 <a:spcPct val="100000"/>
               </a:lnSpc>
@@ -1959,7 +2043,7 @@
                 <a:latin typeface="한수원 한돋움" pitchFamily="50" charset="-127"/>
                 <a:ea typeface="한수원 한돋움" pitchFamily="50" charset="-127"/>
               </a:rPr>
-              <a:t>관련이론</a:t>
+              <a:t>제작과정</a:t>
             </a:r>
           </a:p>
         </p:txBody>
@@ -2002,7 +2086,7 @@
           </a:fontRef>
         </p:style>
         <p:txBody>
-          <a:bodyPr rtlCol="0" anchor="ctr"/>
+          <a:bodyPr lIns="91438" tIns="45719" rIns="91438" bIns="45719" rtlCol="0" anchor="ctr"/>
           <a:lstStyle/>
           <a:p>
             <a:pPr algn="ctr"/>
@@ -2013,7 +2097,7 @@
     </p:spTree>
     <p:extLst>
       <p:ext uri="{BB962C8B-B14F-4D97-AF65-F5344CB8AC3E}">
-        <p14:creationId xmlns:p14="http://schemas.microsoft.com/office/powerpoint/2010/main" val="2018011994"/>
+        <p14:creationId xmlns:p14="http://schemas.microsoft.com/office/powerpoint/2010/main" val="949830878"/>
       </p:ext>
     </p:extLst>
   </p:cSld>
@@ -2032,7 +2116,7 @@
 
 <file path=ppt/slideLayouts/slideLayout4.xml><?xml version="1.0" encoding="utf-8"?>
 <p:sldLayout xmlns:a="http://schemas.openxmlformats.org/drawingml/2006/main" xmlns:r="http://schemas.openxmlformats.org/officeDocument/2006/relationships" xmlns:p="http://schemas.openxmlformats.org/presentationml/2006/main" preserve="1" userDrawn="1">
-  <p:cSld name="1_03. 제작과정">
+  <p:cSld name="04. 오류개선">
     <p:spTree>
       <p:nvGrpSpPr>
         <p:cNvPr id="1" name=""/>
@@ -2052,7 +2136,7 @@
           <p:cNvPr id="4" name="날짜 개체 틀 3">
             <a:extLst>
               <a:ext uri="{FF2B5EF4-FFF2-40B4-BE49-F238E27FC236}">
-                <a16:creationId xmlns="" xmlns:a16="http://schemas.microsoft.com/office/drawing/2014/main" id="{46623D75-7690-462B-A0DC-A4F3108DC644}"/>
+                <a16:creationId xmlns:a16="http://schemas.microsoft.com/office/drawing/2014/main" xmlns="" id="{46623D75-7690-462B-A0DC-A4F3108DC644}"/>
               </a:ext>
             </a:extLst>
           </p:cNvPr>
@@ -2081,7 +2165,7 @@
           <p:cNvPr id="5" name="바닥글 개체 틀 4">
             <a:extLst>
               <a:ext uri="{FF2B5EF4-FFF2-40B4-BE49-F238E27FC236}">
-                <a16:creationId xmlns="" xmlns:a16="http://schemas.microsoft.com/office/drawing/2014/main" id="{70F3BCB1-6A24-432F-A778-B735C6861206}"/>
+                <a16:creationId xmlns:a16="http://schemas.microsoft.com/office/drawing/2014/main" xmlns="" id="{70F3BCB1-6A24-432F-A778-B735C6861206}"/>
               </a:ext>
             </a:extLst>
           </p:cNvPr>
@@ -2106,7 +2190,7 @@
           <p:cNvPr id="6" name="슬라이드 번호 개체 틀 5">
             <a:extLst>
               <a:ext uri="{FF2B5EF4-FFF2-40B4-BE49-F238E27FC236}">
-                <a16:creationId xmlns="" xmlns:a16="http://schemas.microsoft.com/office/drawing/2014/main" id="{FB4ED32B-3446-46D1-A849-41F78A9D9060}"/>
+                <a16:creationId xmlns:a16="http://schemas.microsoft.com/office/drawing/2014/main" xmlns="" id="{FB4ED32B-3446-46D1-A849-41F78A9D9060}"/>
               </a:ext>
             </a:extLst>
           </p:cNvPr>
@@ -2135,7 +2219,7 @@
           <p:cNvPr id="7" name="TextBox 6">
             <a:extLst>
               <a:ext uri="{FF2B5EF4-FFF2-40B4-BE49-F238E27FC236}">
-                <a16:creationId xmlns="" xmlns:a16="http://schemas.microsoft.com/office/drawing/2014/main" id="{A1687216-9C76-4F29-934C-F430DF40C5FA}"/>
+                <a16:creationId xmlns:a16="http://schemas.microsoft.com/office/drawing/2014/main" xmlns="" id="{A1687216-9C76-4F29-934C-F430DF40C5FA}"/>
               </a:ext>
             </a:extLst>
           </p:cNvPr>
@@ -2144,8 +2228,8 @@
         </p:nvSpPr>
         <p:spPr>
           <a:xfrm>
-            <a:off x="333000" y="411510"/>
-            <a:ext cx="2000676" cy="523220"/>
+            <a:off x="333000" y="411511"/>
+            <a:ext cx="2022990" cy="523220"/>
           </a:xfrm>
           <a:prstGeom prst="rect">
             <a:avLst/>
@@ -2153,12 +2237,12 @@
           <a:noFill/>
         </p:spPr>
         <p:txBody>
-          <a:bodyPr wrap="none" lIns="0" rIns="0" rtlCol="0">
+          <a:bodyPr wrap="none" lIns="0" tIns="45719" rIns="0" bIns="45719" rtlCol="0">
             <a:spAutoFit/>
           </a:bodyPr>
           <a:lstStyle/>
           <a:p>
-            <a:pPr marL="0" marR="0" indent="0" algn="l" defTabSz="914400" rtl="0" eaLnBrk="1" fontAlgn="auto" latinLnBrk="1" hangingPunct="1">
+            <a:pPr marL="0" marR="0" indent="0" algn="l" defTabSz="914378" rtl="0" eaLnBrk="1" fontAlgn="auto" latinLnBrk="1" hangingPunct="1">
               <a:lnSpc>
                 <a:spcPct val="100000"/>
               </a:lnSpc>
@@ -2215,7 +2299,7 @@
                 <a:latin typeface="한수원 한돋움" pitchFamily="50" charset="-127"/>
                 <a:ea typeface="한수원 한돋움" pitchFamily="50" charset="-127"/>
               </a:rPr>
-              <a:t>제작과정</a:t>
+              <a:t>오류개선</a:t>
             </a:r>
           </a:p>
         </p:txBody>
@@ -2258,7 +2342,7 @@
           </a:fontRef>
         </p:style>
         <p:txBody>
-          <a:bodyPr rtlCol="0" anchor="ctr"/>
+          <a:bodyPr lIns="91438" tIns="45719" rIns="91438" bIns="45719" rtlCol="0" anchor="ctr"/>
           <a:lstStyle/>
           <a:p>
             <a:pPr algn="ctr"/>
@@ -2269,7 +2353,7 @@
     </p:spTree>
     <p:extLst>
       <p:ext uri="{BB962C8B-B14F-4D97-AF65-F5344CB8AC3E}">
-        <p14:creationId xmlns:p14="http://schemas.microsoft.com/office/powerpoint/2010/main" val="949830878"/>
+        <p14:creationId xmlns:p14="http://schemas.microsoft.com/office/powerpoint/2010/main" val="2408332000"/>
       </p:ext>
     </p:extLst>
   </p:cSld>
@@ -2288,7 +2372,7 @@
 
 <file path=ppt/slideLayouts/slideLayout5.xml><?xml version="1.0" encoding="utf-8"?>
 <p:sldLayout xmlns:a="http://schemas.openxmlformats.org/drawingml/2006/main" xmlns:r="http://schemas.openxmlformats.org/officeDocument/2006/relationships" xmlns:p="http://schemas.openxmlformats.org/presentationml/2006/main" preserve="1" userDrawn="1">
-  <p:cSld name="04. 오류개선">
+  <p:cSld name="05. 영상 및 관리">
     <p:spTree>
       <p:nvGrpSpPr>
         <p:cNvPr id="1" name=""/>
@@ -2308,7 +2392,7 @@
           <p:cNvPr id="4" name="날짜 개체 틀 3">
             <a:extLst>
               <a:ext uri="{FF2B5EF4-FFF2-40B4-BE49-F238E27FC236}">
-                <a16:creationId xmlns="" xmlns:a16="http://schemas.microsoft.com/office/drawing/2014/main" id="{46623D75-7690-462B-A0DC-A4F3108DC644}"/>
+                <a16:creationId xmlns:a16="http://schemas.microsoft.com/office/drawing/2014/main" xmlns="" id="{46623D75-7690-462B-A0DC-A4F3108DC644}"/>
               </a:ext>
             </a:extLst>
           </p:cNvPr>
@@ -2337,7 +2421,7 @@
           <p:cNvPr id="5" name="바닥글 개체 틀 4">
             <a:extLst>
               <a:ext uri="{FF2B5EF4-FFF2-40B4-BE49-F238E27FC236}">
-                <a16:creationId xmlns="" xmlns:a16="http://schemas.microsoft.com/office/drawing/2014/main" id="{70F3BCB1-6A24-432F-A778-B735C6861206}"/>
+                <a16:creationId xmlns:a16="http://schemas.microsoft.com/office/drawing/2014/main" xmlns="" id="{70F3BCB1-6A24-432F-A778-B735C6861206}"/>
               </a:ext>
             </a:extLst>
           </p:cNvPr>
@@ -2362,7 +2446,7 @@
           <p:cNvPr id="6" name="슬라이드 번호 개체 틀 5">
             <a:extLst>
               <a:ext uri="{FF2B5EF4-FFF2-40B4-BE49-F238E27FC236}">
-                <a16:creationId xmlns="" xmlns:a16="http://schemas.microsoft.com/office/drawing/2014/main" id="{FB4ED32B-3446-46D1-A849-41F78A9D9060}"/>
+                <a16:creationId xmlns:a16="http://schemas.microsoft.com/office/drawing/2014/main" xmlns="" id="{FB4ED32B-3446-46D1-A849-41F78A9D9060}"/>
               </a:ext>
             </a:extLst>
           </p:cNvPr>
@@ -2391,7 +2475,7 @@
           <p:cNvPr id="7" name="TextBox 6">
             <a:extLst>
               <a:ext uri="{FF2B5EF4-FFF2-40B4-BE49-F238E27FC236}">
-                <a16:creationId xmlns="" xmlns:a16="http://schemas.microsoft.com/office/drawing/2014/main" id="{A1687216-9C76-4F29-934C-F430DF40C5FA}"/>
+                <a16:creationId xmlns:a16="http://schemas.microsoft.com/office/drawing/2014/main" xmlns="" id="{A1687216-9C76-4F29-934C-F430DF40C5FA}"/>
               </a:ext>
             </a:extLst>
           </p:cNvPr>
@@ -2400,8 +2484,8 @@
         </p:nvSpPr>
         <p:spPr>
           <a:xfrm>
-            <a:off x="333000" y="411510"/>
-            <a:ext cx="2022990" cy="523220"/>
+            <a:off x="333000" y="411511"/>
+            <a:ext cx="3173946" cy="523220"/>
           </a:xfrm>
           <a:prstGeom prst="rect">
             <a:avLst/>
@@ -2409,12 +2493,12 @@
           <a:noFill/>
         </p:spPr>
         <p:txBody>
-          <a:bodyPr wrap="none" lIns="0" rIns="0" rtlCol="0">
+          <a:bodyPr wrap="none" lIns="0" tIns="45719" rIns="0" bIns="45719" rtlCol="0">
             <a:spAutoFit/>
           </a:bodyPr>
           <a:lstStyle/>
           <a:p>
-            <a:pPr marL="0" marR="0" indent="0" algn="l" defTabSz="914400" rtl="0" eaLnBrk="1" fontAlgn="auto" latinLnBrk="1" hangingPunct="1">
+            <a:pPr marL="0" marR="0" indent="0" algn="l" defTabSz="914378" rtl="0" eaLnBrk="1" fontAlgn="auto" latinLnBrk="1" hangingPunct="1">
               <a:lnSpc>
                 <a:spcPct val="100000"/>
               </a:lnSpc>
@@ -2471,7 +2555,7 @@
                 <a:latin typeface="한수원 한돋움" pitchFamily="50" charset="-127"/>
                 <a:ea typeface="한수원 한돋움" pitchFamily="50" charset="-127"/>
               </a:rPr>
-              <a:t>오류개선</a:t>
+              <a:t>영상 및 형상관리</a:t>
             </a:r>
           </a:p>
         </p:txBody>
@@ -2514,7 +2598,7 @@
           </a:fontRef>
         </p:style>
         <p:txBody>
-          <a:bodyPr rtlCol="0" anchor="ctr"/>
+          <a:bodyPr lIns="91438" tIns="45719" rIns="91438" bIns="45719" rtlCol="0" anchor="ctr"/>
           <a:lstStyle/>
           <a:p>
             <a:pPr algn="ctr"/>
@@ -2543,8 +2627,8 @@
 </file>
 
 <file path=ppt/slideLayouts/slideLayout6.xml><?xml version="1.0" encoding="utf-8"?>
-<p:sldLayout xmlns:a="http://schemas.openxmlformats.org/drawingml/2006/main" xmlns:r="http://schemas.openxmlformats.org/officeDocument/2006/relationships" xmlns:p="http://schemas.openxmlformats.org/presentationml/2006/main" preserve="1" userDrawn="1">
-  <p:cSld name="05. 영상 및 관리">
+<p:sldLayout xmlns:a="http://schemas.openxmlformats.org/drawingml/2006/main" xmlns:r="http://schemas.openxmlformats.org/officeDocument/2006/relationships" xmlns:p="http://schemas.openxmlformats.org/presentationml/2006/main" type="title">
+  <p:cSld name="1_제목 슬라이드">
     <p:spTree>
       <p:nvGrpSpPr>
         <p:cNvPr id="1" name=""/>
@@ -2561,10 +2645,123 @@
       </p:grpSpPr>
       <p:sp>
         <p:nvSpPr>
+          <p:cNvPr id="2" name="제목 1">
+            <a:extLst>
+              <a:ext uri="{FF2B5EF4-FFF2-40B4-BE49-F238E27FC236}">
+                <a16:creationId xmlns:a16="http://schemas.microsoft.com/office/drawing/2014/main" xmlns="" id="{36BFCA8F-81E3-4494-807A-19ED363184C9}"/>
+              </a:ext>
+            </a:extLst>
+          </p:cNvPr>
+          <p:cNvSpPr>
+            <a:spLocks noGrp="1"/>
+          </p:cNvSpPr>
+          <p:nvPr>
+            <p:ph type="ctrTitle"/>
+          </p:nvPr>
+        </p:nvSpPr>
+        <p:spPr>
+          <a:xfrm>
+            <a:off x="1143000" y="841772"/>
+            <a:ext cx="6858000" cy="1790700"/>
+          </a:xfrm>
+          <a:prstGeom prst="rect">
+            <a:avLst/>
+          </a:prstGeom>
+        </p:spPr>
+        <p:txBody>
+          <a:bodyPr lIns="68579" tIns="34289" rIns="68579" bIns="34289" anchor="b"/>
+          <a:lstStyle>
+            <a:lvl1pPr algn="ctr">
+              <a:defRPr sz="4500"/>
+            </a:lvl1pPr>
+          </a:lstStyle>
+          <a:p>
+            <a:r>
+              <a:rPr lang="ko-KR" altLang="en-US"/>
+              <a:t>마스터 제목 스타일 편집</a:t>
+            </a:r>
+          </a:p>
+        </p:txBody>
+      </p:sp>
+      <p:sp>
+        <p:nvSpPr>
+          <p:cNvPr id="3" name="부제목 2">
+            <a:extLst>
+              <a:ext uri="{FF2B5EF4-FFF2-40B4-BE49-F238E27FC236}">
+                <a16:creationId xmlns:a16="http://schemas.microsoft.com/office/drawing/2014/main" xmlns="" id="{54A30F0C-47F5-4BBB-8D9A-EEA1FF7E8DFB}"/>
+              </a:ext>
+            </a:extLst>
+          </p:cNvPr>
+          <p:cNvSpPr>
+            <a:spLocks noGrp="1"/>
+          </p:cNvSpPr>
+          <p:nvPr>
+            <p:ph type="subTitle" idx="1"/>
+          </p:nvPr>
+        </p:nvSpPr>
+        <p:spPr>
+          <a:xfrm>
+            <a:off x="1143000" y="2701528"/>
+            <a:ext cx="6858000" cy="1241822"/>
+          </a:xfrm>
+          <a:prstGeom prst="rect">
+            <a:avLst/>
+          </a:prstGeom>
+        </p:spPr>
+        <p:txBody>
+          <a:bodyPr lIns="68579" tIns="34289" rIns="68579" bIns="34289"/>
+          <a:lstStyle>
+            <a:lvl1pPr marL="0" indent="0" algn="ctr">
+              <a:buNone/>
+              <a:defRPr sz="1800"/>
+            </a:lvl1pPr>
+            <a:lvl2pPr marL="342892" indent="0" algn="ctr">
+              <a:buNone/>
+              <a:defRPr sz="1500"/>
+            </a:lvl2pPr>
+            <a:lvl3pPr marL="685783" indent="0" algn="ctr">
+              <a:buNone/>
+              <a:defRPr sz="1400"/>
+            </a:lvl3pPr>
+            <a:lvl4pPr marL="1028675" indent="0" algn="ctr">
+              <a:buNone/>
+              <a:defRPr sz="1200"/>
+            </a:lvl4pPr>
+            <a:lvl5pPr marL="1371566" indent="0" algn="ctr">
+              <a:buNone/>
+              <a:defRPr sz="1200"/>
+            </a:lvl5pPr>
+            <a:lvl6pPr marL="1714457" indent="0" algn="ctr">
+              <a:buNone/>
+              <a:defRPr sz="1200"/>
+            </a:lvl6pPr>
+            <a:lvl7pPr marL="2057348" indent="0" algn="ctr">
+              <a:buNone/>
+              <a:defRPr sz="1200"/>
+            </a:lvl7pPr>
+            <a:lvl8pPr marL="2400240" indent="0" algn="ctr">
+              <a:buNone/>
+              <a:defRPr sz="1200"/>
+            </a:lvl8pPr>
+            <a:lvl9pPr marL="2743132" indent="0" algn="ctr">
+              <a:buNone/>
+              <a:defRPr sz="1200"/>
+            </a:lvl9pPr>
+          </a:lstStyle>
+          <a:p>
+            <a:r>
+              <a:rPr lang="ko-KR" altLang="en-US"/>
+              <a:t>클릭하여 마스터 부제목 스타일 편집</a:t>
+            </a:r>
+          </a:p>
+        </p:txBody>
+      </p:sp>
+      <p:sp>
+        <p:nvSpPr>
           <p:cNvPr id="4" name="날짜 개체 틀 3">
             <a:extLst>
               <a:ext uri="{FF2B5EF4-FFF2-40B4-BE49-F238E27FC236}">
-                <a16:creationId xmlns="" xmlns:a16="http://schemas.microsoft.com/office/drawing/2014/main" id="{46623D75-7690-462B-A0DC-A4F3108DC644}"/>
+                <a16:creationId xmlns:a16="http://schemas.microsoft.com/office/drawing/2014/main" xmlns="" id="{3BA2C713-AC81-4EB2-9330-581E0B6AE811}"/>
               </a:ext>
             </a:extLst>
           </p:cNvPr>
@@ -2580,7 +2777,7 @@
           <a:bodyPr/>
           <a:lstStyle/>
           <a:p>
-            <a:fld id="{CF798D60-6305-4CBF-A4B2-1F42DE11A197}" type="datetimeFigureOut">
+            <a:fld id="{25C880E9-F562-4ADC-9C95-311ED8011E61}" type="datetimeFigureOut">
               <a:rPr lang="ko-KR" altLang="en-US" smtClean="0"/>
               <a:t>2021-04-11</a:t>
             </a:fld>
@@ -2593,7 +2790,7 @@
           <p:cNvPr id="5" name="바닥글 개체 틀 4">
             <a:extLst>
               <a:ext uri="{FF2B5EF4-FFF2-40B4-BE49-F238E27FC236}">
-                <a16:creationId xmlns="" xmlns:a16="http://schemas.microsoft.com/office/drawing/2014/main" id="{70F3BCB1-6A24-432F-A778-B735C6861206}"/>
+                <a16:creationId xmlns:a16="http://schemas.microsoft.com/office/drawing/2014/main" xmlns="" id="{1F0F55EC-D62C-46D0-85AA-2079E978B3AC}"/>
               </a:ext>
             </a:extLst>
           </p:cNvPr>
@@ -2618,7 +2815,7 @@
           <p:cNvPr id="6" name="슬라이드 번호 개체 틀 5">
             <a:extLst>
               <a:ext uri="{FF2B5EF4-FFF2-40B4-BE49-F238E27FC236}">
-                <a16:creationId xmlns="" xmlns:a16="http://schemas.microsoft.com/office/drawing/2014/main" id="{FB4ED32B-3446-46D1-A849-41F78A9D9060}"/>
+                <a16:creationId xmlns:a16="http://schemas.microsoft.com/office/drawing/2014/main" xmlns="" id="{A786F994-D68F-40EE-B340-2867A153420B}"/>
               </a:ext>
             </a:extLst>
           </p:cNvPr>
@@ -2634,7 +2831,7 @@
           <a:bodyPr/>
           <a:lstStyle/>
           <a:p>
-            <a:fld id="{A10AD074-B7EC-4A86-A6F1-B495F370F4A6}" type="slidenum">
+            <a:fld id="{EE250DE6-3C68-4F76-8C4E-25446DCA7F98}" type="slidenum">
               <a:rPr lang="ko-KR" altLang="en-US" smtClean="0"/>
               <a:t>‹#›</a:t>
             </a:fld>
@@ -2642,198 +2839,42 @@
           </a:p>
         </p:txBody>
       </p:sp>
-      <p:sp>
-        <p:nvSpPr>
-          <p:cNvPr id="7" name="TextBox 6">
-            <a:extLst>
-              <a:ext uri="{FF2B5EF4-FFF2-40B4-BE49-F238E27FC236}">
-                <a16:creationId xmlns="" xmlns:a16="http://schemas.microsoft.com/office/drawing/2014/main" id="{A1687216-9C76-4F29-934C-F430DF40C5FA}"/>
-              </a:ext>
-            </a:extLst>
-          </p:cNvPr>
-          <p:cNvSpPr txBox="1"/>
-          <p:nvPr userDrawn="1"/>
-        </p:nvSpPr>
-        <p:spPr>
-          <a:xfrm>
-            <a:off x="333000" y="411510"/>
-            <a:ext cx="3173946" cy="523220"/>
-          </a:xfrm>
-          <a:prstGeom prst="rect">
-            <a:avLst/>
-          </a:prstGeom>
-          <a:noFill/>
-        </p:spPr>
-        <p:txBody>
-          <a:bodyPr wrap="none" lIns="0" rIns="0" rtlCol="0">
-            <a:spAutoFit/>
-          </a:bodyPr>
-          <a:lstStyle/>
-          <a:p>
-            <a:pPr marL="0" marR="0" indent="0" algn="l" defTabSz="914400" rtl="0" eaLnBrk="1" fontAlgn="auto" latinLnBrk="1" hangingPunct="1">
-              <a:lnSpc>
-                <a:spcPct val="100000"/>
-              </a:lnSpc>
-              <a:spcBef>
-                <a:spcPts val="0"/>
-              </a:spcBef>
-              <a:spcAft>
-                <a:spcPts val="0"/>
-              </a:spcAft>
-              <a:buClrTx/>
-              <a:buSzTx/>
-              <a:buFontTx/>
-              <a:buNone/>
-              <a:tabLst/>
-              <a:defRPr/>
-            </a:pPr>
-            <a:r>
-              <a:rPr lang="en-US" altLang="ko-KR" sz="2800" b="1" dirty="0" smtClean="0">
-                <a:ln>
-                  <a:solidFill>
-                    <a:schemeClr val="accent1">
-                      <a:shade val="50000"/>
-                      <a:alpha val="0"/>
-                    </a:schemeClr>
-                  </a:solidFill>
-                </a:ln>
-                <a:solidFill>
-                  <a:schemeClr val="tx1">
-                    <a:lumMod val="75000"/>
-                    <a:lumOff val="25000"/>
-                  </a:schemeClr>
-                </a:solidFill>
-                <a:latin typeface="한수원 한돋움" pitchFamily="50" charset="-127"/>
-                <a:ea typeface="한수원 한돋움" pitchFamily="50" charset="-127"/>
-              </a:rPr>
-              <a:t>05. </a:t>
-            </a:r>
-            <a:r>
-              <a:rPr lang="ko-KR" altLang="en-US" sz="2800" b="1" dirty="0" smtClean="0">
-                <a:ln>
-                  <a:solidFill>
-                    <a:schemeClr val="accent1">
-                      <a:shade val="50000"/>
-                      <a:alpha val="0"/>
-                    </a:schemeClr>
-                  </a:solidFill>
-                </a:ln>
-                <a:solidFill>
-                  <a:schemeClr val="tx1">
-                    <a:lumMod val="75000"/>
-                    <a:lumOff val="25000"/>
-                  </a:schemeClr>
-                </a:solidFill>
-                <a:latin typeface="한수원 한돋움" pitchFamily="50" charset="-127"/>
-                <a:ea typeface="한수원 한돋움" pitchFamily="50" charset="-127"/>
-              </a:rPr>
-              <a:t>영상 및 </a:t>
-            </a:r>
-            <a:r>
-              <a:rPr lang="ko-KR" altLang="en-US" sz="2800" b="1" dirty="0" smtClean="0">
-                <a:ln>
-                  <a:solidFill>
-                    <a:schemeClr val="accent1">
-                      <a:shade val="50000"/>
-                      <a:alpha val="0"/>
-                    </a:schemeClr>
-                  </a:solidFill>
-                </a:ln>
-                <a:solidFill>
-                  <a:schemeClr val="tx1">
-                    <a:lumMod val="75000"/>
-                    <a:lumOff val="25000"/>
-                  </a:schemeClr>
-                </a:solidFill>
-                <a:latin typeface="한수원 한돋움" pitchFamily="50" charset="-127"/>
-                <a:ea typeface="한수원 한돋움" pitchFamily="50" charset="-127"/>
-              </a:rPr>
-              <a:t>형상관리</a:t>
-            </a:r>
-            <a:endParaRPr lang="ko-KR" altLang="en-US" sz="2800" b="1" dirty="0" smtClean="0">
-              <a:ln>
-                <a:solidFill>
-                  <a:schemeClr val="accent1">
-                    <a:shade val="50000"/>
-                    <a:alpha val="0"/>
-                  </a:schemeClr>
-                </a:solidFill>
-              </a:ln>
-              <a:solidFill>
-                <a:schemeClr val="tx1">
-                  <a:lumMod val="75000"/>
-                  <a:lumOff val="25000"/>
-                </a:schemeClr>
-              </a:solidFill>
-              <a:latin typeface="한수원 한돋움" pitchFamily="50" charset="-127"/>
-              <a:ea typeface="한수원 한돋움" pitchFamily="50" charset="-127"/>
-            </a:endParaRPr>
-          </a:p>
-        </p:txBody>
-      </p:sp>
-      <p:sp>
-        <p:nvSpPr>
-          <p:cNvPr id="9" name="직사각형 8"/>
-          <p:cNvSpPr/>
-          <p:nvPr userDrawn="1"/>
-        </p:nvSpPr>
-        <p:spPr>
-          <a:xfrm>
-            <a:off x="333000" y="959070"/>
-            <a:ext cx="8478000" cy="25200"/>
-          </a:xfrm>
-          <a:prstGeom prst="rect">
-            <a:avLst/>
-          </a:prstGeom>
-          <a:solidFill>
-            <a:srgbClr val="5E97E1"/>
-          </a:solidFill>
-          <a:ln>
-            <a:noFill/>
-          </a:ln>
-        </p:spPr>
-        <p:style>
-          <a:lnRef idx="2">
-            <a:schemeClr val="accent1">
-              <a:shade val="50000"/>
-            </a:schemeClr>
-          </a:lnRef>
-          <a:fillRef idx="1">
-            <a:schemeClr val="accent1"/>
-          </a:fillRef>
-          <a:effectRef idx="0">
-            <a:schemeClr val="accent1"/>
-          </a:effectRef>
-          <a:fontRef idx="minor">
-            <a:schemeClr val="lt1"/>
-          </a:fontRef>
-        </p:style>
-        <p:txBody>
-          <a:bodyPr rtlCol="0" anchor="ctr"/>
-          <a:lstStyle/>
-          <a:p>
-            <a:pPr algn="ctr"/>
-            <a:endParaRPr lang="ko-KR" altLang="en-US"/>
-          </a:p>
-        </p:txBody>
-      </p:sp>
     </p:spTree>
     <p:extLst>
       <p:ext uri="{BB962C8B-B14F-4D97-AF65-F5344CB8AC3E}">
-        <p14:creationId xmlns:p14="http://schemas.microsoft.com/office/powerpoint/2010/main" val="2408332000"/>
+        <p14:creationId xmlns:p14="http://schemas.microsoft.com/office/powerpoint/2010/main" val="2003183520"/>
       </p:ext>
     </p:extLst>
   </p:cSld>
   <p:clrMapOvr>
     <a:masterClrMapping/>
   </p:clrMapOvr>
-  <p:timing>
-    <p:tnLst>
-      <p:par>
-        <p:cTn id="1" dur="indefinite" restart="never" nodeType="tmRoot"/>
-      </p:par>
-    </p:tnLst>
-  </p:timing>
+  <p:extLst mod="1">
+    <p:ext uri="{DCECCB84-F9BA-43D5-87BE-67443E8EF086}">
+      <p15:sldGuideLst xmlns:p15="http://schemas.microsoft.com/office/powerpoint/2012/main" xmlns="">
+        <p15:guide id="1" orient="horz" pos="278" userDrawn="1">
+          <p15:clr>
+            <a:srgbClr val="FBAE40"/>
+          </p15:clr>
+        </p15:guide>
+        <p15:guide id="2" pos="393" userDrawn="1">
+          <p15:clr>
+            <a:srgbClr val="FBAE40"/>
+          </p15:clr>
+        </p15:guide>
+        <p15:guide id="4" orient="horz" pos="4042" userDrawn="1">
+          <p15:clr>
+            <a:srgbClr val="FBAE40"/>
+          </p15:clr>
+        </p15:guide>
+        <p15:guide id="5" pos="7287" userDrawn="1">
+          <p15:clr>
+            <a:srgbClr val="FBAE40"/>
+          </p15:clr>
+        </p15:guide>
+      </p15:sldGuideLst>
+    </p:ext>
+  </p:extLst>
 </p:sldLayout>
 </file>
 
@@ -2867,7 +2908,7 @@
           <p:cNvPr id="4" name="날짜 개체 틀 3">
             <a:extLst>
               <a:ext uri="{FF2B5EF4-FFF2-40B4-BE49-F238E27FC236}">
-                <a16:creationId xmlns="" xmlns:a16="http://schemas.microsoft.com/office/drawing/2014/main" id="{42D06877-D131-4080-A9F4-48C0B274C06E}"/>
+                <a16:creationId xmlns:a16="http://schemas.microsoft.com/office/drawing/2014/main" xmlns="" id="{42D06877-D131-4080-A9F4-48C0B274C06E}"/>
               </a:ext>
             </a:extLst>
           </p:cNvPr>
@@ -2880,7 +2921,7 @@
         </p:nvSpPr>
         <p:spPr>
           <a:xfrm>
-            <a:off x="628650" y="4767263"/>
+            <a:off x="628650" y="4767264"/>
             <a:ext cx="2057400" cy="273844"/>
           </a:xfrm>
           <a:prstGeom prst="rect">
@@ -2888,7 +2929,7 @@
           </a:prstGeom>
         </p:spPr>
         <p:txBody>
-          <a:bodyPr vert="horz" lIns="68580" tIns="34290" rIns="68580" bIns="34290" rtlCol="0" anchor="ctr"/>
+          <a:bodyPr vert="horz" lIns="68579" tIns="34289" rIns="68579" bIns="34289" rtlCol="0" anchor="ctr"/>
           <a:lstStyle>
             <a:lvl1pPr algn="l">
               <a:defRPr sz="900">
@@ -2914,7 +2955,7 @@
           <p:cNvPr id="5" name="바닥글 개체 틀 4">
             <a:extLst>
               <a:ext uri="{FF2B5EF4-FFF2-40B4-BE49-F238E27FC236}">
-                <a16:creationId xmlns="" xmlns:a16="http://schemas.microsoft.com/office/drawing/2014/main" id="{64076F67-2A68-49D1-BB80-037677E09A3F}"/>
+                <a16:creationId xmlns:a16="http://schemas.microsoft.com/office/drawing/2014/main" xmlns="" id="{64076F67-2A68-49D1-BB80-037677E09A3F}"/>
               </a:ext>
             </a:extLst>
           </p:cNvPr>
@@ -2927,7 +2968,7 @@
         </p:nvSpPr>
         <p:spPr>
           <a:xfrm>
-            <a:off x="3028950" y="4767263"/>
+            <a:off x="3028950" y="4767264"/>
             <a:ext cx="3086100" cy="273844"/>
           </a:xfrm>
           <a:prstGeom prst="rect">
@@ -2935,7 +2976,7 @@
           </a:prstGeom>
         </p:spPr>
         <p:txBody>
-          <a:bodyPr vert="horz" lIns="68580" tIns="34290" rIns="68580" bIns="34290" rtlCol="0" anchor="ctr"/>
+          <a:bodyPr vert="horz" lIns="68579" tIns="34289" rIns="68579" bIns="34289" rtlCol="0" anchor="ctr"/>
           <a:lstStyle>
             <a:lvl1pPr algn="ctr">
               <a:defRPr sz="900">
@@ -2957,7 +2998,7 @@
           <p:cNvPr id="6" name="슬라이드 번호 개체 틀 5">
             <a:extLst>
               <a:ext uri="{FF2B5EF4-FFF2-40B4-BE49-F238E27FC236}">
-                <a16:creationId xmlns="" xmlns:a16="http://schemas.microsoft.com/office/drawing/2014/main" id="{58782565-736B-44B3-9A33-43CB9E3F7716}"/>
+                <a16:creationId xmlns:a16="http://schemas.microsoft.com/office/drawing/2014/main" xmlns="" id="{58782565-736B-44B3-9A33-43CB9E3F7716}"/>
               </a:ext>
             </a:extLst>
           </p:cNvPr>
@@ -2970,7 +3011,7 @@
         </p:nvSpPr>
         <p:spPr>
           <a:xfrm>
-            <a:off x="6457950" y="4767263"/>
+            <a:off x="6457950" y="4767264"/>
             <a:ext cx="2057400" cy="273844"/>
           </a:xfrm>
           <a:prstGeom prst="rect">
@@ -2978,7 +3019,7 @@
           </a:prstGeom>
         </p:spPr>
         <p:txBody>
-          <a:bodyPr vert="horz" lIns="68580" tIns="34290" rIns="68580" bIns="34290" rtlCol="0" anchor="ctr"/>
+          <a:bodyPr vert="horz" lIns="68579" tIns="34289" rIns="68579" bIns="34289" rtlCol="0" anchor="ctr"/>
           <a:lstStyle>
             <a:lvl1pPr algn="r">
               <a:defRPr sz="900">
@@ -3010,10 +3051,10 @@
   <p:sldLayoutIdLst>
     <p:sldLayoutId id="2147483661" r:id="rId1"/>
     <p:sldLayoutId id="2147483662" r:id="rId2"/>
-    <p:sldLayoutId id="2147483667" r:id="rId3"/>
-    <p:sldLayoutId id="2147483671" r:id="rId4"/>
-    <p:sldLayoutId id="2147483669" r:id="rId5"/>
-    <p:sldLayoutId id="2147483670" r:id="rId6"/>
+    <p:sldLayoutId id="2147483671" r:id="rId3"/>
+    <p:sldLayoutId id="2147483669" r:id="rId4"/>
+    <p:sldLayoutId id="2147483670" r:id="rId5"/>
+    <p:sldLayoutId id="2147483672" r:id="rId6"/>
   </p:sldLayoutIdLst>
   <p:timing>
     <p:tnLst>
@@ -3024,7 +3065,7 @@
   </p:timing>
   <p:txStyles>
     <p:titleStyle>
-      <a:lvl1pPr algn="l" defTabSz="685800" rtl="0" eaLnBrk="1" latinLnBrk="1" hangingPunct="1">
+      <a:lvl1pPr algn="l" defTabSz="685783" rtl="0" eaLnBrk="1" latinLnBrk="1" hangingPunct="1">
         <a:lnSpc>
           <a:spcPct val="90000"/>
         </a:lnSpc>
@@ -3043,7 +3084,7 @@
       </a:lvl1pPr>
     </p:titleStyle>
     <p:bodyStyle>
-      <a:lvl1pPr marL="171450" indent="-171450" algn="l" defTabSz="685800" rtl="0" eaLnBrk="1" latinLnBrk="1" hangingPunct="1">
+      <a:lvl1pPr marL="171446" indent="-171446" algn="l" defTabSz="685783" rtl="0" eaLnBrk="1" latinLnBrk="1" hangingPunct="1">
         <a:lnSpc>
           <a:spcPct val="90000"/>
         </a:lnSpc>
@@ -3061,7 +3102,7 @@
           <a:cs typeface="+mn-cs"/>
         </a:defRPr>
       </a:lvl1pPr>
-      <a:lvl2pPr marL="514350" indent="-171450" algn="l" defTabSz="685800" rtl="0" eaLnBrk="1" latinLnBrk="1" hangingPunct="1">
+      <a:lvl2pPr marL="514337" indent="-171446" algn="l" defTabSz="685783" rtl="0" eaLnBrk="1" latinLnBrk="1" hangingPunct="1">
         <a:lnSpc>
           <a:spcPct val="90000"/>
         </a:lnSpc>
@@ -3079,7 +3120,7 @@
           <a:cs typeface="+mn-cs"/>
         </a:defRPr>
       </a:lvl2pPr>
-      <a:lvl3pPr marL="857250" indent="-171450" algn="l" defTabSz="685800" rtl="0" eaLnBrk="1" latinLnBrk="1" hangingPunct="1">
+      <a:lvl3pPr marL="857228" indent="-171446" algn="l" defTabSz="685783" rtl="0" eaLnBrk="1" latinLnBrk="1" hangingPunct="1">
         <a:lnSpc>
           <a:spcPct val="90000"/>
         </a:lnSpc>
@@ -3097,7 +3138,7 @@
           <a:cs typeface="+mn-cs"/>
         </a:defRPr>
       </a:lvl3pPr>
-      <a:lvl4pPr marL="1200150" indent="-171450" algn="l" defTabSz="685800" rtl="0" eaLnBrk="1" latinLnBrk="1" hangingPunct="1">
+      <a:lvl4pPr marL="1200120" indent="-171446" algn="l" defTabSz="685783" rtl="0" eaLnBrk="1" latinLnBrk="1" hangingPunct="1">
         <a:lnSpc>
           <a:spcPct val="90000"/>
         </a:lnSpc>
@@ -3115,7 +3156,7 @@
           <a:cs typeface="+mn-cs"/>
         </a:defRPr>
       </a:lvl4pPr>
-      <a:lvl5pPr marL="1543050" indent="-171450" algn="l" defTabSz="685800" rtl="0" eaLnBrk="1" latinLnBrk="1" hangingPunct="1">
+      <a:lvl5pPr marL="1543012" indent="-171446" algn="l" defTabSz="685783" rtl="0" eaLnBrk="1" latinLnBrk="1" hangingPunct="1">
         <a:lnSpc>
           <a:spcPct val="90000"/>
         </a:lnSpc>
@@ -3133,7 +3174,7 @@
           <a:cs typeface="+mn-cs"/>
         </a:defRPr>
       </a:lvl5pPr>
-      <a:lvl6pPr marL="1885950" indent="-171450" algn="l" defTabSz="685800" rtl="0" eaLnBrk="1" latinLnBrk="1" hangingPunct="1">
+      <a:lvl6pPr marL="1885903" indent="-171446" algn="l" defTabSz="685783" rtl="0" eaLnBrk="1" latinLnBrk="1" hangingPunct="1">
         <a:lnSpc>
           <a:spcPct val="90000"/>
         </a:lnSpc>
@@ -3151,7 +3192,7 @@
           <a:cs typeface="+mn-cs"/>
         </a:defRPr>
       </a:lvl6pPr>
-      <a:lvl7pPr marL="2228850" indent="-171450" algn="l" defTabSz="685800" rtl="0" eaLnBrk="1" latinLnBrk="1" hangingPunct="1">
+      <a:lvl7pPr marL="2228795" indent="-171446" algn="l" defTabSz="685783" rtl="0" eaLnBrk="1" latinLnBrk="1" hangingPunct="1">
         <a:lnSpc>
           <a:spcPct val="90000"/>
         </a:lnSpc>
@@ -3169,7 +3210,7 @@
           <a:cs typeface="+mn-cs"/>
         </a:defRPr>
       </a:lvl7pPr>
-      <a:lvl8pPr marL="2571750" indent="-171450" algn="l" defTabSz="685800" rtl="0" eaLnBrk="1" latinLnBrk="1" hangingPunct="1">
+      <a:lvl8pPr marL="2571686" indent="-171446" algn="l" defTabSz="685783" rtl="0" eaLnBrk="1" latinLnBrk="1" hangingPunct="1">
         <a:lnSpc>
           <a:spcPct val="90000"/>
         </a:lnSpc>
@@ -3187,7 +3228,7 @@
           <a:cs typeface="+mn-cs"/>
         </a:defRPr>
       </a:lvl8pPr>
-      <a:lvl9pPr marL="2914650" indent="-171450" algn="l" defTabSz="685800" rtl="0" eaLnBrk="1" latinLnBrk="1" hangingPunct="1">
+      <a:lvl9pPr marL="2914577" indent="-171446" algn="l" defTabSz="685783" rtl="0" eaLnBrk="1" latinLnBrk="1" hangingPunct="1">
         <a:lnSpc>
           <a:spcPct val="90000"/>
         </a:lnSpc>
@@ -3210,7 +3251,7 @@
       <a:defPPr>
         <a:defRPr lang="ko-KR"/>
       </a:defPPr>
-      <a:lvl1pPr marL="0" algn="l" defTabSz="685800" rtl="0" eaLnBrk="1" latinLnBrk="1" hangingPunct="1">
+      <a:lvl1pPr marL="0" algn="l" defTabSz="685783" rtl="0" eaLnBrk="1" latinLnBrk="1" hangingPunct="1">
         <a:defRPr sz="1400" kern="1200">
           <a:solidFill>
             <a:schemeClr val="tx1"/>
@@ -3220,7 +3261,7 @@
           <a:cs typeface="+mn-cs"/>
         </a:defRPr>
       </a:lvl1pPr>
-      <a:lvl2pPr marL="342900" algn="l" defTabSz="685800" rtl="0" eaLnBrk="1" latinLnBrk="1" hangingPunct="1">
+      <a:lvl2pPr marL="342892" algn="l" defTabSz="685783" rtl="0" eaLnBrk="1" latinLnBrk="1" hangingPunct="1">
         <a:defRPr sz="1400" kern="1200">
           <a:solidFill>
             <a:schemeClr val="tx1"/>
@@ -3230,7 +3271,7 @@
           <a:cs typeface="+mn-cs"/>
         </a:defRPr>
       </a:lvl2pPr>
-      <a:lvl3pPr marL="685800" algn="l" defTabSz="685800" rtl="0" eaLnBrk="1" latinLnBrk="1" hangingPunct="1">
+      <a:lvl3pPr marL="685783" algn="l" defTabSz="685783" rtl="0" eaLnBrk="1" latinLnBrk="1" hangingPunct="1">
         <a:defRPr sz="1400" kern="1200">
           <a:solidFill>
             <a:schemeClr val="tx1"/>
@@ -3240,7 +3281,7 @@
           <a:cs typeface="+mn-cs"/>
         </a:defRPr>
       </a:lvl3pPr>
-      <a:lvl4pPr marL="1028700" algn="l" defTabSz="685800" rtl="0" eaLnBrk="1" latinLnBrk="1" hangingPunct="1">
+      <a:lvl4pPr marL="1028675" algn="l" defTabSz="685783" rtl="0" eaLnBrk="1" latinLnBrk="1" hangingPunct="1">
         <a:defRPr sz="1400" kern="1200">
           <a:solidFill>
             <a:schemeClr val="tx1"/>
@@ -3250,7 +3291,7 @@
           <a:cs typeface="+mn-cs"/>
         </a:defRPr>
       </a:lvl4pPr>
-      <a:lvl5pPr marL="1371600" algn="l" defTabSz="685800" rtl="0" eaLnBrk="1" latinLnBrk="1" hangingPunct="1">
+      <a:lvl5pPr marL="1371566" algn="l" defTabSz="685783" rtl="0" eaLnBrk="1" latinLnBrk="1" hangingPunct="1">
         <a:defRPr sz="1400" kern="1200">
           <a:solidFill>
             <a:schemeClr val="tx1"/>
@@ -3260,7 +3301,7 @@
           <a:cs typeface="+mn-cs"/>
         </a:defRPr>
       </a:lvl5pPr>
-      <a:lvl6pPr marL="1714500" algn="l" defTabSz="685800" rtl="0" eaLnBrk="1" latinLnBrk="1" hangingPunct="1">
+      <a:lvl6pPr marL="1714457" algn="l" defTabSz="685783" rtl="0" eaLnBrk="1" latinLnBrk="1" hangingPunct="1">
         <a:defRPr sz="1400" kern="1200">
           <a:solidFill>
             <a:schemeClr val="tx1"/>
@@ -3270,7 +3311,7 @@
           <a:cs typeface="+mn-cs"/>
         </a:defRPr>
       </a:lvl6pPr>
-      <a:lvl7pPr marL="2057400" algn="l" defTabSz="685800" rtl="0" eaLnBrk="1" latinLnBrk="1" hangingPunct="1">
+      <a:lvl7pPr marL="2057348" algn="l" defTabSz="685783" rtl="0" eaLnBrk="1" latinLnBrk="1" hangingPunct="1">
         <a:defRPr sz="1400" kern="1200">
           <a:solidFill>
             <a:schemeClr val="tx1"/>
@@ -3280,7 +3321,7 @@
           <a:cs typeface="+mn-cs"/>
         </a:defRPr>
       </a:lvl7pPr>
-      <a:lvl8pPr marL="2400300" algn="l" defTabSz="685800" rtl="0" eaLnBrk="1" latinLnBrk="1" hangingPunct="1">
+      <a:lvl8pPr marL="2400240" algn="l" defTabSz="685783" rtl="0" eaLnBrk="1" latinLnBrk="1" hangingPunct="1">
         <a:defRPr sz="1400" kern="1200">
           <a:solidFill>
             <a:schemeClr val="tx1"/>
@@ -3290,7 +3331,7 @@
           <a:cs typeface="+mn-cs"/>
         </a:defRPr>
       </a:lvl8pPr>
-      <a:lvl9pPr marL="2743200" algn="l" defTabSz="685800" rtl="0" eaLnBrk="1" latinLnBrk="1" hangingPunct="1">
+      <a:lvl9pPr marL="2743132" algn="l" defTabSz="685783" rtl="0" eaLnBrk="1" latinLnBrk="1" hangingPunct="1">
         <a:defRPr sz="1400" kern="1200">
           <a:solidFill>
             <a:schemeClr val="tx1"/>
@@ -3338,7 +3379,7 @@
         </p:nvSpPr>
         <p:spPr>
           <a:xfrm>
-            <a:off x="-1" y="0"/>
+            <a:off x="0" y="0"/>
             <a:ext cx="5632055" cy="5143500"/>
           </a:xfrm>
           <a:prstGeom prst="rect">
@@ -3372,7 +3413,7 @@
           </a:fontRef>
         </p:style>
         <p:txBody>
-          <a:bodyPr rtlCol="0" anchor="ctr"/>
+          <a:bodyPr lIns="91438" tIns="45719" rIns="91438" bIns="45719" rtlCol="0" anchor="ctr"/>
           <a:lstStyle/>
           <a:p>
             <a:pPr algn="ctr"/>
@@ -3388,7 +3429,7 @@
         </p:nvGrpSpPr>
         <p:grpSpPr>
           <a:xfrm>
-            <a:off x="4448430" y="3851078"/>
+            <a:off x="4448431" y="3851079"/>
             <a:ext cx="2517159" cy="376856"/>
             <a:chOff x="4985407" y="3631662"/>
             <a:chExt cx="2517159" cy="376856"/>
@@ -3399,7 +3440,7 @@
             <p:cNvPr id="17" name="직선 연결선 16">
               <a:extLst>
                 <a:ext uri="{FF2B5EF4-FFF2-40B4-BE49-F238E27FC236}">
-                  <a16:creationId xmlns="" xmlns:a16="http://schemas.microsoft.com/office/drawing/2014/main" id="{AA7311F7-BDB2-4871-A52E-85827F6BBA0C}"/>
+                  <a16:creationId xmlns:a16="http://schemas.microsoft.com/office/drawing/2014/main" xmlns="" id="{AA7311F7-BDB2-4871-A52E-85827F6BBA0C}"/>
                 </a:ext>
               </a:extLst>
             </p:cNvPr>
@@ -3440,7 +3481,7 @@
             <p:cNvPr id="18" name="직사각형 17">
               <a:extLst>
                 <a:ext uri="{FF2B5EF4-FFF2-40B4-BE49-F238E27FC236}">
-                  <a16:creationId xmlns="" xmlns:a16="http://schemas.microsoft.com/office/drawing/2014/main" id="{4607419D-DA91-41E9-BA14-DED2C6883059}"/>
+                  <a16:creationId xmlns:a16="http://schemas.microsoft.com/office/drawing/2014/main" xmlns="" id="{4607419D-DA91-41E9-BA14-DED2C6883059}"/>
                 </a:ext>
               </a:extLst>
             </p:cNvPr>
@@ -3526,7 +3567,7 @@
         </p:nvGrpSpPr>
         <p:grpSpPr>
           <a:xfrm>
-            <a:off x="4448430" y="1491630"/>
+            <a:off x="4448431" y="1491631"/>
             <a:ext cx="3651962" cy="1226672"/>
             <a:chOff x="6603999" y="1460640"/>
             <a:chExt cx="4869282" cy="1635562"/>
@@ -3537,7 +3578,7 @@
             <p:cNvPr id="7" name="TextBox 6">
               <a:extLst>
                 <a:ext uri="{FF2B5EF4-FFF2-40B4-BE49-F238E27FC236}">
-                  <a16:creationId xmlns="" xmlns:a16="http://schemas.microsoft.com/office/drawing/2014/main" id="{704C1FE0-6BEB-44C5-B4B9-1755F444F838}"/>
+                  <a16:creationId xmlns:a16="http://schemas.microsoft.com/office/drawing/2014/main" xmlns="" id="{704C1FE0-6BEB-44C5-B4B9-1755F444F838}"/>
                 </a:ext>
               </a:extLst>
             </p:cNvPr>
@@ -3586,7 +3627,7 @@
             <p:cNvPr id="50" name="TextBox 49">
               <a:extLst>
                 <a:ext uri="{FF2B5EF4-FFF2-40B4-BE49-F238E27FC236}">
-                  <a16:creationId xmlns="" xmlns:a16="http://schemas.microsoft.com/office/drawing/2014/main" id="{704C1FE0-6BEB-44C5-B4B9-1755F444F838}"/>
+                  <a16:creationId xmlns:a16="http://schemas.microsoft.com/office/drawing/2014/main" xmlns="" id="{704C1FE0-6BEB-44C5-B4B9-1755F444F838}"/>
                 </a:ext>
               </a:extLst>
             </p:cNvPr>
@@ -3724,7 +3765,7 @@
           <p:cNvPr id="7" name="TextBox 6">
             <a:extLst>
               <a:ext uri="{FF2B5EF4-FFF2-40B4-BE49-F238E27FC236}">
-                <a16:creationId xmlns="" xmlns:a16="http://schemas.microsoft.com/office/drawing/2014/main" id="{704C1FE0-6BEB-44C5-B4B9-1755F444F838}"/>
+                <a16:creationId xmlns:a16="http://schemas.microsoft.com/office/drawing/2014/main" xmlns="" id="{704C1FE0-6BEB-44C5-B4B9-1755F444F838}"/>
               </a:ext>
             </a:extLst>
           </p:cNvPr>
@@ -3742,7 +3783,7 @@
           <a:noFill/>
         </p:spPr>
         <p:txBody>
-          <a:bodyPr wrap="none" lIns="0" rtlCol="0">
+          <a:bodyPr wrap="none" lIns="0" tIns="45719" rIns="91438" bIns="45719" rtlCol="0">
             <a:noAutofit/>
           </a:bodyPr>
           <a:lstStyle/>
@@ -3788,7 +3829,7 @@
           <p:cNvPr id="17" name="직선 연결선 16">
             <a:extLst>
               <a:ext uri="{FF2B5EF4-FFF2-40B4-BE49-F238E27FC236}">
-                <a16:creationId xmlns="" xmlns:a16="http://schemas.microsoft.com/office/drawing/2014/main" id="{AA7311F7-BDB2-4871-A52E-85827F6BBA0C}"/>
+                <a16:creationId xmlns:a16="http://schemas.microsoft.com/office/drawing/2014/main" xmlns="" id="{AA7311F7-BDB2-4871-A52E-85827F6BBA0C}"/>
               </a:ext>
             </a:extLst>
           </p:cNvPr>
@@ -3826,15 +3867,215 @@
           </a:fontRef>
         </p:style>
       </p:cxnSp>
+      <p:sp>
+        <p:nvSpPr>
+          <p:cNvPr id="65" name="직사각형 64">
+            <a:extLst>
+              <a:ext uri="{FF2B5EF4-FFF2-40B4-BE49-F238E27FC236}">
+                <a16:creationId xmlns:a16="http://schemas.microsoft.com/office/drawing/2014/main" xmlns="" id="{4607419D-DA91-41E9-BA14-DED2C6883059}"/>
+              </a:ext>
+            </a:extLst>
+          </p:cNvPr>
+          <p:cNvSpPr/>
+          <p:nvPr/>
+        </p:nvSpPr>
+        <p:spPr>
+          <a:xfrm>
+            <a:off x="540934" y="1891971"/>
+            <a:ext cx="934723" cy="871389"/>
+          </a:xfrm>
+          <a:prstGeom prst="rect">
+            <a:avLst/>
+          </a:prstGeom>
+          <a:noFill/>
+        </p:spPr>
+        <p:txBody>
+          <a:bodyPr wrap="square" lIns="0" tIns="45719" rIns="91438" bIns="45719" rtlCol="0">
+            <a:spAutoFit/>
+          </a:bodyPr>
+          <a:lstStyle/>
+          <a:p>
+            <a:pPr>
+              <a:lnSpc>
+                <a:spcPct val="150000"/>
+              </a:lnSpc>
+            </a:pPr>
+            <a:r>
+              <a:rPr lang="ko-KR" altLang="en-US" sz="1100" dirty="0">
+                <a:ln>
+                  <a:solidFill>
+                    <a:schemeClr val="accent1">
+                      <a:shade val="50000"/>
+                      <a:alpha val="0"/>
+                    </a:schemeClr>
+                  </a:solidFill>
+                </a:ln>
+                <a:solidFill>
+                  <a:schemeClr val="tx1">
+                    <a:lumMod val="75000"/>
+                    <a:lumOff val="25000"/>
+                  </a:schemeClr>
+                </a:solidFill>
+                <a:latin typeface="한수원 한돋움 Bold" pitchFamily="50" charset="-127"/>
+                <a:ea typeface="한수원 한돋움 Bold" pitchFamily="50" charset="-127"/>
+              </a:rPr>
+              <a:t>당첨확률을 </a:t>
+            </a:r>
+            <a:r>
+              <a:rPr lang="en-US" altLang="ko-KR" sz="1100" dirty="0">
+                <a:ln>
+                  <a:solidFill>
+                    <a:schemeClr val="accent1">
+                      <a:shade val="50000"/>
+                      <a:alpha val="0"/>
+                    </a:schemeClr>
+                  </a:solidFill>
+                </a:ln>
+                <a:solidFill>
+                  <a:schemeClr val="tx1">
+                    <a:lumMod val="75000"/>
+                    <a:lumOff val="25000"/>
+                  </a:schemeClr>
+                </a:solidFill>
+                <a:latin typeface="한수원 한돋움 Bold" pitchFamily="50" charset="-127"/>
+                <a:ea typeface="한수원 한돋움 Bold" pitchFamily="50" charset="-127"/>
+              </a:rPr>
+              <a:t/>
+            </a:r>
+            <a:br>
+              <a:rPr lang="en-US" altLang="ko-KR" sz="1100" dirty="0">
+                <a:ln>
+                  <a:solidFill>
+                    <a:schemeClr val="accent1">
+                      <a:shade val="50000"/>
+                      <a:alpha val="0"/>
+                    </a:schemeClr>
+                  </a:solidFill>
+                </a:ln>
+                <a:solidFill>
+                  <a:schemeClr val="tx1">
+                    <a:lumMod val="75000"/>
+                    <a:lumOff val="25000"/>
+                  </a:schemeClr>
+                </a:solidFill>
+                <a:latin typeface="한수원 한돋움 Bold" pitchFamily="50" charset="-127"/>
+                <a:ea typeface="한수원 한돋움 Bold" pitchFamily="50" charset="-127"/>
+              </a:rPr>
+            </a:br>
+            <a:r>
+              <a:rPr lang="ko-KR" altLang="en-US" sz="1100" dirty="0">
+                <a:ln>
+                  <a:solidFill>
+                    <a:schemeClr val="accent1">
+                      <a:shade val="50000"/>
+                      <a:alpha val="0"/>
+                    </a:schemeClr>
+                  </a:solidFill>
+                </a:ln>
+                <a:solidFill>
+                  <a:schemeClr val="tx1">
+                    <a:lumMod val="75000"/>
+                    <a:lumOff val="25000"/>
+                  </a:schemeClr>
+                </a:solidFill>
+                <a:latin typeface="한수원 한돋움 Bold" pitchFamily="50" charset="-127"/>
+                <a:ea typeface="한수원 한돋움 Bold" pitchFamily="50" charset="-127"/>
+              </a:rPr>
+              <a:t>높인 </a:t>
+            </a:r>
+            <a:r>
+              <a:rPr lang="ko-KR" altLang="en-US" sz="1100" dirty="0" err="1">
+                <a:ln>
+                  <a:solidFill>
+                    <a:schemeClr val="accent1">
+                      <a:shade val="50000"/>
+                      <a:alpha val="0"/>
+                    </a:schemeClr>
+                  </a:solidFill>
+                </a:ln>
+                <a:solidFill>
+                  <a:schemeClr val="tx1">
+                    <a:lumMod val="75000"/>
+                    <a:lumOff val="25000"/>
+                  </a:schemeClr>
+                </a:solidFill>
+                <a:latin typeface="한수원 한돋움 Bold" pitchFamily="50" charset="-127"/>
+                <a:ea typeface="한수원 한돋움 Bold" pitchFamily="50" charset="-127"/>
+              </a:rPr>
+              <a:t>로또번호</a:t>
+            </a:r>
+            <a:r>
+              <a:rPr lang="ko-KR" altLang="en-US" sz="1100" dirty="0">
+                <a:ln>
+                  <a:solidFill>
+                    <a:schemeClr val="accent1">
+                      <a:shade val="50000"/>
+                      <a:alpha val="0"/>
+                    </a:schemeClr>
+                  </a:solidFill>
+                </a:ln>
+                <a:solidFill>
+                  <a:schemeClr val="tx1">
+                    <a:lumMod val="75000"/>
+                    <a:lumOff val="25000"/>
+                  </a:schemeClr>
+                </a:solidFill>
+                <a:latin typeface="한수원 한돋움 Bold" pitchFamily="50" charset="-127"/>
+                <a:ea typeface="한수원 한돋움 Bold" pitchFamily="50" charset="-127"/>
+              </a:rPr>
+              <a:t> </a:t>
+            </a:r>
+            <a:r>
+              <a:rPr lang="ko-KR" altLang="en-US" sz="1100" dirty="0" err="1">
+                <a:ln>
+                  <a:solidFill>
+                    <a:schemeClr val="accent1">
+                      <a:shade val="50000"/>
+                      <a:alpha val="0"/>
+                    </a:schemeClr>
+                  </a:solidFill>
+                </a:ln>
+                <a:solidFill>
+                  <a:schemeClr val="tx1">
+                    <a:lumMod val="75000"/>
+                    <a:lumOff val="25000"/>
+                  </a:schemeClr>
+                </a:solidFill>
+                <a:latin typeface="한수원 한돋움 Bold" pitchFamily="50" charset="-127"/>
+                <a:ea typeface="한수원 한돋움 Bold" pitchFamily="50" charset="-127"/>
+              </a:rPr>
+              <a:t>생성기</a:t>
+            </a:r>
+            <a:endParaRPr lang="ko-KR" altLang="en-US" sz="1100" dirty="0">
+              <a:ln>
+                <a:solidFill>
+                  <a:schemeClr val="accent1">
+                    <a:shade val="50000"/>
+                    <a:alpha val="0"/>
+                  </a:schemeClr>
+                </a:solidFill>
+              </a:ln>
+              <a:solidFill>
+                <a:schemeClr val="tx1">
+                  <a:lumMod val="75000"/>
+                  <a:lumOff val="25000"/>
+                </a:schemeClr>
+              </a:solidFill>
+              <a:latin typeface="한수원 한돋움 Bold" pitchFamily="50" charset="-127"/>
+              <a:ea typeface="한수원 한돋움 Bold" pitchFamily="50" charset="-127"/>
+            </a:endParaRPr>
+          </a:p>
+        </p:txBody>
+      </p:sp>
       <p:grpSp>
         <p:nvGrpSpPr>
-          <p:cNvPr id="3" name="그룹 2"/>
+          <p:cNvPr id="22" name="그룹 21"/>
           <p:cNvGrpSpPr/>
           <p:nvPr/>
         </p:nvGrpSpPr>
         <p:grpSpPr>
           <a:xfrm>
-            <a:off x="5847181" y="1189510"/>
+            <a:off x="5847182" y="1563638"/>
             <a:ext cx="2397227" cy="518144"/>
             <a:chOff x="5847181" y="1189510"/>
             <a:chExt cx="2397227" cy="518144"/>
@@ -3842,10 +4083,10 @@
         </p:grpSpPr>
         <p:sp>
           <p:nvSpPr>
-            <p:cNvPr id="63" name="직사각형 62">
+            <p:cNvPr id="32" name="직사각형 31">
               <a:extLst>
                 <a:ext uri="{FF2B5EF4-FFF2-40B4-BE49-F238E27FC236}">
-                  <a16:creationId xmlns="" xmlns:a16="http://schemas.microsoft.com/office/drawing/2014/main" id="{79E4D4CF-E815-4434-98D1-D205C55FA41F}"/>
+                  <a16:creationId xmlns:a16="http://schemas.microsoft.com/office/drawing/2014/main" xmlns="" id="{79E4D4CF-E815-4434-98D1-D205C55FA41F}"/>
                 </a:ext>
               </a:extLst>
             </p:cNvPr>
@@ -3894,10 +4135,10 @@
         </p:sp>
         <p:sp>
           <p:nvSpPr>
-            <p:cNvPr id="99" name="직사각형 98">
+            <p:cNvPr id="33" name="직사각형 32">
               <a:extLst>
                 <a:ext uri="{FF2B5EF4-FFF2-40B4-BE49-F238E27FC236}">
-                  <a16:creationId xmlns="" xmlns:a16="http://schemas.microsoft.com/office/drawing/2014/main" id="{00ED8BB9-3121-4110-8B98-9D680221AE12}"/>
+                  <a16:creationId xmlns:a16="http://schemas.microsoft.com/office/drawing/2014/main" xmlns="" id="{00ED8BB9-3121-4110-8B98-9D680221AE12}"/>
                 </a:ext>
               </a:extLst>
             </p:cNvPr>
@@ -3921,7 +4162,7 @@
             <a:p>
               <a:pPr algn="r"/>
               <a:r>
-                <a:rPr lang="en-US" altLang="ko-KR" sz="3600" spc="300" dirty="0" smtClean="0">
+                <a:rPr lang="en-US" altLang="ko-KR" sz="3600" spc="300" dirty="0">
                   <a:ln>
                     <a:solidFill>
                       <a:schemeClr val="accent1">
@@ -3963,13 +4204,13 @@
       </p:grpSp>
       <p:grpSp>
         <p:nvGrpSpPr>
-          <p:cNvPr id="4" name="그룹 3"/>
+          <p:cNvPr id="23" name="그룹 22"/>
           <p:cNvGrpSpPr/>
           <p:nvPr/>
         </p:nvGrpSpPr>
         <p:grpSpPr>
           <a:xfrm>
-            <a:off x="5847181" y="1891588"/>
+            <a:off x="5847182" y="2375033"/>
             <a:ext cx="2397227" cy="518144"/>
             <a:chOff x="5847181" y="1891588"/>
             <a:chExt cx="2397227" cy="518144"/>
@@ -3977,10 +4218,10 @@
         </p:grpSpPr>
         <p:sp>
           <p:nvSpPr>
-            <p:cNvPr id="64" name="직사각형 63">
+            <p:cNvPr id="30" name="직사각형 29">
               <a:extLst>
                 <a:ext uri="{FF2B5EF4-FFF2-40B4-BE49-F238E27FC236}">
-                  <a16:creationId xmlns="" xmlns:a16="http://schemas.microsoft.com/office/drawing/2014/main" id="{71E05397-CBA0-4CD3-BDA0-ECCF9AD60C5A}"/>
+                  <a16:creationId xmlns:a16="http://schemas.microsoft.com/office/drawing/2014/main" xmlns="" id="{71E05397-CBA0-4CD3-BDA0-ECCF9AD60C5A}"/>
                 </a:ext>
               </a:extLst>
             </p:cNvPr>
@@ -4022,17 +4263,35 @@
                   <a:latin typeface="한수원 한돋움 Bold" pitchFamily="50" charset="-127"/>
                   <a:ea typeface="한수원 한돋움 Bold" pitchFamily="50" charset="-127"/>
                 </a:rPr>
-                <a:t>관련이론</a:t>
+                <a:t>제작과정</a:t>
               </a:r>
+              <a:endParaRPr lang="ko-KR" altLang="en-US" sz="2100" dirty="0">
+                <a:ln>
+                  <a:solidFill>
+                    <a:schemeClr val="accent1">
+                      <a:shade val="50000"/>
+                      <a:alpha val="0"/>
+                    </a:schemeClr>
+                  </a:solidFill>
+                </a:ln>
+                <a:solidFill>
+                  <a:schemeClr val="tx1">
+                    <a:lumMod val="75000"/>
+                    <a:lumOff val="25000"/>
+                  </a:schemeClr>
+                </a:solidFill>
+                <a:latin typeface="한수원 한돋움 Bold" pitchFamily="50" charset="-127"/>
+                <a:ea typeface="한수원 한돋움 Bold" pitchFamily="50" charset="-127"/>
+              </a:endParaRPr>
             </a:p>
           </p:txBody>
         </p:sp>
         <p:sp>
           <p:nvSpPr>
-            <p:cNvPr id="58" name="직사각형 57">
+            <p:cNvPr id="31" name="직사각형 30">
               <a:extLst>
                 <a:ext uri="{FF2B5EF4-FFF2-40B4-BE49-F238E27FC236}">
-                  <a16:creationId xmlns="" xmlns:a16="http://schemas.microsoft.com/office/drawing/2014/main" id="{00ED8BB9-3121-4110-8B98-9D680221AE12}"/>
+                  <a16:creationId xmlns:a16="http://schemas.microsoft.com/office/drawing/2014/main" xmlns="" id="{00ED8BB9-3121-4110-8B98-9D680221AE12}"/>
                 </a:ext>
               </a:extLst>
             </p:cNvPr>
@@ -4056,7 +4315,7 @@
             <a:p>
               <a:pPr algn="r"/>
               <a:r>
-                <a:rPr lang="en-US" altLang="ko-KR" sz="3600" dirty="0" smtClean="0">
+                <a:rPr lang="en-US" altLang="ko-KR" sz="3600" dirty="0">
                   <a:ln>
                     <a:solidFill>
                       <a:schemeClr val="accent1">
@@ -4098,13 +4357,13 @@
       </p:grpSp>
       <p:grpSp>
         <p:nvGrpSpPr>
-          <p:cNvPr id="5" name="그룹 4"/>
+          <p:cNvPr id="24" name="그룹 23"/>
           <p:cNvGrpSpPr/>
           <p:nvPr/>
         </p:nvGrpSpPr>
         <p:grpSpPr>
           <a:xfrm>
-            <a:off x="5847181" y="2593666"/>
+            <a:off x="5847182" y="3186428"/>
             <a:ext cx="2397227" cy="518144"/>
             <a:chOff x="5847181" y="2593666"/>
             <a:chExt cx="2397227" cy="518144"/>
@@ -4112,10 +4371,10 @@
         </p:grpSpPr>
         <p:sp>
           <p:nvSpPr>
-            <p:cNvPr id="68" name="직사각형 67">
+            <p:cNvPr id="28" name="직사각형 27">
               <a:extLst>
                 <a:ext uri="{FF2B5EF4-FFF2-40B4-BE49-F238E27FC236}">
-                  <a16:creationId xmlns="" xmlns:a16="http://schemas.microsoft.com/office/drawing/2014/main" id="{137EA967-CEA9-44DE-9294-0D152AA293B8}"/>
+                  <a16:creationId xmlns:a16="http://schemas.microsoft.com/office/drawing/2014/main" xmlns="" id="{137EA967-CEA9-44DE-9294-0D152AA293B8}"/>
                 </a:ext>
               </a:extLst>
             </p:cNvPr>
@@ -4157,17 +4416,35 @@
                   <a:latin typeface="한수원 한돋움 Bold" pitchFamily="50" charset="-127"/>
                   <a:ea typeface="한수원 한돋움 Bold" pitchFamily="50" charset="-127"/>
                 </a:rPr>
-                <a:t>제작과정</a:t>
+                <a:t>오류개선</a:t>
               </a:r>
+              <a:endParaRPr lang="ko-KR" altLang="en-US" sz="2100" dirty="0">
+                <a:ln>
+                  <a:solidFill>
+                    <a:schemeClr val="accent1">
+                      <a:shade val="50000"/>
+                      <a:alpha val="0"/>
+                    </a:schemeClr>
+                  </a:solidFill>
+                </a:ln>
+                <a:solidFill>
+                  <a:schemeClr val="tx1">
+                    <a:lumMod val="75000"/>
+                    <a:lumOff val="25000"/>
+                  </a:schemeClr>
+                </a:solidFill>
+                <a:latin typeface="한수원 한돋움 Bold" pitchFamily="50" charset="-127"/>
+                <a:ea typeface="한수원 한돋움 Bold" pitchFamily="50" charset="-127"/>
+              </a:endParaRPr>
             </a:p>
           </p:txBody>
         </p:sp>
         <p:sp>
           <p:nvSpPr>
-            <p:cNvPr id="60" name="직사각형 59">
+            <p:cNvPr id="29" name="직사각형 28">
               <a:extLst>
                 <a:ext uri="{FF2B5EF4-FFF2-40B4-BE49-F238E27FC236}">
-                  <a16:creationId xmlns="" xmlns:a16="http://schemas.microsoft.com/office/drawing/2014/main" id="{00ED8BB9-3121-4110-8B98-9D680221AE12}"/>
+                  <a16:creationId xmlns:a16="http://schemas.microsoft.com/office/drawing/2014/main" xmlns="" id="{00ED8BB9-3121-4110-8B98-9D680221AE12}"/>
                 </a:ext>
               </a:extLst>
             </p:cNvPr>
@@ -4191,7 +4468,7 @@
             <a:p>
               <a:pPr algn="r"/>
               <a:r>
-                <a:rPr lang="en-US" altLang="ko-KR" sz="3600" kern="4000" spc="-100" dirty="0" smtClean="0">
+                <a:rPr lang="en-US" altLang="ko-KR" sz="3600" kern="4000" spc="-100" dirty="0">
                   <a:ln>
                     <a:solidFill>
                       <a:schemeClr val="accent1">
@@ -4233,13 +4510,13 @@
       </p:grpSp>
       <p:grpSp>
         <p:nvGrpSpPr>
-          <p:cNvPr id="6" name="그룹 5"/>
+          <p:cNvPr id="25" name="그룹 24"/>
           <p:cNvGrpSpPr/>
           <p:nvPr/>
         </p:nvGrpSpPr>
         <p:grpSpPr>
           <a:xfrm>
-            <a:off x="5847181" y="3295744"/>
+            <a:off x="5847182" y="3997822"/>
             <a:ext cx="2397227" cy="518144"/>
             <a:chOff x="5847181" y="3295744"/>
             <a:chExt cx="2397227" cy="518144"/>
@@ -4247,10 +4524,10 @@
         </p:grpSpPr>
         <p:sp>
           <p:nvSpPr>
-            <p:cNvPr id="45" name="직사각형 44">
+            <p:cNvPr id="26" name="직사각형 25">
               <a:extLst>
                 <a:ext uri="{FF2B5EF4-FFF2-40B4-BE49-F238E27FC236}">
-                  <a16:creationId xmlns="" xmlns:a16="http://schemas.microsoft.com/office/drawing/2014/main" id="{A7B5F3E0-8716-4DBC-9C00-68995BAFCA3B}"/>
+                  <a16:creationId xmlns:a16="http://schemas.microsoft.com/office/drawing/2014/main" xmlns="" id="{A7B5F3E0-8716-4DBC-9C00-68995BAFCA3B}"/>
                 </a:ext>
               </a:extLst>
             </p:cNvPr>
@@ -4292,17 +4569,35 @@
                   <a:latin typeface="한수원 한돋움 Bold" pitchFamily="50" charset="-127"/>
                   <a:ea typeface="한수원 한돋움 Bold" pitchFamily="50" charset="-127"/>
                 </a:rPr>
-                <a:t>오류개선</a:t>
+                <a:t>영상 및 관리</a:t>
               </a:r>
+              <a:endParaRPr lang="ko-KR" altLang="en-US" sz="2100" dirty="0">
+                <a:ln>
+                  <a:solidFill>
+                    <a:schemeClr val="accent1">
+                      <a:shade val="50000"/>
+                      <a:alpha val="0"/>
+                    </a:schemeClr>
+                  </a:solidFill>
+                </a:ln>
+                <a:solidFill>
+                  <a:schemeClr val="tx1">
+                    <a:lumMod val="75000"/>
+                    <a:lumOff val="25000"/>
+                  </a:schemeClr>
+                </a:solidFill>
+                <a:latin typeface="한수원 한돋움 Bold" pitchFamily="50" charset="-127"/>
+                <a:ea typeface="한수원 한돋움 Bold" pitchFamily="50" charset="-127"/>
+              </a:endParaRPr>
             </a:p>
           </p:txBody>
         </p:sp>
         <p:sp>
           <p:nvSpPr>
-            <p:cNvPr id="61" name="직사각형 60">
+            <p:cNvPr id="27" name="직사각형 26">
               <a:extLst>
                 <a:ext uri="{FF2B5EF4-FFF2-40B4-BE49-F238E27FC236}">
-                  <a16:creationId xmlns="" xmlns:a16="http://schemas.microsoft.com/office/drawing/2014/main" id="{00ED8BB9-3121-4110-8B98-9D680221AE12}"/>
+                  <a16:creationId xmlns:a16="http://schemas.microsoft.com/office/drawing/2014/main" xmlns="" id="{00ED8BB9-3121-4110-8B98-9D680221AE12}"/>
                 </a:ext>
               </a:extLst>
             </p:cNvPr>
@@ -4366,345 +4661,10 @@
           </p:txBody>
         </p:sp>
       </p:grpSp>
-      <p:grpSp>
-        <p:nvGrpSpPr>
-          <p:cNvPr id="8" name="그룹 7"/>
-          <p:cNvGrpSpPr/>
-          <p:nvPr/>
-        </p:nvGrpSpPr>
-        <p:grpSpPr>
-          <a:xfrm>
-            <a:off x="5847181" y="3997822"/>
-            <a:ext cx="2397227" cy="518144"/>
-            <a:chOff x="5847181" y="3997822"/>
-            <a:chExt cx="2397227" cy="518144"/>
-          </a:xfrm>
-        </p:grpSpPr>
-        <p:sp>
-          <p:nvSpPr>
-            <p:cNvPr id="70" name="직사각형 69">
-              <a:extLst>
-                <a:ext uri="{FF2B5EF4-FFF2-40B4-BE49-F238E27FC236}">
-                  <a16:creationId xmlns="" xmlns:a16="http://schemas.microsoft.com/office/drawing/2014/main" id="{D2C3B632-98AE-4CAD-B71A-D73025C66A5F}"/>
-                </a:ext>
-              </a:extLst>
-            </p:cNvPr>
-            <p:cNvSpPr/>
-            <p:nvPr/>
-          </p:nvSpPr>
-          <p:spPr>
-            <a:xfrm>
-              <a:off x="5847181" y="3997822"/>
-              <a:ext cx="1600022" cy="392415"/>
-            </a:xfrm>
-            <a:prstGeom prst="rect">
-              <a:avLst/>
-            </a:prstGeom>
-          </p:spPr>
-          <p:txBody>
-            <a:bodyPr wrap="square" lIns="68580" tIns="34290" rIns="68580" bIns="34290" anchor="b">
-              <a:spAutoFit/>
-            </a:bodyPr>
-            <a:lstStyle/>
-            <a:p>
-              <a:pPr algn="r"/>
-              <a:r>
-                <a:rPr lang="ko-KR" altLang="en-US" sz="2100" dirty="0">
-                  <a:ln>
-                    <a:solidFill>
-                      <a:schemeClr val="accent1">
-                        <a:shade val="50000"/>
-                        <a:alpha val="0"/>
-                      </a:schemeClr>
-                    </a:solidFill>
-                  </a:ln>
-                  <a:solidFill>
-                    <a:schemeClr val="tx1">
-                      <a:lumMod val="75000"/>
-                      <a:lumOff val="25000"/>
-                    </a:schemeClr>
-                  </a:solidFill>
-                  <a:latin typeface="한수원 한돋움 Bold" pitchFamily="50" charset="-127"/>
-                  <a:ea typeface="한수원 한돋움 Bold" pitchFamily="50" charset="-127"/>
-                </a:rPr>
-                <a:t>영상 및 관리</a:t>
-              </a:r>
-            </a:p>
-          </p:txBody>
-        </p:sp>
-        <p:sp>
-          <p:nvSpPr>
-            <p:cNvPr id="62" name="직사각형 61">
-              <a:extLst>
-                <a:ext uri="{FF2B5EF4-FFF2-40B4-BE49-F238E27FC236}">
-                  <a16:creationId xmlns="" xmlns:a16="http://schemas.microsoft.com/office/drawing/2014/main" id="{00ED8BB9-3121-4110-8B98-9D680221AE12}"/>
-                </a:ext>
-              </a:extLst>
-            </p:cNvPr>
-            <p:cNvSpPr/>
-            <p:nvPr/>
-          </p:nvSpPr>
-          <p:spPr>
-            <a:xfrm>
-              <a:off x="7616901" y="3997822"/>
-              <a:ext cx="627507" cy="518144"/>
-            </a:xfrm>
-            <a:prstGeom prst="rect">
-              <a:avLst/>
-            </a:prstGeom>
-          </p:spPr>
-          <p:txBody>
-            <a:bodyPr wrap="square" lIns="0" tIns="0" rIns="0" bIns="0" anchor="b">
-              <a:noAutofit/>
-            </a:bodyPr>
-            <a:lstStyle/>
-            <a:p>
-              <a:pPr algn="r"/>
-              <a:r>
-                <a:rPr lang="en-US" altLang="ko-KR" sz="3600" kern="4000" spc="-100" dirty="0">
-                  <a:ln>
-                    <a:solidFill>
-                      <a:schemeClr val="accent1">
-                        <a:shade val="50000"/>
-                        <a:alpha val="0"/>
-                      </a:schemeClr>
-                    </a:solidFill>
-                  </a:ln>
-                  <a:solidFill>
-                    <a:schemeClr val="bg1">
-                      <a:lumMod val="50000"/>
-                    </a:schemeClr>
-                  </a:solidFill>
-                  <a:latin typeface="한수원 한돋움 Bold" pitchFamily="50" charset="-127"/>
-                  <a:ea typeface="한수원 한돋움 Bold" pitchFamily="50" charset="-127"/>
-                </a:rPr>
-                <a:t>05</a:t>
-              </a:r>
-              <a:endParaRPr lang="ko-KR" altLang="en-US" sz="3600" kern="4000" spc="-100" dirty="0">
-                <a:ln>
-                  <a:solidFill>
-                    <a:schemeClr val="accent1">
-                      <a:shade val="50000"/>
-                      <a:alpha val="0"/>
-                    </a:schemeClr>
-                  </a:solidFill>
-                </a:ln>
-                <a:solidFill>
-                  <a:schemeClr val="bg1">
-                    <a:lumMod val="50000"/>
-                  </a:schemeClr>
-                </a:solidFill>
-                <a:latin typeface="한수원 한돋움 Bold" pitchFamily="50" charset="-127"/>
-                <a:ea typeface="한수원 한돋움 Bold" pitchFamily="50" charset="-127"/>
-              </a:endParaRPr>
-            </a:p>
-          </p:txBody>
-        </p:sp>
-      </p:grpSp>
-      <p:sp>
-        <p:nvSpPr>
-          <p:cNvPr id="65" name="직사각형 64">
-            <a:extLst>
-              <a:ext uri="{FF2B5EF4-FFF2-40B4-BE49-F238E27FC236}">
-                <a16:creationId xmlns="" xmlns:a16="http://schemas.microsoft.com/office/drawing/2014/main" id="{4607419D-DA91-41E9-BA14-DED2C6883059}"/>
-              </a:ext>
-            </a:extLst>
-          </p:cNvPr>
-          <p:cNvSpPr/>
-          <p:nvPr/>
-        </p:nvSpPr>
-        <p:spPr>
-          <a:xfrm>
-            <a:off x="540933" y="1891971"/>
-            <a:ext cx="934723" cy="854080"/>
-          </a:xfrm>
-          <a:prstGeom prst="rect">
-            <a:avLst/>
-          </a:prstGeom>
-          <a:noFill/>
-        </p:spPr>
-        <p:txBody>
-          <a:bodyPr wrap="square" lIns="0" rtlCol="0">
-            <a:spAutoFit/>
-          </a:bodyPr>
-          <a:lstStyle/>
-          <a:p>
-            <a:pPr>
-              <a:lnSpc>
-                <a:spcPct val="150000"/>
-              </a:lnSpc>
-            </a:pPr>
-            <a:r>
-              <a:rPr lang="ko-KR" altLang="en-US" sz="1100" dirty="0">
-                <a:ln>
-                  <a:solidFill>
-                    <a:schemeClr val="accent1">
-                      <a:shade val="50000"/>
-                      <a:alpha val="0"/>
-                    </a:schemeClr>
-                  </a:solidFill>
-                </a:ln>
-                <a:solidFill>
-                  <a:schemeClr val="tx1">
-                    <a:lumMod val="75000"/>
-                    <a:lumOff val="25000"/>
-                  </a:schemeClr>
-                </a:solidFill>
-                <a:latin typeface="한수원 한돋움 Bold" pitchFamily="50" charset="-127"/>
-                <a:ea typeface="한수원 한돋움 Bold" pitchFamily="50" charset="-127"/>
-              </a:rPr>
-              <a:t>당첨확률을 </a:t>
-            </a:r>
-            <a:r>
-              <a:rPr lang="en-US" altLang="ko-KR" sz="1100" dirty="0" smtClean="0">
-                <a:ln>
-                  <a:solidFill>
-                    <a:schemeClr val="accent1">
-                      <a:shade val="50000"/>
-                      <a:alpha val="0"/>
-                    </a:schemeClr>
-                  </a:solidFill>
-                </a:ln>
-                <a:solidFill>
-                  <a:schemeClr val="tx1">
-                    <a:lumMod val="75000"/>
-                    <a:lumOff val="25000"/>
-                  </a:schemeClr>
-                </a:solidFill>
-                <a:latin typeface="한수원 한돋움 Bold" pitchFamily="50" charset="-127"/>
-                <a:ea typeface="한수원 한돋움 Bold" pitchFamily="50" charset="-127"/>
-              </a:rPr>
-              <a:t/>
-            </a:r>
-            <a:br>
-              <a:rPr lang="en-US" altLang="ko-KR" sz="1100" dirty="0" smtClean="0">
-                <a:ln>
-                  <a:solidFill>
-                    <a:schemeClr val="accent1">
-                      <a:shade val="50000"/>
-                      <a:alpha val="0"/>
-                    </a:schemeClr>
-                  </a:solidFill>
-                </a:ln>
-                <a:solidFill>
-                  <a:schemeClr val="tx1">
-                    <a:lumMod val="75000"/>
-                    <a:lumOff val="25000"/>
-                  </a:schemeClr>
-                </a:solidFill>
-                <a:latin typeface="한수원 한돋움 Bold" pitchFamily="50" charset="-127"/>
-                <a:ea typeface="한수원 한돋움 Bold" pitchFamily="50" charset="-127"/>
-              </a:rPr>
-            </a:br>
-            <a:r>
-              <a:rPr lang="ko-KR" altLang="en-US" sz="1100" dirty="0" smtClean="0">
-                <a:ln>
-                  <a:solidFill>
-                    <a:schemeClr val="accent1">
-                      <a:shade val="50000"/>
-                      <a:alpha val="0"/>
-                    </a:schemeClr>
-                  </a:solidFill>
-                </a:ln>
-                <a:solidFill>
-                  <a:schemeClr val="tx1">
-                    <a:lumMod val="75000"/>
-                    <a:lumOff val="25000"/>
-                  </a:schemeClr>
-                </a:solidFill>
-                <a:latin typeface="한수원 한돋움 Bold" pitchFamily="50" charset="-127"/>
-                <a:ea typeface="한수원 한돋움 Bold" pitchFamily="50" charset="-127"/>
-              </a:rPr>
-              <a:t>높인 </a:t>
-            </a:r>
-            <a:r>
-              <a:rPr lang="ko-KR" altLang="en-US" sz="1100" dirty="0" err="1" smtClean="0">
-                <a:ln>
-                  <a:solidFill>
-                    <a:schemeClr val="accent1">
-                      <a:shade val="50000"/>
-                      <a:alpha val="0"/>
-                    </a:schemeClr>
-                  </a:solidFill>
-                </a:ln>
-                <a:solidFill>
-                  <a:schemeClr val="tx1">
-                    <a:lumMod val="75000"/>
-                    <a:lumOff val="25000"/>
-                  </a:schemeClr>
-                </a:solidFill>
-                <a:latin typeface="한수원 한돋움 Bold" pitchFamily="50" charset="-127"/>
-                <a:ea typeface="한수원 한돋움 Bold" pitchFamily="50" charset="-127"/>
-              </a:rPr>
-              <a:t>로또번호</a:t>
-            </a:r>
-            <a:r>
-              <a:rPr lang="ko-KR" altLang="en-US" sz="1100" dirty="0" smtClean="0">
-                <a:ln>
-                  <a:solidFill>
-                    <a:schemeClr val="accent1">
-                      <a:shade val="50000"/>
-                      <a:alpha val="0"/>
-                    </a:schemeClr>
-                  </a:solidFill>
-                </a:ln>
-                <a:solidFill>
-                  <a:schemeClr val="tx1">
-                    <a:lumMod val="75000"/>
-                    <a:lumOff val="25000"/>
-                  </a:schemeClr>
-                </a:solidFill>
-                <a:latin typeface="한수원 한돋움 Bold" pitchFamily="50" charset="-127"/>
-                <a:ea typeface="한수원 한돋움 Bold" pitchFamily="50" charset="-127"/>
-              </a:rPr>
-              <a:t> </a:t>
-            </a:r>
-            <a:r>
-              <a:rPr lang="ko-KR" altLang="en-US" sz="1100" dirty="0" err="1">
-                <a:ln>
-                  <a:solidFill>
-                    <a:schemeClr val="accent1">
-                      <a:shade val="50000"/>
-                      <a:alpha val="0"/>
-                    </a:schemeClr>
-                  </a:solidFill>
-                </a:ln>
-                <a:solidFill>
-                  <a:schemeClr val="tx1">
-                    <a:lumMod val="75000"/>
-                    <a:lumOff val="25000"/>
-                  </a:schemeClr>
-                </a:solidFill>
-                <a:latin typeface="한수원 한돋움 Bold" pitchFamily="50" charset="-127"/>
-                <a:ea typeface="한수원 한돋움 Bold" pitchFamily="50" charset="-127"/>
-              </a:rPr>
-              <a:t>생성기</a:t>
-            </a:r>
-            <a:endParaRPr lang="ko-KR" altLang="en-US" sz="1100" dirty="0">
-              <a:ln>
-                <a:solidFill>
-                  <a:schemeClr val="accent1">
-                    <a:shade val="50000"/>
-                    <a:alpha val="0"/>
-                  </a:schemeClr>
-                </a:solidFill>
-              </a:ln>
-              <a:solidFill>
-                <a:schemeClr val="tx1">
-                  <a:lumMod val="75000"/>
-                  <a:lumOff val="25000"/>
-                </a:schemeClr>
-              </a:solidFill>
-              <a:latin typeface="한수원 한돋움 Bold" pitchFamily="50" charset="-127"/>
-              <a:ea typeface="한수원 한돋움 Bold" pitchFamily="50" charset="-127"/>
-            </a:endParaRPr>
-          </a:p>
-        </p:txBody>
-      </p:sp>
     </p:spTree>
     <p:extLst>
       <p:ext uri="{BB962C8B-B14F-4D97-AF65-F5344CB8AC3E}">
-        <p14:creationId xmlns:p14="http://schemas.microsoft.com/office/powerpoint/2010/main" val="3767259362"/>
+        <p14:creationId xmlns:p14="http://schemas.microsoft.com/office/powerpoint/2010/main" val="4134253017"/>
       </p:ext>
     </p:extLst>
   </p:cSld>
@@ -4748,7 +4708,7 @@
                                           </p:stCondLst>
                                         </p:cTn>
                                         <p:tgtEl>
-                                          <p:spTgt spid="3"/>
+                                          <p:spTgt spid="22"/>
                                         </p:tgtEl>
                                         <p:attrNameLst>
                                           <p:attrName>style.visibility</p:attrName>
@@ -4762,7 +4722,7 @@
                                       <p:cBhvr>
                                         <p:cTn id="7" dur="200"/>
                                         <p:tgtEl>
-                                          <p:spTgt spid="3"/>
+                                          <p:spTgt spid="22"/>
                                         </p:tgtEl>
                                       </p:cBhvr>
                                     </p:animEffect>
@@ -4770,7 +4730,7 @@
                                       <p:cBhvr>
                                         <p:cTn id="8" dur="200" fill="hold"/>
                                         <p:tgtEl>
-                                          <p:spTgt spid="3"/>
+                                          <p:spTgt spid="22"/>
                                         </p:tgtEl>
                                         <p:attrNameLst>
                                           <p:attrName>ppt_x</p:attrName>
@@ -4793,7 +4753,7 @@
                                       <p:cBhvr>
                                         <p:cTn id="9" dur="200" fill="hold"/>
                                         <p:tgtEl>
-                                          <p:spTgt spid="3"/>
+                                          <p:spTgt spid="22"/>
                                         </p:tgtEl>
                                         <p:attrNameLst>
                                           <p:attrName>ppt_y</p:attrName>
@@ -4838,7 +4798,7 @@
                                           </p:stCondLst>
                                         </p:cTn>
                                         <p:tgtEl>
-                                          <p:spTgt spid="4"/>
+                                          <p:spTgt spid="23"/>
                                         </p:tgtEl>
                                         <p:attrNameLst>
                                           <p:attrName>style.visibility</p:attrName>
@@ -4852,7 +4812,7 @@
                                       <p:cBhvr>
                                         <p:cTn id="13" dur="200"/>
                                         <p:tgtEl>
-                                          <p:spTgt spid="4"/>
+                                          <p:spTgt spid="23"/>
                                         </p:tgtEl>
                                       </p:cBhvr>
                                     </p:animEffect>
@@ -4860,7 +4820,7 @@
                                       <p:cBhvr>
                                         <p:cTn id="14" dur="200" fill="hold"/>
                                         <p:tgtEl>
-                                          <p:spTgt spid="4"/>
+                                          <p:spTgt spid="23"/>
                                         </p:tgtEl>
                                         <p:attrNameLst>
                                           <p:attrName>ppt_x</p:attrName>
@@ -4883,7 +4843,7 @@
                                       <p:cBhvr>
                                         <p:cTn id="15" dur="200" fill="hold"/>
                                         <p:tgtEl>
-                                          <p:spTgt spid="4"/>
+                                          <p:spTgt spid="23"/>
                                         </p:tgtEl>
                                         <p:attrNameLst>
                                           <p:attrName>ppt_y</p:attrName>
@@ -4928,7 +4888,7 @@
                                           </p:stCondLst>
                                         </p:cTn>
                                         <p:tgtEl>
-                                          <p:spTgt spid="5"/>
+                                          <p:spTgt spid="24"/>
                                         </p:tgtEl>
                                         <p:attrNameLst>
                                           <p:attrName>style.visibility</p:attrName>
@@ -4942,7 +4902,7 @@
                                       <p:cBhvr>
                                         <p:cTn id="19" dur="200"/>
                                         <p:tgtEl>
-                                          <p:spTgt spid="5"/>
+                                          <p:spTgt spid="24"/>
                                         </p:tgtEl>
                                       </p:cBhvr>
                                     </p:animEffect>
@@ -4950,7 +4910,7 @@
                                       <p:cBhvr>
                                         <p:cTn id="20" dur="200" fill="hold"/>
                                         <p:tgtEl>
-                                          <p:spTgt spid="5"/>
+                                          <p:spTgt spid="24"/>
                                         </p:tgtEl>
                                         <p:attrNameLst>
                                           <p:attrName>ppt_x</p:attrName>
@@ -4973,7 +4933,7 @@
                                       <p:cBhvr>
                                         <p:cTn id="21" dur="200" fill="hold"/>
                                         <p:tgtEl>
-                                          <p:spTgt spid="5"/>
+                                          <p:spTgt spid="24"/>
                                         </p:tgtEl>
                                         <p:attrNameLst>
                                           <p:attrName>ppt_y</p:attrName>
@@ -5018,7 +4978,7 @@
                                           </p:stCondLst>
                                         </p:cTn>
                                         <p:tgtEl>
-                                          <p:spTgt spid="6"/>
+                                          <p:spTgt spid="25"/>
                                         </p:tgtEl>
                                         <p:attrNameLst>
                                           <p:attrName>style.visibility</p:attrName>
@@ -5032,7 +4992,7 @@
                                       <p:cBhvr>
                                         <p:cTn id="25" dur="200"/>
                                         <p:tgtEl>
-                                          <p:spTgt spid="6"/>
+                                          <p:spTgt spid="25"/>
                                         </p:tgtEl>
                                       </p:cBhvr>
                                     </p:animEffect>
@@ -5040,7 +5000,7 @@
                                       <p:cBhvr>
                                         <p:cTn id="26" dur="200" fill="hold"/>
                                         <p:tgtEl>
-                                          <p:spTgt spid="6"/>
+                                          <p:spTgt spid="25"/>
                                         </p:tgtEl>
                                         <p:attrNameLst>
                                           <p:attrName>ppt_x</p:attrName>
@@ -5063,97 +5023,7 @@
                                       <p:cBhvr>
                                         <p:cTn id="27" dur="200" fill="hold"/>
                                         <p:tgtEl>
-                                          <p:spTgt spid="6"/>
-                                        </p:tgtEl>
-                                        <p:attrNameLst>
-                                          <p:attrName>ppt_y</p:attrName>
-                                        </p:attrNameLst>
-                                      </p:cBhvr>
-                                      <p:tavLst>
-                                        <p:tav tm="0">
-                                          <p:val>
-                                            <p:strVal val="#ppt_y-.1"/>
-                                          </p:val>
-                                        </p:tav>
-                                        <p:tav tm="100000">
-                                          <p:val>
-                                            <p:strVal val="#ppt_y"/>
-                                          </p:val>
-                                        </p:tav>
-                                      </p:tavLst>
-                                    </p:anim>
-                                  </p:childTnLst>
-                                </p:cTn>
-                              </p:par>
-                            </p:childTnLst>
-                          </p:cTn>
-                        </p:par>
-                        <p:par>
-                          <p:cTn id="28" fill="hold">
-                            <p:stCondLst>
-                              <p:cond delay="1100"/>
-                            </p:stCondLst>
-                            <p:childTnLst>
-                              <p:par>
-                                <p:cTn id="29" presetID="47" presetClass="entr" presetSubtype="0" fill="hold" nodeType="afterEffect">
-                                  <p:stCondLst>
-                                    <p:cond delay="0"/>
-                                  </p:stCondLst>
-                                  <p:childTnLst>
-                                    <p:set>
-                                      <p:cBhvr>
-                                        <p:cTn id="30" dur="1" fill="hold">
-                                          <p:stCondLst>
-                                            <p:cond delay="0"/>
-                                          </p:stCondLst>
-                                        </p:cTn>
-                                        <p:tgtEl>
-                                          <p:spTgt spid="8"/>
-                                        </p:tgtEl>
-                                        <p:attrNameLst>
-                                          <p:attrName>style.visibility</p:attrName>
-                                        </p:attrNameLst>
-                                      </p:cBhvr>
-                                      <p:to>
-                                        <p:strVal val="visible"/>
-                                      </p:to>
-                                    </p:set>
-                                    <p:animEffect transition="in" filter="fade">
-                                      <p:cBhvr>
-                                        <p:cTn id="31" dur="200"/>
-                                        <p:tgtEl>
-                                          <p:spTgt spid="8"/>
-                                        </p:tgtEl>
-                                      </p:cBhvr>
-                                    </p:animEffect>
-                                    <p:anim calcmode="lin" valueType="num">
-                                      <p:cBhvr>
-                                        <p:cTn id="32" dur="200" fill="hold"/>
-                                        <p:tgtEl>
-                                          <p:spTgt spid="8"/>
-                                        </p:tgtEl>
-                                        <p:attrNameLst>
-                                          <p:attrName>ppt_x</p:attrName>
-                                        </p:attrNameLst>
-                                      </p:cBhvr>
-                                      <p:tavLst>
-                                        <p:tav tm="0">
-                                          <p:val>
-                                            <p:strVal val="#ppt_x"/>
-                                          </p:val>
-                                        </p:tav>
-                                        <p:tav tm="100000">
-                                          <p:val>
-                                            <p:strVal val="#ppt_x"/>
-                                          </p:val>
-                                        </p:tav>
-                                      </p:tavLst>
-                                    </p:anim>
-                                    <p:anim calcmode="lin" valueType="num">
-                                      <p:cBhvr>
-                                        <p:cTn id="33" dur="200" fill="hold"/>
-                                        <p:tgtEl>
-                                          <p:spTgt spid="8"/>
+                                          <p:spTgt spid="25"/>
                                         </p:tgtEl>
                                         <p:attrNameLst>
                                           <p:attrName>ppt_y</p:attrName>
@@ -5223,45 +5093,25 @@
           <a:chExt cx="0" cy="0"/>
         </a:xfrm>
       </p:grpSpPr>
-      <p:graphicFrame>
-        <p:nvGraphicFramePr>
-          <p:cNvPr id="3" name="차트 2"/>
-          <p:cNvGraphicFramePr/>
-          <p:nvPr>
-            <p:extLst>
-              <p:ext uri="{D42A27DB-BD31-4B8C-83A1-F6EECF244321}">
-                <p14:modId xmlns:p14="http://schemas.microsoft.com/office/powerpoint/2010/main" val="825744713"/>
-              </p:ext>
-            </p:extLst>
-          </p:nvPr>
-        </p:nvGraphicFramePr>
-        <p:xfrm>
-          <a:off x="323528" y="1347614"/>
-          <a:ext cx="8496944" cy="3600400"/>
-        </p:xfrm>
-        <a:graphic>
-          <a:graphicData uri="http://schemas.openxmlformats.org/drawingml/2006/chart">
-            <c:chart xmlns:c="http://schemas.openxmlformats.org/drawingml/2006/chart" xmlns:r="http://schemas.openxmlformats.org/officeDocument/2006/relationships" r:id="rId2"/>
-          </a:graphicData>
-        </a:graphic>
-      </p:graphicFrame>
       <p:sp>
         <p:nvSpPr>
-          <p:cNvPr id="4" name="직사각형 3">
-            <a:hlinkClick r:id="rId3"/>
-          </p:cNvPr>
+          <p:cNvPr id="2" name="직사각형 1"/>
           <p:cNvSpPr/>
           <p:nvPr/>
         </p:nvSpPr>
         <p:spPr>
           <a:xfrm>
-            <a:off x="5117584" y="1468770"/>
-            <a:ext cx="1224136" cy="288032"/>
+            <a:off x="803820" y="1842553"/>
+            <a:ext cx="7872635" cy="275172"/>
           </a:xfrm>
           <a:prstGeom prst="rect">
             <a:avLst/>
           </a:prstGeom>
-          <a:noFill/>
+          <a:solidFill>
+            <a:srgbClr val="FFFF00">
+              <a:alpha val="26000"/>
+            </a:srgbClr>
+          </a:solidFill>
           <a:ln>
             <a:noFill/>
           </a:ln>
@@ -5291,6 +5141,74 @@
           </a:p>
         </p:txBody>
       </p:sp>
+      <p:graphicFrame>
+        <p:nvGraphicFramePr>
+          <p:cNvPr id="3" name="차트 2"/>
+          <p:cNvGraphicFramePr/>
+          <p:nvPr>
+            <p:extLst>
+              <p:ext uri="{D42A27DB-BD31-4B8C-83A1-F6EECF244321}">
+                <p14:modId xmlns:p14="http://schemas.microsoft.com/office/powerpoint/2010/main" val="825744713"/>
+              </p:ext>
+            </p:extLst>
+          </p:nvPr>
+        </p:nvGraphicFramePr>
+        <p:xfrm>
+          <a:off x="323529" y="1347615"/>
+          <a:ext cx="8496944" cy="3600400"/>
+        </p:xfrm>
+        <a:graphic>
+          <a:graphicData uri="http://schemas.openxmlformats.org/drawingml/2006/chart">
+            <c:chart xmlns:c="http://schemas.openxmlformats.org/drawingml/2006/chart" xmlns:r="http://schemas.openxmlformats.org/officeDocument/2006/relationships" r:id="rId2"/>
+          </a:graphicData>
+        </a:graphic>
+      </p:graphicFrame>
+      <p:sp>
+        <p:nvSpPr>
+          <p:cNvPr id="4" name="직사각형 3">
+            <a:hlinkClick r:id="rId3"/>
+          </p:cNvPr>
+          <p:cNvSpPr/>
+          <p:nvPr/>
+        </p:nvSpPr>
+        <p:spPr>
+          <a:xfrm>
+            <a:off x="5117585" y="1468771"/>
+            <a:ext cx="1224136" cy="288032"/>
+          </a:xfrm>
+          <a:prstGeom prst="rect">
+            <a:avLst/>
+          </a:prstGeom>
+          <a:noFill/>
+          <a:ln>
+            <a:noFill/>
+          </a:ln>
+        </p:spPr>
+        <p:style>
+          <a:lnRef idx="2">
+            <a:schemeClr val="accent1">
+              <a:shade val="50000"/>
+            </a:schemeClr>
+          </a:lnRef>
+          <a:fillRef idx="1">
+            <a:schemeClr val="accent1"/>
+          </a:fillRef>
+          <a:effectRef idx="0">
+            <a:schemeClr val="accent1"/>
+          </a:effectRef>
+          <a:fontRef idx="minor">
+            <a:schemeClr val="lt1"/>
+          </a:fontRef>
+        </p:style>
+        <p:txBody>
+          <a:bodyPr lIns="91438" tIns="45719" rIns="91438" bIns="45719" rtlCol="0" anchor="ctr"/>
+          <a:lstStyle/>
+          <a:p>
+            <a:pPr algn="ctr"/>
+            <a:endParaRPr lang="ko-KR" altLang="en-US"/>
+          </a:p>
+        </p:txBody>
+      </p:sp>
     </p:spTree>
     <p:extLst>
       <p:ext uri="{BB962C8B-B14F-4D97-AF65-F5344CB8AC3E}">
@@ -5304,51 +5222,93 @@
   <p:timing>
     <p:tnLst>
       <p:par>
-        <p:cTn id="1" dur="indefinite" restart="never" nodeType="tmRoot"/>
+        <p:cTn id="1" dur="indefinite" restart="never" nodeType="tmRoot">
+          <p:childTnLst>
+            <p:seq concurrent="1" nextAc="seek">
+              <p:cTn id="2" dur="indefinite" nodeType="mainSeq">
+                <p:childTnLst>
+                  <p:par>
+                    <p:cTn id="3" fill="hold">
+                      <p:stCondLst>
+                        <p:cond delay="indefinite"/>
+                      </p:stCondLst>
+                      <p:childTnLst>
+                        <p:par>
+                          <p:cTn id="4" fill="hold">
+                            <p:stCondLst>
+                              <p:cond delay="0"/>
+                            </p:stCondLst>
+                            <p:childTnLst>
+                              <p:par>
+                                <p:cTn id="5" presetID="22" presetClass="entr" presetSubtype="8" fill="hold" grpId="0" nodeType="clickEffect">
+                                  <p:stCondLst>
+                                    <p:cond delay="0"/>
+                                  </p:stCondLst>
+                                  <p:childTnLst>
+                                    <p:set>
+                                      <p:cBhvr>
+                                        <p:cTn id="6" dur="1" fill="hold">
+                                          <p:stCondLst>
+                                            <p:cond delay="0"/>
+                                          </p:stCondLst>
+                                        </p:cTn>
+                                        <p:tgtEl>
+                                          <p:spTgt spid="2"/>
+                                        </p:tgtEl>
+                                        <p:attrNameLst>
+                                          <p:attrName>style.visibility</p:attrName>
+                                        </p:attrNameLst>
+                                      </p:cBhvr>
+                                      <p:to>
+                                        <p:strVal val="visible"/>
+                                      </p:to>
+                                    </p:set>
+                                    <p:animEffect transition="in" filter="wipe(left)">
+                                      <p:cBhvr>
+                                        <p:cTn id="7" dur="500"/>
+                                        <p:tgtEl>
+                                          <p:spTgt spid="2"/>
+                                        </p:tgtEl>
+                                      </p:cBhvr>
+                                    </p:animEffect>
+                                  </p:childTnLst>
+                                </p:cTn>
+                              </p:par>
+                            </p:childTnLst>
+                          </p:cTn>
+                        </p:par>
+                      </p:childTnLst>
+                    </p:cTn>
+                  </p:par>
+                </p:childTnLst>
+              </p:cTn>
+              <p:prevCondLst>
+                <p:cond evt="onPrev" delay="0">
+                  <p:tgtEl>
+                    <p:sldTgt/>
+                  </p:tgtEl>
+                </p:cond>
+              </p:prevCondLst>
+              <p:nextCondLst>
+                <p:cond evt="onNext" delay="0">
+                  <p:tgtEl>
+                    <p:sldTgt/>
+                  </p:tgtEl>
+                </p:cond>
+              </p:nextCondLst>
+            </p:seq>
+          </p:childTnLst>
+        </p:cTn>
       </p:par>
     </p:tnLst>
+    <p:bldLst>
+      <p:bldP spid="2" grpId="0" animBg="1"/>
+    </p:bldLst>
   </p:timing>
 </p:sld>
 </file>
 
 <file path=ppt/slides/slide4.xml><?xml version="1.0" encoding="utf-8"?>
-<p:sld xmlns:a="http://schemas.openxmlformats.org/drawingml/2006/main" xmlns:r="http://schemas.openxmlformats.org/officeDocument/2006/relationships" xmlns:p="http://schemas.openxmlformats.org/presentationml/2006/main">
-  <p:cSld>
-    <p:spTree>
-      <p:nvGrpSpPr>
-        <p:cNvPr id="1" name=""/>
-        <p:cNvGrpSpPr/>
-        <p:nvPr/>
-      </p:nvGrpSpPr>
-      <p:grpSpPr>
-        <a:xfrm>
-          <a:off x="0" y="0"/>
-          <a:ext cx="0" cy="0"/>
-          <a:chOff x="0" y="0"/>
-          <a:chExt cx="0" cy="0"/>
-        </a:xfrm>
-      </p:grpSpPr>
-    </p:spTree>
-    <p:extLst>
-      <p:ext uri="{BB962C8B-B14F-4D97-AF65-F5344CB8AC3E}">
-        <p14:creationId xmlns:p14="http://schemas.microsoft.com/office/powerpoint/2010/main" val="1565375176"/>
-      </p:ext>
-    </p:extLst>
-  </p:cSld>
-  <p:clrMapOvr>
-    <a:masterClrMapping/>
-  </p:clrMapOvr>
-  <p:timing>
-    <p:tnLst>
-      <p:par>
-        <p:cTn id="1" dur="indefinite" restart="never" nodeType="tmRoot"/>
-      </p:par>
-    </p:tnLst>
-  </p:timing>
-</p:sld>
-</file>
-
-<file path=ppt/slides/slide5.xml><?xml version="1.0" encoding="utf-8"?>
 <p:sld xmlns:a="http://schemas.openxmlformats.org/drawingml/2006/main" xmlns:r="http://schemas.openxmlformats.org/officeDocument/2006/relationships" xmlns:p="http://schemas.openxmlformats.org/presentationml/2006/main">
   <p:cSld>
     <p:spTree>
@@ -5373,7 +5333,7 @@
         </p:nvSpPr>
         <p:spPr>
           <a:xfrm>
-            <a:off x="651800" y="1851670"/>
+            <a:off x="651800" y="1851671"/>
             <a:ext cx="2217195" cy="268897"/>
           </a:xfrm>
           <a:prstGeom prst="rect">
@@ -5405,7 +5365,7 @@
           </a:fontRef>
         </p:style>
         <p:txBody>
-          <a:bodyPr rtlCol="0" anchor="ctr"/>
+          <a:bodyPr lIns="91438" tIns="45719" rIns="91438" bIns="45719" rtlCol="0" anchor="ctr"/>
           <a:lstStyle/>
           <a:p>
             <a:pPr algn="ctr"/>
@@ -5418,7 +5378,7 @@
           <p:cNvPr id="5" name="TextBox 4">
             <a:extLst>
               <a:ext uri="{FF2B5EF4-FFF2-40B4-BE49-F238E27FC236}">
-                <a16:creationId xmlns="" xmlns:a16="http://schemas.microsoft.com/office/drawing/2014/main" id="{A1687216-9C76-4F29-934C-F430DF40C5FA}"/>
+                <a16:creationId xmlns:a16="http://schemas.microsoft.com/office/drawing/2014/main" xmlns="" id="{A1687216-9C76-4F29-934C-F430DF40C5FA}"/>
               </a:ext>
             </a:extLst>
           </p:cNvPr>
@@ -5427,8 +5387,8 @@
         </p:nvSpPr>
         <p:spPr>
           <a:xfrm>
-            <a:off x="868893" y="1723043"/>
-            <a:ext cx="1783009" cy="461665"/>
+            <a:off x="1036643" y="1723046"/>
+            <a:ext cx="1447512" cy="461663"/>
           </a:xfrm>
           <a:prstGeom prst="rect">
             <a:avLst/>
@@ -5436,30 +5396,16 @@
           <a:noFill/>
         </p:spPr>
         <p:txBody>
-          <a:bodyPr wrap="none" lIns="0" rIns="0" rtlCol="0" anchor="ctr">
+          <a:bodyPr wrap="none" lIns="0" tIns="45719" rIns="0" bIns="45719" rtlCol="0" anchor="ctr">
             <a:spAutoFit/>
           </a:bodyPr>
           <a:lstStyle/>
           <a:p>
-            <a:pPr marL="0" marR="0" indent="0" algn="ctr" defTabSz="914400" rtl="0" eaLnBrk="1" fontAlgn="auto" latinLnBrk="1" hangingPunct="1">
-              <a:lnSpc>
-                <a:spcPct val="100000"/>
-              </a:lnSpc>
-              <a:spcBef>
-                <a:spcPts val="0"/>
-              </a:spcBef>
-              <a:spcAft>
-                <a:spcPts val="0"/>
-              </a:spcAft>
-              <a:buClrTx/>
-              <a:buSzTx/>
-              <a:buFontTx/>
-              <a:buNone/>
-              <a:tabLst/>
+            <a:pPr algn="ctr">
               <a:defRPr/>
             </a:pPr>
             <a:r>
-              <a:rPr lang="en-US" altLang="ko-KR" sz="2400" b="1" dirty="0" smtClean="0">
+              <a:rPr lang="en-US" altLang="ko-KR" sz="2400" b="1" dirty="0">
                 <a:ln>
                   <a:solidFill>
                     <a:schemeClr val="accent1">
@@ -5480,7 +5426,7 @@
               <a:t>1 </a:t>
             </a:r>
             <a:r>
-              <a:rPr lang="ko-KR" altLang="en-US" sz="1600" b="1" dirty="0" smtClean="0">
+              <a:rPr lang="ko-KR" altLang="en-US" sz="1600" b="1" dirty="0">
                 <a:ln>
                   <a:solidFill>
                     <a:schemeClr val="accent1">
@@ -5501,7 +5447,7 @@
               <a:t>자료조사</a:t>
             </a:r>
             <a:r>
-              <a:rPr lang="en-US" altLang="ko-KR" sz="1600" b="1" dirty="0" smtClean="0">
+              <a:rPr lang="en-US" altLang="ko-KR" sz="1600" b="1" dirty="0">
                 <a:ln>
                   <a:solidFill>
                     <a:schemeClr val="accent1">
@@ -5522,7 +5468,7 @@
               <a:t>, </a:t>
             </a:r>
             <a:r>
-              <a:rPr lang="ko-KR" altLang="en-US" sz="1600" b="1" dirty="0" smtClean="0">
+              <a:rPr lang="ko-KR" altLang="en-US" sz="1600" b="1" dirty="0">
                 <a:ln>
                   <a:solidFill>
                     <a:schemeClr val="accent1">
@@ -5542,7 +5488,7 @@
               </a:rPr>
               <a:t>구상</a:t>
             </a:r>
-            <a:endParaRPr lang="ko-KR" altLang="en-US" sz="2400" b="1" dirty="0" smtClean="0">
+            <a:endParaRPr lang="ko-KR" altLang="en-US" sz="2400" b="1" dirty="0">
               <a:ln>
                 <a:solidFill>
                   <a:schemeClr val="accent1">
@@ -5571,7 +5517,7 @@
         </p:nvSpPr>
         <p:spPr>
           <a:xfrm>
-            <a:off x="651800" y="4515966"/>
+            <a:off x="651800" y="4515967"/>
             <a:ext cx="2217195" cy="45719"/>
           </a:xfrm>
           <a:prstGeom prst="rect">
@@ -5601,7 +5547,7 @@
           </a:fontRef>
         </p:style>
         <p:txBody>
-          <a:bodyPr rtlCol="0" anchor="ctr"/>
+          <a:bodyPr lIns="91438" tIns="45719" rIns="91438" bIns="45719" rtlCol="0" anchor="ctr"/>
           <a:lstStyle/>
           <a:p>
             <a:pPr algn="ctr"/>
@@ -5617,7 +5563,7 @@
         </p:nvSpPr>
         <p:spPr>
           <a:xfrm>
-            <a:off x="3463403" y="1851670"/>
+            <a:off x="3463403" y="1851671"/>
             <a:ext cx="2217195" cy="268897"/>
           </a:xfrm>
           <a:prstGeom prst="rect">
@@ -5649,7 +5595,7 @@
           </a:fontRef>
         </p:style>
         <p:txBody>
-          <a:bodyPr rtlCol="0" anchor="ctr"/>
+          <a:bodyPr lIns="91438" tIns="45719" rIns="91438" bIns="45719" rtlCol="0" anchor="ctr"/>
           <a:lstStyle/>
           <a:p>
             <a:pPr algn="ctr"/>
@@ -5662,7 +5608,7 @@
           <p:cNvPr id="9" name="TextBox 8">
             <a:extLst>
               <a:ext uri="{FF2B5EF4-FFF2-40B4-BE49-F238E27FC236}">
-                <a16:creationId xmlns="" xmlns:a16="http://schemas.microsoft.com/office/drawing/2014/main" id="{A1687216-9C76-4F29-934C-F430DF40C5FA}"/>
+                <a16:creationId xmlns:a16="http://schemas.microsoft.com/office/drawing/2014/main" xmlns="" id="{A1687216-9C76-4F29-934C-F430DF40C5FA}"/>
               </a:ext>
             </a:extLst>
           </p:cNvPr>
@@ -5671,7 +5617,7 @@
         </p:nvSpPr>
         <p:spPr>
           <a:xfrm>
-            <a:off x="3911558" y="1723043"/>
+            <a:off x="3911559" y="1723044"/>
             <a:ext cx="1320874" cy="461665"/>
           </a:xfrm>
           <a:prstGeom prst="rect">
@@ -5680,30 +5626,16 @@
           <a:noFill/>
         </p:spPr>
         <p:txBody>
-          <a:bodyPr wrap="none" lIns="0" rIns="0" rtlCol="0" anchor="ctr">
+          <a:bodyPr wrap="none" lIns="0" tIns="45719" rIns="0" bIns="45719" rtlCol="0" anchor="ctr">
             <a:spAutoFit/>
           </a:bodyPr>
           <a:lstStyle/>
           <a:p>
-            <a:pPr marL="0" marR="0" indent="0" algn="ctr" defTabSz="914400" rtl="0" eaLnBrk="1" fontAlgn="auto" latinLnBrk="1" hangingPunct="1">
-              <a:lnSpc>
-                <a:spcPct val="100000"/>
-              </a:lnSpc>
-              <a:spcBef>
-                <a:spcPts val="0"/>
-              </a:spcBef>
-              <a:spcAft>
-                <a:spcPts val="0"/>
-              </a:spcAft>
-              <a:buClrTx/>
-              <a:buSzTx/>
-              <a:buFontTx/>
-              <a:buNone/>
-              <a:tabLst/>
+            <a:pPr algn="ctr">
               <a:defRPr/>
             </a:pPr>
             <a:r>
-              <a:rPr lang="en-US" altLang="ko-KR" sz="2400" b="1" dirty="0" smtClean="0">
+              <a:rPr lang="en-US" altLang="ko-KR" sz="2400" b="1" dirty="0">
                 <a:ln>
                   <a:solidFill>
                     <a:schemeClr val="accent1">
@@ -5724,7 +5656,7 @@
               <a:t>2 </a:t>
             </a:r>
             <a:r>
-              <a:rPr lang="ko-KR" altLang="en-US" sz="1600" b="1" dirty="0" smtClean="0">
+              <a:rPr lang="ko-KR" altLang="en-US" sz="1600" b="1" dirty="0">
                 <a:ln>
                   <a:solidFill>
                     <a:schemeClr val="accent1">
@@ -5744,7 +5676,7 @@
               </a:rPr>
               <a:t>개발 및 구현</a:t>
             </a:r>
-            <a:endParaRPr lang="ko-KR" altLang="en-US" sz="2400" b="1" dirty="0" smtClean="0">
+            <a:endParaRPr lang="ko-KR" altLang="en-US" sz="2400" b="1" dirty="0">
               <a:ln>
                 <a:solidFill>
                   <a:schemeClr val="accent1">
@@ -5773,7 +5705,7 @@
         </p:nvSpPr>
         <p:spPr>
           <a:xfrm>
-            <a:off x="3463403" y="4515966"/>
+            <a:off x="3463403" y="4515967"/>
             <a:ext cx="2217195" cy="45719"/>
           </a:xfrm>
           <a:prstGeom prst="rect">
@@ -5803,7 +5735,7 @@
           </a:fontRef>
         </p:style>
         <p:txBody>
-          <a:bodyPr rtlCol="0" anchor="ctr"/>
+          <a:bodyPr lIns="91438" tIns="45719" rIns="91438" bIns="45719" rtlCol="0" anchor="ctr"/>
           <a:lstStyle/>
           <a:p>
             <a:pPr algn="ctr"/>
@@ -5819,7 +5751,7 @@
         </p:nvSpPr>
         <p:spPr>
           <a:xfrm>
-            <a:off x="6275004" y="1851670"/>
+            <a:off x="6275005" y="1851671"/>
             <a:ext cx="2217195" cy="268897"/>
           </a:xfrm>
           <a:prstGeom prst="rect">
@@ -5851,7 +5783,7 @@
           </a:fontRef>
         </p:style>
         <p:txBody>
-          <a:bodyPr rtlCol="0" anchor="ctr"/>
+          <a:bodyPr lIns="91438" tIns="45719" rIns="91438" bIns="45719" rtlCol="0" anchor="ctr"/>
           <a:lstStyle/>
           <a:p>
             <a:pPr algn="ctr"/>
@@ -5864,7 +5796,7 @@
           <p:cNvPr id="17" name="TextBox 16">
             <a:extLst>
               <a:ext uri="{FF2B5EF4-FFF2-40B4-BE49-F238E27FC236}">
-                <a16:creationId xmlns="" xmlns:a16="http://schemas.microsoft.com/office/drawing/2014/main" id="{A1687216-9C76-4F29-934C-F430DF40C5FA}"/>
+                <a16:creationId xmlns:a16="http://schemas.microsoft.com/office/drawing/2014/main" xmlns="" id="{A1687216-9C76-4F29-934C-F430DF40C5FA}"/>
               </a:ext>
             </a:extLst>
           </p:cNvPr>
@@ -5873,7 +5805,7 @@
         </p:nvSpPr>
         <p:spPr>
           <a:xfrm>
-            <a:off x="6869841" y="1723043"/>
+            <a:off x="6869842" y="1723044"/>
             <a:ext cx="1027525" cy="461665"/>
           </a:xfrm>
           <a:prstGeom prst="rect">
@@ -5882,30 +5814,16 @@
           <a:noFill/>
         </p:spPr>
         <p:txBody>
-          <a:bodyPr wrap="none" lIns="0" rIns="0" rtlCol="0" anchor="ctr">
+          <a:bodyPr wrap="none" lIns="0" tIns="45719" rIns="0" bIns="45719" rtlCol="0" anchor="ctr">
             <a:spAutoFit/>
           </a:bodyPr>
           <a:lstStyle/>
           <a:p>
-            <a:pPr marL="0" marR="0" indent="0" algn="ctr" defTabSz="914400" rtl="0" eaLnBrk="1" fontAlgn="auto" latinLnBrk="1" hangingPunct="1">
-              <a:lnSpc>
-                <a:spcPct val="100000"/>
-              </a:lnSpc>
-              <a:spcBef>
-                <a:spcPts val="0"/>
-              </a:spcBef>
-              <a:spcAft>
-                <a:spcPts val="0"/>
-              </a:spcAft>
-              <a:buClrTx/>
-              <a:buSzTx/>
-              <a:buFontTx/>
-              <a:buNone/>
-              <a:tabLst/>
+            <a:pPr algn="ctr">
               <a:defRPr/>
             </a:pPr>
             <a:r>
-              <a:rPr lang="en-US" altLang="ko-KR" sz="2400" b="1" dirty="0" smtClean="0">
+              <a:rPr lang="en-US" altLang="ko-KR" sz="2400" b="1" dirty="0">
                 <a:ln>
                   <a:solidFill>
                     <a:schemeClr val="accent1">
@@ -5926,7 +5844,7 @@
               <a:t>3 </a:t>
             </a:r>
             <a:r>
-              <a:rPr lang="ko-KR" altLang="en-US" sz="1600" b="1" dirty="0" smtClean="0">
+              <a:rPr lang="ko-KR" altLang="en-US" sz="1600" b="1" dirty="0">
                 <a:ln>
                   <a:solidFill>
                     <a:schemeClr val="accent1">
@@ -5946,7 +5864,7 @@
               </a:rPr>
               <a:t>오류개선</a:t>
             </a:r>
-            <a:endParaRPr lang="ko-KR" altLang="en-US" sz="2400" b="1" dirty="0" smtClean="0">
+            <a:endParaRPr lang="ko-KR" altLang="en-US" sz="2400" b="1" dirty="0">
               <a:ln>
                 <a:solidFill>
                   <a:schemeClr val="accent1">
@@ -5975,7 +5893,7 @@
         </p:nvSpPr>
         <p:spPr>
           <a:xfrm>
-            <a:off x="6275005" y="4515966"/>
+            <a:off x="6275006" y="4515967"/>
             <a:ext cx="2217195" cy="45719"/>
           </a:xfrm>
           <a:prstGeom prst="rect">
@@ -6005,7 +5923,7 @@
           </a:fontRef>
         </p:style>
         <p:txBody>
-          <a:bodyPr rtlCol="0" anchor="ctr"/>
+          <a:bodyPr lIns="91438" tIns="45719" rIns="91438" bIns="45719" rtlCol="0" anchor="ctr"/>
           <a:lstStyle/>
           <a:p>
             <a:pPr algn="ctr"/>
@@ -6021,7 +5939,7 @@
         </p:nvCxnSpPr>
         <p:spPr>
           <a:xfrm>
-            <a:off x="2962768" y="1986119"/>
+            <a:off x="2962769" y="1986119"/>
             <a:ext cx="406861" cy="0"/>
           </a:xfrm>
           <a:prstGeom prst="straightConnector1">
@@ -6058,7 +5976,7 @@
         </p:nvCxnSpPr>
         <p:spPr>
           <a:xfrm>
-            <a:off x="5774371" y="1986119"/>
+            <a:off x="5774372" y="1986119"/>
             <a:ext cx="406861" cy="0"/>
           </a:xfrm>
           <a:prstGeom prst="straightConnector1">
@@ -6092,7 +6010,7 @@
           <p:cNvPr id="19" name="TextBox 18">
             <a:extLst>
               <a:ext uri="{FF2B5EF4-FFF2-40B4-BE49-F238E27FC236}">
-                <a16:creationId xmlns="" xmlns:a16="http://schemas.microsoft.com/office/drawing/2014/main" id="{A1687216-9C76-4F29-934C-F430DF40C5FA}"/>
+                <a16:creationId xmlns:a16="http://schemas.microsoft.com/office/drawing/2014/main" xmlns="" id="{A1687216-9C76-4F29-934C-F430DF40C5FA}"/>
               </a:ext>
             </a:extLst>
           </p:cNvPr>
@@ -6101,8 +6019,8 @@
         </p:nvSpPr>
         <p:spPr>
           <a:xfrm>
-            <a:off x="868893" y="2283718"/>
-            <a:ext cx="1783010" cy="1546064"/>
+            <a:off x="868894" y="2283718"/>
+            <a:ext cx="1783010" cy="1563502"/>
           </a:xfrm>
           <a:prstGeom prst="rect">
             <a:avLst/>
@@ -6110,30 +6028,24 @@
           <a:noFill/>
         </p:spPr>
         <p:txBody>
-          <a:bodyPr wrap="square" lIns="0" rIns="0" rtlCol="0" anchor="t">
+          <a:bodyPr wrap="square" lIns="0" tIns="45719" rIns="0" bIns="45719" rtlCol="0" anchor="t">
             <a:spAutoFit/>
           </a:bodyPr>
           <a:lstStyle/>
           <a:p>
-            <a:pPr marL="228600" marR="0" indent="-228600" defTabSz="914400" rtl="0" eaLnBrk="1" fontAlgn="auto" latinLnBrk="1" hangingPunct="1">
+            <a:pPr marL="228594" indent="-228594">
               <a:lnSpc>
                 <a:spcPct val="130000"/>
               </a:lnSpc>
-              <a:spcBef>
-                <a:spcPts val="0"/>
-              </a:spcBef>
               <a:spcAft>
                 <a:spcPts val="800"/>
               </a:spcAft>
-              <a:buClrTx/>
-              <a:buSzTx/>
               <a:buFont typeface="+mj-lt"/>
               <a:buAutoNum type="arabicPeriod"/>
-              <a:tabLst/>
               <a:defRPr/>
             </a:pPr>
             <a:r>
-              <a:rPr lang="ko-KR" altLang="en-US" sz="1200" b="1" dirty="0" err="1" smtClean="0">
+              <a:rPr lang="ko-KR" altLang="en-US" sz="1200" b="1" dirty="0" err="1">
                 <a:ln>
                   <a:solidFill>
                     <a:schemeClr val="accent1">
@@ -6154,7 +6066,7 @@
               <a:t>회차별</a:t>
             </a:r>
             <a:r>
-              <a:rPr lang="ko-KR" altLang="en-US" sz="1200" b="1" dirty="0" smtClean="0">
+              <a:rPr lang="ko-KR" altLang="en-US" sz="1200" b="1" dirty="0">
                 <a:ln>
                   <a:solidFill>
                     <a:schemeClr val="accent1">
@@ -6175,7 +6087,7 @@
               <a:t> 번호 당첨확률 </a:t>
             </a:r>
             <a:r>
-              <a:rPr lang="en-US" altLang="ko-KR" sz="1200" b="1" dirty="0" smtClean="0">
+              <a:rPr lang="en-US" altLang="ko-KR" sz="1200" b="1" dirty="0">
                 <a:ln>
                   <a:solidFill>
                     <a:schemeClr val="accent1">
@@ -6196,7 +6108,7 @@
               <a:t/>
             </a:r>
             <a:br>
-              <a:rPr lang="en-US" altLang="ko-KR" sz="1200" b="1" dirty="0" smtClean="0">
+              <a:rPr lang="en-US" altLang="ko-KR" sz="1200" b="1" dirty="0">
                 <a:ln>
                   <a:solidFill>
                     <a:schemeClr val="accent1">
@@ -6216,7 +6128,7 @@
               </a:rPr>
             </a:br>
             <a:r>
-              <a:rPr lang="ko-KR" altLang="en-US" sz="1200" b="1" dirty="0" smtClean="0">
+              <a:rPr lang="ko-KR" altLang="en-US" sz="1200" b="1" dirty="0">
                 <a:ln>
                   <a:solidFill>
                     <a:schemeClr val="accent1">
@@ -6234,10 +6146,10 @@
                 <a:latin typeface="나눔바른고딕 Light" pitchFamily="50" charset="-127"/>
                 <a:ea typeface="나눔바른고딕 Light" pitchFamily="50" charset="-127"/>
               </a:rPr>
-              <a:t>자료를 </a:t>
-            </a:r>
-            <a:r>
-              <a:rPr lang="ko-KR" altLang="en-US" sz="1200" b="1" dirty="0" smtClean="0">
+              <a:t>자료를 사용하여</a:t>
+            </a:r>
+            <a:r>
+              <a:rPr lang="en-US" altLang="ko-KR" sz="1200" b="1" dirty="0">
                 <a:ln>
                   <a:solidFill>
                     <a:schemeClr val="accent1">
@@ -6255,10 +6167,10 @@
                 <a:latin typeface="나눔바른고딕 Light" pitchFamily="50" charset="-127"/>
                 <a:ea typeface="나눔바른고딕 Light" pitchFamily="50" charset="-127"/>
               </a:rPr>
-              <a:t>사용하여</a:t>
-            </a:r>
-            <a:r>
-              <a:rPr lang="en-US" altLang="ko-KR" sz="1200" b="1" dirty="0" smtClean="0">
+              <a:t>, </a:t>
+            </a:r>
+            <a:r>
+              <a:rPr lang="ko-KR" altLang="en-US" sz="1200" b="1" dirty="0">
                 <a:ln>
                   <a:solidFill>
                     <a:schemeClr val="accent1">
@@ -6276,30 +6188,9 @@
                 <a:latin typeface="나눔바른고딕 Light" pitchFamily="50" charset="-127"/>
                 <a:ea typeface="나눔바른고딕 Light" pitchFamily="50" charset="-127"/>
               </a:rPr>
-              <a:t>, </a:t>
-            </a:r>
-            <a:r>
-              <a:rPr lang="ko-KR" altLang="en-US" sz="1200" b="1" dirty="0" smtClean="0">
-                <a:ln>
-                  <a:solidFill>
-                    <a:schemeClr val="accent1">
-                      <a:shade val="50000"/>
-                      <a:alpha val="0"/>
-                    </a:schemeClr>
-                  </a:solidFill>
-                </a:ln>
-                <a:solidFill>
-                  <a:schemeClr val="tx1">
-                    <a:lumMod val="75000"/>
-                    <a:lumOff val="25000"/>
-                  </a:schemeClr>
-                </a:solidFill>
-                <a:latin typeface="나눔바른고딕 Light" pitchFamily="50" charset="-127"/>
-                <a:ea typeface="나눔바른고딕 Light" pitchFamily="50" charset="-127"/>
-              </a:rPr>
               <a:t>별도의 확률계산 생략</a:t>
             </a:r>
-            <a:endParaRPr lang="en-US" altLang="ko-KR" sz="1200" b="1" dirty="0" smtClean="0">
+            <a:endParaRPr lang="en-US" altLang="ko-KR" sz="1200" b="1" dirty="0">
               <a:ln>
                 <a:solidFill>
                   <a:schemeClr val="accent1">
@@ -6319,25 +6210,19 @@
             </a:endParaRPr>
           </a:p>
           <a:p>
-            <a:pPr marL="228600" marR="0" indent="-228600" defTabSz="914400" rtl="0" eaLnBrk="1" fontAlgn="auto" latinLnBrk="1" hangingPunct="1">
+            <a:pPr marL="228594" indent="-228594">
               <a:lnSpc>
                 <a:spcPct val="130000"/>
               </a:lnSpc>
-              <a:spcBef>
-                <a:spcPts val="0"/>
-              </a:spcBef>
               <a:spcAft>
                 <a:spcPts val="800"/>
               </a:spcAft>
-              <a:buClrTx/>
-              <a:buSzTx/>
               <a:buFont typeface="+mj-lt"/>
               <a:buAutoNum type="arabicPeriod"/>
-              <a:tabLst/>
               <a:defRPr/>
             </a:pPr>
             <a:r>
-              <a:rPr lang="ko-KR" altLang="en-US" sz="1200" b="1" dirty="0" smtClean="0">
+              <a:rPr lang="ko-KR" altLang="en-US" sz="1200" b="1" dirty="0">
                 <a:ln>
                   <a:solidFill>
                     <a:schemeClr val="accent1">
@@ -6358,7 +6243,7 @@
               <a:t>랜덤번호 생성개수 기입</a:t>
             </a:r>
             <a:r>
-              <a:rPr lang="en-US" altLang="ko-KR" sz="1200" b="1" dirty="0" smtClean="0">
+              <a:rPr lang="en-US" altLang="ko-KR" sz="1200" b="1" dirty="0">
                 <a:ln>
                   <a:solidFill>
                     <a:schemeClr val="accent1">
@@ -6379,7 +6264,7 @@
               <a:t/>
             </a:r>
             <a:br>
-              <a:rPr lang="en-US" altLang="ko-KR" sz="1200" b="1" dirty="0" smtClean="0">
+              <a:rPr lang="en-US" altLang="ko-KR" sz="1200" b="1" dirty="0">
                 <a:ln>
                   <a:solidFill>
                     <a:schemeClr val="accent1">
@@ -6399,7 +6284,7 @@
               </a:rPr>
             </a:br>
             <a:r>
-              <a:rPr lang="ko-KR" altLang="en-US" sz="1200" b="1" dirty="0" smtClean="0">
+              <a:rPr lang="ko-KR" altLang="en-US" sz="1200" b="1" dirty="0">
                 <a:ln>
                   <a:solidFill>
                     <a:schemeClr val="accent1">
@@ -6441,7 +6326,7 @@
               <a:t> </a:t>
             </a:r>
             <a:r>
-              <a:rPr lang="ko-KR" altLang="en-US" sz="1200" b="1" dirty="0" smtClean="0">
+              <a:rPr lang="ko-KR" altLang="en-US" sz="1200" b="1" dirty="0">
                 <a:ln>
                   <a:solidFill>
                     <a:schemeClr val="accent1">
@@ -6462,7 +6347,7 @@
               <a:t>함</a:t>
             </a:r>
             <a:r>
-              <a:rPr lang="en-US" altLang="ko-KR" sz="1200" b="1" dirty="0" smtClean="0">
+              <a:rPr lang="en-US" altLang="ko-KR" sz="1200" b="1" dirty="0">
                 <a:ln>
                   <a:solidFill>
                     <a:schemeClr val="accent1">
@@ -6483,7 +6368,7 @@
               <a:t/>
             </a:r>
             <a:br>
-              <a:rPr lang="en-US" altLang="ko-KR" sz="1200" b="1" dirty="0" smtClean="0">
+              <a:rPr lang="en-US" altLang="ko-KR" sz="1200" b="1" dirty="0">
                 <a:ln>
                   <a:solidFill>
                     <a:schemeClr val="accent1">
@@ -6503,7 +6388,7 @@
               </a:rPr>
             </a:br>
             <a:r>
-              <a:rPr lang="ko-KR" altLang="en-US" sz="800" b="1" dirty="0" err="1" smtClean="0">
+              <a:rPr lang="ko-KR" altLang="en-US" sz="800" b="1" dirty="0" err="1">
                 <a:ln>
                   <a:solidFill>
                     <a:schemeClr val="accent1">
@@ -6524,7 +6409,7 @@
               <a:t>미기입시</a:t>
             </a:r>
             <a:r>
-              <a:rPr lang="ko-KR" altLang="en-US" sz="800" b="1" dirty="0" smtClean="0">
+              <a:rPr lang="ko-KR" altLang="en-US" sz="800" b="1" dirty="0">
                 <a:ln>
                   <a:solidFill>
                     <a:schemeClr val="accent1">
@@ -6545,7 +6430,7 @@
               <a:t> </a:t>
             </a:r>
             <a:r>
-              <a:rPr lang="en-US" altLang="ko-KR" sz="800" b="1" dirty="0" smtClean="0">
+              <a:rPr lang="en-US" altLang="ko-KR" sz="800" b="1" dirty="0">
                 <a:ln>
                   <a:solidFill>
                     <a:schemeClr val="accent1">
@@ -6566,7 +6451,7 @@
               <a:t>90%</a:t>
             </a:r>
             <a:r>
-              <a:rPr lang="ko-KR" altLang="en-US" sz="800" b="1" dirty="0" smtClean="0">
+              <a:rPr lang="ko-KR" altLang="en-US" sz="800" b="1" dirty="0">
                 <a:ln>
                   <a:solidFill>
                     <a:schemeClr val="accent1">
@@ -6612,7 +6497,7 @@
           <p:cNvPr id="20" name="TextBox 19">
             <a:extLst>
               <a:ext uri="{FF2B5EF4-FFF2-40B4-BE49-F238E27FC236}">
-                <a16:creationId xmlns="" xmlns:a16="http://schemas.microsoft.com/office/drawing/2014/main" id="{A1687216-9C76-4F29-934C-F430DF40C5FA}"/>
+                <a16:creationId xmlns:a16="http://schemas.microsoft.com/office/drawing/2014/main" xmlns="" id="{A1687216-9C76-4F29-934C-F430DF40C5FA}"/>
               </a:ext>
             </a:extLst>
           </p:cNvPr>
@@ -6621,8 +6506,8 @@
         </p:nvSpPr>
         <p:spPr>
           <a:xfrm>
-            <a:off x="3680495" y="2283718"/>
-            <a:ext cx="1783010" cy="995144"/>
+            <a:off x="3680496" y="2283718"/>
+            <a:ext cx="1783010" cy="1008350"/>
           </a:xfrm>
           <a:prstGeom prst="rect">
             <a:avLst/>
@@ -6630,12 +6515,12 @@
           <a:noFill/>
         </p:spPr>
         <p:txBody>
-          <a:bodyPr wrap="square" lIns="0" rIns="0" rtlCol="0" anchor="t">
+          <a:bodyPr wrap="square" lIns="0" tIns="45719" rIns="0" bIns="45719" rtlCol="0" anchor="t">
             <a:spAutoFit/>
           </a:bodyPr>
           <a:lstStyle/>
           <a:p>
-            <a:pPr marL="228600" indent="-228600">
+            <a:pPr marL="228594" indent="-228594">
               <a:lnSpc>
                 <a:spcPct val="130000"/>
               </a:lnSpc>
@@ -6646,7 +6531,7 @@
               <a:buAutoNum type="arabicPeriod"/>
             </a:pPr>
             <a:r>
-              <a:rPr lang="ko-KR" altLang="en-US" sz="1200" b="1" dirty="0" err="1" smtClean="0">
+              <a:rPr lang="ko-KR" altLang="en-US" sz="1200" b="1" dirty="0" err="1">
                 <a:ln>
                   <a:solidFill>
                     <a:schemeClr val="accent1">
@@ -6667,7 +6552,7 @@
               <a:t>로또번호</a:t>
             </a:r>
             <a:r>
-              <a:rPr lang="ko-KR" altLang="en-US" sz="1200" b="1" dirty="0" smtClean="0">
+              <a:rPr lang="ko-KR" altLang="en-US" sz="1200" b="1" dirty="0">
                 <a:ln>
                   <a:solidFill>
                     <a:schemeClr val="accent1">
@@ -6688,7 +6573,7 @@
               <a:t> 생성 </a:t>
             </a:r>
             <a:r>
-              <a:rPr lang="ko-KR" altLang="en-US" sz="1200" b="1" dirty="0" err="1" smtClean="0">
+              <a:rPr lang="ko-KR" altLang="en-US" sz="1200" b="1" dirty="0" err="1">
                 <a:ln>
                   <a:solidFill>
                     <a:schemeClr val="accent1">
@@ -6709,7 +6594,7 @@
               <a:t>로직활용</a:t>
             </a:r>
             <a:r>
-              <a:rPr lang="en-US" altLang="ko-KR" sz="1200" b="1" dirty="0" smtClean="0">
+              <a:rPr lang="en-US" altLang="ko-KR" sz="1200" b="1" dirty="0">
                 <a:ln>
                   <a:solidFill>
                     <a:schemeClr val="accent1">
@@ -6730,7 +6615,7 @@
               <a:t/>
             </a:r>
             <a:br>
-              <a:rPr lang="en-US" altLang="ko-KR" sz="1200" b="1" dirty="0" smtClean="0">
+              <a:rPr lang="en-US" altLang="ko-KR" sz="1200" b="1" dirty="0">
                 <a:ln>
                   <a:solidFill>
                     <a:schemeClr val="accent1">
@@ -6750,7 +6635,7 @@
               </a:rPr>
             </a:br>
             <a:r>
-              <a:rPr lang="en-US" altLang="ko-KR" sz="800" b="1" dirty="0" smtClean="0">
+              <a:rPr lang="en-US" altLang="ko-KR" sz="800" b="1" dirty="0">
                 <a:ln>
                   <a:solidFill>
                     <a:schemeClr val="accent1">
@@ -7002,7 +6887,7 @@
               <a:t>회 </a:t>
             </a:r>
             <a:r>
-              <a:rPr lang="ko-KR" altLang="en-US" sz="800" b="1" dirty="0" smtClean="0">
+              <a:rPr lang="ko-KR" altLang="en-US" sz="800" b="1" dirty="0">
                 <a:ln>
                   <a:solidFill>
                     <a:schemeClr val="accent1">
@@ -7023,7 +6908,7 @@
               <a:t>생성시 </a:t>
             </a:r>
             <a:r>
-              <a:rPr lang="en-US" altLang="ko-KR" sz="800" b="1" dirty="0" smtClean="0">
+              <a:rPr lang="en-US" altLang="ko-KR" sz="800" b="1" dirty="0">
                 <a:ln>
                   <a:solidFill>
                     <a:schemeClr val="accent1">
@@ -7044,7 +6929,7 @@
               <a:t/>
             </a:r>
             <a:br>
-              <a:rPr lang="en-US" altLang="ko-KR" sz="800" b="1" dirty="0" smtClean="0">
+              <a:rPr lang="en-US" altLang="ko-KR" sz="800" b="1" dirty="0">
                 <a:ln>
                   <a:solidFill>
                     <a:schemeClr val="accent1">
@@ -7064,7 +6949,7 @@
               </a:rPr>
             </a:br>
             <a:r>
-              <a:rPr lang="ko-KR" altLang="en-US" sz="800" b="1" dirty="0" smtClean="0">
+              <a:rPr lang="ko-KR" altLang="en-US" sz="800" b="1" dirty="0">
                 <a:ln>
                   <a:solidFill>
                     <a:schemeClr val="accent1">
@@ -7085,7 +6970,7 @@
               <a:t>중복체크</a:t>
             </a:r>
             <a:r>
-              <a:rPr lang="en-US" altLang="ko-KR" sz="800" b="1" dirty="0" smtClean="0">
+              <a:rPr lang="en-US" altLang="ko-KR" sz="800" b="1" dirty="0">
                 <a:ln>
                   <a:solidFill>
                     <a:schemeClr val="accent1">
@@ -7107,7 +6992,7 @@
             </a:r>
           </a:p>
           <a:p>
-            <a:pPr marL="228600" indent="-228600">
+            <a:pPr marL="228594" indent="-228594">
               <a:lnSpc>
                 <a:spcPct val="130000"/>
               </a:lnSpc>
@@ -7139,7 +7024,7 @@
               <a:t>1-2</a:t>
             </a:r>
             <a:r>
-              <a:rPr lang="ko-KR" altLang="en-US" sz="1200" b="1" dirty="0" smtClean="0">
+              <a:rPr lang="ko-KR" altLang="en-US" sz="1200" b="1" dirty="0">
                 <a:ln>
                   <a:solidFill>
                     <a:schemeClr val="accent1">
@@ -7185,7 +7070,7 @@
           <p:cNvPr id="21" name="TextBox 20">
             <a:extLst>
               <a:ext uri="{FF2B5EF4-FFF2-40B4-BE49-F238E27FC236}">
-                <a16:creationId xmlns="" xmlns:a16="http://schemas.microsoft.com/office/drawing/2014/main" id="{A1687216-9C76-4F29-934C-F430DF40C5FA}"/>
+                <a16:creationId xmlns:a16="http://schemas.microsoft.com/office/drawing/2014/main" xmlns="" id="{A1687216-9C76-4F29-934C-F430DF40C5FA}"/>
               </a:ext>
             </a:extLst>
           </p:cNvPr>
@@ -7194,7 +7079,7 @@
         </p:nvSpPr>
         <p:spPr>
           <a:xfrm>
-            <a:off x="6563395" y="2283718"/>
+            <a:off x="6563395" y="2283719"/>
             <a:ext cx="1783010" cy="332399"/>
           </a:xfrm>
           <a:prstGeom prst="rect">
@@ -7203,12 +7088,12 @@
           <a:noFill/>
         </p:spPr>
         <p:txBody>
-          <a:bodyPr wrap="square" lIns="0" rIns="0" rtlCol="0" anchor="t">
+          <a:bodyPr wrap="square" lIns="0" tIns="45719" rIns="0" bIns="45719" rtlCol="0" anchor="t">
             <a:spAutoFit/>
           </a:bodyPr>
           <a:lstStyle/>
           <a:p>
-            <a:pPr marL="228600" indent="-228600">
+            <a:pPr marL="228594" indent="-228594">
               <a:lnSpc>
                 <a:spcPct val="130000"/>
               </a:lnSpc>
@@ -7219,7 +7104,7 @@
               <a:buAutoNum type="arabicPeriod"/>
             </a:pPr>
             <a:r>
-              <a:rPr lang="en-US" altLang="ko-KR" sz="1200" b="1" kern="1700" spc="-100" dirty="0" smtClean="0">
+              <a:rPr lang="en-US" altLang="ko-KR" sz="1200" b="1" kern="1700" spc="-100" dirty="0">
                 <a:ln>
                   <a:solidFill>
                     <a:schemeClr val="accent1">
@@ -7240,7 +7125,7 @@
               <a:t>1~</a:t>
             </a:r>
             <a:r>
-              <a:rPr lang="en-US" altLang="ko-KR" sz="1200" b="1" dirty="0" smtClean="0">
+              <a:rPr lang="en-US" altLang="ko-KR" sz="1200" b="1" dirty="0">
                 <a:ln>
                   <a:solidFill>
                     <a:schemeClr val="accent1">
@@ -7261,7 +7146,7 @@
               <a:t>7</a:t>
             </a:r>
             <a:r>
-              <a:rPr lang="ko-KR" altLang="en-US" sz="1200" b="1" dirty="0" smtClean="0">
+              <a:rPr lang="ko-KR" altLang="en-US" sz="1200" b="1" dirty="0">
                 <a:ln>
                   <a:solidFill>
                     <a:schemeClr val="accent1">
@@ -7282,7 +7167,7 @@
               <a:t>외의 숫자</a:t>
             </a:r>
             <a:r>
-              <a:rPr lang="en-US" altLang="ko-KR" sz="1200" b="1" dirty="0" smtClean="0">
+              <a:rPr lang="en-US" altLang="ko-KR" sz="1200" b="1" dirty="0">
                 <a:ln>
                   <a:solidFill>
                     <a:schemeClr val="accent1">
@@ -7303,7 +7188,7 @@
               <a:t>, </a:t>
             </a:r>
             <a:r>
-              <a:rPr lang="ko-KR" altLang="en-US" sz="1200" b="1" dirty="0" smtClean="0">
+              <a:rPr lang="ko-KR" altLang="en-US" sz="1200" b="1" dirty="0">
                 <a:ln>
                   <a:solidFill>
                     <a:schemeClr val="accent1">
@@ -7364,7 +7249,7 @@
 </p:sld>
 </file>
 
-<file path=ppt/slides/slide6.xml><?xml version="1.0" encoding="utf-8"?>
+<file path=ppt/slides/slide5.xml><?xml version="1.0" encoding="utf-8"?>
 <p:sld xmlns:a="http://schemas.openxmlformats.org/drawingml/2006/main" xmlns:r="http://schemas.openxmlformats.org/officeDocument/2006/relationships" xmlns:p="http://schemas.openxmlformats.org/presentationml/2006/main">
   <p:cSld>
     <p:spTree>
@@ -7396,7 +7281,7 @@
           </p:nvPr>
         </p:nvGraphicFramePr>
         <p:xfrm>
-          <a:off x="333000" y="1803474"/>
+          <a:off x="333001" y="1803474"/>
           <a:ext cx="4094984" cy="2935218"/>
         </p:xfrm>
         <a:graphic>
@@ -8168,7 +8053,7 @@
         </p:nvSpPr>
         <p:spPr>
           <a:xfrm>
-            <a:off x="333000" y="1275606"/>
+            <a:off x="333000" y="1275607"/>
             <a:ext cx="4383016" cy="268897"/>
           </a:xfrm>
           <a:prstGeom prst="rect">
@@ -8210,7 +8095,7 @@
           </a:fontRef>
         </p:style>
         <p:txBody>
-          <a:bodyPr rtlCol="0" anchor="ctr"/>
+          <a:bodyPr lIns="91438" tIns="45719" rIns="91438" bIns="45719" rtlCol="0" anchor="ctr"/>
           <a:lstStyle/>
           <a:p>
             <a:pPr algn="ctr"/>
@@ -8223,7 +8108,7 @@
           <p:cNvPr id="5" name="TextBox 4">
             <a:extLst>
               <a:ext uri="{FF2B5EF4-FFF2-40B4-BE49-F238E27FC236}">
-                <a16:creationId xmlns="" xmlns:a16="http://schemas.microsoft.com/office/drawing/2014/main" id="{A1687216-9C76-4F29-934C-F430DF40C5FA}"/>
+                <a16:creationId xmlns:a16="http://schemas.microsoft.com/office/drawing/2014/main" xmlns="" id="{A1687216-9C76-4F29-934C-F430DF40C5FA}"/>
               </a:ext>
             </a:extLst>
           </p:cNvPr>
@@ -8232,7 +8117,7 @@
         </p:nvSpPr>
         <p:spPr>
           <a:xfrm>
-            <a:off x="371213" y="1146979"/>
+            <a:off x="371214" y="1146980"/>
             <a:ext cx="961802" cy="461665"/>
           </a:xfrm>
           <a:prstGeom prst="rect">
@@ -8241,30 +8126,16 @@
           <a:noFill/>
         </p:spPr>
         <p:txBody>
-          <a:bodyPr wrap="none" lIns="0" rIns="0" rtlCol="0" anchor="ctr">
+          <a:bodyPr wrap="none" lIns="0" tIns="45719" rIns="0" bIns="45719" rtlCol="0" anchor="ctr">
             <a:spAutoFit/>
           </a:bodyPr>
           <a:lstStyle/>
           <a:p>
-            <a:pPr marL="0" marR="0" indent="0" algn="ctr" defTabSz="914400" rtl="0" eaLnBrk="1" fontAlgn="auto" latinLnBrk="1" hangingPunct="1">
-              <a:lnSpc>
-                <a:spcPct val="100000"/>
-              </a:lnSpc>
-              <a:spcBef>
-                <a:spcPts val="0"/>
-              </a:spcBef>
-              <a:spcAft>
-                <a:spcPts val="0"/>
-              </a:spcAft>
-              <a:buClrTx/>
-              <a:buSzTx/>
-              <a:buFontTx/>
-              <a:buNone/>
-              <a:tabLst/>
+            <a:pPr algn="ctr">
               <a:defRPr/>
             </a:pPr>
             <a:r>
-              <a:rPr lang="en-US" altLang="ko-KR" sz="2400" b="1" dirty="0" smtClean="0">
+              <a:rPr lang="en-US" altLang="ko-KR" sz="2400" b="1" dirty="0">
                 <a:ln>
                   <a:solidFill>
                     <a:schemeClr val="accent1">
@@ -8285,7 +8156,7 @@
               <a:t>1 </a:t>
             </a:r>
             <a:r>
-              <a:rPr lang="ko-KR" altLang="en-US" sz="1600" b="1" dirty="0" smtClean="0">
+              <a:rPr lang="ko-KR" altLang="en-US" sz="1600" b="1" dirty="0">
                 <a:ln>
                   <a:solidFill>
                     <a:schemeClr val="accent1">
@@ -8305,7 +8176,7 @@
               </a:rPr>
               <a:t>알고리즘</a:t>
             </a:r>
-            <a:endParaRPr lang="ko-KR" altLang="en-US" sz="2400" b="1" dirty="0" smtClean="0">
+            <a:endParaRPr lang="ko-KR" altLang="en-US" sz="2400" b="1" dirty="0">
               <a:ln>
                 <a:solidFill>
                   <a:schemeClr val="accent1">
@@ -8331,7 +8202,7 @@
           <p:cNvPr id="22" name="TextBox 21">
             <a:extLst>
               <a:ext uri="{FF2B5EF4-FFF2-40B4-BE49-F238E27FC236}">
-                <a16:creationId xmlns="" xmlns:a16="http://schemas.microsoft.com/office/drawing/2014/main" id="{A1687216-9C76-4F29-934C-F430DF40C5FA}"/>
+                <a16:creationId xmlns:a16="http://schemas.microsoft.com/office/drawing/2014/main" xmlns="" id="{A1687216-9C76-4F29-934C-F430DF40C5FA}"/>
               </a:ext>
             </a:extLst>
           </p:cNvPr>
@@ -8340,7 +8211,7 @@
         </p:nvSpPr>
         <p:spPr>
           <a:xfrm>
-            <a:off x="333000" y="411510"/>
+            <a:off x="333000" y="411511"/>
             <a:ext cx="2294218" cy="523220"/>
           </a:xfrm>
           <a:prstGeom prst="rect">
@@ -8349,7 +8220,7 @@
           <a:noFill/>
         </p:spPr>
         <p:txBody>
-          <a:bodyPr wrap="none" lIns="0" rIns="0" rtlCol="0">
+          <a:bodyPr wrap="none" lIns="0" tIns="45719" rIns="0" bIns="45719" rtlCol="0">
             <a:spAutoFit/>
           </a:bodyPr>
           <a:lstStyle/>
@@ -8373,10 +8244,31 @@
                 <a:latin typeface="한수원 한돋움" pitchFamily="50" charset="-127"/>
                 <a:ea typeface="한수원 한돋움" pitchFamily="50" charset="-127"/>
               </a:rPr>
-              <a:t>03-1. </a:t>
-            </a:r>
-            <a:r>
-              <a:rPr lang="ko-KR" altLang="en-US" sz="2800" b="1" dirty="0" smtClean="0">
+              <a:t>02-1</a:t>
+            </a:r>
+            <a:r>
+              <a:rPr lang="en-US" altLang="ko-KR" sz="2800" b="1" dirty="0">
+                <a:ln>
+                  <a:solidFill>
+                    <a:schemeClr val="accent1">
+                      <a:shade val="50000"/>
+                      <a:alpha val="0"/>
+                    </a:schemeClr>
+                  </a:solidFill>
+                </a:ln>
+                <a:solidFill>
+                  <a:schemeClr val="tx1">
+                    <a:lumMod val="75000"/>
+                    <a:lumOff val="25000"/>
+                  </a:schemeClr>
+                </a:solidFill>
+                <a:latin typeface="한수원 한돋움" pitchFamily="50" charset="-127"/>
+                <a:ea typeface="한수원 한돋움" pitchFamily="50" charset="-127"/>
+              </a:rPr>
+              <a:t>. </a:t>
+            </a:r>
+            <a:r>
+              <a:rPr lang="ko-KR" altLang="en-US" sz="2800" b="1" dirty="0">
                 <a:ln>
                   <a:solidFill>
                     <a:schemeClr val="accent1">
@@ -8448,7 +8340,7 @@
           </a:fontRef>
         </p:style>
         <p:txBody>
-          <a:bodyPr rtlCol="0" anchor="ctr"/>
+          <a:bodyPr lIns="91438" tIns="45719" rIns="91438" bIns="45719" rtlCol="0" anchor="ctr"/>
           <a:lstStyle/>
           <a:p>
             <a:pPr algn="ctr"/>
@@ -8502,7 +8394,7 @@
           <p:cNvPr id="11" name="TextBox 10">
             <a:extLst>
               <a:ext uri="{FF2B5EF4-FFF2-40B4-BE49-F238E27FC236}">
-                <a16:creationId xmlns="" xmlns:a16="http://schemas.microsoft.com/office/drawing/2014/main" id="{A1687216-9C76-4F29-934C-F430DF40C5FA}"/>
+                <a16:creationId xmlns:a16="http://schemas.microsoft.com/office/drawing/2014/main" xmlns="" id="{A1687216-9C76-4F29-934C-F430DF40C5FA}"/>
               </a:ext>
             </a:extLst>
           </p:cNvPr>
@@ -8511,7 +8403,7 @@
         </p:nvSpPr>
         <p:spPr>
           <a:xfrm>
-            <a:off x="608094" y="1750400"/>
+            <a:off x="608094" y="1750401"/>
             <a:ext cx="3531858" cy="3054682"/>
           </a:xfrm>
           <a:prstGeom prst="rect">
@@ -8520,7 +8412,7 @@
           <a:noFill/>
         </p:spPr>
         <p:txBody>
-          <a:bodyPr wrap="square" lIns="0" rIns="0" rtlCol="0" anchor="t">
+          <a:bodyPr wrap="square" lIns="0" tIns="45719" rIns="0" bIns="45719" rtlCol="0" anchor="t">
             <a:spAutoFit/>
           </a:bodyPr>
           <a:lstStyle/>
@@ -8850,7 +8742,7 @@
               <a:t>            </a:t>
             </a:r>
             <a:r>
-              <a:rPr lang="en-US" altLang="ko-KR" sz="700" b="1" dirty="0" smtClean="0">
+              <a:rPr lang="en-US" altLang="ko-KR" sz="700" b="1" dirty="0">
                 <a:ln>
                   <a:solidFill>
                     <a:schemeClr val="accent1">
@@ -8871,7 +8763,7 @@
               <a:t>{   </a:t>
             </a:r>
             <a:r>
-              <a:rPr lang="en-US" altLang="ko-KR" sz="700" b="1" dirty="0" err="1" smtClean="0">
+              <a:rPr lang="en-US" altLang="ko-KR" sz="700" b="1" dirty="0" err="1">
                 <a:ln>
                   <a:solidFill>
                     <a:schemeClr val="accent1">
@@ -8892,7 +8784,7 @@
               <a:t>goodLuck</a:t>
             </a:r>
             <a:r>
-              <a:rPr lang="en-US" altLang="ko-KR" sz="700" b="1" dirty="0" smtClean="0">
+              <a:rPr lang="en-US" altLang="ko-KR" sz="700" b="1" dirty="0">
                 <a:ln>
                   <a:solidFill>
                     <a:schemeClr val="accent1">
@@ -8976,7 +8868,7 @@
               <a:t>(1, 46</a:t>
             </a:r>
             <a:r>
-              <a:rPr lang="en-US" altLang="ko-KR" sz="700" b="1" dirty="0" smtClean="0">
+              <a:rPr lang="en-US" altLang="ko-KR" sz="700" b="1" dirty="0">
                 <a:ln>
                   <a:solidFill>
                     <a:schemeClr val="accent1">
@@ -8997,7 +8889,7 @@
               <a:t>);</a:t>
             </a:r>
             <a:br>
-              <a:rPr lang="en-US" altLang="ko-KR" sz="700" b="1" dirty="0" smtClean="0">
+              <a:rPr lang="en-US" altLang="ko-KR" sz="700" b="1" dirty="0">
                 <a:ln>
                   <a:solidFill>
                     <a:schemeClr val="accent1">
@@ -9017,7 +8909,7 @@
               </a:rPr>
             </a:br>
             <a:r>
-              <a:rPr lang="en-US" altLang="ko-KR" sz="700" b="1" dirty="0" smtClean="0">
+              <a:rPr lang="en-US" altLang="ko-KR" sz="700" b="1" dirty="0">
                 <a:ln>
                   <a:solidFill>
                     <a:schemeClr val="accent1">
@@ -9038,7 +8930,7 @@
               <a:t/>
             </a:r>
             <a:br>
-              <a:rPr lang="en-US" altLang="ko-KR" sz="700" b="1" dirty="0" smtClean="0">
+              <a:rPr lang="en-US" altLang="ko-KR" sz="700" b="1" dirty="0">
                 <a:ln>
                   <a:solidFill>
                     <a:schemeClr val="accent1">
@@ -9058,7 +8950,7 @@
               </a:rPr>
             </a:br>
             <a:r>
-              <a:rPr lang="en-US" altLang="ko-KR" sz="700" b="1" dirty="0" smtClean="0">
+              <a:rPr lang="en-US" altLang="ko-KR" sz="700" b="1" dirty="0">
                 <a:ln>
                   <a:solidFill>
                     <a:schemeClr val="accent1">
@@ -9184,7 +9076,7 @@
               <a:t>70%</a:t>
             </a:r>
             <a:r>
-              <a:rPr lang="ko-KR" altLang="en-US" sz="700" b="1" dirty="0" smtClean="0">
+              <a:rPr lang="ko-KR" altLang="en-US" sz="700" b="1" dirty="0">
                 <a:ln>
                   <a:solidFill>
                     <a:schemeClr val="accent1">
@@ -9441,7 +9333,7 @@
               <a:t>[i]) &lt; 0.9) </a:t>
             </a:r>
             <a:r>
-              <a:rPr lang="en-US" altLang="ko-KR" sz="700" b="1" dirty="0" smtClean="0">
+              <a:rPr lang="en-US" altLang="ko-KR" sz="700" b="1" dirty="0">
                 <a:ln>
                   <a:solidFill>
                     <a:schemeClr val="accent1">
@@ -9462,7 +9354,7 @@
               <a:t/>
             </a:r>
             <a:br>
-              <a:rPr lang="en-US" altLang="ko-KR" sz="700" b="1" dirty="0" smtClean="0">
+              <a:rPr lang="en-US" altLang="ko-KR" sz="700" b="1" dirty="0">
                 <a:ln>
                   <a:solidFill>
                     <a:schemeClr val="accent1">
@@ -9482,7 +9374,7 @@
               </a:rPr>
             </a:br>
             <a:r>
-              <a:rPr lang="en-US" altLang="ko-KR" sz="700" b="1" dirty="0" smtClean="0">
+              <a:rPr lang="en-US" altLang="ko-KR" sz="700" b="1" dirty="0">
                 <a:ln>
                   <a:solidFill>
                     <a:schemeClr val="accent1">
@@ -9755,7 +9647,7 @@
               <a:t>                </a:t>
             </a:r>
             <a:r>
-              <a:rPr lang="en-US" altLang="ko-KR" sz="700" b="1" dirty="0" smtClean="0">
+              <a:rPr lang="en-US" altLang="ko-KR" sz="700" b="1" dirty="0">
                 <a:ln>
                   <a:solidFill>
                     <a:schemeClr val="accent1">
@@ -9776,7 +9668,7 @@
               <a:t>{ </a:t>
             </a:r>
             <a:r>
-              <a:rPr lang="en-US" altLang="ko-KR" sz="700" b="1" dirty="0" err="1" smtClean="0">
+              <a:rPr lang="en-US" altLang="ko-KR" sz="700" b="1" dirty="0" err="1">
                 <a:ln>
                   <a:solidFill>
                     <a:schemeClr val="accent1">
@@ -9797,7 +9689,7 @@
               <a:t>goodLuck</a:t>
             </a:r>
             <a:r>
-              <a:rPr lang="en-US" altLang="ko-KR" sz="700" b="1" dirty="0" smtClean="0">
+              <a:rPr lang="en-US" altLang="ko-KR" sz="700" b="1" dirty="0">
                 <a:ln>
                   <a:solidFill>
                     <a:schemeClr val="accent1">
@@ -9881,7 +9773,7 @@
               <a:t>(1, 46</a:t>
             </a:r>
             <a:r>
-              <a:rPr lang="en-US" altLang="ko-KR" sz="700" b="1" dirty="0" smtClean="0">
+              <a:rPr lang="en-US" altLang="ko-KR" sz="700" b="1" dirty="0">
                 <a:ln>
                   <a:solidFill>
                     <a:schemeClr val="accent1">
@@ -10162,7 +10054,7 @@
               <a:t>                    </a:t>
             </a:r>
             <a:r>
-              <a:rPr lang="en-US" altLang="ko-KR" sz="700" b="1" dirty="0" smtClean="0">
+              <a:rPr lang="en-US" altLang="ko-KR" sz="700" b="1" dirty="0">
                 <a:ln>
                   <a:solidFill>
                     <a:schemeClr val="accent1">
@@ -10351,7 +10243,7 @@
               <a:t>goodLuck</a:t>
             </a:r>
             <a:r>
-              <a:rPr lang="en-US" altLang="ko-KR" sz="700" b="1" dirty="0" smtClean="0">
+              <a:rPr lang="en-US" altLang="ko-KR" sz="700" b="1" dirty="0">
                 <a:ln>
                   <a:solidFill>
                     <a:schemeClr val="accent1">
@@ -10532,7 +10424,7 @@
               <a:t>            </a:t>
             </a:r>
             <a:r>
-              <a:rPr lang="en-US" altLang="ko-KR" sz="700" b="1" dirty="0" smtClean="0">
+              <a:rPr lang="en-US" altLang="ko-KR" sz="700" b="1" dirty="0">
                 <a:ln>
                   <a:solidFill>
                     <a:schemeClr val="accent1">
@@ -10553,7 +10445,7 @@
               <a:t>{ </a:t>
             </a:r>
             <a:r>
-              <a:rPr lang="en-US" altLang="ko-KR" sz="700" b="1" dirty="0" err="1" smtClean="0">
+              <a:rPr lang="en-US" altLang="ko-KR" sz="700" b="1" dirty="0" err="1">
                 <a:ln>
                   <a:solidFill>
                     <a:schemeClr val="accent1">
@@ -10637,7 +10529,7 @@
               <a:t>[i]},\t</a:t>
             </a:r>
             <a:r>
-              <a:rPr lang="en-US" altLang="ko-KR" sz="700" b="1" dirty="0" smtClean="0">
+              <a:rPr lang="en-US" altLang="ko-KR" sz="700" b="1" dirty="0">
                 <a:ln>
                   <a:solidFill>
                     <a:schemeClr val="accent1">
@@ -10801,7 +10693,7 @@
           <p:cNvPr id="13" name="TextBox 12">
             <a:extLst>
               <a:ext uri="{FF2B5EF4-FFF2-40B4-BE49-F238E27FC236}">
-                <a16:creationId xmlns="" xmlns:a16="http://schemas.microsoft.com/office/drawing/2014/main" id="{A1687216-9C76-4F29-934C-F430DF40C5FA}"/>
+                <a16:creationId xmlns:a16="http://schemas.microsoft.com/office/drawing/2014/main" xmlns="" id="{A1687216-9C76-4F29-934C-F430DF40C5FA}"/>
               </a:ext>
             </a:extLst>
           </p:cNvPr>
@@ -10810,7 +10702,7 @@
         </p:nvSpPr>
         <p:spPr>
           <a:xfrm>
-            <a:off x="371213" y="1750400"/>
+            <a:off x="371214" y="1750401"/>
             <a:ext cx="227750" cy="3054682"/>
           </a:xfrm>
           <a:prstGeom prst="rect">
@@ -10819,7 +10711,7 @@
           <a:noFill/>
         </p:spPr>
         <p:txBody>
-          <a:bodyPr wrap="square" lIns="0" rIns="0" rtlCol="0" anchor="t">
+          <a:bodyPr wrap="square" lIns="0" tIns="45719" rIns="0" bIns="45719" rtlCol="0" anchor="t">
             <a:spAutoFit/>
           </a:bodyPr>
           <a:lstStyle/>
@@ -11501,12 +11393,12 @@
           </a:fontRef>
         </p:style>
         <p:txBody>
-          <a:bodyPr rtlCol="0" anchor="ctr"/>
+          <a:bodyPr lIns="91438" tIns="45719" rIns="91438" bIns="45719" rtlCol="0" anchor="ctr"/>
           <a:lstStyle/>
           <a:p>
             <a:pPr algn="ctr"/>
             <a:r>
-              <a:rPr lang="en-US" altLang="ko-KR" sz="1100" b="1" dirty="0" smtClean="0"/>
+              <a:rPr lang="en-US" altLang="ko-KR" sz="1100" b="1" dirty="0"/>
               <a:t>1</a:t>
             </a:r>
             <a:endParaRPr lang="ko-KR" altLang="en-US" sz="1100" b="1" dirty="0"/>
@@ -11551,12 +11443,12 @@
           </a:fontRef>
         </p:style>
         <p:txBody>
-          <a:bodyPr rtlCol="0" anchor="ctr"/>
+          <a:bodyPr lIns="91438" tIns="45719" rIns="91438" bIns="45719" rtlCol="0" anchor="ctr"/>
           <a:lstStyle/>
           <a:p>
             <a:pPr algn="ctr"/>
             <a:r>
-              <a:rPr lang="en-US" altLang="ko-KR" sz="1100" b="1" dirty="0" smtClean="0"/>
+              <a:rPr lang="en-US" altLang="ko-KR" sz="1100" b="1" dirty="0"/>
               <a:t>2</a:t>
             </a:r>
             <a:endParaRPr lang="ko-KR" altLang="en-US" sz="1100" b="1" dirty="0"/>
@@ -11571,7 +11463,7 @@
         </p:nvSpPr>
         <p:spPr>
           <a:xfrm>
-            <a:off x="852114" y="2457450"/>
+            <a:off x="852115" y="2457451"/>
             <a:ext cx="3145981" cy="402332"/>
           </a:xfrm>
           <a:custGeom>
@@ -11674,7 +11566,7 @@
           </a:fontRef>
         </p:style>
         <p:txBody>
-          <a:bodyPr rtlCol="0" anchor="ctr"/>
+          <a:bodyPr lIns="91438" tIns="45719" rIns="91438" bIns="45719" rtlCol="0" anchor="ctr"/>
           <a:lstStyle/>
           <a:p>
             <a:pPr algn="ctr"/>
@@ -11693,7 +11585,7 @@
         </p:nvCxnSpPr>
         <p:spPr>
           <a:xfrm>
-            <a:off x="3998095" y="2658616"/>
+            <a:off x="3998096" y="2658616"/>
             <a:ext cx="1507107" cy="43520"/>
           </a:xfrm>
           <a:prstGeom prst="straightConnector1">
@@ -11732,7 +11624,7 @@
         </p:nvSpPr>
         <p:spPr>
           <a:xfrm>
-            <a:off x="852114" y="3006090"/>
+            <a:off x="852115" y="3006090"/>
             <a:ext cx="3145981" cy="1064260"/>
           </a:xfrm>
           <a:custGeom>
@@ -11835,7 +11727,7 @@
           </a:fontRef>
         </p:style>
         <p:txBody>
-          <a:bodyPr rtlCol="0" anchor="ctr"/>
+          <a:bodyPr lIns="91438" tIns="45719" rIns="91438" bIns="45719" rtlCol="0" anchor="ctr"/>
           <a:lstStyle/>
           <a:p>
             <a:pPr algn="ctr"/>
@@ -11851,7 +11743,7 @@
         </p:nvCxnSpPr>
         <p:spPr>
           <a:xfrm>
-            <a:off x="3998095" y="3541266"/>
+            <a:off x="3998096" y="3541266"/>
             <a:ext cx="1507107" cy="75270"/>
           </a:xfrm>
           <a:prstGeom prst="straightConnector1">
@@ -11902,7 +11794,7 @@
 </p:sld>
 </file>
 
-<file path=ppt/slides/slide7.xml><?xml version="1.0" encoding="utf-8"?>
+<file path=ppt/slides/slide6.xml><?xml version="1.0" encoding="utf-8"?>
 <p:sld xmlns:a="http://schemas.openxmlformats.org/drawingml/2006/main" xmlns:r="http://schemas.openxmlformats.org/officeDocument/2006/relationships" xmlns:p="http://schemas.openxmlformats.org/presentationml/2006/main">
   <p:cSld>
     <p:spTree>
@@ -11928,14 +11820,14 @@
           <p:nvPr>
             <p:extLst>
               <p:ext uri="{D42A27DB-BD31-4B8C-83A1-F6EECF244321}">
-                <p14:modId xmlns:p14="http://schemas.microsoft.com/office/powerpoint/2010/main" val="2565013593"/>
+                <p14:modId xmlns:p14="http://schemas.microsoft.com/office/powerpoint/2010/main" val="4052495547"/>
               </p:ext>
             </p:extLst>
           </p:nvPr>
         </p:nvGraphicFramePr>
         <p:xfrm>
-          <a:off x="333000" y="1203598"/>
-          <a:ext cx="4498490" cy="3672400"/>
+          <a:off x="333001" y="1203596"/>
+          <a:ext cx="4498490" cy="3816425"/>
         </p:xfrm>
         <a:graphic>
           <a:graphicData uri="http://schemas.openxmlformats.org/drawingml/2006/table">
@@ -11946,7 +11838,7 @@
               <a:tblGrid>
                 <a:gridCol w="4498490"/>
               </a:tblGrid>
-              <a:tr h="146896">
+              <a:tr h="152657">
                 <a:tc>
                   <a:txBody>
                     <a:bodyPr/>
@@ -11980,7 +11872,7 @@
                   </a:tcPr>
                 </a:tc>
               </a:tr>
-              <a:tr h="146896">
+              <a:tr h="152657">
                 <a:tc>
                   <a:txBody>
                     <a:bodyPr/>
@@ -12014,7 +11906,7 @@
                   </a:tcPr>
                 </a:tc>
               </a:tr>
-              <a:tr h="146896">
+              <a:tr h="152657">
                 <a:tc>
                   <a:txBody>
                     <a:bodyPr/>
@@ -12048,7 +11940,7 @@
                   </a:tcPr>
                 </a:tc>
               </a:tr>
-              <a:tr h="146896">
+              <a:tr h="152657">
                 <a:tc>
                   <a:txBody>
                     <a:bodyPr/>
@@ -12082,7 +11974,7 @@
                   </a:tcPr>
                 </a:tc>
               </a:tr>
-              <a:tr h="146896">
+              <a:tr h="152657">
                 <a:tc>
                   <a:txBody>
                     <a:bodyPr/>
@@ -12116,7 +12008,7 @@
                   </a:tcPr>
                 </a:tc>
               </a:tr>
-              <a:tr h="146896">
+              <a:tr h="152657">
                 <a:tc>
                   <a:txBody>
                     <a:bodyPr/>
@@ -12150,7 +12042,7 @@
                   </a:tcPr>
                 </a:tc>
               </a:tr>
-              <a:tr h="146896">
+              <a:tr h="152657">
                 <a:tc>
                   <a:txBody>
                     <a:bodyPr/>
@@ -12184,7 +12076,7 @@
                   </a:tcPr>
                 </a:tc>
               </a:tr>
-              <a:tr h="146896">
+              <a:tr h="152657">
                 <a:tc>
                   <a:txBody>
                     <a:bodyPr/>
@@ -12218,7 +12110,7 @@
                   </a:tcPr>
                 </a:tc>
               </a:tr>
-              <a:tr h="146896">
+              <a:tr h="152657">
                 <a:tc>
                   <a:txBody>
                     <a:bodyPr/>
@@ -12252,7 +12144,7 @@
                   </a:tcPr>
                 </a:tc>
               </a:tr>
-              <a:tr h="146896">
+              <a:tr h="152657">
                 <a:tc>
                   <a:txBody>
                     <a:bodyPr/>
@@ -12286,7 +12178,7 @@
                   </a:tcPr>
                 </a:tc>
               </a:tr>
-              <a:tr h="146896">
+              <a:tr h="152657">
                 <a:tc>
                   <a:txBody>
                     <a:bodyPr/>
@@ -12320,7 +12212,7 @@
                   </a:tcPr>
                 </a:tc>
               </a:tr>
-              <a:tr h="146896">
+              <a:tr h="152657">
                 <a:tc>
                   <a:txBody>
                     <a:bodyPr/>
@@ -12354,7 +12246,7 @@
                   </a:tcPr>
                 </a:tc>
               </a:tr>
-              <a:tr h="146896">
+              <a:tr h="152657">
                 <a:tc>
                   <a:txBody>
                     <a:bodyPr/>
@@ -12388,7 +12280,7 @@
                   </a:tcPr>
                 </a:tc>
               </a:tr>
-              <a:tr h="146896">
+              <a:tr h="152657">
                 <a:tc>
                   <a:txBody>
                     <a:bodyPr/>
@@ -12422,7 +12314,7 @@
                   </a:tcPr>
                 </a:tc>
               </a:tr>
-              <a:tr h="146896">
+              <a:tr h="152657">
                 <a:tc>
                   <a:txBody>
                     <a:bodyPr/>
@@ -12456,7 +12348,7 @@
                   </a:tcPr>
                 </a:tc>
               </a:tr>
-              <a:tr h="146896">
+              <a:tr h="152657">
                 <a:tc>
                   <a:txBody>
                     <a:bodyPr/>
@@ -12490,7 +12382,7 @@
                   </a:tcPr>
                 </a:tc>
               </a:tr>
-              <a:tr h="146896">
+              <a:tr h="152657">
                 <a:tc>
                   <a:txBody>
                     <a:bodyPr/>
@@ -12524,7 +12416,7 @@
                   </a:tcPr>
                 </a:tc>
               </a:tr>
-              <a:tr h="146896">
+              <a:tr h="152657">
                 <a:tc>
                   <a:txBody>
                     <a:bodyPr/>
@@ -12558,7 +12450,7 @@
                   </a:tcPr>
                 </a:tc>
               </a:tr>
-              <a:tr h="146896">
+              <a:tr h="152657">
                 <a:tc>
                   <a:txBody>
                     <a:bodyPr/>
@@ -12592,7 +12484,7 @@
                   </a:tcPr>
                 </a:tc>
               </a:tr>
-              <a:tr h="146896">
+              <a:tr h="152657">
                 <a:tc>
                   <a:txBody>
                     <a:bodyPr/>
@@ -12626,7 +12518,7 @@
                   </a:tcPr>
                 </a:tc>
               </a:tr>
-              <a:tr h="146896">
+              <a:tr h="152657">
                 <a:tc>
                   <a:txBody>
                     <a:bodyPr/>
@@ -12660,7 +12552,7 @@
                   </a:tcPr>
                 </a:tc>
               </a:tr>
-              <a:tr h="146896">
+              <a:tr h="152657">
                 <a:tc>
                   <a:txBody>
                     <a:bodyPr/>
@@ -12694,7 +12586,7 @@
                   </a:tcPr>
                 </a:tc>
               </a:tr>
-              <a:tr h="146896">
+              <a:tr h="152657">
                 <a:tc>
                   <a:txBody>
                     <a:bodyPr/>
@@ -12728,7 +12620,7 @@
                   </a:tcPr>
                 </a:tc>
               </a:tr>
-              <a:tr h="146896">
+              <a:tr h="152657">
                 <a:tc>
                   <a:txBody>
                     <a:bodyPr/>
@@ -12762,7 +12654,7 @@
                   </a:tcPr>
                 </a:tc>
               </a:tr>
-              <a:tr h="146896">
+              <a:tr h="152657">
                 <a:tc>
                   <a:txBody>
                     <a:bodyPr/>
@@ -12809,9 +12701,9 @@
         <p:grpSpPr>
           <a:xfrm>
             <a:off x="371213" y="1150524"/>
-            <a:ext cx="4140098" cy="3835858"/>
+            <a:ext cx="4140098" cy="3939540"/>
             <a:chOff x="371213" y="1750400"/>
-            <a:chExt cx="3768739" cy="3491789"/>
+            <a:chExt cx="3768739" cy="3586171"/>
           </a:xfrm>
         </p:grpSpPr>
         <p:sp>
@@ -12819,7 +12711,7 @@
             <p:cNvPr id="3" name="TextBox 2">
               <a:extLst>
                 <a:ext uri="{FF2B5EF4-FFF2-40B4-BE49-F238E27FC236}">
-                  <a16:creationId xmlns="" xmlns:a16="http://schemas.microsoft.com/office/drawing/2014/main" id="{A1687216-9C76-4F29-934C-F430DF40C5FA}"/>
+                  <a16:creationId xmlns:a16="http://schemas.microsoft.com/office/drawing/2014/main" xmlns="" id="{A1687216-9C76-4F29-934C-F430DF40C5FA}"/>
                 </a:ext>
               </a:extLst>
             </p:cNvPr>
@@ -12829,7 +12721,7 @@
           <p:spPr>
             <a:xfrm>
               <a:off x="608094" y="1750400"/>
-              <a:ext cx="3531858" cy="3355206"/>
+              <a:ext cx="3531858" cy="3446086"/>
             </a:xfrm>
             <a:prstGeom prst="rect">
               <a:avLst/>
@@ -12849,7 +12741,7 @@
                 <a:defRPr/>
               </a:pPr>
               <a:r>
-                <a:rPr lang="en-US" altLang="ko-KR" sz="770" b="1" dirty="0">
+                <a:rPr lang="en-US" altLang="ko-KR" sz="800" b="1" dirty="0">
                   <a:ln>
                     <a:solidFill>
                       <a:schemeClr val="accent1">
@@ -12870,7 +12762,7 @@
                 <a:t> private void </a:t>
               </a:r>
               <a:r>
-                <a:rPr lang="en-US" altLang="ko-KR" sz="770" b="1" dirty="0" err="1">
+                <a:rPr lang="en-US" altLang="ko-KR" sz="800" b="1" dirty="0" err="1">
                   <a:ln>
                     <a:solidFill>
                       <a:schemeClr val="accent1">
@@ -12891,7 +12783,7 @@
                 <a:t>button_test_Click</a:t>
               </a:r>
               <a:r>
-                <a:rPr lang="en-US" altLang="ko-KR" sz="770" b="1" dirty="0">
+                <a:rPr lang="en-US" altLang="ko-KR" sz="800" b="1" dirty="0">
                   <a:ln>
                     <a:solidFill>
                       <a:schemeClr val="accent1">
@@ -12912,7 +12804,7 @@
                 <a:t>(object sender, </a:t>
               </a:r>
               <a:r>
-                <a:rPr lang="en-US" altLang="ko-KR" sz="770" b="1" dirty="0" err="1">
+                <a:rPr lang="en-US" altLang="ko-KR" sz="800" b="1" dirty="0" err="1">
                   <a:ln>
                     <a:solidFill>
                       <a:schemeClr val="accent1">
@@ -12933,7 +12825,7 @@
                 <a:t>EventArgs</a:t>
               </a:r>
               <a:r>
-                <a:rPr lang="en-US" altLang="ko-KR" sz="770" b="1" dirty="0">
+                <a:rPr lang="en-US" altLang="ko-KR" sz="800" b="1" dirty="0">
                   <a:ln>
                     <a:solidFill>
                       <a:schemeClr val="accent1">
@@ -12962,7 +12854,7 @@
                 <a:defRPr/>
               </a:pPr>
               <a:r>
-                <a:rPr lang="en-US" altLang="ko-KR" sz="770" b="1" dirty="0">
+                <a:rPr lang="en-US" altLang="ko-KR" sz="800" b="1" dirty="0">
                   <a:ln>
                     <a:solidFill>
                       <a:schemeClr val="accent1">
@@ -12991,7 +12883,7 @@
                 <a:defRPr/>
               </a:pPr>
               <a:r>
-                <a:rPr lang="en-US" altLang="ko-KR" sz="770" b="1" dirty="0">
+                <a:rPr lang="en-US" altLang="ko-KR" sz="800" b="1" dirty="0">
                   <a:ln>
                     <a:solidFill>
                       <a:schemeClr val="accent1">
@@ -13020,7 +12912,7 @@
                 <a:defRPr/>
               </a:pPr>
               <a:r>
-                <a:rPr lang="en-US" altLang="ko-KR" sz="770" b="1" dirty="0">
+                <a:rPr lang="en-US" altLang="ko-KR" sz="800" b="1" dirty="0">
                   <a:ln>
                     <a:solidFill>
                       <a:schemeClr val="accent1">
@@ -13041,7 +12933,7 @@
                 <a:t>                    if (</a:t>
               </a:r>
               <a:r>
-                <a:rPr lang="en-US" altLang="ko-KR" sz="770" b="1" dirty="0" err="1">
+                <a:rPr lang="en-US" altLang="ko-KR" sz="800" b="1" dirty="0" err="1">
                   <a:ln>
                     <a:solidFill>
                       <a:schemeClr val="accent1">
@@ -13062,7 +12954,7 @@
                 <a:t>makeRandTxtBox.Text</a:t>
               </a:r>
               <a:r>
-                <a:rPr lang="en-US" altLang="ko-KR" sz="770" b="1" dirty="0">
+                <a:rPr lang="en-US" altLang="ko-KR" sz="800" b="1" dirty="0">
                   <a:ln>
                     <a:solidFill>
                       <a:schemeClr val="accent1">
@@ -13080,7 +12972,28 @@
                   <a:latin typeface="나눔바른고딕 Light" pitchFamily="50" charset="-127"/>
                   <a:ea typeface="나눔바른고딕 Light" pitchFamily="50" charset="-127"/>
                 </a:rPr>
-                <a:t> == HINTED_TEXT)</a:t>
+                <a:t> == HINTED_TEXT</a:t>
+              </a:r>
+              <a:r>
+                <a:rPr lang="en-US" altLang="ko-KR" sz="800" b="1" dirty="0" smtClean="0">
+                  <a:ln>
+                    <a:solidFill>
+                      <a:schemeClr val="accent1">
+                        <a:shade val="50000"/>
+                        <a:alpha val="0"/>
+                      </a:schemeClr>
+                    </a:solidFill>
+                  </a:ln>
+                  <a:solidFill>
+                    <a:schemeClr val="tx1">
+                      <a:lumMod val="75000"/>
+                      <a:lumOff val="25000"/>
+                    </a:schemeClr>
+                  </a:solidFill>
+                  <a:latin typeface="나눔바른고딕 Light" pitchFamily="50" charset="-127"/>
+                  <a:ea typeface="나눔바른고딕 Light" pitchFamily="50" charset="-127"/>
+                </a:rPr>
+                <a:t>) { </a:t>
               </a:r>
             </a:p>
             <a:p>
@@ -13091,7 +13004,7 @@
                 <a:defRPr/>
               </a:pPr>
               <a:r>
-                <a:rPr lang="en-US" altLang="ko-KR" sz="770" b="1" dirty="0">
+                <a:rPr lang="en-US" altLang="ko-KR" sz="800" b="1" dirty="0">
                   <a:ln>
                     <a:solidFill>
                       <a:schemeClr val="accent1">
@@ -13109,10 +13022,10 @@
                   <a:latin typeface="나눔바른고딕 Light" pitchFamily="50" charset="-127"/>
                   <a:ea typeface="나눔바른고딕 Light" pitchFamily="50" charset="-127"/>
                 </a:rPr>
-                <a:t>                    { </a:t>
+                <a:t> </a:t>
               </a:r>
               <a:r>
-                <a:rPr lang="en-US" altLang="ko-KR" sz="770" b="1" dirty="0" err="1">
+                <a:rPr lang="en-US" altLang="ko-KR" sz="800" b="1" dirty="0" smtClean="0">
                   <a:ln>
                     <a:solidFill>
                       <a:schemeClr val="accent1">
@@ -13130,10 +13043,10 @@
                   <a:latin typeface="나눔바른고딕 Light" pitchFamily="50" charset="-127"/>
                   <a:ea typeface="나눔바른고딕 Light" pitchFamily="50" charset="-127"/>
                 </a:rPr>
-                <a:t>makeRandTxtBox.Text</a:t>
+                <a:t>                       </a:t>
               </a:r>
               <a:r>
-                <a:rPr lang="en-US" altLang="ko-KR" sz="770" b="1" dirty="0">
+                <a:rPr lang="en-US" altLang="ko-KR" sz="800" b="1" dirty="0" err="1" smtClean="0">
                   <a:ln>
                     <a:solidFill>
                       <a:schemeClr val="accent1">
@@ -13151,7 +13064,49 @@
                   <a:latin typeface="나눔바른고딕 Light" pitchFamily="50" charset="-127"/>
                   <a:ea typeface="나눔바른고딕 Light" pitchFamily="50" charset="-127"/>
                 </a:rPr>
-                <a:t> = "0"; }</a:t>
+                <a:t>makeRandTxtBox.Text</a:t>
+              </a:r>
+              <a:r>
+                <a:rPr lang="en-US" altLang="ko-KR" sz="800" b="1" dirty="0" smtClean="0">
+                  <a:ln>
+                    <a:solidFill>
+                      <a:schemeClr val="accent1">
+                        <a:shade val="50000"/>
+                        <a:alpha val="0"/>
+                      </a:schemeClr>
+                    </a:solidFill>
+                  </a:ln>
+                  <a:solidFill>
+                    <a:schemeClr val="tx1">
+                      <a:lumMod val="75000"/>
+                      <a:lumOff val="25000"/>
+                    </a:schemeClr>
+                  </a:solidFill>
+                  <a:latin typeface="나눔바른고딕 Light" pitchFamily="50" charset="-127"/>
+                  <a:ea typeface="나눔바른고딕 Light" pitchFamily="50" charset="-127"/>
+                </a:rPr>
+                <a:t> </a:t>
+              </a:r>
+              <a:r>
+                <a:rPr lang="en-US" altLang="ko-KR" sz="800" b="1" dirty="0">
+                  <a:ln>
+                    <a:solidFill>
+                      <a:schemeClr val="accent1">
+                        <a:shade val="50000"/>
+                        <a:alpha val="0"/>
+                      </a:schemeClr>
+                    </a:solidFill>
+                  </a:ln>
+                  <a:solidFill>
+                    <a:schemeClr val="tx1">
+                      <a:lumMod val="75000"/>
+                      <a:lumOff val="25000"/>
+                    </a:schemeClr>
+                  </a:solidFill>
+                  <a:latin typeface="나눔바른고딕 Light" pitchFamily="50" charset="-127"/>
+                  <a:ea typeface="나눔바른고딕 Light" pitchFamily="50" charset="-127"/>
+                </a:rPr>
+                <a:t>= "0"; }</a:t>
               </a:r>
             </a:p>
             <a:p>
@@ -13161,7 +13116,7 @@
                 </a:lnSpc>
                 <a:defRPr/>
               </a:pPr>
-              <a:endParaRPr lang="en-US" altLang="ko-KR" sz="770" b="1" dirty="0">
+              <a:endParaRPr lang="en-US" altLang="ko-KR" sz="800" b="1" dirty="0">
                 <a:ln>
                   <a:solidFill>
                     <a:schemeClr val="accent1">
@@ -13188,7 +13143,7 @@
                 <a:defRPr/>
               </a:pPr>
               <a:r>
-                <a:rPr lang="en-US" altLang="ko-KR" sz="770" b="1" dirty="0">
+                <a:rPr lang="en-US" altLang="ko-KR" sz="800" b="1" dirty="0">
                   <a:ln>
                     <a:solidFill>
                       <a:schemeClr val="accent1">
@@ -13209,7 +13164,7 @@
                 <a:t>                    </a:t>
               </a:r>
               <a:r>
-                <a:rPr lang="en-US" altLang="ko-KR" sz="770" b="1" dirty="0" err="1">
+                <a:rPr lang="en-US" altLang="ko-KR" sz="800" b="1" dirty="0" err="1">
                   <a:ln>
                     <a:solidFill>
                       <a:schemeClr val="accent1">
@@ -13230,7 +13185,7 @@
                 <a:t>int</a:t>
               </a:r>
               <a:r>
-                <a:rPr lang="en-US" altLang="ko-KR" sz="770" b="1" dirty="0">
+                <a:rPr lang="en-US" altLang="ko-KR" sz="800" b="1" dirty="0">
                   <a:ln>
                     <a:solidFill>
                       <a:schemeClr val="accent1">
@@ -13251,7 +13206,7 @@
                 <a:t> </a:t>
               </a:r>
               <a:r>
-                <a:rPr lang="en-US" altLang="ko-KR" sz="770" b="1" dirty="0" err="1">
+                <a:rPr lang="en-US" altLang="ko-KR" sz="800" b="1" dirty="0" err="1">
                   <a:ln>
                     <a:solidFill>
                       <a:schemeClr val="accent1">
@@ -13272,7 +13227,7 @@
                 <a:t>makeR</a:t>
               </a:r>
               <a:r>
-                <a:rPr lang="en-US" altLang="ko-KR" sz="770" b="1" dirty="0">
+                <a:rPr lang="en-US" altLang="ko-KR" sz="800" b="1" dirty="0">
                   <a:ln>
                     <a:solidFill>
                       <a:schemeClr val="accent1">
@@ -13293,7 +13248,7 @@
                 <a:t> = </a:t>
               </a:r>
               <a:r>
-                <a:rPr lang="en-US" altLang="ko-KR" sz="770" b="1" dirty="0" err="1">
+                <a:rPr lang="en-US" altLang="ko-KR" sz="800" b="1" dirty="0" err="1">
                   <a:ln>
                     <a:solidFill>
                       <a:schemeClr val="accent1">
@@ -13314,7 +13269,7 @@
                 <a:t>int.Parse</a:t>
               </a:r>
               <a:r>
-                <a:rPr lang="en-US" altLang="ko-KR" sz="770" b="1" dirty="0">
+                <a:rPr lang="en-US" altLang="ko-KR" sz="800" b="1" dirty="0">
                   <a:ln>
                     <a:solidFill>
                       <a:schemeClr val="accent1">
@@ -13335,7 +13290,7 @@
                 <a:t>(</a:t>
               </a:r>
               <a:r>
-                <a:rPr lang="en-US" altLang="ko-KR" sz="770" b="1" dirty="0" err="1">
+                <a:rPr lang="en-US" altLang="ko-KR" sz="800" b="1" dirty="0" err="1">
                   <a:ln>
                     <a:solidFill>
                       <a:schemeClr val="accent1">
@@ -13356,7 +13311,7 @@
                 <a:t>makeRandTxtBox.Text</a:t>
               </a:r>
               <a:r>
-                <a:rPr lang="en-US" altLang="ko-KR" sz="770" b="1" dirty="0">
+                <a:rPr lang="en-US" altLang="ko-KR" sz="800" b="1" dirty="0">
                   <a:ln>
                     <a:solidFill>
                       <a:schemeClr val="accent1">
@@ -13385,7 +13340,7 @@
                 <a:defRPr/>
               </a:pPr>
               <a:r>
-                <a:rPr lang="en-US" altLang="ko-KR" sz="770" b="1" dirty="0">
+                <a:rPr lang="en-US" altLang="ko-KR" sz="800" b="1" dirty="0">
                   <a:ln>
                     <a:solidFill>
                       <a:schemeClr val="accent1">
@@ -13406,7 +13361,7 @@
                 <a:t>                    if (</a:t>
               </a:r>
               <a:r>
-                <a:rPr lang="en-US" altLang="ko-KR" sz="770" b="1" dirty="0" err="1">
+                <a:rPr lang="en-US" altLang="ko-KR" sz="800" b="1" dirty="0" err="1">
                   <a:ln>
                     <a:solidFill>
                       <a:schemeClr val="accent1">
@@ -13427,7 +13382,7 @@
                 <a:t>makeR</a:t>
               </a:r>
               <a:r>
-                <a:rPr lang="en-US" altLang="ko-KR" sz="770" b="1" dirty="0">
+                <a:rPr lang="en-US" altLang="ko-KR" sz="800" b="1" dirty="0">
                   <a:ln>
                     <a:solidFill>
                       <a:schemeClr val="accent1">
@@ -13448,7 +13403,7 @@
                 <a:t> &gt; 7 || </a:t>
               </a:r>
               <a:r>
-                <a:rPr lang="en-US" altLang="ko-KR" sz="770" b="1" dirty="0" err="1">
+                <a:rPr lang="en-US" altLang="ko-KR" sz="800" b="1" dirty="0" err="1">
                   <a:ln>
                     <a:solidFill>
                       <a:schemeClr val="accent1">
@@ -13469,7 +13424,7 @@
                 <a:t>makeR</a:t>
               </a:r>
               <a:r>
-                <a:rPr lang="en-US" altLang="ko-KR" sz="770" b="1" dirty="0">
+                <a:rPr lang="en-US" altLang="ko-KR" sz="800" b="1" dirty="0">
                   <a:ln>
                     <a:solidFill>
                       <a:schemeClr val="accent1">
@@ -13498,7 +13453,7 @@
                 <a:defRPr/>
               </a:pPr>
               <a:r>
-                <a:rPr lang="en-US" altLang="ko-KR" sz="770" b="1" dirty="0">
+                <a:rPr lang="en-US" altLang="ko-KR" sz="800" b="1" dirty="0">
                   <a:ln>
                     <a:solidFill>
                       <a:schemeClr val="accent1">
@@ -13519,7 +13474,7 @@
                 <a:t>                        </a:t>
               </a:r>
               <a:r>
-                <a:rPr lang="en-US" altLang="ko-KR" sz="770" b="1" dirty="0" err="1">
+                <a:rPr lang="en-US" altLang="ko-KR" sz="800" b="1" dirty="0" err="1">
                   <a:ln>
                     <a:solidFill>
                       <a:schemeClr val="accent1">
@@ -13540,7 +13495,7 @@
                 <a:t>MessageBox.Show</a:t>
               </a:r>
               <a:r>
-                <a:rPr lang="en-US" altLang="ko-KR" sz="770" b="1" dirty="0">
+                <a:rPr lang="en-US" altLang="ko-KR" sz="800" b="1" dirty="0">
                   <a:ln>
                     <a:solidFill>
                       <a:schemeClr val="accent1">
@@ -13561,7 +13516,7 @@
                 <a:t>("0~7</a:t>
               </a:r>
               <a:r>
-                <a:rPr lang="ko-KR" altLang="en-US" sz="770" b="1" dirty="0">
+                <a:rPr lang="ko-KR" altLang="en-US" sz="800" b="1" dirty="0">
                   <a:ln>
                     <a:solidFill>
                       <a:schemeClr val="accent1">
@@ -13582,7 +13537,7 @@
                 <a:t>사이의 값을 입력하세요</a:t>
               </a:r>
               <a:r>
-                <a:rPr lang="en-US" altLang="ko-KR" sz="770" b="1" dirty="0">
+                <a:rPr lang="en-US" altLang="ko-KR" sz="800" b="1" dirty="0">
                   <a:ln>
                     <a:solidFill>
                       <a:schemeClr val="accent1">
@@ -13603,7 +13558,7 @@
                 <a:t>\n 0</a:t>
               </a:r>
               <a:r>
-                <a:rPr lang="ko-KR" altLang="en-US" sz="770" b="1" dirty="0">
+                <a:rPr lang="ko-KR" altLang="en-US" sz="800" b="1" dirty="0">
                   <a:ln>
                     <a:solidFill>
                       <a:schemeClr val="accent1">
@@ -13624,7 +13579,7 @@
                 <a:t>으로 다시 초기화합니다</a:t>
               </a:r>
               <a:r>
-                <a:rPr lang="en-US" altLang="ko-KR" sz="770" b="1" dirty="0">
+                <a:rPr lang="en-US" altLang="ko-KR" sz="800" b="1" dirty="0">
                   <a:ln>
                     <a:solidFill>
                       <a:schemeClr val="accent1">
@@ -13653,7 +13608,7 @@
                 <a:defRPr/>
               </a:pPr>
               <a:r>
-                <a:rPr lang="en-US" altLang="ko-KR" sz="770" b="1" dirty="0">
+                <a:rPr lang="en-US" altLang="ko-KR" sz="800" b="1" dirty="0">
                   <a:ln>
                     <a:solidFill>
                       <a:schemeClr val="accent1">
@@ -13674,7 +13629,7 @@
                 <a:t>                        </a:t>
               </a:r>
               <a:r>
-                <a:rPr lang="en-US" altLang="ko-KR" sz="770" b="1" dirty="0" err="1">
+                <a:rPr lang="en-US" altLang="ko-KR" sz="800" b="1" dirty="0" err="1">
                   <a:ln>
                     <a:solidFill>
                       <a:schemeClr val="accent1">
@@ -13695,7 +13650,7 @@
                 <a:t>makeRandTxtBox.Text</a:t>
               </a:r>
               <a:r>
-                <a:rPr lang="en-US" altLang="ko-KR" sz="770" b="1" dirty="0">
+                <a:rPr lang="en-US" altLang="ko-KR" sz="800" b="1" dirty="0">
                   <a:ln>
                     <a:solidFill>
                       <a:schemeClr val="accent1">
@@ -13724,7 +13679,7 @@
                 <a:defRPr/>
               </a:pPr>
               <a:r>
-                <a:rPr lang="en-US" altLang="ko-KR" sz="770" b="1" dirty="0">
+                <a:rPr lang="en-US" altLang="ko-KR" sz="800" b="1" dirty="0">
                   <a:ln>
                     <a:solidFill>
                       <a:schemeClr val="accent1">
@@ -13753,7 +13708,7 @@
                 <a:defRPr/>
               </a:pPr>
               <a:r>
-                <a:rPr lang="en-US" altLang="ko-KR" sz="770" b="1" dirty="0">
+                <a:rPr lang="en-US" altLang="ko-KR" sz="800" b="1" dirty="0">
                   <a:ln>
                     <a:solidFill>
                       <a:schemeClr val="accent1">
@@ -13782,7 +13737,7 @@
                 <a:defRPr/>
               </a:pPr>
               <a:r>
-                <a:rPr lang="en-US" altLang="ko-KR" sz="770" b="1" dirty="0">
+                <a:rPr lang="en-US" altLang="ko-KR" sz="800" b="1" dirty="0">
                   <a:ln>
                     <a:solidFill>
                       <a:schemeClr val="accent1">
@@ -13803,7 +13758,7 @@
                 <a:t>                    </a:t>
               </a:r>
               <a:r>
-                <a:rPr lang="en-US" altLang="ko-KR" sz="770" b="1" dirty="0" err="1">
+                <a:rPr lang="en-US" altLang="ko-KR" sz="800" b="1" dirty="0" err="1">
                   <a:ln>
                     <a:solidFill>
                       <a:schemeClr val="accent1">
@@ -13824,7 +13779,7 @@
                 <a:t>hd.makeLotto</a:t>
               </a:r>
               <a:r>
-                <a:rPr lang="en-US" altLang="ko-KR" sz="770" b="1" dirty="0">
+                <a:rPr lang="en-US" altLang="ko-KR" sz="800" b="1" dirty="0">
                   <a:ln>
                     <a:solidFill>
                       <a:schemeClr val="accent1">
@@ -13845,7 +13800,7 @@
                 <a:t>(</a:t>
               </a:r>
               <a:r>
-                <a:rPr lang="en-US" altLang="ko-KR" sz="770" b="1" dirty="0" err="1">
+                <a:rPr lang="en-US" altLang="ko-KR" sz="800" b="1" dirty="0" err="1">
                   <a:ln>
                     <a:solidFill>
                       <a:schemeClr val="accent1">
@@ -13866,7 +13821,7 @@
                 <a:t>makeR</a:t>
               </a:r>
               <a:r>
-                <a:rPr lang="en-US" altLang="ko-KR" sz="770" b="1" dirty="0">
+                <a:rPr lang="en-US" altLang="ko-KR" sz="800" b="1" dirty="0">
                   <a:ln>
                     <a:solidFill>
                       <a:schemeClr val="accent1">
@@ -13895,7 +13850,7 @@
                 <a:defRPr/>
               </a:pPr>
               <a:r>
-                <a:rPr lang="en-US" altLang="ko-KR" sz="770" b="1" dirty="0">
+                <a:rPr lang="en-US" altLang="ko-KR" sz="800" b="1" dirty="0">
                   <a:ln>
                     <a:solidFill>
                       <a:schemeClr val="accent1">
@@ -13916,7 +13871,7 @@
                 <a:t>            } catch (</a:t>
               </a:r>
               <a:r>
-                <a:rPr lang="en-US" altLang="ko-KR" sz="770" b="1" dirty="0" err="1">
+                <a:rPr lang="en-US" altLang="ko-KR" sz="800" b="1" dirty="0" err="1">
                   <a:ln>
                     <a:solidFill>
                       <a:schemeClr val="accent1">
@@ -13937,7 +13892,7 @@
                 <a:t>FormatException</a:t>
               </a:r>
               <a:r>
-                <a:rPr lang="en-US" altLang="ko-KR" sz="770" b="1" dirty="0">
+                <a:rPr lang="en-US" altLang="ko-KR" sz="800" b="1" dirty="0">
                   <a:ln>
                     <a:solidFill>
                       <a:schemeClr val="accent1">
@@ -13966,7 +13921,7 @@
                 <a:defRPr/>
               </a:pPr>
               <a:r>
-                <a:rPr lang="en-US" altLang="ko-KR" sz="770" b="1" dirty="0">
+                <a:rPr lang="en-US" altLang="ko-KR" sz="800" b="1" dirty="0">
                   <a:ln>
                     <a:solidFill>
                       <a:schemeClr val="accent1">
@@ -13987,7 +13942,7 @@
                 <a:t>                    </a:t>
               </a:r>
               <a:r>
-                <a:rPr lang="en-US" altLang="ko-KR" sz="770" b="1" dirty="0" err="1">
+                <a:rPr lang="en-US" altLang="ko-KR" sz="800" b="1" dirty="0" err="1">
                   <a:ln>
                     <a:solidFill>
                       <a:schemeClr val="accent1">
@@ -14008,7 +13963,7 @@
                 <a:t>MessageBox.Show</a:t>
               </a:r>
               <a:r>
-                <a:rPr lang="en-US" altLang="ko-KR" sz="770" b="1" dirty="0">
+                <a:rPr lang="en-US" altLang="ko-KR" sz="800" b="1" dirty="0">
                   <a:ln>
                     <a:solidFill>
                       <a:schemeClr val="accent1">
@@ -14029,7 +13984,7 @@
                 <a:t>("</a:t>
               </a:r>
               <a:r>
-                <a:rPr lang="ko-KR" altLang="en-US" sz="770" b="1" dirty="0">
+                <a:rPr lang="ko-KR" altLang="en-US" sz="800" b="1" dirty="0">
                   <a:ln>
                     <a:solidFill>
                       <a:schemeClr val="accent1">
@@ -14050,7 +14005,7 @@
                 <a:t>유효하지 않은 값입니다</a:t>
               </a:r>
               <a:r>
-                <a:rPr lang="en-US" altLang="ko-KR" sz="770" b="1" dirty="0">
+                <a:rPr lang="en-US" altLang="ko-KR" sz="800" b="1" dirty="0">
                   <a:ln>
                     <a:solidFill>
                       <a:schemeClr val="accent1">
@@ -14079,7 +14034,7 @@
                 <a:defRPr/>
               </a:pPr>
               <a:r>
-                <a:rPr lang="en-US" altLang="ko-KR" sz="770" b="1" dirty="0">
+                <a:rPr lang="en-US" altLang="ko-KR" sz="800" b="1" dirty="0">
                   <a:ln>
                     <a:solidFill>
                       <a:schemeClr val="accent1">
@@ -14100,7 +14055,7 @@
                 <a:t>                    </a:t>
               </a:r>
               <a:r>
-                <a:rPr lang="en-US" altLang="ko-KR" sz="770" b="1" dirty="0" err="1">
+                <a:rPr lang="en-US" altLang="ko-KR" sz="800" b="1" dirty="0" err="1">
                   <a:ln>
                     <a:solidFill>
                       <a:schemeClr val="accent1">
@@ -14121,7 +14076,7 @@
                 <a:t>makeRandTxtBox.Text</a:t>
               </a:r>
               <a:r>
-                <a:rPr lang="en-US" altLang="ko-KR" sz="770" b="1" dirty="0">
+                <a:rPr lang="en-US" altLang="ko-KR" sz="800" b="1" dirty="0">
                   <a:ln>
                     <a:solidFill>
                       <a:schemeClr val="accent1">
@@ -14150,7 +14105,7 @@
                 <a:defRPr/>
               </a:pPr>
               <a:r>
-                <a:rPr lang="en-US" altLang="ko-KR" sz="770" b="1" dirty="0">
+                <a:rPr lang="en-US" altLang="ko-KR" sz="800" b="1" dirty="0">
                   <a:ln>
                     <a:solidFill>
                       <a:schemeClr val="accent1">
@@ -14179,7 +14134,7 @@
                 <a:defRPr/>
               </a:pPr>
               <a:r>
-                <a:rPr lang="en-US" altLang="ko-KR" sz="770" b="1" dirty="0">
+                <a:rPr lang="en-US" altLang="ko-KR" sz="800" b="1" dirty="0">
                   <a:ln>
                     <a:solidFill>
                       <a:schemeClr val="accent1">
@@ -14208,7 +14163,7 @@
                 <a:defRPr/>
               </a:pPr>
               <a:r>
-                <a:rPr lang="en-US" altLang="ko-KR" sz="770" b="1" dirty="0">
+                <a:rPr lang="en-US" altLang="ko-KR" sz="800" b="1" dirty="0">
                   <a:ln>
                     <a:solidFill>
                       <a:schemeClr val="accent1">
@@ -14229,7 +14184,7 @@
                 <a:t>           </a:t>
               </a:r>
               <a:r>
-                <a:rPr lang="en-US" altLang="ko-KR" sz="770" b="1" dirty="0">
+                <a:rPr lang="en-US" altLang="ko-KR" sz="800" b="1" dirty="0">
                   <a:ln>
                     <a:solidFill>
                       <a:schemeClr val="accent1">
@@ -14249,7 +14204,7 @@
                 <a:t> </a:t>
               </a:r>
               <a:r>
-                <a:rPr lang="en-US" altLang="ko-KR" sz="770" b="1" dirty="0" err="1">
+                <a:rPr lang="en-US" altLang="ko-KR" sz="800" b="1" dirty="0" err="1">
                   <a:ln>
                     <a:solidFill>
                       <a:schemeClr val="accent1">
@@ -14269,7 +14224,7 @@
                 <a:t>int</a:t>
               </a:r>
               <a:r>
-                <a:rPr lang="en-US" altLang="ko-KR" sz="770" b="1" dirty="0">
+                <a:rPr lang="en-US" altLang="ko-KR" sz="800" b="1" dirty="0">
                   <a:ln>
                     <a:solidFill>
                       <a:schemeClr val="accent1">
@@ -14289,7 +14244,7 @@
                 <a:t>[] </a:t>
               </a:r>
               <a:r>
-                <a:rPr lang="en-US" altLang="ko-KR" sz="770" b="1" dirty="0" err="1">
+                <a:rPr lang="en-US" altLang="ko-KR" sz="800" b="1" dirty="0" err="1">
                   <a:ln>
                     <a:solidFill>
                       <a:schemeClr val="accent1">
@@ -14309,7 +14264,7 @@
                 <a:t>gluck</a:t>
               </a:r>
               <a:r>
-                <a:rPr lang="en-US" altLang="ko-KR" sz="770" b="1" dirty="0">
+                <a:rPr lang="en-US" altLang="ko-KR" sz="800" b="1" dirty="0">
                   <a:ln>
                     <a:solidFill>
                       <a:schemeClr val="accent1">
@@ -14329,7 +14284,7 @@
                 <a:t> = </a:t>
               </a:r>
               <a:r>
-                <a:rPr lang="en-US" altLang="ko-KR" sz="770" b="1" dirty="0" err="1">
+                <a:rPr lang="en-US" altLang="ko-KR" sz="800" b="1" dirty="0" err="1">
                   <a:ln>
                     <a:solidFill>
                       <a:schemeClr val="accent1">
@@ -14349,7 +14304,7 @@
                 <a:t>hd.GoodLuck</a:t>
               </a:r>
               <a:r>
-                <a:rPr lang="en-US" altLang="ko-KR" sz="770" b="1" dirty="0">
+                <a:rPr lang="en-US" altLang="ko-KR" sz="800" b="1" dirty="0">
                   <a:ln>
                     <a:solidFill>
                       <a:schemeClr val="accent1">
@@ -14377,7 +14332,7 @@
                 <a:defRPr/>
               </a:pPr>
               <a:r>
-                <a:rPr lang="en-US" altLang="ko-KR" sz="770" b="1" dirty="0">
+                <a:rPr lang="en-US" altLang="ko-KR" sz="800" b="1" dirty="0">
                   <a:ln>
                     <a:solidFill>
                       <a:schemeClr val="accent1">
@@ -14397,7 +14352,7 @@
                 <a:t>            Label[] </a:t>
               </a:r>
               <a:r>
-                <a:rPr lang="en-US" altLang="ko-KR" sz="770" b="1" dirty="0" err="1">
+                <a:rPr lang="en-US" altLang="ko-KR" sz="800" b="1" dirty="0" err="1">
                   <a:ln>
                     <a:solidFill>
                       <a:schemeClr val="accent1">
@@ -14417,7 +14372,7 @@
                 <a:t>labelNum</a:t>
               </a:r>
               <a:r>
-                <a:rPr lang="en-US" altLang="ko-KR" sz="770" b="1" dirty="0">
+                <a:rPr lang="en-US" altLang="ko-KR" sz="800" b="1" dirty="0">
                   <a:ln>
                     <a:solidFill>
                       <a:schemeClr val="accent1">
@@ -14445,7 +14400,7 @@
                 <a:defRPr/>
               </a:pPr>
               <a:r>
-                <a:rPr lang="en-US" altLang="ko-KR" sz="770" b="1" dirty="0">
+                <a:rPr lang="en-US" altLang="ko-KR" sz="800" b="1" dirty="0">
                   <a:ln>
                     <a:solidFill>
                       <a:schemeClr val="accent1">
@@ -14465,7 +14420,7 @@
                 <a:t>            Label[] </a:t>
               </a:r>
               <a:r>
-                <a:rPr lang="en-US" altLang="ko-KR" sz="770" b="1" dirty="0" err="1">
+                <a:rPr lang="en-US" altLang="ko-KR" sz="800" b="1" dirty="0" err="1">
                   <a:ln>
                     <a:solidFill>
                       <a:schemeClr val="accent1">
@@ -14485,7 +14440,7 @@
                 <a:t>thisPerc</a:t>
               </a:r>
               <a:r>
-                <a:rPr lang="en-US" altLang="ko-KR" sz="770" b="1" dirty="0">
+                <a:rPr lang="en-US" altLang="ko-KR" sz="800" b="1" dirty="0">
                   <a:ln>
                     <a:solidFill>
                       <a:schemeClr val="accent1">
@@ -14513,7 +14468,7 @@
                 <a:defRPr/>
               </a:pPr>
               <a:r>
-                <a:rPr lang="en-US" altLang="ko-KR" sz="770" b="1" dirty="0">
+                <a:rPr lang="en-US" altLang="ko-KR" sz="800" b="1" dirty="0">
                   <a:ln>
                     <a:solidFill>
                       <a:schemeClr val="accent1">
@@ -14534,7 +14489,7 @@
                 <a:t>            </a:t>
               </a:r>
               <a:r>
-                <a:rPr lang="en-US" altLang="ko-KR" sz="770" b="1" dirty="0" err="1">
+                <a:rPr lang="en-US" altLang="ko-KR" sz="800" b="1" dirty="0" err="1">
                   <a:ln>
                     <a:solidFill>
                       <a:schemeClr val="accent1">
@@ -14555,7 +14510,7 @@
                 <a:t>PctTxtShowRed</a:t>
               </a:r>
               <a:r>
-                <a:rPr lang="en-US" altLang="ko-KR" sz="770" b="1" dirty="0">
+                <a:rPr lang="en-US" altLang="ko-KR" sz="800" b="1" dirty="0">
                   <a:ln>
                     <a:solidFill>
                       <a:schemeClr val="accent1">
@@ -14576,7 +14531,7 @@
                 <a:t>(</a:t>
               </a:r>
               <a:r>
-                <a:rPr lang="en-US" altLang="ko-KR" sz="770" b="1" dirty="0" err="1">
+                <a:rPr lang="en-US" altLang="ko-KR" sz="800" b="1" dirty="0" err="1">
                   <a:ln>
                     <a:solidFill>
                       <a:schemeClr val="accent1">
@@ -14597,7 +14552,7 @@
                 <a:t>thisPerc</a:t>
               </a:r>
               <a:r>
-                <a:rPr lang="en-US" altLang="ko-KR" sz="770" b="1" dirty="0">
+                <a:rPr lang="en-US" altLang="ko-KR" sz="800" b="1" dirty="0">
                   <a:ln>
                     <a:solidFill>
                       <a:schemeClr val="accent1">
@@ -14618,7 +14573,7 @@
                 <a:t>, </a:t>
               </a:r>
               <a:r>
-                <a:rPr lang="en-US" altLang="ko-KR" sz="770" b="1" dirty="0" err="1">
+                <a:rPr lang="en-US" altLang="ko-KR" sz="800" b="1" dirty="0" err="1">
                   <a:ln>
                     <a:solidFill>
                       <a:schemeClr val="accent1">
@@ -14639,7 +14594,7 @@
                 <a:t>gluck</a:t>
               </a:r>
               <a:r>
-                <a:rPr lang="en-US" altLang="ko-KR" sz="770" b="1" dirty="0">
+                <a:rPr lang="en-US" altLang="ko-KR" sz="800" b="1" dirty="0">
                   <a:ln>
                     <a:solidFill>
                       <a:schemeClr val="accent1">
@@ -14668,7 +14623,7 @@
                 <a:defRPr/>
               </a:pPr>
               <a:r>
-                <a:rPr lang="en-US" altLang="ko-KR" sz="770" b="1" dirty="0">
+                <a:rPr lang="en-US" altLang="ko-KR" sz="800" b="1" dirty="0">
                   <a:ln>
                     <a:solidFill>
                       <a:schemeClr val="accent1">
@@ -14689,7 +14644,7 @@
                 <a:t>            </a:t>
               </a:r>
               <a:r>
-                <a:rPr lang="en-US" altLang="ko-KR" sz="770" b="1" dirty="0" err="1">
+                <a:rPr lang="en-US" altLang="ko-KR" sz="800" b="1" dirty="0" err="1">
                   <a:ln>
                     <a:solidFill>
                       <a:schemeClr val="accent1">
@@ -14710,7 +14665,7 @@
                 <a:t>changeLabel</a:t>
               </a:r>
               <a:r>
-                <a:rPr lang="en-US" altLang="ko-KR" sz="770" b="1" dirty="0">
+                <a:rPr lang="en-US" altLang="ko-KR" sz="800" b="1" dirty="0">
                   <a:ln>
                     <a:solidFill>
                       <a:schemeClr val="accent1">
@@ -14731,7 +14686,7 @@
                 <a:t>(</a:t>
               </a:r>
               <a:r>
-                <a:rPr lang="en-US" altLang="ko-KR" sz="770" b="1" dirty="0" err="1">
+                <a:rPr lang="en-US" altLang="ko-KR" sz="800" b="1" dirty="0" err="1">
                   <a:ln>
                     <a:solidFill>
                       <a:schemeClr val="accent1">
@@ -14752,7 +14707,7 @@
                 <a:t>labelNum</a:t>
               </a:r>
               <a:r>
-                <a:rPr lang="en-US" altLang="ko-KR" sz="770" b="1" dirty="0">
+                <a:rPr lang="en-US" altLang="ko-KR" sz="800" b="1" dirty="0">
                   <a:ln>
                     <a:solidFill>
                       <a:schemeClr val="accent1">
@@ -14773,7 +14728,7 @@
                 <a:t>, </a:t>
               </a:r>
               <a:r>
-                <a:rPr lang="en-US" altLang="ko-KR" sz="770" b="1" dirty="0" err="1">
+                <a:rPr lang="en-US" altLang="ko-KR" sz="800" b="1" dirty="0" err="1">
                   <a:ln>
                     <a:solidFill>
                       <a:schemeClr val="accent1">
@@ -14794,7 +14749,7 @@
                 <a:t>thisPerc</a:t>
               </a:r>
               <a:r>
-                <a:rPr lang="en-US" altLang="ko-KR" sz="770" b="1" dirty="0">
+                <a:rPr lang="en-US" altLang="ko-KR" sz="800" b="1" dirty="0">
                   <a:ln>
                     <a:solidFill>
                       <a:schemeClr val="accent1">
@@ -14815,7 +14770,7 @@
                 <a:t>, </a:t>
               </a:r>
               <a:r>
-                <a:rPr lang="en-US" altLang="ko-KR" sz="770" b="1" dirty="0" err="1">
+                <a:rPr lang="en-US" altLang="ko-KR" sz="800" b="1" dirty="0" err="1">
                   <a:ln>
                     <a:solidFill>
                       <a:schemeClr val="accent1">
@@ -14836,7 +14791,7 @@
                 <a:t>gluck</a:t>
               </a:r>
               <a:r>
-                <a:rPr lang="en-US" altLang="ko-KR" sz="770" b="1" dirty="0">
+                <a:rPr lang="en-US" altLang="ko-KR" sz="800" b="1" dirty="0">
                   <a:ln>
                     <a:solidFill>
                       <a:schemeClr val="accent1">
@@ -14865,7 +14820,7 @@
                 <a:defRPr/>
               </a:pPr>
               <a:r>
-                <a:rPr lang="en-US" altLang="ko-KR" sz="770" b="1" dirty="0">
+                <a:rPr lang="en-US" altLang="ko-KR" sz="800" b="1" dirty="0">
                   <a:ln>
                     <a:solidFill>
                       <a:schemeClr val="accent1">
@@ -14885,7 +14840,7 @@
                 </a:rPr>
                 <a:t>        }</a:t>
               </a:r>
-              <a:endParaRPr lang="ko-KR" altLang="en-US" sz="770" b="1" dirty="0">
+              <a:endParaRPr lang="ko-KR" altLang="en-US" sz="800" b="1" dirty="0">
                 <a:ln>
                   <a:solidFill>
                     <a:schemeClr val="accent1">
@@ -14911,7 +14866,7 @@
             <p:cNvPr id="4" name="TextBox 3">
               <a:extLst>
                 <a:ext uri="{FF2B5EF4-FFF2-40B4-BE49-F238E27FC236}">
-                  <a16:creationId xmlns="" xmlns:a16="http://schemas.microsoft.com/office/drawing/2014/main" id="{A1687216-9C76-4F29-934C-F430DF40C5FA}"/>
+                  <a16:creationId xmlns:a16="http://schemas.microsoft.com/office/drawing/2014/main" xmlns="" id="{A1687216-9C76-4F29-934C-F430DF40C5FA}"/>
                 </a:ext>
               </a:extLst>
             </p:cNvPr>
@@ -14921,7 +14876,7 @@
           <p:spPr>
             <a:xfrm>
               <a:off x="371213" y="1750400"/>
-              <a:ext cx="227750" cy="3491789"/>
+              <a:ext cx="227750" cy="3586171"/>
             </a:xfrm>
             <a:prstGeom prst="rect">
               <a:avLst/>
@@ -14941,7 +14896,7 @@
                 <a:defRPr/>
               </a:pPr>
               <a:r>
-                <a:rPr lang="en-US" altLang="ko-KR" sz="770" b="1" dirty="0">
+                <a:rPr lang="en-US" altLang="ko-KR" sz="800" b="1" dirty="0">
                   <a:ln>
                     <a:solidFill>
                       <a:schemeClr val="accent1">
@@ -14970,7 +14925,7 @@
                 <a:defRPr/>
               </a:pPr>
               <a:r>
-                <a:rPr lang="en-US" altLang="ko-KR" sz="770" b="1" dirty="0">
+                <a:rPr lang="en-US" altLang="ko-KR" sz="800" b="1" dirty="0">
                   <a:ln>
                     <a:solidFill>
                       <a:schemeClr val="accent1">
@@ -14999,7 +14954,7 @@
                 <a:defRPr/>
               </a:pPr>
               <a:r>
-                <a:rPr lang="en-US" altLang="ko-KR" sz="770" b="1" dirty="0">
+                <a:rPr lang="en-US" altLang="ko-KR" sz="800" b="1" dirty="0">
                   <a:ln>
                     <a:solidFill>
                       <a:schemeClr val="accent1">
@@ -15028,7 +14983,7 @@
                 <a:defRPr/>
               </a:pPr>
               <a:r>
-                <a:rPr lang="en-US" altLang="ko-KR" sz="770" b="1" dirty="0">
+                <a:rPr lang="en-US" altLang="ko-KR" sz="800" b="1" dirty="0">
                   <a:ln>
                     <a:solidFill>
                       <a:schemeClr val="accent1">
@@ -15057,7 +15012,7 @@
                 <a:defRPr/>
               </a:pPr>
               <a:r>
-                <a:rPr lang="en-US" altLang="ko-KR" sz="770" b="1" dirty="0">
+                <a:rPr lang="en-US" altLang="ko-KR" sz="800" b="1" dirty="0">
                   <a:ln>
                     <a:solidFill>
                       <a:schemeClr val="accent1">
@@ -15086,7 +15041,7 @@
                 <a:defRPr/>
               </a:pPr>
               <a:r>
-                <a:rPr lang="en-US" altLang="ko-KR" sz="770" b="1" dirty="0">
+                <a:rPr lang="en-US" altLang="ko-KR" sz="800" b="1" dirty="0">
                   <a:ln>
                     <a:solidFill>
                       <a:schemeClr val="accent1">
@@ -15115,7 +15070,7 @@
                 <a:defRPr/>
               </a:pPr>
               <a:r>
-                <a:rPr lang="en-US" altLang="ko-KR" sz="770" b="1" dirty="0">
+                <a:rPr lang="en-US" altLang="ko-KR" sz="800" b="1" dirty="0">
                   <a:ln>
                     <a:solidFill>
                       <a:schemeClr val="accent1">
@@ -15144,7 +15099,7 @@
                 <a:defRPr/>
               </a:pPr>
               <a:r>
-                <a:rPr lang="en-US" altLang="ko-KR" sz="770" b="1" dirty="0">
+                <a:rPr lang="en-US" altLang="ko-KR" sz="800" b="1" dirty="0">
                   <a:ln>
                     <a:solidFill>
                       <a:schemeClr val="accent1">
@@ -15173,7 +15128,7 @@
                 <a:defRPr/>
               </a:pPr>
               <a:r>
-                <a:rPr lang="en-US" altLang="ko-KR" sz="770" b="1" dirty="0">
+                <a:rPr lang="en-US" altLang="ko-KR" sz="800" b="1" dirty="0">
                   <a:ln>
                     <a:solidFill>
                       <a:schemeClr val="accent1">
@@ -15202,7 +15157,7 @@
                 <a:defRPr/>
               </a:pPr>
               <a:r>
-                <a:rPr lang="en-US" altLang="ko-KR" sz="770" b="1" dirty="0">
+                <a:rPr lang="en-US" altLang="ko-KR" sz="800" b="1" dirty="0">
                   <a:ln>
                     <a:solidFill>
                       <a:schemeClr val="accent1">
@@ -15231,7 +15186,7 @@
                 <a:defRPr/>
               </a:pPr>
               <a:r>
-                <a:rPr lang="en-US" altLang="ko-KR" sz="770" b="1" dirty="0">
+                <a:rPr lang="en-US" altLang="ko-KR" sz="800" b="1" dirty="0">
                   <a:ln>
                     <a:solidFill>
                       <a:schemeClr val="accent1">
@@ -15260,7 +15215,7 @@
                 <a:defRPr/>
               </a:pPr>
               <a:r>
-                <a:rPr lang="en-US" altLang="ko-KR" sz="770" b="1" dirty="0">
+                <a:rPr lang="en-US" altLang="ko-KR" sz="800" b="1" dirty="0">
                   <a:ln>
                     <a:solidFill>
                       <a:schemeClr val="accent1">
@@ -15289,7 +15244,7 @@
                 <a:defRPr/>
               </a:pPr>
               <a:r>
-                <a:rPr lang="en-US" altLang="ko-KR" sz="770" b="1" dirty="0">
+                <a:rPr lang="en-US" altLang="ko-KR" sz="800" b="1" dirty="0">
                   <a:ln>
                     <a:solidFill>
                       <a:schemeClr val="accent1">
@@ -15318,7 +15273,7 @@
                 <a:defRPr/>
               </a:pPr>
               <a:r>
-                <a:rPr lang="en-US" altLang="ko-KR" sz="770" b="1" dirty="0">
+                <a:rPr lang="en-US" altLang="ko-KR" sz="800" b="1" dirty="0">
                   <a:ln>
                     <a:solidFill>
                       <a:schemeClr val="accent1">
@@ -15347,7 +15302,7 @@
                 <a:defRPr/>
               </a:pPr>
               <a:r>
-                <a:rPr lang="en-US" altLang="ko-KR" sz="770" b="1" dirty="0">
+                <a:rPr lang="en-US" altLang="ko-KR" sz="800" b="1" dirty="0">
                   <a:ln>
                     <a:solidFill>
                       <a:schemeClr val="accent1">
@@ -15376,7 +15331,7 @@
                 <a:defRPr/>
               </a:pPr>
               <a:r>
-                <a:rPr lang="en-US" altLang="ko-KR" sz="770" b="1" dirty="0">
+                <a:rPr lang="en-US" altLang="ko-KR" sz="800" b="1" dirty="0">
                   <a:ln>
                     <a:solidFill>
                       <a:schemeClr val="accent1">
@@ -15405,7 +15360,7 @@
                 <a:defRPr/>
               </a:pPr>
               <a:r>
-                <a:rPr lang="en-US" altLang="ko-KR" sz="770" b="1" dirty="0">
+                <a:rPr lang="en-US" altLang="ko-KR" sz="800" b="1" dirty="0">
                   <a:ln>
                     <a:solidFill>
                       <a:schemeClr val="accent1">
@@ -15434,7 +15389,7 @@
                 <a:defRPr/>
               </a:pPr>
               <a:r>
-                <a:rPr lang="en-US" altLang="ko-KR" sz="770" b="1" dirty="0">
+                <a:rPr lang="en-US" altLang="ko-KR" sz="800" b="1" dirty="0">
                   <a:ln>
                     <a:solidFill>
                       <a:schemeClr val="accent1">
@@ -15463,7 +15418,7 @@
                 <a:defRPr/>
               </a:pPr>
               <a:r>
-                <a:rPr lang="en-US" altLang="ko-KR" sz="770" b="1" dirty="0">
+                <a:rPr lang="en-US" altLang="ko-KR" sz="800" b="1" dirty="0">
                   <a:ln>
                     <a:solidFill>
                       <a:schemeClr val="accent1">
@@ -15492,7 +15447,7 @@
                 <a:defRPr/>
               </a:pPr>
               <a:r>
-                <a:rPr lang="en-US" altLang="ko-KR" sz="770" b="1" dirty="0">
+                <a:rPr lang="en-US" altLang="ko-KR" sz="800" b="1" dirty="0">
                   <a:ln>
                     <a:solidFill>
                       <a:schemeClr val="accent1">
@@ -15521,7 +15476,7 @@
                 <a:defRPr/>
               </a:pPr>
               <a:r>
-                <a:rPr lang="en-US" altLang="ko-KR" sz="770" b="1" dirty="0">
+                <a:rPr lang="en-US" altLang="ko-KR" sz="800" b="1" dirty="0">
                   <a:ln>
                     <a:solidFill>
                       <a:schemeClr val="accent1">
@@ -15550,7 +15505,7 @@
                 <a:defRPr/>
               </a:pPr>
               <a:r>
-                <a:rPr lang="en-US" altLang="ko-KR" sz="770" b="1" dirty="0" smtClean="0">
+                <a:rPr lang="en-US" altLang="ko-KR" sz="800" b="1" dirty="0">
                   <a:ln>
                     <a:solidFill>
                       <a:schemeClr val="accent1">
@@ -15571,7 +15526,7 @@
                 <a:t>22</a:t>
               </a:r>
               <a:br>
-                <a:rPr lang="en-US" altLang="ko-KR" sz="770" b="1" dirty="0" smtClean="0">
+                <a:rPr lang="en-US" altLang="ko-KR" sz="800" b="1" dirty="0">
                   <a:ln>
                     <a:solidFill>
                       <a:schemeClr val="accent1">
@@ -15591,7 +15546,7 @@
                 </a:rPr>
               </a:br>
               <a:r>
-                <a:rPr lang="en-US" altLang="ko-KR" sz="770" b="1" dirty="0" smtClean="0">
+                <a:rPr lang="en-US" altLang="ko-KR" sz="800" b="1" dirty="0">
                   <a:ln>
                     <a:solidFill>
                       <a:schemeClr val="accent1">
@@ -15612,7 +15567,7 @@
                 <a:t>23</a:t>
               </a:r>
               <a:br>
-                <a:rPr lang="en-US" altLang="ko-KR" sz="770" b="1" dirty="0" smtClean="0">
+                <a:rPr lang="en-US" altLang="ko-KR" sz="800" b="1" dirty="0">
                   <a:ln>
                     <a:solidFill>
                       <a:schemeClr val="accent1">
@@ -15632,7 +15587,7 @@
                 </a:rPr>
               </a:br>
               <a:r>
-                <a:rPr lang="en-US" altLang="ko-KR" sz="770" b="1" dirty="0" smtClean="0">
+                <a:rPr lang="en-US" altLang="ko-KR" sz="800" b="1" dirty="0">
                   <a:ln>
                     <a:solidFill>
                       <a:schemeClr val="accent1">
@@ -15653,7 +15608,7 @@
                 <a:t>24</a:t>
               </a:r>
               <a:br>
-                <a:rPr lang="en-US" altLang="ko-KR" sz="770" b="1" dirty="0" smtClean="0">
+                <a:rPr lang="en-US" altLang="ko-KR" sz="800" b="1" dirty="0">
                   <a:ln>
                     <a:solidFill>
                       <a:schemeClr val="accent1">
@@ -15673,7 +15628,7 @@
                 </a:rPr>
               </a:br>
               <a:r>
-                <a:rPr lang="en-US" altLang="ko-KR" sz="770" b="1" dirty="0" smtClean="0">
+                <a:rPr lang="en-US" altLang="ko-KR" sz="800" b="1" dirty="0">
                   <a:ln>
                     <a:solidFill>
                       <a:schemeClr val="accent1">
@@ -15693,7 +15648,7 @@
                 </a:rPr>
                 <a:t>25</a:t>
               </a:r>
-              <a:endParaRPr lang="en-US" altLang="ko-KR" sz="770" b="1" dirty="0">
+              <a:endParaRPr lang="en-US" altLang="ko-KR" sz="800" b="1" dirty="0">
                 <a:ln>
                   <a:solidFill>
                     <a:schemeClr val="accent1">
@@ -15723,8 +15678,8 @@
         </p:nvSpPr>
         <p:spPr>
           <a:xfrm>
-            <a:off x="827584" y="3124200"/>
-            <a:ext cx="4010400" cy="716279"/>
+            <a:off x="827584" y="3181350"/>
+            <a:ext cx="4010400" cy="758552"/>
           </a:xfrm>
           <a:prstGeom prst="rect">
             <a:avLst/>
@@ -15753,7 +15708,7 @@
           </a:fontRef>
         </p:style>
         <p:txBody>
-          <a:bodyPr rtlCol="0" anchor="ctr"/>
+          <a:bodyPr lIns="91438" tIns="45719" rIns="91438" bIns="45719" rtlCol="0" anchor="ctr"/>
           <a:lstStyle/>
           <a:p>
             <a:pPr algn="ctr"/>
@@ -15799,7 +15754,7 @@
           </a:fontRef>
         </p:style>
         <p:txBody>
-          <a:bodyPr rtlCol="0" anchor="ctr"/>
+          <a:bodyPr lIns="91438" tIns="45719" rIns="91438" bIns="45719" rtlCol="0" anchor="ctr"/>
           <a:lstStyle/>
           <a:p>
             <a:pPr algn="ctr"/>
@@ -15815,8 +15770,8 @@
         </p:nvSpPr>
         <p:spPr>
           <a:xfrm>
-            <a:off x="827584" y="2087880"/>
-            <a:ext cx="4010400" cy="1024414"/>
+            <a:off x="827584" y="2110503"/>
+            <a:ext cx="4010400" cy="1056560"/>
           </a:xfrm>
           <a:prstGeom prst="rect">
             <a:avLst/>
@@ -15845,7 +15800,7 @@
           </a:fontRef>
         </p:style>
         <p:txBody>
-          <a:bodyPr rtlCol="0" anchor="ctr"/>
+          <a:bodyPr lIns="91438" tIns="45719" rIns="91438" bIns="45719" rtlCol="0" anchor="ctr"/>
           <a:lstStyle/>
           <a:p>
             <a:pPr algn="ctr"/>
@@ -15861,7 +15816,7 @@
         </p:nvGrpSpPr>
         <p:grpSpPr>
           <a:xfrm>
-            <a:off x="5508104" y="1419622"/>
+            <a:off x="5508105" y="1419623"/>
             <a:ext cx="3096344" cy="919480"/>
             <a:chOff x="5508104" y="1493520"/>
             <a:chExt cx="3096344" cy="919480"/>
@@ -15989,7 +15944,7 @@
               <a:p>
                 <a:pPr algn="ctr"/>
                 <a:r>
-                  <a:rPr lang="en-US" altLang="ko-KR" sz="1100" b="1" dirty="0" smtClean="0"/>
+                  <a:rPr lang="en-US" altLang="ko-KR" sz="1100" b="1" dirty="0"/>
                   <a:t>1</a:t>
                 </a:r>
                 <a:endParaRPr lang="ko-KR" altLang="en-US" sz="1100" b="1" dirty="0"/>
@@ -16110,7 +16065,7 @@
                   <a:defRPr/>
                 </a:pPr>
                 <a:r>
-                  <a:rPr lang="ko-KR" altLang="en-US" sz="1400" b="1" dirty="0" smtClean="0">
+                  <a:rPr lang="ko-KR" altLang="en-US" sz="1400" b="1" dirty="0">
                     <a:ln>
                       <a:solidFill>
                         <a:schemeClr val="accent1">
@@ -16131,7 +16086,7 @@
                   <a:t>정보 </a:t>
                 </a:r>
                 <a:r>
-                  <a:rPr lang="ko-KR" altLang="en-US" sz="1400" b="1" dirty="0" err="1" smtClean="0">
+                  <a:rPr lang="ko-KR" altLang="en-US" sz="1400" b="1" dirty="0" err="1">
                     <a:ln>
                       <a:solidFill>
                         <a:schemeClr val="accent1">
@@ -16152,7 +16107,7 @@
                   <a:t>입력시</a:t>
                 </a:r>
                 <a:r>
-                  <a:rPr lang="ko-KR" altLang="en-US" sz="1400" b="1" dirty="0" smtClean="0">
+                  <a:rPr lang="ko-KR" altLang="en-US" sz="1400" b="1" dirty="0">
                     <a:ln>
                       <a:solidFill>
                         <a:schemeClr val="accent1">
@@ -16245,7 +16200,7 @@
         </p:nvGrpSpPr>
         <p:grpSpPr>
           <a:xfrm>
-            <a:off x="5508104" y="2480578"/>
+            <a:off x="5508105" y="2480578"/>
             <a:ext cx="2016224" cy="523220"/>
             <a:chOff x="5508104" y="2423021"/>
             <a:chExt cx="2016224" cy="523220"/>
@@ -16294,7 +16249,7 @@
             <a:p>
               <a:pPr algn="ctr"/>
               <a:r>
-                <a:rPr lang="en-US" altLang="ko-KR" sz="1100" b="1" dirty="0" smtClean="0"/>
+                <a:rPr lang="en-US" altLang="ko-KR" sz="1100" b="1" dirty="0"/>
                 <a:t>2</a:t>
               </a:r>
               <a:endParaRPr lang="ko-KR" altLang="en-US" sz="1100" b="1" dirty="0"/>
@@ -16326,7 +16281,7 @@
                 <a:defRPr/>
               </a:pPr>
               <a:r>
-                <a:rPr lang="ko-KR" altLang="en-US" sz="1400" b="1" dirty="0" smtClean="0">
+                <a:rPr lang="ko-KR" altLang="en-US" sz="1400" b="1" dirty="0">
                   <a:ln>
                     <a:solidFill>
                       <a:schemeClr val="accent1">
@@ -16347,7 +16302,7 @@
                 <a:t>텍스트박스 숫자 </a:t>
               </a:r>
               <a:r>
-                <a:rPr lang="en-US" altLang="ko-KR" sz="1400" b="1" dirty="0" smtClean="0">
+                <a:rPr lang="en-US" altLang="ko-KR" sz="1400" b="1" dirty="0">
                   <a:ln>
                     <a:solidFill>
                       <a:schemeClr val="accent1">
@@ -16368,7 +16323,7 @@
                 <a:t/>
               </a:r>
               <a:br>
-                <a:rPr lang="en-US" altLang="ko-KR" sz="1400" b="1" dirty="0" smtClean="0">
+                <a:rPr lang="en-US" altLang="ko-KR" sz="1400" b="1" dirty="0">
                   <a:ln>
                     <a:solidFill>
                       <a:schemeClr val="accent1">
@@ -16388,7 +16343,7 @@
                 </a:rPr>
               </a:br>
               <a:r>
-                <a:rPr lang="ko-KR" altLang="en-US" sz="1400" b="1" dirty="0" err="1" smtClean="0">
+                <a:rPr lang="ko-KR" altLang="en-US" sz="1400" b="1" dirty="0" err="1">
                   <a:ln>
                     <a:solidFill>
                       <a:schemeClr val="accent1">
@@ -16409,7 +16364,7 @@
                 <a:t>범위값</a:t>
               </a:r>
               <a:r>
-                <a:rPr lang="ko-KR" altLang="en-US" sz="1400" b="1" dirty="0" smtClean="0">
+                <a:rPr lang="ko-KR" altLang="en-US" sz="1400" b="1" dirty="0">
                   <a:ln>
                     <a:solidFill>
                       <a:schemeClr val="accent1">
@@ -16459,7 +16414,7 @@
         </p:nvGrpSpPr>
         <p:grpSpPr>
           <a:xfrm>
-            <a:off x="5508104" y="3334647"/>
+            <a:off x="5508105" y="3334648"/>
             <a:ext cx="1656184" cy="523220"/>
             <a:chOff x="5508104" y="3318371"/>
             <a:chExt cx="1656184" cy="523220"/>
@@ -16508,7 +16463,7 @@
             <a:p>
               <a:pPr algn="ctr"/>
               <a:r>
-                <a:rPr lang="en-US" altLang="ko-KR" sz="1100" b="1" dirty="0" smtClean="0"/>
+                <a:rPr lang="en-US" altLang="ko-KR" sz="1100" b="1" dirty="0"/>
                 <a:t>3</a:t>
               </a:r>
               <a:endParaRPr lang="ko-KR" altLang="en-US" sz="1100" b="1" dirty="0"/>
@@ -16540,7 +16495,7 @@
                 <a:defRPr/>
               </a:pPr>
               <a:r>
-                <a:rPr lang="ko-KR" altLang="en-US" sz="1400" b="1" dirty="0" smtClean="0">
+                <a:rPr lang="ko-KR" altLang="en-US" sz="1400" b="1" dirty="0">
                   <a:ln>
                     <a:solidFill>
                       <a:schemeClr val="accent1">
@@ -16592,7 +16547,7 @@
         </p:nvCxnSpPr>
         <p:spPr>
           <a:xfrm flipH="1">
-            <a:off x="4838700" y="2657644"/>
+            <a:off x="4838701" y="2657644"/>
             <a:ext cx="669404" cy="0"/>
           </a:xfrm>
           <a:prstGeom prst="line">
@@ -16630,7 +16585,7 @@
         </p:nvCxnSpPr>
         <p:spPr>
           <a:xfrm flipH="1">
-            <a:off x="4838700" y="1616244"/>
+            <a:off x="4838701" y="1616244"/>
             <a:ext cx="669404" cy="0"/>
           </a:xfrm>
           <a:prstGeom prst="line">
@@ -16668,7 +16623,7 @@
         </p:nvCxnSpPr>
         <p:spPr>
           <a:xfrm flipH="1">
-            <a:off x="4838700" y="3502194"/>
+            <a:off x="4838701" y="3502194"/>
             <a:ext cx="669404" cy="0"/>
           </a:xfrm>
           <a:prstGeom prst="line">
@@ -16718,7 +16673,7 @@
 </p:sld>
 </file>
 
-<file path=ppt/slides/slide8.xml><?xml version="1.0" encoding="utf-8"?>
+<file path=ppt/slides/slide7.xml><?xml version="1.0" encoding="utf-8"?>
 <p:sld xmlns:a="http://schemas.openxmlformats.org/drawingml/2006/main" xmlns:r="http://schemas.openxmlformats.org/officeDocument/2006/relationships" xmlns:p="http://schemas.openxmlformats.org/presentationml/2006/main">
   <p:cSld>
     <p:spTree>
@@ -16757,7 +16712,7 @@
         </p:blipFill>
         <p:spPr>
           <a:xfrm>
-            <a:off x="323528" y="1131590"/>
+            <a:off x="323528" y="1131591"/>
             <a:ext cx="5616624" cy="3790768"/>
           </a:xfrm>
           <a:prstGeom prst="rect">
@@ -16877,10 +16832,10 @@
             <a:p>
               <a:pPr algn="ctr"/>
               <a:r>
-                <a:rPr lang="ko-KR" altLang="en-US" sz="600" dirty="0" smtClean="0"/>
+                <a:rPr lang="ko-KR" altLang="en-US" sz="800" b="1" dirty="0"/>
                 <a:t>임시로 넣음</a:t>
               </a:r>
-              <a:endParaRPr lang="ko-KR" altLang="en-US" sz="600" dirty="0"/>
+              <a:endParaRPr lang="ko-KR" altLang="en-US" sz="800" b="1" dirty="0"/>
             </a:p>
           </p:txBody>
         </p:sp>
@@ -16925,7 +16880,7 @@
           </a:fontRef>
         </p:style>
         <p:txBody>
-          <a:bodyPr rtlCol="0" anchor="ctr"/>
+          <a:bodyPr lIns="91438" tIns="45719" rIns="91438" bIns="45719" rtlCol="0" anchor="ctr"/>
           <a:lstStyle/>
           <a:p>
             <a:pPr algn="ctr"/>
@@ -16942,6 +16897,734 @@
   </p:cSld>
   <p:clrMapOvr>
     <a:masterClrMapping/>
+  </p:clrMapOvr>
+  <p:timing>
+    <p:tnLst>
+      <p:par>
+        <p:cTn id="1" dur="indefinite" restart="never" nodeType="tmRoot"/>
+      </p:par>
+    </p:tnLst>
+  </p:timing>
+</p:sld>
+</file>
+
+<file path=ppt/slides/slide8.xml><?xml version="1.0" encoding="utf-8"?>
+<p:sld xmlns:a="http://schemas.openxmlformats.org/drawingml/2006/main" xmlns:r="http://schemas.openxmlformats.org/officeDocument/2006/relationships" xmlns:p="http://schemas.openxmlformats.org/presentationml/2006/main">
+  <p:cSld>
+    <p:bg>
+      <p:bgPr>
+        <a:solidFill>
+          <a:srgbClr val="FAFAFA"/>
+        </a:solidFill>
+        <a:effectLst/>
+      </p:bgPr>
+    </p:bg>
+    <p:spTree>
+      <p:nvGrpSpPr>
+        <p:cNvPr id="1" name=""/>
+        <p:cNvGrpSpPr/>
+        <p:nvPr/>
+      </p:nvGrpSpPr>
+      <p:grpSpPr>
+        <a:xfrm>
+          <a:off x="0" y="0"/>
+          <a:ext cx="0" cy="0"/>
+          <a:chOff x="0" y="0"/>
+          <a:chExt cx="0" cy="0"/>
+        </a:xfrm>
+      </p:grpSpPr>
+      <p:sp>
+        <p:nvSpPr>
+          <p:cNvPr id="48" name="TextBox 47">
+            <a:extLst>
+              <a:ext uri="{FF2B5EF4-FFF2-40B4-BE49-F238E27FC236}">
+                <a16:creationId xmlns:a16="http://schemas.microsoft.com/office/drawing/2014/main" xmlns="" id="{7C6F9878-777C-4CD4-9613-851CABCDFC3E}"/>
+              </a:ext>
+            </a:extLst>
+          </p:cNvPr>
+          <p:cNvSpPr txBox="1"/>
+          <p:nvPr/>
+        </p:nvSpPr>
+        <p:spPr>
+          <a:xfrm>
+            <a:off x="3031194" y="633979"/>
+            <a:ext cx="3081613" cy="761747"/>
+          </a:xfrm>
+          <a:prstGeom prst="rect">
+            <a:avLst/>
+          </a:prstGeom>
+          <a:noFill/>
+        </p:spPr>
+        <p:txBody>
+          <a:bodyPr wrap="none" lIns="68579" tIns="34289" rIns="68579" bIns="34289" rtlCol="0">
+            <a:spAutoFit/>
+          </a:bodyPr>
+          <a:lstStyle/>
+          <a:p>
+            <a:pPr algn="ctr"/>
+            <a:r>
+              <a:rPr lang="ko-KR" altLang="en-US" sz="4500" dirty="0">
+                <a:ln>
+                  <a:solidFill>
+                    <a:schemeClr val="accent1">
+                      <a:shade val="50000"/>
+                      <a:alpha val="0"/>
+                    </a:schemeClr>
+                  </a:solidFill>
+                </a:ln>
+                <a:solidFill>
+                  <a:srgbClr val="5E97E1"/>
+                </a:solidFill>
+                <a:latin typeface="한수원 한돋움" pitchFamily="50" charset="-127"/>
+                <a:ea typeface="한수원 한돋움" pitchFamily="50" charset="-127"/>
+              </a:rPr>
+              <a:t>논의 및 고찰</a:t>
+            </a:r>
+          </a:p>
+        </p:txBody>
+      </p:sp>
+      <p:sp>
+        <p:nvSpPr>
+          <p:cNvPr id="39" name="직사각형 38">
+            <a:extLst>
+              <a:ext uri="{FF2B5EF4-FFF2-40B4-BE49-F238E27FC236}">
+                <a16:creationId xmlns:a16="http://schemas.microsoft.com/office/drawing/2014/main" xmlns="" id="{5898757E-EC0B-47E5-9EA1-43BA79ABA10A}"/>
+              </a:ext>
+            </a:extLst>
+          </p:cNvPr>
+          <p:cNvSpPr/>
+          <p:nvPr/>
+        </p:nvSpPr>
+        <p:spPr>
+          <a:xfrm>
+            <a:off x="1951758" y="1904864"/>
+            <a:ext cx="5272891" cy="2323070"/>
+          </a:xfrm>
+          <a:prstGeom prst="rect">
+            <a:avLst/>
+          </a:prstGeom>
+          <a:noFill/>
+        </p:spPr>
+        <p:txBody>
+          <a:bodyPr wrap="square" lIns="68579" tIns="34289" rIns="68579" bIns="34289" rtlCol="0">
+            <a:spAutoFit/>
+          </a:bodyPr>
+          <a:lstStyle/>
+          <a:p>
+            <a:pPr marL="228600" indent="-228600">
+              <a:lnSpc>
+                <a:spcPct val="125000"/>
+              </a:lnSpc>
+              <a:spcAft>
+                <a:spcPts val="1800"/>
+              </a:spcAft>
+              <a:buFont typeface="+mj-lt"/>
+              <a:buAutoNum type="arabicPeriod"/>
+            </a:pPr>
+            <a:r>
+              <a:rPr lang="ko-KR" altLang="en-US" b="1" dirty="0">
+                <a:ln>
+                  <a:solidFill>
+                    <a:schemeClr val="accent1">
+                      <a:shade val="50000"/>
+                      <a:alpha val="0"/>
+                    </a:schemeClr>
+                  </a:solidFill>
+                </a:ln>
+                <a:solidFill>
+                  <a:schemeClr val="tx1">
+                    <a:lumMod val="75000"/>
+                    <a:lumOff val="25000"/>
+                  </a:schemeClr>
+                </a:solidFill>
+                <a:latin typeface="한수원 한돋움 Bold" pitchFamily="50" charset="-127"/>
+                <a:ea typeface="한수원 한돋움 Bold" pitchFamily="50" charset="-127"/>
+              </a:rPr>
+              <a:t>생성된 </a:t>
+            </a:r>
+            <a:r>
+              <a:rPr lang="ko-KR" altLang="en-US" b="1" dirty="0" err="1">
+                <a:ln>
+                  <a:solidFill>
+                    <a:schemeClr val="accent1">
+                      <a:shade val="50000"/>
+                      <a:alpha val="0"/>
+                    </a:schemeClr>
+                  </a:solidFill>
+                </a:ln>
+                <a:solidFill>
+                  <a:schemeClr val="tx1">
+                    <a:lumMod val="75000"/>
+                    <a:lumOff val="25000"/>
+                  </a:schemeClr>
+                </a:solidFill>
+                <a:latin typeface="한수원 한돋움 Bold" pitchFamily="50" charset="-127"/>
+                <a:ea typeface="한수원 한돋움 Bold" pitchFamily="50" charset="-127"/>
+              </a:rPr>
+              <a:t>로또번호의</a:t>
+            </a:r>
+            <a:r>
+              <a:rPr lang="ko-KR" altLang="en-US" b="1" dirty="0">
+                <a:ln>
+                  <a:solidFill>
+                    <a:schemeClr val="accent1">
+                      <a:shade val="50000"/>
+                      <a:alpha val="0"/>
+                    </a:schemeClr>
+                  </a:solidFill>
+                </a:ln>
+                <a:solidFill>
+                  <a:schemeClr val="tx1">
+                    <a:lumMod val="75000"/>
+                    <a:lumOff val="25000"/>
+                  </a:schemeClr>
+                </a:solidFill>
+                <a:latin typeface="한수원 한돋움 Bold" pitchFamily="50" charset="-127"/>
+                <a:ea typeface="한수원 한돋움 Bold" pitchFamily="50" charset="-127"/>
+              </a:rPr>
+              <a:t> 활용</a:t>
+            </a:r>
+            <a:r>
+              <a:rPr lang="en-US" altLang="ko-KR" sz="1400" dirty="0" smtClean="0">
+                <a:ln>
+                  <a:solidFill>
+                    <a:schemeClr val="accent1">
+                      <a:shade val="50000"/>
+                      <a:alpha val="0"/>
+                    </a:schemeClr>
+                  </a:solidFill>
+                </a:ln>
+                <a:solidFill>
+                  <a:schemeClr val="tx1">
+                    <a:lumMod val="75000"/>
+                    <a:lumOff val="25000"/>
+                  </a:schemeClr>
+                </a:solidFill>
+                <a:latin typeface="한수원 한돋움" pitchFamily="50" charset="-127"/>
+                <a:ea typeface="한수원 한돋움" pitchFamily="50" charset="-127"/>
+              </a:rPr>
+              <a:t/>
+            </a:r>
+            <a:br>
+              <a:rPr lang="en-US" altLang="ko-KR" sz="1400" dirty="0" smtClean="0">
+                <a:ln>
+                  <a:solidFill>
+                    <a:schemeClr val="accent1">
+                      <a:shade val="50000"/>
+                      <a:alpha val="0"/>
+                    </a:schemeClr>
+                  </a:solidFill>
+                </a:ln>
+                <a:solidFill>
+                  <a:schemeClr val="tx1">
+                    <a:lumMod val="75000"/>
+                    <a:lumOff val="25000"/>
+                  </a:schemeClr>
+                </a:solidFill>
+                <a:latin typeface="한수원 한돋움" pitchFamily="50" charset="-127"/>
+                <a:ea typeface="한수원 한돋움" pitchFamily="50" charset="-127"/>
+              </a:rPr>
+            </a:br>
+            <a:r>
+              <a:rPr lang="ko-KR" altLang="en-US" sz="1400" dirty="0" smtClean="0">
+                <a:ln>
+                  <a:solidFill>
+                    <a:schemeClr val="accent1">
+                      <a:shade val="50000"/>
+                      <a:alpha val="0"/>
+                    </a:schemeClr>
+                  </a:solidFill>
+                </a:ln>
+                <a:solidFill>
+                  <a:schemeClr val="tx1">
+                    <a:lumMod val="75000"/>
+                    <a:lumOff val="25000"/>
+                  </a:schemeClr>
+                </a:solidFill>
+                <a:latin typeface="한수원 한돋움" pitchFamily="50" charset="-127"/>
+                <a:ea typeface="한수원 한돋움" pitchFamily="50" charset="-127"/>
+              </a:rPr>
+              <a:t>폼에서 버튼제어를 통해 생성된 </a:t>
+            </a:r>
+            <a:r>
+              <a:rPr lang="ko-KR" altLang="en-US" sz="1400" dirty="0" err="1" smtClean="0">
+                <a:ln>
+                  <a:solidFill>
+                    <a:schemeClr val="accent1">
+                      <a:shade val="50000"/>
+                      <a:alpha val="0"/>
+                    </a:schemeClr>
+                  </a:solidFill>
+                </a:ln>
+                <a:solidFill>
+                  <a:schemeClr val="tx1">
+                    <a:lumMod val="75000"/>
+                    <a:lumOff val="25000"/>
+                  </a:schemeClr>
+                </a:solidFill>
+                <a:latin typeface="한수원 한돋움" pitchFamily="50" charset="-127"/>
+                <a:ea typeface="한수원 한돋움" pitchFamily="50" charset="-127"/>
+              </a:rPr>
+              <a:t>로또번호가</a:t>
+            </a:r>
+            <a:r>
+              <a:rPr lang="ko-KR" altLang="en-US" sz="1400" dirty="0" smtClean="0">
+                <a:ln>
+                  <a:solidFill>
+                    <a:schemeClr val="accent1">
+                      <a:shade val="50000"/>
+                      <a:alpha val="0"/>
+                    </a:schemeClr>
+                  </a:solidFill>
+                </a:ln>
+                <a:solidFill>
+                  <a:schemeClr val="tx1">
+                    <a:lumMod val="75000"/>
+                    <a:lumOff val="25000"/>
+                  </a:schemeClr>
+                </a:solidFill>
+                <a:latin typeface="한수원 한돋움" pitchFamily="50" charset="-127"/>
+                <a:ea typeface="한수원 한돋움" pitchFamily="50" charset="-127"/>
+              </a:rPr>
+              <a:t> 특정부분을 클릭하면</a:t>
+            </a:r>
+            <a:r>
+              <a:rPr lang="en-US" altLang="ko-KR" sz="1400" dirty="0" smtClean="0">
+                <a:ln>
+                  <a:solidFill>
+                    <a:schemeClr val="accent1">
+                      <a:shade val="50000"/>
+                      <a:alpha val="0"/>
+                    </a:schemeClr>
+                  </a:solidFill>
+                </a:ln>
+                <a:solidFill>
+                  <a:schemeClr val="tx1">
+                    <a:lumMod val="75000"/>
+                    <a:lumOff val="25000"/>
+                  </a:schemeClr>
+                </a:solidFill>
+                <a:latin typeface="한수원 한돋움" pitchFamily="50" charset="-127"/>
+                <a:ea typeface="한수원 한돋움" pitchFamily="50" charset="-127"/>
+              </a:rPr>
+              <a:t/>
+            </a:r>
+            <a:br>
+              <a:rPr lang="en-US" altLang="ko-KR" sz="1400" dirty="0" smtClean="0">
+                <a:ln>
+                  <a:solidFill>
+                    <a:schemeClr val="accent1">
+                      <a:shade val="50000"/>
+                      <a:alpha val="0"/>
+                    </a:schemeClr>
+                  </a:solidFill>
+                </a:ln>
+                <a:solidFill>
+                  <a:schemeClr val="tx1">
+                    <a:lumMod val="75000"/>
+                    <a:lumOff val="25000"/>
+                  </a:schemeClr>
+                </a:solidFill>
+                <a:latin typeface="한수원 한돋움" pitchFamily="50" charset="-127"/>
+                <a:ea typeface="한수원 한돋움" pitchFamily="50" charset="-127"/>
+              </a:rPr>
+            </a:br>
+            <a:r>
+              <a:rPr lang="ko-KR" altLang="en-US" sz="1400" dirty="0" smtClean="0">
+                <a:ln>
+                  <a:solidFill>
+                    <a:schemeClr val="accent1">
+                      <a:shade val="50000"/>
+                      <a:alpha val="0"/>
+                    </a:schemeClr>
+                  </a:solidFill>
+                </a:ln>
+                <a:solidFill>
+                  <a:schemeClr val="tx1">
+                    <a:lumMod val="75000"/>
+                    <a:lumOff val="25000"/>
+                  </a:schemeClr>
+                </a:solidFill>
+                <a:latin typeface="한수원 한돋움" pitchFamily="50" charset="-127"/>
+                <a:ea typeface="한수원 한돋움" pitchFamily="50" charset="-127"/>
+              </a:rPr>
+              <a:t>복사되는 기능을 추가하면 </a:t>
+            </a:r>
+            <a:r>
+              <a:rPr lang="ko-KR" altLang="en-US" sz="1400" dirty="0" err="1" smtClean="0">
+                <a:ln>
+                  <a:solidFill>
+                    <a:schemeClr val="accent1">
+                      <a:shade val="50000"/>
+                      <a:alpha val="0"/>
+                    </a:schemeClr>
+                  </a:solidFill>
+                </a:ln>
+                <a:solidFill>
+                  <a:schemeClr val="tx1">
+                    <a:lumMod val="75000"/>
+                    <a:lumOff val="25000"/>
+                  </a:schemeClr>
+                </a:solidFill>
+                <a:latin typeface="한수원 한돋움" pitchFamily="50" charset="-127"/>
+                <a:ea typeface="한수원 한돋움" pitchFamily="50" charset="-127"/>
+              </a:rPr>
+              <a:t>활용성이</a:t>
+            </a:r>
+            <a:r>
+              <a:rPr lang="ko-KR" altLang="en-US" sz="1400" dirty="0" smtClean="0">
+                <a:ln>
+                  <a:solidFill>
+                    <a:schemeClr val="accent1">
+                      <a:shade val="50000"/>
+                      <a:alpha val="0"/>
+                    </a:schemeClr>
+                  </a:solidFill>
+                </a:ln>
+                <a:solidFill>
+                  <a:schemeClr val="tx1">
+                    <a:lumMod val="75000"/>
+                    <a:lumOff val="25000"/>
+                  </a:schemeClr>
+                </a:solidFill>
+                <a:latin typeface="한수원 한돋움" pitchFamily="50" charset="-127"/>
+                <a:ea typeface="한수원 한돋움" pitchFamily="50" charset="-127"/>
+              </a:rPr>
+              <a:t> 더 높아질 것이다</a:t>
+            </a:r>
+            <a:r>
+              <a:rPr lang="en-US" altLang="ko-KR" sz="1400" dirty="0" smtClean="0">
+                <a:ln>
+                  <a:solidFill>
+                    <a:schemeClr val="accent1">
+                      <a:shade val="50000"/>
+                      <a:alpha val="0"/>
+                    </a:schemeClr>
+                  </a:solidFill>
+                </a:ln>
+                <a:solidFill>
+                  <a:schemeClr val="tx1">
+                    <a:lumMod val="75000"/>
+                    <a:lumOff val="25000"/>
+                  </a:schemeClr>
+                </a:solidFill>
+                <a:latin typeface="한수원 한돋움" pitchFamily="50" charset="-127"/>
+                <a:ea typeface="한수원 한돋움" pitchFamily="50" charset="-127"/>
+              </a:rPr>
+              <a:t>.</a:t>
+            </a:r>
+          </a:p>
+          <a:p>
+            <a:pPr marL="228600" indent="-228600">
+              <a:lnSpc>
+                <a:spcPct val="125000"/>
+              </a:lnSpc>
+              <a:spcAft>
+                <a:spcPts val="1800"/>
+              </a:spcAft>
+              <a:buFont typeface="+mj-lt"/>
+              <a:buAutoNum type="arabicPeriod"/>
+            </a:pPr>
+            <a:r>
+              <a:rPr lang="ko-KR" altLang="en-US" b="1" dirty="0" smtClean="0">
+                <a:ln>
+                  <a:solidFill>
+                    <a:schemeClr val="accent1">
+                      <a:shade val="50000"/>
+                      <a:alpha val="0"/>
+                    </a:schemeClr>
+                  </a:solidFill>
+                </a:ln>
+                <a:solidFill>
+                  <a:schemeClr val="tx1">
+                    <a:lumMod val="75000"/>
+                    <a:lumOff val="25000"/>
+                  </a:schemeClr>
+                </a:solidFill>
+                <a:latin typeface="한수원 한돋움 Bold" pitchFamily="50" charset="-127"/>
+                <a:ea typeface="한수원 한돋움 Bold" pitchFamily="50" charset="-127"/>
+              </a:rPr>
+              <a:t>프로그램 추가 기능</a:t>
+            </a:r>
+            <a:r>
+              <a:rPr lang="en-US" altLang="ko-KR" sz="1400" dirty="0" smtClean="0">
+                <a:ln>
+                  <a:solidFill>
+                    <a:schemeClr val="accent1">
+                      <a:shade val="50000"/>
+                      <a:alpha val="0"/>
+                    </a:schemeClr>
+                  </a:solidFill>
+                </a:ln>
+                <a:solidFill>
+                  <a:schemeClr val="tx1">
+                    <a:lumMod val="75000"/>
+                    <a:lumOff val="25000"/>
+                  </a:schemeClr>
+                </a:solidFill>
+                <a:latin typeface="한수원 한돋움" pitchFamily="50" charset="-127"/>
+                <a:ea typeface="한수원 한돋움" pitchFamily="50" charset="-127"/>
+              </a:rPr>
+              <a:t/>
+            </a:r>
+            <a:br>
+              <a:rPr lang="en-US" altLang="ko-KR" sz="1400" dirty="0" smtClean="0">
+                <a:ln>
+                  <a:solidFill>
+                    <a:schemeClr val="accent1">
+                      <a:shade val="50000"/>
+                      <a:alpha val="0"/>
+                    </a:schemeClr>
+                  </a:solidFill>
+                </a:ln>
+                <a:solidFill>
+                  <a:schemeClr val="tx1">
+                    <a:lumMod val="75000"/>
+                    <a:lumOff val="25000"/>
+                  </a:schemeClr>
+                </a:solidFill>
+                <a:latin typeface="한수원 한돋움" pitchFamily="50" charset="-127"/>
+                <a:ea typeface="한수원 한돋움" pitchFamily="50" charset="-127"/>
+              </a:rPr>
+            </a:br>
+            <a:r>
+              <a:rPr lang="ko-KR" altLang="en-US" sz="1400" dirty="0" smtClean="0">
+                <a:ln>
+                  <a:solidFill>
+                    <a:schemeClr val="accent1">
+                      <a:shade val="50000"/>
+                      <a:alpha val="0"/>
+                    </a:schemeClr>
+                  </a:solidFill>
+                </a:ln>
+                <a:solidFill>
+                  <a:schemeClr val="tx1">
+                    <a:lumMod val="75000"/>
+                    <a:lumOff val="25000"/>
+                  </a:schemeClr>
+                </a:solidFill>
+                <a:latin typeface="한수원 한돋움" pitchFamily="50" charset="-127"/>
+                <a:ea typeface="한수원 한돋움" pitchFamily="50" charset="-127"/>
+              </a:rPr>
+              <a:t>기존조건에 전체생성 수를 입력하여 </a:t>
+            </a:r>
+            <a:r>
+              <a:rPr lang="ko-KR" altLang="en-US" sz="1400" dirty="0" err="1" smtClean="0">
+                <a:ln>
+                  <a:solidFill>
+                    <a:schemeClr val="accent1">
+                      <a:shade val="50000"/>
+                      <a:alpha val="0"/>
+                    </a:schemeClr>
+                  </a:solidFill>
+                </a:ln>
+                <a:solidFill>
+                  <a:schemeClr val="tx1">
+                    <a:lumMod val="75000"/>
+                    <a:lumOff val="25000"/>
+                  </a:schemeClr>
+                </a:solidFill>
+                <a:latin typeface="한수원 한돋움" pitchFamily="50" charset="-127"/>
+                <a:ea typeface="한수원 한돋움" pitchFamily="50" charset="-127"/>
+              </a:rPr>
+              <a:t>입력받은</a:t>
+            </a:r>
+            <a:r>
+              <a:rPr lang="ko-KR" altLang="en-US" sz="1400" dirty="0" smtClean="0">
+                <a:ln>
+                  <a:solidFill>
+                    <a:schemeClr val="accent1">
+                      <a:shade val="50000"/>
+                      <a:alpha val="0"/>
+                    </a:schemeClr>
+                  </a:solidFill>
+                </a:ln>
+                <a:solidFill>
+                  <a:schemeClr val="tx1">
+                    <a:lumMod val="75000"/>
+                    <a:lumOff val="25000"/>
+                  </a:schemeClr>
+                </a:solidFill>
+                <a:latin typeface="한수원 한돋움" pitchFamily="50" charset="-127"/>
+                <a:ea typeface="한수원 한돋움" pitchFamily="50" charset="-127"/>
+              </a:rPr>
+              <a:t> 수만큼 생성하는 기능</a:t>
+            </a:r>
+            <a:r>
+              <a:rPr lang="en-US" altLang="ko-KR" sz="1400" dirty="0" smtClean="0">
+                <a:ln>
+                  <a:solidFill>
+                    <a:schemeClr val="accent1">
+                      <a:shade val="50000"/>
+                      <a:alpha val="0"/>
+                    </a:schemeClr>
+                  </a:solidFill>
+                </a:ln>
+                <a:solidFill>
+                  <a:schemeClr val="tx1">
+                    <a:lumMod val="75000"/>
+                    <a:lumOff val="25000"/>
+                  </a:schemeClr>
+                </a:solidFill>
+                <a:latin typeface="한수원 한돋움" pitchFamily="50" charset="-127"/>
+                <a:ea typeface="한수원 한돋움" pitchFamily="50" charset="-127"/>
+              </a:rPr>
+              <a:t>,</a:t>
+            </a:r>
+            <a:br>
+              <a:rPr lang="en-US" altLang="ko-KR" sz="1400" dirty="0" smtClean="0">
+                <a:ln>
+                  <a:solidFill>
+                    <a:schemeClr val="accent1">
+                      <a:shade val="50000"/>
+                      <a:alpha val="0"/>
+                    </a:schemeClr>
+                  </a:solidFill>
+                </a:ln>
+                <a:solidFill>
+                  <a:schemeClr val="tx1">
+                    <a:lumMod val="75000"/>
+                    <a:lumOff val="25000"/>
+                  </a:schemeClr>
+                </a:solidFill>
+                <a:latin typeface="한수원 한돋움" pitchFamily="50" charset="-127"/>
+                <a:ea typeface="한수원 한돋움" pitchFamily="50" charset="-127"/>
+              </a:rPr>
+            </a:br>
+            <a:r>
+              <a:rPr lang="ko-KR" altLang="en-US" sz="1400" dirty="0" smtClean="0">
+                <a:ln>
+                  <a:solidFill>
+                    <a:schemeClr val="accent1">
+                      <a:shade val="50000"/>
+                      <a:alpha val="0"/>
+                    </a:schemeClr>
+                  </a:solidFill>
+                </a:ln>
+                <a:solidFill>
+                  <a:schemeClr val="tx1">
+                    <a:lumMod val="75000"/>
+                    <a:lumOff val="25000"/>
+                  </a:schemeClr>
+                </a:solidFill>
+                <a:latin typeface="한수원 한돋움" pitchFamily="50" charset="-127"/>
+                <a:ea typeface="한수원 한돋움" pitchFamily="50" charset="-127"/>
+              </a:rPr>
+              <a:t>생성된 번호를 엑셀이나 메모장 등에 저장하는 기능이 있어야</a:t>
+            </a:r>
+            <a:r>
+              <a:rPr lang="en-US" altLang="ko-KR" sz="1400" dirty="0" smtClean="0">
+                <a:ln>
+                  <a:solidFill>
+                    <a:schemeClr val="accent1">
+                      <a:shade val="50000"/>
+                      <a:alpha val="0"/>
+                    </a:schemeClr>
+                  </a:solidFill>
+                </a:ln>
+                <a:solidFill>
+                  <a:schemeClr val="tx1">
+                    <a:lumMod val="75000"/>
+                    <a:lumOff val="25000"/>
+                  </a:schemeClr>
+                </a:solidFill>
+                <a:latin typeface="한수원 한돋움" pitchFamily="50" charset="-127"/>
+                <a:ea typeface="한수원 한돋움" pitchFamily="50" charset="-127"/>
+              </a:rPr>
+              <a:t/>
+            </a:r>
+            <a:br>
+              <a:rPr lang="en-US" altLang="ko-KR" sz="1400" dirty="0" smtClean="0">
+                <a:ln>
+                  <a:solidFill>
+                    <a:schemeClr val="accent1">
+                      <a:shade val="50000"/>
+                      <a:alpha val="0"/>
+                    </a:schemeClr>
+                  </a:solidFill>
+                </a:ln>
+                <a:solidFill>
+                  <a:schemeClr val="tx1">
+                    <a:lumMod val="75000"/>
+                    <a:lumOff val="25000"/>
+                  </a:schemeClr>
+                </a:solidFill>
+                <a:latin typeface="한수원 한돋움" pitchFamily="50" charset="-127"/>
+                <a:ea typeface="한수원 한돋움" pitchFamily="50" charset="-127"/>
+              </a:rPr>
+            </a:br>
+            <a:r>
+              <a:rPr lang="ko-KR" altLang="en-US" sz="1400" dirty="0" smtClean="0">
+                <a:ln>
+                  <a:solidFill>
+                    <a:schemeClr val="accent1">
+                      <a:shade val="50000"/>
+                      <a:alpha val="0"/>
+                    </a:schemeClr>
+                  </a:solidFill>
+                </a:ln>
+                <a:solidFill>
+                  <a:schemeClr val="tx1">
+                    <a:lumMod val="75000"/>
+                    <a:lumOff val="25000"/>
+                  </a:schemeClr>
+                </a:solidFill>
+                <a:latin typeface="한수원 한돋움" pitchFamily="50" charset="-127"/>
+                <a:ea typeface="한수원 한돋움" pitchFamily="50" charset="-127"/>
+              </a:rPr>
+              <a:t>실제 사용시에 편리할 것이다</a:t>
+            </a:r>
+            <a:r>
+              <a:rPr lang="en-US" altLang="ko-KR" sz="1400" dirty="0" smtClean="0">
+                <a:ln>
+                  <a:solidFill>
+                    <a:schemeClr val="accent1">
+                      <a:shade val="50000"/>
+                      <a:alpha val="0"/>
+                    </a:schemeClr>
+                  </a:solidFill>
+                </a:ln>
+                <a:solidFill>
+                  <a:schemeClr val="tx1">
+                    <a:lumMod val="75000"/>
+                    <a:lumOff val="25000"/>
+                  </a:schemeClr>
+                </a:solidFill>
+                <a:latin typeface="한수원 한돋움" pitchFamily="50" charset="-127"/>
+                <a:ea typeface="한수원 한돋움" pitchFamily="50" charset="-127"/>
+              </a:rPr>
+              <a:t>.</a:t>
+            </a:r>
+            <a:endParaRPr lang="en-US" altLang="ko-KR" sz="1400" dirty="0">
+              <a:ln>
+                <a:solidFill>
+                  <a:schemeClr val="accent1">
+                    <a:shade val="50000"/>
+                    <a:alpha val="0"/>
+                  </a:schemeClr>
+                </a:solidFill>
+              </a:ln>
+              <a:solidFill>
+                <a:schemeClr val="tx1">
+                  <a:lumMod val="75000"/>
+                  <a:lumOff val="25000"/>
+                </a:schemeClr>
+              </a:solidFill>
+              <a:latin typeface="한수원 한돋움" pitchFamily="50" charset="-127"/>
+              <a:ea typeface="한수원 한돋움" pitchFamily="50" charset="-127"/>
+            </a:endParaRPr>
+          </a:p>
+        </p:txBody>
+      </p:sp>
+    </p:spTree>
+    <p:extLst>
+      <p:ext uri="{BB962C8B-B14F-4D97-AF65-F5344CB8AC3E}">
+        <p14:creationId xmlns:p14="http://schemas.microsoft.com/office/powerpoint/2010/main" val="1319626652"/>
+      </p:ext>
+    </p:extLst>
+  </p:cSld>
+  <p:clrMapOvr>
+    <a:overrideClrMapping bg1="lt1" tx1="dk1" bg2="lt2" tx2="dk2" accent1="accent1" accent2="accent2" accent3="accent3" accent4="accent4" accent5="accent5" accent6="accent6" hlink="hlink" folHlink="folHlink"/>
   </p:clrMapOvr>
   <p:timing>
     <p:tnLst>
@@ -17242,7 +17925,7 @@
   <a:extraClrSchemeLst/>
   <a:extLst>
     <a:ext uri="{05A4C25C-085E-4340-85A3-A5531E510DB2}">
-      <thm15:themeFamily xmlns="" xmlns:thm15="http://schemas.microsoft.com/office/thememl/2012/main" name="Office Theme" id="{62F939B6-93AF-4DB8-9C6B-D6C7DFDC589F}" vid="{4A3C46E8-61CC-4603-A589-7422A47A8E4A}"/>
+      <thm15:themeFamily xmlns:thm15="http://schemas.microsoft.com/office/thememl/2012/main" xmlns="" name="Office Theme" id="{62F939B6-93AF-4DB8-9C6B-D6C7DFDC589F}" vid="{4A3C46E8-61CC-4603-A589-7422A47A8E4A}"/>
     </a:ext>
   </a:extLst>
 </a:theme>
@@ -17859,4 +18542,47 @@
     </a:folHlink>
   </a:clrScheme>
 </a:themeOverride>
+</file>
+
+<file path=ppt/theme/themeOverride2.xml><?xml version="1.0" encoding="utf-8"?>
+<a:themeOverride xmlns:a="http://schemas.openxmlformats.org/drawingml/2006/main">
+  <a:clrScheme name="Office">
+    <a:dk1>
+      <a:sysClr val="windowText" lastClr="000000"/>
+    </a:dk1>
+    <a:lt1>
+      <a:sysClr val="window" lastClr="FFFFFF"/>
+    </a:lt1>
+    <a:dk2>
+      <a:srgbClr val="44546A"/>
+    </a:dk2>
+    <a:lt2>
+      <a:srgbClr val="E7E6E6"/>
+    </a:lt2>
+    <a:accent1>
+      <a:srgbClr val="4472C4"/>
+    </a:accent1>
+    <a:accent2>
+      <a:srgbClr val="ED7D31"/>
+    </a:accent2>
+    <a:accent3>
+      <a:srgbClr val="A5A5A5"/>
+    </a:accent3>
+    <a:accent4>
+      <a:srgbClr val="FFC000"/>
+    </a:accent4>
+    <a:accent5>
+      <a:srgbClr val="5B9BD5"/>
+    </a:accent5>
+    <a:accent6>
+      <a:srgbClr val="70AD47"/>
+    </a:accent6>
+    <a:hlink>
+      <a:srgbClr val="0563C1"/>
+    </a:hlink>
+    <a:folHlink>
+      <a:srgbClr val="954F72"/>
+    </a:folHlink>
+  </a:clrScheme>
+</a:themeOverride>
 </file>
--- a/2 vsStudio_P/210408_cSharp_basic_chap5/sukje_lotto/PPT/210409_로또번호 생성기.pptx
+++ b/2 vsStudio_P/210408_cSharp_basic_chap5/sukje_lotto/PPT/210409_로또번호 생성기.pptx
@@ -1,6 +1,6 @@
 
 <file path=ppt/presentation.xml><?xml version="1.0" encoding="utf-8"?>
-<p:presentation xmlns:a="http://schemas.openxmlformats.org/drawingml/2006/main" xmlns:r="http://schemas.openxmlformats.org/officeDocument/2006/relationships" xmlns:p="http://schemas.openxmlformats.org/presentationml/2006/main" saveSubsetFonts="1">
+<p:presentation xmlns:a="http://schemas.openxmlformats.org/drawingml/2006/main" xmlns:r="http://schemas.openxmlformats.org/officeDocument/2006/relationships" xmlns:p="http://schemas.openxmlformats.org/presentationml/2006/main" embedTrueTypeFonts="1" saveSubsetFonts="1">
   <p:sldMasterIdLst>
     <p:sldMasterId id="2147483660" r:id="rId1"/>
   </p:sldMasterIdLst>
@@ -22,6 +22,25 @@
   </p:sldIdLst>
   <p:sldSz cx="9144000" cy="5143500" type="screen16x9"/>
   <p:notesSz cx="6858000" cy="9144000"/>
+  <p:embeddedFontLst>
+    <p:embeddedFont>
+      <p:font typeface="한수원 한돋움 Bold" pitchFamily="50" charset="-127"/>
+      <p:bold r:id="rId12"/>
+    </p:embeddedFont>
+    <p:embeddedFont>
+      <p:font typeface="나눔바른고딕 Light" pitchFamily="50" charset="-127"/>
+      <p:regular r:id="rId13"/>
+    </p:embeddedFont>
+    <p:embeddedFont>
+      <p:font typeface="한수원 한돋움" pitchFamily="50" charset="-127"/>
+      <p:bold r:id="rId14"/>
+    </p:embeddedFont>
+    <p:embeddedFont>
+      <p:font typeface="맑은 고딕" pitchFamily="50" charset="-127"/>
+      <p:regular r:id="rId15"/>
+      <p:bold r:id="rId16"/>
+    </p:embeddedFont>
+  </p:embeddedFontLst>
   <p:defaultTextStyle>
     <a:defPPr>
       <a:defRPr lang="ko-KR"/>
@@ -595,11 +614,11 @@
           <c:showBubbleSize val="0"/>
         </c:dLbls>
         <c:gapWidth val="150"/>
-        <c:axId val="56566272"/>
-        <c:axId val="166881536"/>
+        <c:axId val="207089664"/>
+        <c:axId val="198987712"/>
       </c:barChart>
       <c:catAx>
-        <c:axId val="56566272"/>
+        <c:axId val="207089664"/>
         <c:scaling>
           <c:orientation val="minMax"/>
         </c:scaling>
@@ -609,7 +628,7 @@
         <c:majorTickMark val="out"/>
         <c:minorTickMark val="none"/>
         <c:tickLblPos val="nextTo"/>
-        <c:crossAx val="166881536"/>
+        <c:crossAx val="198987712"/>
         <c:crosses val="autoZero"/>
         <c:auto val="1"/>
         <c:lblAlgn val="ctr"/>
@@ -617,7 +636,7 @@
         <c:noMultiLvlLbl val="0"/>
       </c:catAx>
       <c:valAx>
-        <c:axId val="166881536"/>
+        <c:axId val="198987712"/>
         <c:scaling>
           <c:orientation val="minMax"/>
           <c:max val="1"/>
@@ -640,7 +659,7 @@
         <c:majorTickMark val="out"/>
         <c:minorTickMark val="none"/>
         <c:tickLblPos val="nextTo"/>
-        <c:crossAx val="56566272"/>
+        <c:crossAx val="207089664"/>
         <c:crosses val="autoZero"/>
         <c:crossBetween val="between"/>
       </c:valAx>
@@ -1457,7 +1476,7 @@
           <p:cNvPr id="4" name="날짜 개체 틀 3">
             <a:extLst>
               <a:ext uri="{FF2B5EF4-FFF2-40B4-BE49-F238E27FC236}">
-                <a16:creationId xmlns:a16="http://schemas.microsoft.com/office/drawing/2014/main" xmlns="" id="{3BA2C713-AC81-4EB2-9330-581E0B6AE811}"/>
+                <a16:creationId xmlns="" xmlns:a16="http://schemas.microsoft.com/office/drawing/2014/main" id="{3BA2C713-AC81-4EB2-9330-581E0B6AE811}"/>
               </a:ext>
             </a:extLst>
           </p:cNvPr>
@@ -1486,7 +1505,7 @@
           <p:cNvPr id="5" name="바닥글 개체 틀 4">
             <a:extLst>
               <a:ext uri="{FF2B5EF4-FFF2-40B4-BE49-F238E27FC236}">
-                <a16:creationId xmlns:a16="http://schemas.microsoft.com/office/drawing/2014/main" xmlns="" id="{1F0F55EC-D62C-46D0-85AA-2079E978B3AC}"/>
+                <a16:creationId xmlns="" xmlns:a16="http://schemas.microsoft.com/office/drawing/2014/main" id="{1F0F55EC-D62C-46D0-85AA-2079E978B3AC}"/>
               </a:ext>
             </a:extLst>
           </p:cNvPr>
@@ -1511,7 +1530,7 @@
           <p:cNvPr id="6" name="슬라이드 번호 개체 틀 5">
             <a:extLst>
               <a:ext uri="{FF2B5EF4-FFF2-40B4-BE49-F238E27FC236}">
-                <a16:creationId xmlns:a16="http://schemas.microsoft.com/office/drawing/2014/main" xmlns="" id="{A786F994-D68F-40EE-B340-2867A153420B}"/>
+                <a16:creationId xmlns="" xmlns:a16="http://schemas.microsoft.com/office/drawing/2014/main" id="{A786F994-D68F-40EE-B340-2867A153420B}"/>
               </a:ext>
             </a:extLst>
           </p:cNvPr>
@@ -1554,7 +1573,7 @@
   </p:timing>
   <p:extLst mod="1">
     <p:ext uri="{DCECCB84-F9BA-43D5-87BE-67443E8EF086}">
-      <p15:sldGuideLst xmlns:p15="http://schemas.microsoft.com/office/powerpoint/2012/main" xmlns="">
+      <p15:sldGuideLst xmlns="" xmlns:p15="http://schemas.microsoft.com/office/powerpoint/2012/main">
         <p15:guide id="1" orient="horz" pos="278" userDrawn="1">
           <p15:clr>
             <a:srgbClr val="FBAE40"/>
@@ -1603,7 +1622,7 @@
           <p:cNvPr id="4" name="날짜 개체 틀 3">
             <a:extLst>
               <a:ext uri="{FF2B5EF4-FFF2-40B4-BE49-F238E27FC236}">
-                <a16:creationId xmlns:a16="http://schemas.microsoft.com/office/drawing/2014/main" xmlns="" id="{46623D75-7690-462B-A0DC-A4F3108DC644}"/>
+                <a16:creationId xmlns="" xmlns:a16="http://schemas.microsoft.com/office/drawing/2014/main" id="{46623D75-7690-462B-A0DC-A4F3108DC644}"/>
               </a:ext>
             </a:extLst>
           </p:cNvPr>
@@ -1632,7 +1651,7 @@
           <p:cNvPr id="5" name="바닥글 개체 틀 4">
             <a:extLst>
               <a:ext uri="{FF2B5EF4-FFF2-40B4-BE49-F238E27FC236}">
-                <a16:creationId xmlns:a16="http://schemas.microsoft.com/office/drawing/2014/main" xmlns="" id="{70F3BCB1-6A24-432F-A778-B735C6861206}"/>
+                <a16:creationId xmlns="" xmlns:a16="http://schemas.microsoft.com/office/drawing/2014/main" id="{70F3BCB1-6A24-432F-A778-B735C6861206}"/>
               </a:ext>
             </a:extLst>
           </p:cNvPr>
@@ -1657,7 +1676,7 @@
           <p:cNvPr id="6" name="슬라이드 번호 개체 틀 5">
             <a:extLst>
               <a:ext uri="{FF2B5EF4-FFF2-40B4-BE49-F238E27FC236}">
-                <a16:creationId xmlns:a16="http://schemas.microsoft.com/office/drawing/2014/main" xmlns="" id="{FB4ED32B-3446-46D1-A849-41F78A9D9060}"/>
+                <a16:creationId xmlns="" xmlns:a16="http://schemas.microsoft.com/office/drawing/2014/main" id="{FB4ED32B-3446-46D1-A849-41F78A9D9060}"/>
               </a:ext>
             </a:extLst>
           </p:cNvPr>
@@ -1686,7 +1705,7 @@
           <p:cNvPr id="7" name="TextBox 6">
             <a:extLst>
               <a:ext uri="{FF2B5EF4-FFF2-40B4-BE49-F238E27FC236}">
-                <a16:creationId xmlns:a16="http://schemas.microsoft.com/office/drawing/2014/main" xmlns="" id="{A1687216-9C76-4F29-934C-F430DF40C5FA}"/>
+                <a16:creationId xmlns="" xmlns:a16="http://schemas.microsoft.com/office/drawing/2014/main" id="{A1687216-9C76-4F29-934C-F430DF40C5FA}"/>
               </a:ext>
             </a:extLst>
           </p:cNvPr>
@@ -1880,7 +1899,7 @@
           <p:cNvPr id="4" name="날짜 개체 틀 3">
             <a:extLst>
               <a:ext uri="{FF2B5EF4-FFF2-40B4-BE49-F238E27FC236}">
-                <a16:creationId xmlns:a16="http://schemas.microsoft.com/office/drawing/2014/main" xmlns="" id="{46623D75-7690-462B-A0DC-A4F3108DC644}"/>
+                <a16:creationId xmlns="" xmlns:a16="http://schemas.microsoft.com/office/drawing/2014/main" id="{46623D75-7690-462B-A0DC-A4F3108DC644}"/>
               </a:ext>
             </a:extLst>
           </p:cNvPr>
@@ -1909,7 +1928,7 @@
           <p:cNvPr id="5" name="바닥글 개체 틀 4">
             <a:extLst>
               <a:ext uri="{FF2B5EF4-FFF2-40B4-BE49-F238E27FC236}">
-                <a16:creationId xmlns:a16="http://schemas.microsoft.com/office/drawing/2014/main" xmlns="" id="{70F3BCB1-6A24-432F-A778-B735C6861206}"/>
+                <a16:creationId xmlns="" xmlns:a16="http://schemas.microsoft.com/office/drawing/2014/main" id="{70F3BCB1-6A24-432F-A778-B735C6861206}"/>
               </a:ext>
             </a:extLst>
           </p:cNvPr>
@@ -1934,7 +1953,7 @@
           <p:cNvPr id="6" name="슬라이드 번호 개체 틀 5">
             <a:extLst>
               <a:ext uri="{FF2B5EF4-FFF2-40B4-BE49-F238E27FC236}">
-                <a16:creationId xmlns:a16="http://schemas.microsoft.com/office/drawing/2014/main" xmlns="" id="{FB4ED32B-3446-46D1-A849-41F78A9D9060}"/>
+                <a16:creationId xmlns="" xmlns:a16="http://schemas.microsoft.com/office/drawing/2014/main" id="{FB4ED32B-3446-46D1-A849-41F78A9D9060}"/>
               </a:ext>
             </a:extLst>
           </p:cNvPr>
@@ -1963,7 +1982,7 @@
           <p:cNvPr id="7" name="TextBox 6">
             <a:extLst>
               <a:ext uri="{FF2B5EF4-FFF2-40B4-BE49-F238E27FC236}">
-                <a16:creationId xmlns:a16="http://schemas.microsoft.com/office/drawing/2014/main" xmlns="" id="{A1687216-9C76-4F29-934C-F430DF40C5FA}"/>
+                <a16:creationId xmlns="" xmlns:a16="http://schemas.microsoft.com/office/drawing/2014/main" id="{A1687216-9C76-4F29-934C-F430DF40C5FA}"/>
               </a:ext>
             </a:extLst>
           </p:cNvPr>
@@ -2136,7 +2155,7 @@
           <p:cNvPr id="4" name="날짜 개체 틀 3">
             <a:extLst>
               <a:ext uri="{FF2B5EF4-FFF2-40B4-BE49-F238E27FC236}">
-                <a16:creationId xmlns:a16="http://schemas.microsoft.com/office/drawing/2014/main" xmlns="" id="{46623D75-7690-462B-A0DC-A4F3108DC644}"/>
+                <a16:creationId xmlns="" xmlns:a16="http://schemas.microsoft.com/office/drawing/2014/main" id="{46623D75-7690-462B-A0DC-A4F3108DC644}"/>
               </a:ext>
             </a:extLst>
           </p:cNvPr>
@@ -2165,7 +2184,7 @@
           <p:cNvPr id="5" name="바닥글 개체 틀 4">
             <a:extLst>
               <a:ext uri="{FF2B5EF4-FFF2-40B4-BE49-F238E27FC236}">
-                <a16:creationId xmlns:a16="http://schemas.microsoft.com/office/drawing/2014/main" xmlns="" id="{70F3BCB1-6A24-432F-A778-B735C6861206}"/>
+                <a16:creationId xmlns="" xmlns:a16="http://schemas.microsoft.com/office/drawing/2014/main" id="{70F3BCB1-6A24-432F-A778-B735C6861206}"/>
               </a:ext>
             </a:extLst>
           </p:cNvPr>
@@ -2190,7 +2209,7 @@
           <p:cNvPr id="6" name="슬라이드 번호 개체 틀 5">
             <a:extLst>
               <a:ext uri="{FF2B5EF4-FFF2-40B4-BE49-F238E27FC236}">
-                <a16:creationId xmlns:a16="http://schemas.microsoft.com/office/drawing/2014/main" xmlns="" id="{FB4ED32B-3446-46D1-A849-41F78A9D9060}"/>
+                <a16:creationId xmlns="" xmlns:a16="http://schemas.microsoft.com/office/drawing/2014/main" id="{FB4ED32B-3446-46D1-A849-41F78A9D9060}"/>
               </a:ext>
             </a:extLst>
           </p:cNvPr>
@@ -2219,7 +2238,7 @@
           <p:cNvPr id="7" name="TextBox 6">
             <a:extLst>
               <a:ext uri="{FF2B5EF4-FFF2-40B4-BE49-F238E27FC236}">
-                <a16:creationId xmlns:a16="http://schemas.microsoft.com/office/drawing/2014/main" xmlns="" id="{A1687216-9C76-4F29-934C-F430DF40C5FA}"/>
+                <a16:creationId xmlns="" xmlns:a16="http://schemas.microsoft.com/office/drawing/2014/main" id="{A1687216-9C76-4F29-934C-F430DF40C5FA}"/>
               </a:ext>
             </a:extLst>
           </p:cNvPr>
@@ -2392,7 +2411,7 @@
           <p:cNvPr id="4" name="날짜 개체 틀 3">
             <a:extLst>
               <a:ext uri="{FF2B5EF4-FFF2-40B4-BE49-F238E27FC236}">
-                <a16:creationId xmlns:a16="http://schemas.microsoft.com/office/drawing/2014/main" xmlns="" id="{46623D75-7690-462B-A0DC-A4F3108DC644}"/>
+                <a16:creationId xmlns="" xmlns:a16="http://schemas.microsoft.com/office/drawing/2014/main" id="{46623D75-7690-462B-A0DC-A4F3108DC644}"/>
               </a:ext>
             </a:extLst>
           </p:cNvPr>
@@ -2421,7 +2440,7 @@
           <p:cNvPr id="5" name="바닥글 개체 틀 4">
             <a:extLst>
               <a:ext uri="{FF2B5EF4-FFF2-40B4-BE49-F238E27FC236}">
-                <a16:creationId xmlns:a16="http://schemas.microsoft.com/office/drawing/2014/main" xmlns="" id="{70F3BCB1-6A24-432F-A778-B735C6861206}"/>
+                <a16:creationId xmlns="" xmlns:a16="http://schemas.microsoft.com/office/drawing/2014/main" id="{70F3BCB1-6A24-432F-A778-B735C6861206}"/>
               </a:ext>
             </a:extLst>
           </p:cNvPr>
@@ -2446,7 +2465,7 @@
           <p:cNvPr id="6" name="슬라이드 번호 개체 틀 5">
             <a:extLst>
               <a:ext uri="{FF2B5EF4-FFF2-40B4-BE49-F238E27FC236}">
-                <a16:creationId xmlns:a16="http://schemas.microsoft.com/office/drawing/2014/main" xmlns="" id="{FB4ED32B-3446-46D1-A849-41F78A9D9060}"/>
+                <a16:creationId xmlns="" xmlns:a16="http://schemas.microsoft.com/office/drawing/2014/main" id="{FB4ED32B-3446-46D1-A849-41F78A9D9060}"/>
               </a:ext>
             </a:extLst>
           </p:cNvPr>
@@ -2475,7 +2494,7 @@
           <p:cNvPr id="7" name="TextBox 6">
             <a:extLst>
               <a:ext uri="{FF2B5EF4-FFF2-40B4-BE49-F238E27FC236}">
-                <a16:creationId xmlns:a16="http://schemas.microsoft.com/office/drawing/2014/main" xmlns="" id="{A1687216-9C76-4F29-934C-F430DF40C5FA}"/>
+                <a16:creationId xmlns="" xmlns:a16="http://schemas.microsoft.com/office/drawing/2014/main" id="{A1687216-9C76-4F29-934C-F430DF40C5FA}"/>
               </a:ext>
             </a:extLst>
           </p:cNvPr>
@@ -2648,7 +2667,7 @@
           <p:cNvPr id="2" name="제목 1">
             <a:extLst>
               <a:ext uri="{FF2B5EF4-FFF2-40B4-BE49-F238E27FC236}">
-                <a16:creationId xmlns:a16="http://schemas.microsoft.com/office/drawing/2014/main" xmlns="" id="{36BFCA8F-81E3-4494-807A-19ED363184C9}"/>
+                <a16:creationId xmlns="" xmlns:a16="http://schemas.microsoft.com/office/drawing/2014/main" id="{36BFCA8F-81E3-4494-807A-19ED363184C9}"/>
               </a:ext>
             </a:extLst>
           </p:cNvPr>
@@ -2688,7 +2707,7 @@
           <p:cNvPr id="3" name="부제목 2">
             <a:extLst>
               <a:ext uri="{FF2B5EF4-FFF2-40B4-BE49-F238E27FC236}">
-                <a16:creationId xmlns:a16="http://schemas.microsoft.com/office/drawing/2014/main" xmlns="" id="{54A30F0C-47F5-4BBB-8D9A-EEA1FF7E8DFB}"/>
+                <a16:creationId xmlns="" xmlns:a16="http://schemas.microsoft.com/office/drawing/2014/main" id="{54A30F0C-47F5-4BBB-8D9A-EEA1FF7E8DFB}"/>
               </a:ext>
             </a:extLst>
           </p:cNvPr>
@@ -2761,7 +2780,7 @@
           <p:cNvPr id="4" name="날짜 개체 틀 3">
             <a:extLst>
               <a:ext uri="{FF2B5EF4-FFF2-40B4-BE49-F238E27FC236}">
-                <a16:creationId xmlns:a16="http://schemas.microsoft.com/office/drawing/2014/main" xmlns="" id="{3BA2C713-AC81-4EB2-9330-581E0B6AE811}"/>
+                <a16:creationId xmlns="" xmlns:a16="http://schemas.microsoft.com/office/drawing/2014/main" id="{3BA2C713-AC81-4EB2-9330-581E0B6AE811}"/>
               </a:ext>
             </a:extLst>
           </p:cNvPr>
@@ -2790,7 +2809,7 @@
           <p:cNvPr id="5" name="바닥글 개체 틀 4">
             <a:extLst>
               <a:ext uri="{FF2B5EF4-FFF2-40B4-BE49-F238E27FC236}">
-                <a16:creationId xmlns:a16="http://schemas.microsoft.com/office/drawing/2014/main" xmlns="" id="{1F0F55EC-D62C-46D0-85AA-2079E978B3AC}"/>
+                <a16:creationId xmlns="" xmlns:a16="http://schemas.microsoft.com/office/drawing/2014/main" id="{1F0F55EC-D62C-46D0-85AA-2079E978B3AC}"/>
               </a:ext>
             </a:extLst>
           </p:cNvPr>
@@ -2815,7 +2834,7 @@
           <p:cNvPr id="6" name="슬라이드 번호 개체 틀 5">
             <a:extLst>
               <a:ext uri="{FF2B5EF4-FFF2-40B4-BE49-F238E27FC236}">
-                <a16:creationId xmlns:a16="http://schemas.microsoft.com/office/drawing/2014/main" xmlns="" id="{A786F994-D68F-40EE-B340-2867A153420B}"/>
+                <a16:creationId xmlns="" xmlns:a16="http://schemas.microsoft.com/office/drawing/2014/main" id="{A786F994-D68F-40EE-B340-2867A153420B}"/>
               </a:ext>
             </a:extLst>
           </p:cNvPr>
@@ -2851,7 +2870,7 @@
   </p:clrMapOvr>
   <p:extLst mod="1">
     <p:ext uri="{DCECCB84-F9BA-43D5-87BE-67443E8EF086}">
-      <p15:sldGuideLst xmlns:p15="http://schemas.microsoft.com/office/powerpoint/2012/main" xmlns="">
+      <p15:sldGuideLst xmlns="" xmlns:p15="http://schemas.microsoft.com/office/powerpoint/2012/main">
         <p15:guide id="1" orient="horz" pos="278" userDrawn="1">
           <p15:clr>
             <a:srgbClr val="FBAE40"/>
@@ -2908,7 +2927,7 @@
           <p:cNvPr id="4" name="날짜 개체 틀 3">
             <a:extLst>
               <a:ext uri="{FF2B5EF4-FFF2-40B4-BE49-F238E27FC236}">
-                <a16:creationId xmlns:a16="http://schemas.microsoft.com/office/drawing/2014/main" xmlns="" id="{42D06877-D131-4080-A9F4-48C0B274C06E}"/>
+                <a16:creationId xmlns="" xmlns:a16="http://schemas.microsoft.com/office/drawing/2014/main" id="{42D06877-D131-4080-A9F4-48C0B274C06E}"/>
               </a:ext>
             </a:extLst>
           </p:cNvPr>
@@ -2955,7 +2974,7 @@
           <p:cNvPr id="5" name="바닥글 개체 틀 4">
             <a:extLst>
               <a:ext uri="{FF2B5EF4-FFF2-40B4-BE49-F238E27FC236}">
-                <a16:creationId xmlns:a16="http://schemas.microsoft.com/office/drawing/2014/main" xmlns="" id="{64076F67-2A68-49D1-BB80-037677E09A3F}"/>
+                <a16:creationId xmlns="" xmlns:a16="http://schemas.microsoft.com/office/drawing/2014/main" id="{64076F67-2A68-49D1-BB80-037677E09A3F}"/>
               </a:ext>
             </a:extLst>
           </p:cNvPr>
@@ -2998,7 +3017,7 @@
           <p:cNvPr id="6" name="슬라이드 번호 개체 틀 5">
             <a:extLst>
               <a:ext uri="{FF2B5EF4-FFF2-40B4-BE49-F238E27FC236}">
-                <a16:creationId xmlns:a16="http://schemas.microsoft.com/office/drawing/2014/main" xmlns="" id="{58782565-736B-44B3-9A33-43CB9E3F7716}"/>
+                <a16:creationId xmlns="" xmlns:a16="http://schemas.microsoft.com/office/drawing/2014/main" id="{58782565-736B-44B3-9A33-43CB9E3F7716}"/>
               </a:ext>
             </a:extLst>
           </p:cNvPr>
@@ -3440,7 +3459,7 @@
             <p:cNvPr id="17" name="직선 연결선 16">
               <a:extLst>
                 <a:ext uri="{FF2B5EF4-FFF2-40B4-BE49-F238E27FC236}">
-                  <a16:creationId xmlns:a16="http://schemas.microsoft.com/office/drawing/2014/main" xmlns="" id="{AA7311F7-BDB2-4871-A52E-85827F6BBA0C}"/>
+                  <a16:creationId xmlns="" xmlns:a16="http://schemas.microsoft.com/office/drawing/2014/main" id="{AA7311F7-BDB2-4871-A52E-85827F6BBA0C}"/>
                 </a:ext>
               </a:extLst>
             </p:cNvPr>
@@ -3481,7 +3500,7 @@
             <p:cNvPr id="18" name="직사각형 17">
               <a:extLst>
                 <a:ext uri="{FF2B5EF4-FFF2-40B4-BE49-F238E27FC236}">
-                  <a16:creationId xmlns:a16="http://schemas.microsoft.com/office/drawing/2014/main" xmlns="" id="{4607419D-DA91-41E9-BA14-DED2C6883059}"/>
+                  <a16:creationId xmlns="" xmlns:a16="http://schemas.microsoft.com/office/drawing/2014/main" id="{4607419D-DA91-41E9-BA14-DED2C6883059}"/>
                 </a:ext>
               </a:extLst>
             </p:cNvPr>
@@ -3578,7 +3597,7 @@
             <p:cNvPr id="7" name="TextBox 6">
               <a:extLst>
                 <a:ext uri="{FF2B5EF4-FFF2-40B4-BE49-F238E27FC236}">
-                  <a16:creationId xmlns:a16="http://schemas.microsoft.com/office/drawing/2014/main" xmlns="" id="{704C1FE0-6BEB-44C5-B4B9-1755F444F838}"/>
+                  <a16:creationId xmlns="" xmlns:a16="http://schemas.microsoft.com/office/drawing/2014/main" id="{704C1FE0-6BEB-44C5-B4B9-1755F444F838}"/>
                 </a:ext>
               </a:extLst>
             </p:cNvPr>
@@ -3627,7 +3646,7 @@
             <p:cNvPr id="50" name="TextBox 49">
               <a:extLst>
                 <a:ext uri="{FF2B5EF4-FFF2-40B4-BE49-F238E27FC236}">
-                  <a16:creationId xmlns:a16="http://schemas.microsoft.com/office/drawing/2014/main" xmlns="" id="{704C1FE0-6BEB-44C5-B4B9-1755F444F838}"/>
+                  <a16:creationId xmlns="" xmlns:a16="http://schemas.microsoft.com/office/drawing/2014/main" id="{704C1FE0-6BEB-44C5-B4B9-1755F444F838}"/>
                 </a:ext>
               </a:extLst>
             </p:cNvPr>
@@ -3765,7 +3784,7 @@
           <p:cNvPr id="7" name="TextBox 6">
             <a:extLst>
               <a:ext uri="{FF2B5EF4-FFF2-40B4-BE49-F238E27FC236}">
-                <a16:creationId xmlns:a16="http://schemas.microsoft.com/office/drawing/2014/main" xmlns="" id="{704C1FE0-6BEB-44C5-B4B9-1755F444F838}"/>
+                <a16:creationId xmlns="" xmlns:a16="http://schemas.microsoft.com/office/drawing/2014/main" id="{704C1FE0-6BEB-44C5-B4B9-1755F444F838}"/>
               </a:ext>
             </a:extLst>
           </p:cNvPr>
@@ -3829,7 +3848,7 @@
           <p:cNvPr id="17" name="직선 연결선 16">
             <a:extLst>
               <a:ext uri="{FF2B5EF4-FFF2-40B4-BE49-F238E27FC236}">
-                <a16:creationId xmlns:a16="http://schemas.microsoft.com/office/drawing/2014/main" xmlns="" id="{AA7311F7-BDB2-4871-A52E-85827F6BBA0C}"/>
+                <a16:creationId xmlns="" xmlns:a16="http://schemas.microsoft.com/office/drawing/2014/main" id="{AA7311F7-BDB2-4871-A52E-85827F6BBA0C}"/>
               </a:ext>
             </a:extLst>
           </p:cNvPr>
@@ -3872,7 +3891,7 @@
           <p:cNvPr id="65" name="직사각형 64">
             <a:extLst>
               <a:ext uri="{FF2B5EF4-FFF2-40B4-BE49-F238E27FC236}">
-                <a16:creationId xmlns:a16="http://schemas.microsoft.com/office/drawing/2014/main" xmlns="" id="{4607419D-DA91-41E9-BA14-DED2C6883059}"/>
+                <a16:creationId xmlns="" xmlns:a16="http://schemas.microsoft.com/office/drawing/2014/main" id="{4607419D-DA91-41E9-BA14-DED2C6883059}"/>
               </a:ext>
             </a:extLst>
           </p:cNvPr>
@@ -4086,7 +4105,7 @@
             <p:cNvPr id="32" name="직사각형 31">
               <a:extLst>
                 <a:ext uri="{FF2B5EF4-FFF2-40B4-BE49-F238E27FC236}">
-                  <a16:creationId xmlns:a16="http://schemas.microsoft.com/office/drawing/2014/main" xmlns="" id="{79E4D4CF-E815-4434-98D1-D205C55FA41F}"/>
+                  <a16:creationId xmlns="" xmlns:a16="http://schemas.microsoft.com/office/drawing/2014/main" id="{79E4D4CF-E815-4434-98D1-D205C55FA41F}"/>
                 </a:ext>
               </a:extLst>
             </p:cNvPr>
@@ -4138,7 +4157,7 @@
             <p:cNvPr id="33" name="직사각형 32">
               <a:extLst>
                 <a:ext uri="{FF2B5EF4-FFF2-40B4-BE49-F238E27FC236}">
-                  <a16:creationId xmlns:a16="http://schemas.microsoft.com/office/drawing/2014/main" xmlns="" id="{00ED8BB9-3121-4110-8B98-9D680221AE12}"/>
+                  <a16:creationId xmlns="" xmlns:a16="http://schemas.microsoft.com/office/drawing/2014/main" id="{00ED8BB9-3121-4110-8B98-9D680221AE12}"/>
                 </a:ext>
               </a:extLst>
             </p:cNvPr>
@@ -4221,7 +4240,7 @@
             <p:cNvPr id="30" name="직사각형 29">
               <a:extLst>
                 <a:ext uri="{FF2B5EF4-FFF2-40B4-BE49-F238E27FC236}">
-                  <a16:creationId xmlns:a16="http://schemas.microsoft.com/office/drawing/2014/main" xmlns="" id="{71E05397-CBA0-4CD3-BDA0-ECCF9AD60C5A}"/>
+                  <a16:creationId xmlns="" xmlns:a16="http://schemas.microsoft.com/office/drawing/2014/main" id="{71E05397-CBA0-4CD3-BDA0-ECCF9AD60C5A}"/>
                 </a:ext>
               </a:extLst>
             </p:cNvPr>
@@ -4265,24 +4284,6 @@
                 </a:rPr>
                 <a:t>제작과정</a:t>
               </a:r>
-              <a:endParaRPr lang="ko-KR" altLang="en-US" sz="2100" dirty="0">
-                <a:ln>
-                  <a:solidFill>
-                    <a:schemeClr val="accent1">
-                      <a:shade val="50000"/>
-                      <a:alpha val="0"/>
-                    </a:schemeClr>
-                  </a:solidFill>
-                </a:ln>
-                <a:solidFill>
-                  <a:schemeClr val="tx1">
-                    <a:lumMod val="75000"/>
-                    <a:lumOff val="25000"/>
-                  </a:schemeClr>
-                </a:solidFill>
-                <a:latin typeface="한수원 한돋움 Bold" pitchFamily="50" charset="-127"/>
-                <a:ea typeface="한수원 한돋움 Bold" pitchFamily="50" charset="-127"/>
-              </a:endParaRPr>
             </a:p>
           </p:txBody>
         </p:sp>
@@ -4291,7 +4292,7 @@
             <p:cNvPr id="31" name="직사각형 30">
               <a:extLst>
                 <a:ext uri="{FF2B5EF4-FFF2-40B4-BE49-F238E27FC236}">
-                  <a16:creationId xmlns:a16="http://schemas.microsoft.com/office/drawing/2014/main" xmlns="" id="{00ED8BB9-3121-4110-8B98-9D680221AE12}"/>
+                  <a16:creationId xmlns="" xmlns:a16="http://schemas.microsoft.com/office/drawing/2014/main" id="{00ED8BB9-3121-4110-8B98-9D680221AE12}"/>
                 </a:ext>
               </a:extLst>
             </p:cNvPr>
@@ -4374,7 +4375,7 @@
             <p:cNvPr id="28" name="직사각형 27">
               <a:extLst>
                 <a:ext uri="{FF2B5EF4-FFF2-40B4-BE49-F238E27FC236}">
-                  <a16:creationId xmlns:a16="http://schemas.microsoft.com/office/drawing/2014/main" xmlns="" id="{137EA967-CEA9-44DE-9294-0D152AA293B8}"/>
+                  <a16:creationId xmlns="" xmlns:a16="http://schemas.microsoft.com/office/drawing/2014/main" id="{137EA967-CEA9-44DE-9294-0D152AA293B8}"/>
                 </a:ext>
               </a:extLst>
             </p:cNvPr>
@@ -4418,24 +4419,6 @@
                 </a:rPr>
                 <a:t>오류개선</a:t>
               </a:r>
-              <a:endParaRPr lang="ko-KR" altLang="en-US" sz="2100" dirty="0">
-                <a:ln>
-                  <a:solidFill>
-                    <a:schemeClr val="accent1">
-                      <a:shade val="50000"/>
-                      <a:alpha val="0"/>
-                    </a:schemeClr>
-                  </a:solidFill>
-                </a:ln>
-                <a:solidFill>
-                  <a:schemeClr val="tx1">
-                    <a:lumMod val="75000"/>
-                    <a:lumOff val="25000"/>
-                  </a:schemeClr>
-                </a:solidFill>
-                <a:latin typeface="한수원 한돋움 Bold" pitchFamily="50" charset="-127"/>
-                <a:ea typeface="한수원 한돋움 Bold" pitchFamily="50" charset="-127"/>
-              </a:endParaRPr>
             </a:p>
           </p:txBody>
         </p:sp>
@@ -4444,7 +4427,7 @@
             <p:cNvPr id="29" name="직사각형 28">
               <a:extLst>
                 <a:ext uri="{FF2B5EF4-FFF2-40B4-BE49-F238E27FC236}">
-                  <a16:creationId xmlns:a16="http://schemas.microsoft.com/office/drawing/2014/main" xmlns="" id="{00ED8BB9-3121-4110-8B98-9D680221AE12}"/>
+                  <a16:creationId xmlns="" xmlns:a16="http://schemas.microsoft.com/office/drawing/2014/main" id="{00ED8BB9-3121-4110-8B98-9D680221AE12}"/>
                 </a:ext>
               </a:extLst>
             </p:cNvPr>
@@ -4527,7 +4510,7 @@
             <p:cNvPr id="26" name="직사각형 25">
               <a:extLst>
                 <a:ext uri="{FF2B5EF4-FFF2-40B4-BE49-F238E27FC236}">
-                  <a16:creationId xmlns:a16="http://schemas.microsoft.com/office/drawing/2014/main" xmlns="" id="{A7B5F3E0-8716-4DBC-9C00-68995BAFCA3B}"/>
+                  <a16:creationId xmlns="" xmlns:a16="http://schemas.microsoft.com/office/drawing/2014/main" id="{A7B5F3E0-8716-4DBC-9C00-68995BAFCA3B}"/>
                 </a:ext>
               </a:extLst>
             </p:cNvPr>
@@ -4571,24 +4554,6 @@
                 </a:rPr>
                 <a:t>영상 및 관리</a:t>
               </a:r>
-              <a:endParaRPr lang="ko-KR" altLang="en-US" sz="2100" dirty="0">
-                <a:ln>
-                  <a:solidFill>
-                    <a:schemeClr val="accent1">
-                      <a:shade val="50000"/>
-                      <a:alpha val="0"/>
-                    </a:schemeClr>
-                  </a:solidFill>
-                </a:ln>
-                <a:solidFill>
-                  <a:schemeClr val="tx1">
-                    <a:lumMod val="75000"/>
-                    <a:lumOff val="25000"/>
-                  </a:schemeClr>
-                </a:solidFill>
-                <a:latin typeface="한수원 한돋움 Bold" pitchFamily="50" charset="-127"/>
-                <a:ea typeface="한수원 한돋움 Bold" pitchFamily="50" charset="-127"/>
-              </a:endParaRPr>
             </a:p>
           </p:txBody>
         </p:sp>
@@ -4597,7 +4562,7 @@
             <p:cNvPr id="27" name="직사각형 26">
               <a:extLst>
                 <a:ext uri="{FF2B5EF4-FFF2-40B4-BE49-F238E27FC236}">
-                  <a16:creationId xmlns:a16="http://schemas.microsoft.com/office/drawing/2014/main" xmlns="" id="{00ED8BB9-3121-4110-8B98-9D680221AE12}"/>
+                  <a16:creationId xmlns="" xmlns:a16="http://schemas.microsoft.com/office/drawing/2014/main" id="{00ED8BB9-3121-4110-8B98-9D680221AE12}"/>
                 </a:ext>
               </a:extLst>
             </p:cNvPr>
@@ -5378,7 +5343,7 @@
           <p:cNvPr id="5" name="TextBox 4">
             <a:extLst>
               <a:ext uri="{FF2B5EF4-FFF2-40B4-BE49-F238E27FC236}">
-                <a16:creationId xmlns:a16="http://schemas.microsoft.com/office/drawing/2014/main" xmlns="" id="{A1687216-9C76-4F29-934C-F430DF40C5FA}"/>
+                <a16:creationId xmlns="" xmlns:a16="http://schemas.microsoft.com/office/drawing/2014/main" id="{A1687216-9C76-4F29-934C-F430DF40C5FA}"/>
               </a:ext>
             </a:extLst>
           </p:cNvPr>
@@ -5608,7 +5573,7 @@
           <p:cNvPr id="9" name="TextBox 8">
             <a:extLst>
               <a:ext uri="{FF2B5EF4-FFF2-40B4-BE49-F238E27FC236}">
-                <a16:creationId xmlns:a16="http://schemas.microsoft.com/office/drawing/2014/main" xmlns="" id="{A1687216-9C76-4F29-934C-F430DF40C5FA}"/>
+                <a16:creationId xmlns="" xmlns:a16="http://schemas.microsoft.com/office/drawing/2014/main" id="{A1687216-9C76-4F29-934C-F430DF40C5FA}"/>
               </a:ext>
             </a:extLst>
           </p:cNvPr>
@@ -5796,7 +5761,7 @@
           <p:cNvPr id="17" name="TextBox 16">
             <a:extLst>
               <a:ext uri="{FF2B5EF4-FFF2-40B4-BE49-F238E27FC236}">
-                <a16:creationId xmlns:a16="http://schemas.microsoft.com/office/drawing/2014/main" xmlns="" id="{A1687216-9C76-4F29-934C-F430DF40C5FA}"/>
+                <a16:creationId xmlns="" xmlns:a16="http://schemas.microsoft.com/office/drawing/2014/main" id="{A1687216-9C76-4F29-934C-F430DF40C5FA}"/>
               </a:ext>
             </a:extLst>
           </p:cNvPr>
@@ -6010,7 +5975,7 @@
           <p:cNvPr id="19" name="TextBox 18">
             <a:extLst>
               <a:ext uri="{FF2B5EF4-FFF2-40B4-BE49-F238E27FC236}">
-                <a16:creationId xmlns:a16="http://schemas.microsoft.com/office/drawing/2014/main" xmlns="" id="{A1687216-9C76-4F29-934C-F430DF40C5FA}"/>
+                <a16:creationId xmlns="" xmlns:a16="http://schemas.microsoft.com/office/drawing/2014/main" id="{A1687216-9C76-4F29-934C-F430DF40C5FA}"/>
               </a:ext>
             </a:extLst>
           </p:cNvPr>
@@ -6497,7 +6462,7 @@
           <p:cNvPr id="20" name="TextBox 19">
             <a:extLst>
               <a:ext uri="{FF2B5EF4-FFF2-40B4-BE49-F238E27FC236}">
-                <a16:creationId xmlns:a16="http://schemas.microsoft.com/office/drawing/2014/main" xmlns="" id="{A1687216-9C76-4F29-934C-F430DF40C5FA}"/>
+                <a16:creationId xmlns="" xmlns:a16="http://schemas.microsoft.com/office/drawing/2014/main" id="{A1687216-9C76-4F29-934C-F430DF40C5FA}"/>
               </a:ext>
             </a:extLst>
           </p:cNvPr>
@@ -6653,10 +6618,10 @@
                 <a:latin typeface="나눔바른고딕 Light" pitchFamily="50" charset="-127"/>
                 <a:ea typeface="나눔바른고딕 Light" pitchFamily="50" charset="-127"/>
               </a:rPr>
-              <a:t>(</a:t>
-            </a:r>
-            <a:r>
-              <a:rPr lang="en-US" altLang="ko-KR" sz="800" b="1" dirty="0">
+              <a:t>(for</a:t>
+            </a:r>
+            <a:r>
+              <a:rPr lang="ko-KR" altLang="en-US" sz="800" b="1" dirty="0">
                 <a:ln>
                   <a:solidFill>
                     <a:schemeClr val="accent1">
@@ -6674,10 +6639,10 @@
                 <a:latin typeface="나눔바른고딕 Light" pitchFamily="50" charset="-127"/>
                 <a:ea typeface="나눔바른고딕 Light" pitchFamily="50" charset="-127"/>
               </a:rPr>
-              <a:t>for</a:t>
-            </a:r>
-            <a:r>
-              <a:rPr lang="ko-KR" altLang="en-US" sz="800" b="1" dirty="0">
+              <a:t>문 </a:t>
+            </a:r>
+            <a:r>
+              <a:rPr lang="en-US" altLang="ko-KR" sz="800" b="1" dirty="0">
                 <a:ln>
                   <a:solidFill>
                     <a:schemeClr val="accent1">
@@ -6695,10 +6660,10 @@
                 <a:latin typeface="나눔바른고딕 Light" pitchFamily="50" charset="-127"/>
                 <a:ea typeface="나눔바른고딕 Light" pitchFamily="50" charset="-127"/>
               </a:rPr>
-              <a:t>문 </a:t>
-            </a:r>
-            <a:r>
-              <a:rPr lang="en-US" altLang="ko-KR" sz="800" b="1" dirty="0">
+              <a:t>2</a:t>
+            </a:r>
+            <a:r>
+              <a:rPr lang="ko-KR" altLang="en-US" sz="800" b="1" dirty="0">
                 <a:ln>
                   <a:solidFill>
                     <a:schemeClr val="accent1">
@@ -6716,10 +6681,10 @@
                 <a:latin typeface="나눔바른고딕 Light" pitchFamily="50" charset="-127"/>
                 <a:ea typeface="나눔바른고딕 Light" pitchFamily="50" charset="-127"/>
               </a:rPr>
-              <a:t>2</a:t>
-            </a:r>
-            <a:r>
-              <a:rPr lang="ko-KR" altLang="en-US" sz="800" b="1" dirty="0">
+              <a:t>회사용 </a:t>
+            </a:r>
+            <a:r>
+              <a:rPr lang="en-US" altLang="ko-KR" sz="800" b="1" dirty="0">
                 <a:ln>
                   <a:solidFill>
                     <a:schemeClr val="accent1">
@@ -6737,10 +6702,10 @@
                 <a:latin typeface="나눔바른고딕 Light" pitchFamily="50" charset="-127"/>
                 <a:ea typeface="나눔바른고딕 Light" pitchFamily="50" charset="-127"/>
               </a:rPr>
-              <a:t>회사용 </a:t>
-            </a:r>
-            <a:r>
-              <a:rPr lang="en-US" altLang="ko-KR" sz="800" b="1" dirty="0">
+              <a:t>:</a:t>
+            </a:r>
+            <a:r>
+              <a:rPr lang="ko-KR" altLang="en-US" sz="800" b="1" dirty="0">
                 <a:ln>
                   <a:solidFill>
                     <a:schemeClr val="accent1">
@@ -6758,10 +6723,10 @@
                 <a:latin typeface="나눔바른고딕 Light" pitchFamily="50" charset="-127"/>
                 <a:ea typeface="나눔바른고딕 Light" pitchFamily="50" charset="-127"/>
               </a:rPr>
-              <a:t>:</a:t>
-            </a:r>
-            <a:r>
-              <a:rPr lang="ko-KR" altLang="en-US" sz="800" b="1" dirty="0">
+              <a:t> </a:t>
+            </a:r>
+            <a:r>
+              <a:rPr lang="en-US" altLang="ko-KR" sz="800" b="1" dirty="0">
                 <a:ln>
                   <a:solidFill>
                     <a:schemeClr val="accent1">
@@ -6779,10 +6744,10 @@
                 <a:latin typeface="나눔바른고딕 Light" pitchFamily="50" charset="-127"/>
                 <a:ea typeface="나눔바른고딕 Light" pitchFamily="50" charset="-127"/>
               </a:rPr>
-              <a:t> </a:t>
-            </a:r>
-            <a:r>
-              <a:rPr lang="en-US" altLang="ko-KR" sz="800" b="1" dirty="0">
+              <a:t>7</a:t>
+            </a:r>
+            <a:r>
+              <a:rPr lang="ko-KR" altLang="en-US" sz="800" b="1" dirty="0" err="1">
                 <a:ln>
                   <a:solidFill>
                     <a:schemeClr val="accent1">
@@ -6800,10 +6765,10 @@
                 <a:latin typeface="나눔바른고딕 Light" pitchFamily="50" charset="-127"/>
                 <a:ea typeface="나눔바른고딕 Light" pitchFamily="50" charset="-127"/>
               </a:rPr>
-              <a:t>7</a:t>
-            </a:r>
-            <a:r>
-              <a:rPr lang="ko-KR" altLang="en-US" sz="800" b="1" dirty="0" err="1">
+              <a:t>개번호</a:t>
+            </a:r>
+            <a:r>
+              <a:rPr lang="ko-KR" altLang="en-US" sz="800" b="1" dirty="0">
                 <a:ln>
                   <a:solidFill>
                     <a:schemeClr val="accent1">
@@ -6821,10 +6786,10 @@
                 <a:latin typeface="나눔바른고딕 Light" pitchFamily="50" charset="-127"/>
                 <a:ea typeface="나눔바른고딕 Light" pitchFamily="50" charset="-127"/>
               </a:rPr>
-              <a:t>개번호</a:t>
-            </a:r>
-            <a:r>
-              <a:rPr lang="ko-KR" altLang="en-US" sz="800" b="1" dirty="0">
+              <a:t> </a:t>
+            </a:r>
+            <a:r>
+              <a:rPr lang="en-US" altLang="ko-KR" sz="800" b="1" dirty="0">
                 <a:ln>
                   <a:solidFill>
                     <a:schemeClr val="accent1">
@@ -6842,10 +6807,10 @@
                 <a:latin typeface="나눔바른고딕 Light" pitchFamily="50" charset="-127"/>
                 <a:ea typeface="나눔바른고딕 Light" pitchFamily="50" charset="-127"/>
               </a:rPr>
-              <a:t> </a:t>
-            </a:r>
-            <a:r>
-              <a:rPr lang="en-US" altLang="ko-KR" sz="800" b="1" dirty="0">
+              <a:t>1</a:t>
+            </a:r>
+            <a:r>
+              <a:rPr lang="ko-KR" altLang="en-US" sz="800" b="1" dirty="0">
                 <a:ln>
                   <a:solidFill>
                     <a:schemeClr val="accent1">
@@ -6863,49 +6828,7 @@
                 <a:latin typeface="나눔바른고딕 Light" pitchFamily="50" charset="-127"/>
                 <a:ea typeface="나눔바른고딕 Light" pitchFamily="50" charset="-127"/>
               </a:rPr>
-              <a:t>1</a:t>
-            </a:r>
-            <a:r>
-              <a:rPr lang="ko-KR" altLang="en-US" sz="800" b="1" dirty="0">
-                <a:ln>
-                  <a:solidFill>
-                    <a:schemeClr val="accent1">
-                      <a:shade val="50000"/>
-                      <a:alpha val="0"/>
-                    </a:schemeClr>
-                  </a:solidFill>
-                </a:ln>
-                <a:solidFill>
-                  <a:schemeClr val="tx1">
-                    <a:lumMod val="75000"/>
-                    <a:lumOff val="25000"/>
-                  </a:schemeClr>
-                </a:solidFill>
-                <a:latin typeface="나눔바른고딕 Light" pitchFamily="50" charset="-127"/>
-                <a:ea typeface="나눔바른고딕 Light" pitchFamily="50" charset="-127"/>
-              </a:rPr>
-              <a:t>회 </a:t>
-            </a:r>
-            <a:r>
-              <a:rPr lang="ko-KR" altLang="en-US" sz="800" b="1" dirty="0">
-                <a:ln>
-                  <a:solidFill>
-                    <a:schemeClr val="accent1">
-                      <a:shade val="50000"/>
-                      <a:alpha val="0"/>
-                    </a:schemeClr>
-                  </a:solidFill>
-                </a:ln>
-                <a:solidFill>
-                  <a:schemeClr val="tx1">
-                    <a:lumMod val="75000"/>
-                    <a:lumOff val="25000"/>
-                  </a:schemeClr>
-                </a:solidFill>
-                <a:latin typeface="나눔바른고딕 Light" pitchFamily="50" charset="-127"/>
-                <a:ea typeface="나눔바른고딕 Light" pitchFamily="50" charset="-127"/>
-              </a:rPr>
-              <a:t>생성시 </a:t>
+              <a:t>회 생성시 </a:t>
             </a:r>
             <a:r>
               <a:rPr lang="en-US" altLang="ko-KR" sz="800" b="1" dirty="0">
@@ -7044,24 +6967,6 @@
               </a:rPr>
               <a:t>구현 위한 조건 추가</a:t>
             </a:r>
-            <a:endParaRPr lang="ko-KR" altLang="en-US" sz="1200" b="1" dirty="0">
-              <a:ln>
-                <a:solidFill>
-                  <a:schemeClr val="accent1">
-                    <a:shade val="50000"/>
-                    <a:alpha val="0"/>
-                  </a:schemeClr>
-                </a:solidFill>
-              </a:ln>
-              <a:solidFill>
-                <a:schemeClr val="tx1">
-                  <a:lumMod val="75000"/>
-                  <a:lumOff val="25000"/>
-                </a:schemeClr>
-              </a:solidFill>
-              <a:latin typeface="나눔바른고딕 Light" pitchFamily="50" charset="-127"/>
-              <a:ea typeface="나눔바른고딕 Light" pitchFamily="50" charset="-127"/>
-            </a:endParaRPr>
           </a:p>
         </p:txBody>
       </p:sp>
@@ -7070,7 +6975,7 @@
           <p:cNvPr id="21" name="TextBox 20">
             <a:extLst>
               <a:ext uri="{FF2B5EF4-FFF2-40B4-BE49-F238E27FC236}">
-                <a16:creationId xmlns:a16="http://schemas.microsoft.com/office/drawing/2014/main" xmlns="" id="{A1687216-9C76-4F29-934C-F430DF40C5FA}"/>
+                <a16:creationId xmlns="" xmlns:a16="http://schemas.microsoft.com/office/drawing/2014/main" id="{A1687216-9C76-4F29-934C-F430DF40C5FA}"/>
               </a:ext>
             </a:extLst>
           </p:cNvPr>
@@ -7208,24 +7113,6 @@
               </a:rPr>
               <a:t>문자입력</a:t>
             </a:r>
-            <a:endParaRPr lang="ko-KR" altLang="en-US" sz="1200" b="1" dirty="0">
-              <a:ln>
-                <a:solidFill>
-                  <a:schemeClr val="accent1">
-                    <a:shade val="50000"/>
-                    <a:alpha val="0"/>
-                  </a:schemeClr>
-                </a:solidFill>
-              </a:ln>
-              <a:solidFill>
-                <a:schemeClr val="tx1">
-                  <a:lumMod val="75000"/>
-                  <a:lumOff val="25000"/>
-                </a:schemeClr>
-              </a:solidFill>
-              <a:latin typeface="나눔바른고딕 Light" pitchFamily="50" charset="-127"/>
-              <a:ea typeface="나눔바른고딕 Light" pitchFamily="50" charset="-127"/>
-            </a:endParaRPr>
           </a:p>
         </p:txBody>
       </p:sp>
@@ -8108,7 +7995,7 @@
           <p:cNvPr id="5" name="TextBox 4">
             <a:extLst>
               <a:ext uri="{FF2B5EF4-FFF2-40B4-BE49-F238E27FC236}">
-                <a16:creationId xmlns:a16="http://schemas.microsoft.com/office/drawing/2014/main" xmlns="" id="{A1687216-9C76-4F29-934C-F430DF40C5FA}"/>
+                <a16:creationId xmlns="" xmlns:a16="http://schemas.microsoft.com/office/drawing/2014/main" id="{A1687216-9C76-4F29-934C-F430DF40C5FA}"/>
               </a:ext>
             </a:extLst>
           </p:cNvPr>
@@ -8202,7 +8089,7 @@
           <p:cNvPr id="22" name="TextBox 21">
             <a:extLst>
               <a:ext uri="{FF2B5EF4-FFF2-40B4-BE49-F238E27FC236}">
-                <a16:creationId xmlns:a16="http://schemas.microsoft.com/office/drawing/2014/main" xmlns="" id="{A1687216-9C76-4F29-934C-F430DF40C5FA}"/>
+                <a16:creationId xmlns="" xmlns:a16="http://schemas.microsoft.com/office/drawing/2014/main" id="{A1687216-9C76-4F29-934C-F430DF40C5FA}"/>
               </a:ext>
             </a:extLst>
           </p:cNvPr>
@@ -8394,7 +8281,7 @@
           <p:cNvPr id="11" name="TextBox 10">
             <a:extLst>
               <a:ext uri="{FF2B5EF4-FFF2-40B4-BE49-F238E27FC236}">
-                <a16:creationId xmlns:a16="http://schemas.microsoft.com/office/drawing/2014/main" xmlns="" id="{A1687216-9C76-4F29-934C-F430DF40C5FA}"/>
+                <a16:creationId xmlns="" xmlns:a16="http://schemas.microsoft.com/office/drawing/2014/main" id="{A1687216-9C76-4F29-934C-F430DF40C5FA}"/>
               </a:ext>
             </a:extLst>
           </p:cNvPr>
@@ -8739,10 +8626,10 @@
                 <a:latin typeface="나눔바른고딕 Light" pitchFamily="50" charset="-127"/>
                 <a:ea typeface="나눔바른고딕 Light" pitchFamily="50" charset="-127"/>
               </a:rPr>
-              <a:t>            </a:t>
-            </a:r>
-            <a:r>
-              <a:rPr lang="en-US" altLang="ko-KR" sz="700" b="1" dirty="0">
+              <a:t>            {   </a:t>
+            </a:r>
+            <a:r>
+              <a:rPr lang="en-US" altLang="ko-KR" sz="700" b="1" dirty="0" err="1">
                 <a:ln>
                   <a:solidFill>
                     <a:schemeClr val="accent1">
@@ -8760,10 +8647,10 @@
                 <a:latin typeface="나눔바른고딕 Light" pitchFamily="50" charset="-127"/>
                 <a:ea typeface="나눔바른고딕 Light" pitchFamily="50" charset="-127"/>
               </a:rPr>
-              <a:t>{   </a:t>
-            </a:r>
-            <a:r>
-              <a:rPr lang="en-US" altLang="ko-KR" sz="700" b="1" dirty="0" err="1">
+              <a:t>goodLuck</a:t>
+            </a:r>
+            <a:r>
+              <a:rPr lang="en-US" altLang="ko-KR" sz="700" b="1" dirty="0">
                 <a:ln>
                   <a:solidFill>
                     <a:schemeClr val="accent1">
@@ -8781,10 +8668,10 @@
                 <a:latin typeface="나눔바른고딕 Light" pitchFamily="50" charset="-127"/>
                 <a:ea typeface="나눔바른고딕 Light" pitchFamily="50" charset="-127"/>
               </a:rPr>
-              <a:t>goodLuck</a:t>
-            </a:r>
-            <a:r>
-              <a:rPr lang="en-US" altLang="ko-KR" sz="700" b="1" dirty="0">
+              <a:t>[i] = </a:t>
+            </a:r>
+            <a:r>
+              <a:rPr lang="en-US" altLang="ko-KR" sz="700" b="1" dirty="0" err="1">
                 <a:ln>
                   <a:solidFill>
                     <a:schemeClr val="accent1">
@@ -8802,7 +8689,7 @@
                 <a:latin typeface="나눔바른고딕 Light" pitchFamily="50" charset="-127"/>
                 <a:ea typeface="나눔바른고딕 Light" pitchFamily="50" charset="-127"/>
               </a:rPr>
-              <a:t>[i</a:t>
+              <a:t>r.Next</a:t>
             </a:r>
             <a:r>
               <a:rPr lang="en-US" altLang="ko-KR" sz="700" b="1" dirty="0">
@@ -8823,10 +8710,10 @@
                 <a:latin typeface="나눔바른고딕 Light" pitchFamily="50" charset="-127"/>
                 <a:ea typeface="나눔바른고딕 Light" pitchFamily="50" charset="-127"/>
               </a:rPr>
-              <a:t>] = </a:t>
-            </a:r>
-            <a:r>
-              <a:rPr lang="en-US" altLang="ko-KR" sz="700" b="1" dirty="0" err="1">
+              <a:t>(1, 46);</a:t>
+            </a:r>
+            <a:br>
+              <a:rPr lang="en-US" altLang="ko-KR" sz="700" b="1" dirty="0">
                 <a:ln>
                   <a:solidFill>
                     <a:schemeClr val="accent1">
@@ -8844,8 +8731,7 @@
                 <a:latin typeface="나눔바른고딕 Light" pitchFamily="50" charset="-127"/>
                 <a:ea typeface="나눔바른고딕 Light" pitchFamily="50" charset="-127"/>
               </a:rPr>
-              <a:t>r.Next</a:t>
-            </a:r>
+            </a:br>
             <a:r>
               <a:rPr lang="en-US" altLang="ko-KR" sz="700" b="1" dirty="0">
                 <a:ln>
@@ -8865,9 +8751,9 @@
                 <a:latin typeface="나눔바른고딕 Light" pitchFamily="50" charset="-127"/>
                 <a:ea typeface="나눔바른고딕 Light" pitchFamily="50" charset="-127"/>
               </a:rPr>
-              <a:t>(1, 46</a:t>
-            </a:r>
-            <a:r>
+              <a:t/>
+            </a:r>
+            <a:br>
               <a:rPr lang="en-US" altLang="ko-KR" sz="700" b="1" dirty="0">
                 <a:ln>
                   <a:solidFill>
@@ -8886,9 +8772,8 @@
                 <a:latin typeface="나눔바른고딕 Light" pitchFamily="50" charset="-127"/>
                 <a:ea typeface="나눔바른고딕 Light" pitchFamily="50" charset="-127"/>
               </a:rPr>
-              <a:t>);</a:t>
-            </a:r>
-            <a:br>
+            </a:br>
+            <a:r>
               <a:rPr lang="en-US" altLang="ko-KR" sz="700" b="1" dirty="0">
                 <a:ln>
                   <a:solidFill>
@@ -8907,9 +8792,10 @@
                 <a:latin typeface="나눔바른고딕 Light" pitchFamily="50" charset="-127"/>
                 <a:ea typeface="나눔바른고딕 Light" pitchFamily="50" charset="-127"/>
               </a:rPr>
-            </a:br>
-            <a:r>
-              <a:rPr lang="en-US" altLang="ko-KR" sz="700" b="1" dirty="0">
+              <a:t>                 // (7 - </a:t>
+            </a:r>
+            <a:r>
+              <a:rPr lang="en-US" altLang="ko-KR" sz="700" b="1" dirty="0" err="1">
                 <a:ln>
                   <a:solidFill>
                     <a:schemeClr val="accent1">
@@ -8927,9 +8813,9 @@
                 <a:latin typeface="나눔바른고딕 Light" pitchFamily="50" charset="-127"/>
                 <a:ea typeface="나눔바른고딕 Light" pitchFamily="50" charset="-127"/>
               </a:rPr>
-              <a:t/>
-            </a:r>
-            <a:br>
+              <a:t>randNum</a:t>
+            </a:r>
+            <a:r>
               <a:rPr lang="en-US" altLang="ko-KR" sz="700" b="1" dirty="0">
                 <a:ln>
                   <a:solidFill>
@@ -8948,9 +8834,10 @@
                 <a:latin typeface="나눔바른고딕 Light" pitchFamily="50" charset="-127"/>
                 <a:ea typeface="나눔바른고딕 Light" pitchFamily="50" charset="-127"/>
               </a:rPr>
-            </a:br>
-            <a:r>
-              <a:rPr lang="en-US" altLang="ko-KR" sz="700" b="1" dirty="0">
+              <a:t>)</a:t>
+            </a:r>
+            <a:r>
+              <a:rPr lang="ko-KR" altLang="en-US" sz="700" b="1" dirty="0">
                 <a:ln>
                   <a:solidFill>
                     <a:schemeClr val="accent1">
@@ -8968,7 +8855,7 @@
                 <a:latin typeface="나눔바른고딕 Light" pitchFamily="50" charset="-127"/>
                 <a:ea typeface="나눔바른고딕 Light" pitchFamily="50" charset="-127"/>
               </a:rPr>
-              <a:t>                 // </a:t>
+              <a:t>번째 숫자까지는 번호당 확률 </a:t>
             </a:r>
             <a:r>
               <a:rPr lang="en-US" altLang="ko-KR" sz="700" b="1" dirty="0">
@@ -8989,10 +8876,10 @@
                 <a:latin typeface="나눔바른고딕 Light" pitchFamily="50" charset="-127"/>
                 <a:ea typeface="나눔바른고딕 Light" pitchFamily="50" charset="-127"/>
               </a:rPr>
-              <a:t>(7 - </a:t>
-            </a:r>
-            <a:r>
-              <a:rPr lang="en-US" altLang="ko-KR" sz="700" b="1" dirty="0" err="1">
+              <a:t>70%</a:t>
+            </a:r>
+            <a:r>
+              <a:rPr lang="ko-KR" altLang="en-US" sz="700" b="1" dirty="0">
                 <a:ln>
                   <a:solidFill>
                     <a:schemeClr val="accent1">
@@ -9010,110 +8897,8 @@
                 <a:latin typeface="나눔바른고딕 Light" pitchFamily="50" charset="-127"/>
                 <a:ea typeface="나눔바른고딕 Light" pitchFamily="50" charset="-127"/>
               </a:rPr>
-              <a:t>randNum</a:t>
-            </a:r>
-            <a:r>
-              <a:rPr lang="en-US" altLang="ko-KR" sz="700" b="1" dirty="0">
-                <a:ln>
-                  <a:solidFill>
-                    <a:schemeClr val="accent1">
-                      <a:shade val="50000"/>
-                      <a:alpha val="0"/>
-                    </a:schemeClr>
-                  </a:solidFill>
-                </a:ln>
-                <a:solidFill>
-                  <a:schemeClr val="tx1">
-                    <a:lumMod val="75000"/>
-                    <a:lumOff val="25000"/>
-                  </a:schemeClr>
-                </a:solidFill>
-                <a:latin typeface="나눔바른고딕 Light" pitchFamily="50" charset="-127"/>
-                <a:ea typeface="나눔바른고딕 Light" pitchFamily="50" charset="-127"/>
-              </a:rPr>
-              <a:t>)</a:t>
-            </a:r>
-            <a:r>
-              <a:rPr lang="ko-KR" altLang="en-US" sz="700" b="1" dirty="0">
-                <a:ln>
-                  <a:solidFill>
-                    <a:schemeClr val="accent1">
-                      <a:shade val="50000"/>
-                      <a:alpha val="0"/>
-                    </a:schemeClr>
-                  </a:solidFill>
-                </a:ln>
-                <a:solidFill>
-                  <a:schemeClr val="tx1">
-                    <a:lumMod val="75000"/>
-                    <a:lumOff val="25000"/>
-                  </a:schemeClr>
-                </a:solidFill>
-                <a:latin typeface="나눔바른고딕 Light" pitchFamily="50" charset="-127"/>
-                <a:ea typeface="나눔바른고딕 Light" pitchFamily="50" charset="-127"/>
-              </a:rPr>
-              <a:t>번째 숫자까지는 번호당 확률 </a:t>
-            </a:r>
-            <a:r>
-              <a:rPr lang="en-US" altLang="ko-KR" sz="700" b="1" dirty="0">
-                <a:ln>
-                  <a:solidFill>
-                    <a:schemeClr val="accent1">
-                      <a:shade val="50000"/>
-                      <a:alpha val="0"/>
-                    </a:schemeClr>
-                  </a:solidFill>
-                </a:ln>
-                <a:solidFill>
-                  <a:schemeClr val="tx1">
-                    <a:lumMod val="75000"/>
-                    <a:lumOff val="25000"/>
-                  </a:schemeClr>
-                </a:solidFill>
-                <a:latin typeface="나눔바른고딕 Light" pitchFamily="50" charset="-127"/>
-                <a:ea typeface="나눔바른고딕 Light" pitchFamily="50" charset="-127"/>
-              </a:rPr>
-              <a:t>70%</a:t>
-            </a:r>
-            <a:r>
-              <a:rPr lang="ko-KR" altLang="en-US" sz="700" b="1" dirty="0">
-                <a:ln>
-                  <a:solidFill>
-                    <a:schemeClr val="accent1">
-                      <a:shade val="50000"/>
-                      <a:alpha val="0"/>
-                    </a:schemeClr>
-                  </a:solidFill>
-                </a:ln>
-                <a:solidFill>
-                  <a:schemeClr val="tx1">
-                    <a:lumMod val="75000"/>
-                    <a:lumOff val="25000"/>
-                  </a:schemeClr>
-                </a:solidFill>
-                <a:latin typeface="나눔바른고딕 Light" pitchFamily="50" charset="-127"/>
-                <a:ea typeface="나눔바른고딕 Light" pitchFamily="50" charset="-127"/>
-              </a:rPr>
               <a:t>이상</a:t>
             </a:r>
-            <a:endParaRPr lang="ko-KR" altLang="en-US" sz="700" b="1" dirty="0">
-              <a:ln>
-                <a:solidFill>
-                  <a:schemeClr val="accent1">
-                    <a:shade val="50000"/>
-                    <a:alpha val="0"/>
-                  </a:schemeClr>
-                </a:solidFill>
-              </a:ln>
-              <a:solidFill>
-                <a:schemeClr val="tx1">
-                  <a:lumMod val="75000"/>
-                  <a:lumOff val="25000"/>
-                </a:schemeClr>
-              </a:solidFill>
-              <a:latin typeface="나눔바른고딕 Light" pitchFamily="50" charset="-127"/>
-              <a:ea typeface="나눔바른고딕 Light" pitchFamily="50" charset="-127"/>
-            </a:endParaRPr>
           </a:p>
           <a:p>
             <a:pPr>
@@ -9332,7 +9117,7 @@
               </a:rPr>
               <a:t>[i]) &lt; 0.9) </a:t>
             </a:r>
-            <a:r>
+            <a:br>
               <a:rPr lang="en-US" altLang="ko-KR" sz="700" b="1" dirty="0">
                 <a:ln>
                   <a:solidFill>
@@ -9351,9 +9136,8 @@
                 <a:latin typeface="나눔바른고딕 Light" pitchFamily="50" charset="-127"/>
                 <a:ea typeface="나눔바른고딕 Light" pitchFamily="50" charset="-127"/>
               </a:rPr>
-              <a:t/>
-            </a:r>
-            <a:br>
+            </a:br>
+            <a:r>
               <a:rPr lang="en-US" altLang="ko-KR" sz="700" b="1" dirty="0">
                 <a:ln>
                   <a:solidFill>
@@ -9372,46 +9156,8 @@
                 <a:latin typeface="나눔바른고딕 Light" pitchFamily="50" charset="-127"/>
                 <a:ea typeface="나눔바른고딕 Light" pitchFamily="50" charset="-127"/>
               </a:rPr>
-            </a:br>
-            <a:r>
-              <a:rPr lang="en-US" altLang="ko-KR" sz="700" b="1" dirty="0">
-                <a:ln>
-                  <a:solidFill>
-                    <a:schemeClr val="accent1">
-                      <a:shade val="50000"/>
-                      <a:alpha val="0"/>
-                    </a:schemeClr>
-                  </a:solidFill>
-                </a:ln>
-                <a:solidFill>
-                  <a:schemeClr val="tx1">
-                    <a:lumMod val="75000"/>
-                    <a:lumOff val="25000"/>
-                  </a:schemeClr>
-                </a:solidFill>
-                <a:latin typeface="나눔바른고딕 Light" pitchFamily="50" charset="-127"/>
-                <a:ea typeface="나눔바른고딕 Light" pitchFamily="50" charset="-127"/>
-              </a:rPr>
               <a:t>                { i--;}</a:t>
             </a:r>
-            <a:endParaRPr lang="en-US" altLang="ko-KR" sz="700" b="1" dirty="0">
-              <a:ln>
-                <a:solidFill>
-                  <a:schemeClr val="accent1">
-                    <a:shade val="50000"/>
-                    <a:alpha val="0"/>
-                  </a:schemeClr>
-                </a:solidFill>
-              </a:ln>
-              <a:solidFill>
-                <a:schemeClr val="tx1">
-                  <a:lumMod val="75000"/>
-                  <a:lumOff val="25000"/>
-                </a:schemeClr>
-              </a:solidFill>
-              <a:latin typeface="나눔바른고딕 Light" pitchFamily="50" charset="-127"/>
-              <a:ea typeface="나눔바른고딕 Light" pitchFamily="50" charset="-127"/>
-            </a:endParaRPr>
           </a:p>
           <a:p>
             <a:pPr>
@@ -9707,10 +9453,10 @@
                 <a:latin typeface="나눔바른고딕 Light" pitchFamily="50" charset="-127"/>
                 <a:ea typeface="나눔바른고딕 Light" pitchFamily="50" charset="-127"/>
               </a:rPr>
-              <a:t>[i</a:t>
-            </a:r>
-            <a:r>
-              <a:rPr lang="en-US" altLang="ko-KR" sz="700" b="1" dirty="0">
+              <a:t>[i] = </a:t>
+            </a:r>
+            <a:r>
+              <a:rPr lang="en-US" altLang="ko-KR" sz="700" b="1" dirty="0" err="1">
                 <a:ln>
                   <a:solidFill>
                     <a:schemeClr val="accent1">
@@ -9728,10 +9474,10 @@
                 <a:latin typeface="나눔바른고딕 Light" pitchFamily="50" charset="-127"/>
                 <a:ea typeface="나눔바른고딕 Light" pitchFamily="50" charset="-127"/>
               </a:rPr>
-              <a:t>] = </a:t>
-            </a:r>
-            <a:r>
-              <a:rPr lang="en-US" altLang="ko-KR" sz="700" b="1" dirty="0" err="1">
+              <a:t>r.Next</a:t>
+            </a:r>
+            <a:r>
+              <a:rPr lang="en-US" altLang="ko-KR" sz="700" b="1" dirty="0">
                 <a:ln>
                   <a:solidFill>
                     <a:schemeClr val="accent1">
@@ -9749,68 +9495,8 @@
                 <a:latin typeface="나눔바른고딕 Light" pitchFamily="50" charset="-127"/>
                 <a:ea typeface="나눔바른고딕 Light" pitchFamily="50" charset="-127"/>
               </a:rPr>
-              <a:t>r.Next</a:t>
-            </a:r>
-            <a:r>
-              <a:rPr lang="en-US" altLang="ko-KR" sz="700" b="1" dirty="0">
-                <a:ln>
-                  <a:solidFill>
-                    <a:schemeClr val="accent1">
-                      <a:shade val="50000"/>
-                      <a:alpha val="0"/>
-                    </a:schemeClr>
-                  </a:solidFill>
-                </a:ln>
-                <a:solidFill>
-                  <a:schemeClr val="tx1">
-                    <a:lumMod val="75000"/>
-                    <a:lumOff val="25000"/>
-                  </a:schemeClr>
-                </a:solidFill>
-                <a:latin typeface="나눔바른고딕 Light" pitchFamily="50" charset="-127"/>
-                <a:ea typeface="나눔바른고딕 Light" pitchFamily="50" charset="-127"/>
-              </a:rPr>
-              <a:t>(1, 46</a:t>
-            </a:r>
-            <a:r>
-              <a:rPr lang="en-US" altLang="ko-KR" sz="700" b="1" dirty="0">
-                <a:ln>
-                  <a:solidFill>
-                    <a:schemeClr val="accent1">
-                      <a:shade val="50000"/>
-                      <a:alpha val="0"/>
-                    </a:schemeClr>
-                  </a:solidFill>
-                </a:ln>
-                <a:solidFill>
-                  <a:schemeClr val="tx1">
-                    <a:lumMod val="75000"/>
-                    <a:lumOff val="25000"/>
-                  </a:schemeClr>
-                </a:solidFill>
-                <a:latin typeface="나눔바른고딕 Light" pitchFamily="50" charset="-127"/>
-                <a:ea typeface="나눔바른고딕 Light" pitchFamily="50" charset="-127"/>
-              </a:rPr>
-              <a:t>); }</a:t>
-            </a:r>
-            <a:endParaRPr lang="en-US" altLang="ko-KR" sz="700" b="1" dirty="0">
-              <a:ln>
-                <a:solidFill>
-                  <a:schemeClr val="accent1">
-                    <a:shade val="50000"/>
-                    <a:alpha val="0"/>
-                  </a:schemeClr>
-                </a:solidFill>
-              </a:ln>
-              <a:solidFill>
-                <a:schemeClr val="tx1">
-                  <a:lumMod val="75000"/>
-                  <a:lumOff val="25000"/>
-                </a:schemeClr>
-              </a:solidFill>
-              <a:latin typeface="나눔바른고딕 Light" pitchFamily="50" charset="-127"/>
-              <a:ea typeface="나눔바른고딕 Light" pitchFamily="50" charset="-127"/>
-            </a:endParaRPr>
+              <a:t>(1, 46); }</a:t>
+            </a:r>
           </a:p>
           <a:p>
             <a:pPr>
@@ -10051,47 +9737,8 @@
                 <a:latin typeface="나눔바른고딕 Light" pitchFamily="50" charset="-127"/>
                 <a:ea typeface="나눔바른고딕 Light" pitchFamily="50" charset="-127"/>
               </a:rPr>
-              <a:t>                    </a:t>
-            </a:r>
-            <a:r>
-              <a:rPr lang="en-US" altLang="ko-KR" sz="700" b="1" dirty="0">
-                <a:ln>
-                  <a:solidFill>
-                    <a:schemeClr val="accent1">
-                      <a:shade val="50000"/>
-                      <a:alpha val="0"/>
-                    </a:schemeClr>
-                  </a:solidFill>
-                </a:ln>
-                <a:solidFill>
-                  <a:schemeClr val="tx1">
-                    <a:lumMod val="75000"/>
-                    <a:lumOff val="25000"/>
-                  </a:schemeClr>
-                </a:solidFill>
-                <a:latin typeface="나눔바른고딕 Light" pitchFamily="50" charset="-127"/>
-                <a:ea typeface="나눔바른고딕 Light" pitchFamily="50" charset="-127"/>
-              </a:rPr>
-              <a:t>{ i--; }</a:t>
-            </a:r>
-            <a:endParaRPr lang="en-US" altLang="ko-KR" sz="700" b="1" dirty="0">
-              <a:ln>
-                <a:solidFill>
-                  <a:schemeClr val="accent1">
-                    <a:shade val="50000"/>
-                    <a:alpha val="0"/>
-                  </a:schemeClr>
-                </a:solidFill>
-              </a:ln>
-              <a:solidFill>
-                <a:schemeClr val="tx1">
-                  <a:lumMod val="75000"/>
-                  <a:lumOff val="25000"/>
-                </a:schemeClr>
-              </a:solidFill>
-              <a:latin typeface="나눔바른고딕 Light" pitchFamily="50" charset="-127"/>
-              <a:ea typeface="나눔바른고딕 Light" pitchFamily="50" charset="-127"/>
-            </a:endParaRPr>
+              <a:t>                    { i--; }</a:t>
+            </a:r>
           </a:p>
           <a:p>
             <a:pPr>
@@ -10263,24 +9910,6 @@
               </a:rPr>
               <a:t>);</a:t>
             </a:r>
-            <a:endParaRPr lang="en-US" altLang="ko-KR" sz="700" b="1" dirty="0">
-              <a:ln>
-                <a:solidFill>
-                  <a:schemeClr val="accent1">
-                    <a:shade val="50000"/>
-                    <a:alpha val="0"/>
-                  </a:schemeClr>
-                </a:solidFill>
-              </a:ln>
-              <a:solidFill>
-                <a:schemeClr val="tx1">
-                  <a:lumMod val="75000"/>
-                  <a:lumOff val="25000"/>
-                </a:schemeClr>
-              </a:solidFill>
-              <a:latin typeface="나눔바른고딕 Light" pitchFamily="50" charset="-127"/>
-              <a:ea typeface="나눔바른고딕 Light" pitchFamily="50" charset="-127"/>
-            </a:endParaRPr>
           </a:p>
           <a:p>
             <a:pPr>
@@ -10421,10 +10050,10 @@
                 <a:latin typeface="나눔바른고딕 Light" pitchFamily="50" charset="-127"/>
                 <a:ea typeface="나눔바른고딕 Light" pitchFamily="50" charset="-127"/>
               </a:rPr>
-              <a:t>            </a:t>
-            </a:r>
-            <a:r>
-              <a:rPr lang="en-US" altLang="ko-KR" sz="700" b="1" dirty="0">
+              <a:t>            { </a:t>
+            </a:r>
+            <a:r>
+              <a:rPr lang="en-US" altLang="ko-KR" sz="700" b="1" dirty="0" err="1">
                 <a:ln>
                   <a:solidFill>
                     <a:schemeClr val="accent1">
@@ -10442,10 +10071,10 @@
                 <a:latin typeface="나눔바른고딕 Light" pitchFamily="50" charset="-127"/>
                 <a:ea typeface="나눔바른고딕 Light" pitchFamily="50" charset="-127"/>
               </a:rPr>
-              <a:t>{ </a:t>
-            </a:r>
-            <a:r>
-              <a:rPr lang="en-US" altLang="ko-KR" sz="700" b="1" dirty="0" err="1">
+              <a:t>Console.Write</a:t>
+            </a:r>
+            <a:r>
+              <a:rPr lang="en-US" altLang="ko-KR" sz="700" b="1" dirty="0">
                 <a:ln>
                   <a:solidFill>
                     <a:schemeClr val="accent1">
@@ -10463,10 +10092,10 @@
                 <a:latin typeface="나눔바른고딕 Light" pitchFamily="50" charset="-127"/>
                 <a:ea typeface="나눔바른고딕 Light" pitchFamily="50" charset="-127"/>
               </a:rPr>
-              <a:t>Console.Write</a:t>
-            </a:r>
-            <a:r>
-              <a:rPr lang="en-US" altLang="ko-KR" sz="700" b="1" dirty="0">
+              <a:t>($"{</a:t>
+            </a:r>
+            <a:r>
+              <a:rPr lang="en-US" altLang="ko-KR" sz="700" b="1" dirty="0" err="1">
                 <a:ln>
                   <a:solidFill>
                     <a:schemeClr val="accent1">
@@ -10484,10 +10113,10 @@
                 <a:latin typeface="나눔바른고딕 Light" pitchFamily="50" charset="-127"/>
                 <a:ea typeface="나눔바른고딕 Light" pitchFamily="50" charset="-127"/>
               </a:rPr>
-              <a:t>($"{</a:t>
-            </a:r>
-            <a:r>
-              <a:rPr lang="en-US" altLang="ko-KR" sz="700" b="1" dirty="0" err="1">
+              <a:t>goodLuck</a:t>
+            </a:r>
+            <a:r>
+              <a:rPr lang="en-US" altLang="ko-KR" sz="700" b="1" dirty="0">
                 <a:ln>
                   <a:solidFill>
                     <a:schemeClr val="accent1">
@@ -10505,68 +10134,8 @@
                 <a:latin typeface="나눔바른고딕 Light" pitchFamily="50" charset="-127"/>
                 <a:ea typeface="나눔바른고딕 Light" pitchFamily="50" charset="-127"/>
               </a:rPr>
-              <a:t>goodLuck</a:t>
-            </a:r>
-            <a:r>
-              <a:rPr lang="en-US" altLang="ko-KR" sz="700" b="1" dirty="0">
-                <a:ln>
-                  <a:solidFill>
-                    <a:schemeClr val="accent1">
-                      <a:shade val="50000"/>
-                      <a:alpha val="0"/>
-                    </a:schemeClr>
-                  </a:solidFill>
-                </a:ln>
-                <a:solidFill>
-                  <a:schemeClr val="tx1">
-                    <a:lumMod val="75000"/>
-                    <a:lumOff val="25000"/>
-                  </a:schemeClr>
-                </a:solidFill>
-                <a:latin typeface="나눔바른고딕 Light" pitchFamily="50" charset="-127"/>
-                <a:ea typeface="나눔바른고딕 Light" pitchFamily="50" charset="-127"/>
-              </a:rPr>
-              <a:t>[i]},\t</a:t>
-            </a:r>
-            <a:r>
-              <a:rPr lang="en-US" altLang="ko-KR" sz="700" b="1" dirty="0">
-                <a:ln>
-                  <a:solidFill>
-                    <a:schemeClr val="accent1">
-                      <a:shade val="50000"/>
-                      <a:alpha val="0"/>
-                    </a:schemeClr>
-                  </a:solidFill>
-                </a:ln>
-                <a:solidFill>
-                  <a:schemeClr val="tx1">
-                    <a:lumMod val="75000"/>
-                    <a:lumOff val="25000"/>
-                  </a:schemeClr>
-                </a:solidFill>
-                <a:latin typeface="나눔바른고딕 Light" pitchFamily="50" charset="-127"/>
-                <a:ea typeface="나눔바른고딕 Light" pitchFamily="50" charset="-127"/>
-              </a:rPr>
-              <a:t>"); }</a:t>
-            </a:r>
-            <a:endParaRPr lang="en-US" altLang="ko-KR" sz="700" b="1" dirty="0">
-              <a:ln>
-                <a:solidFill>
-                  <a:schemeClr val="accent1">
-                    <a:shade val="50000"/>
-                    <a:alpha val="0"/>
-                  </a:schemeClr>
-                </a:solidFill>
-              </a:ln>
-              <a:solidFill>
-                <a:schemeClr val="tx1">
-                  <a:lumMod val="75000"/>
-                  <a:lumOff val="25000"/>
-                </a:schemeClr>
-              </a:solidFill>
-              <a:latin typeface="나눔바른고딕 Light" pitchFamily="50" charset="-127"/>
-              <a:ea typeface="나눔바른고딕 Light" pitchFamily="50" charset="-127"/>
-            </a:endParaRPr>
+              <a:t>[i]},\t"); }</a:t>
+            </a:r>
           </a:p>
           <a:p>
             <a:pPr>
@@ -10693,7 +10262,7 @@
           <p:cNvPr id="13" name="TextBox 12">
             <a:extLst>
               <a:ext uri="{FF2B5EF4-FFF2-40B4-BE49-F238E27FC236}">
-                <a16:creationId xmlns:a16="http://schemas.microsoft.com/office/drawing/2014/main" xmlns="" id="{A1687216-9C76-4F29-934C-F430DF40C5FA}"/>
+                <a16:creationId xmlns="" xmlns:a16="http://schemas.microsoft.com/office/drawing/2014/main" id="{A1687216-9C76-4F29-934C-F430DF40C5FA}"/>
               </a:ext>
             </a:extLst>
           </p:cNvPr>
@@ -11820,14 +11389,14 @@
           <p:nvPr>
             <p:extLst>
               <p:ext uri="{D42A27DB-BD31-4B8C-83A1-F6EECF244321}">
-                <p14:modId xmlns:p14="http://schemas.microsoft.com/office/powerpoint/2010/main" val="4052495547"/>
+                <p14:modId xmlns:p14="http://schemas.microsoft.com/office/powerpoint/2010/main" val="3440589748"/>
               </p:ext>
             </p:extLst>
           </p:nvPr>
         </p:nvGraphicFramePr>
         <p:xfrm>
           <a:off x="333001" y="1203596"/>
-          <a:ext cx="4498490" cy="3816425"/>
+          <a:ext cx="4498490" cy="3663768"/>
         </p:xfrm>
         <a:graphic>
           <a:graphicData uri="http://schemas.openxmlformats.org/drawingml/2006/table">
@@ -12654,40 +12223,6 @@
                   </a:tcPr>
                 </a:tc>
               </a:tr>
-              <a:tr h="152657">
-                <a:tc>
-                  <a:txBody>
-                    <a:bodyPr/>
-                    <a:lstStyle/>
-                    <a:p>
-                      <a:pPr algn="r" latinLnBrk="1"/>
-                      <a:endParaRPr lang="ko-KR" altLang="en-US" sz="100" dirty="0"/>
-                    </a:p>
-                  </a:txBody>
-                  <a:tcPr marL="100450" marR="100450" marT="50225" marB="50225">
-                    <a:lnL>
-                      <a:noFill/>
-                    </a:lnL>
-                    <a:lnR>
-                      <a:noFill/>
-                    </a:lnR>
-                    <a:lnT>
-                      <a:noFill/>
-                    </a:lnT>
-                    <a:lnB w="25400" cmpd="sng">
-                      <a:noFill/>
-                    </a:lnB>
-                    <a:lnTlToBr w="12700" cmpd="sng">
-                      <a:noFill/>
-                      <a:prstDash val="solid"/>
-                    </a:lnTlToBr>
-                    <a:lnBlToTr w="12700" cmpd="sng">
-                      <a:noFill/>
-                      <a:prstDash val="solid"/>
-                    </a:lnBlToTr>
-                  </a:tcPr>
-                </a:tc>
-              </a:tr>
             </a:tbl>
           </a:graphicData>
         </a:graphic>
@@ -12701,9 +12236,9 @@
         <p:grpSpPr>
           <a:xfrm>
             <a:off x="371213" y="1150524"/>
-            <a:ext cx="4140098" cy="3939540"/>
+            <a:ext cx="4272795" cy="3785652"/>
             <a:chOff x="371213" y="1750400"/>
-            <a:chExt cx="3768739" cy="3586171"/>
+            <a:chExt cx="3889533" cy="3446086"/>
           </a:xfrm>
         </p:grpSpPr>
         <p:sp>
@@ -12711,7 +12246,7 @@
             <p:cNvPr id="3" name="TextBox 2">
               <a:extLst>
                 <a:ext uri="{FF2B5EF4-FFF2-40B4-BE49-F238E27FC236}">
-                  <a16:creationId xmlns:a16="http://schemas.microsoft.com/office/drawing/2014/main" xmlns="" id="{A1687216-9C76-4F29-934C-F430DF40C5FA}"/>
+                  <a16:creationId xmlns="" xmlns:a16="http://schemas.microsoft.com/office/drawing/2014/main" id="{A1687216-9C76-4F29-934C-F430DF40C5FA}"/>
                 </a:ext>
               </a:extLst>
             </p:cNvPr>
@@ -12720,8 +12255,8 @@
           </p:nvSpPr>
           <p:spPr>
             <a:xfrm>
-              <a:off x="608094" y="1750400"/>
-              <a:ext cx="3531858" cy="3446086"/>
+              <a:off x="608093" y="1750400"/>
+              <a:ext cx="3652653" cy="3446086"/>
             </a:xfrm>
             <a:prstGeom prst="rect">
               <a:avLst/>
@@ -14866,7 +14401,7 @@
             <p:cNvPr id="4" name="TextBox 3">
               <a:extLst>
                 <a:ext uri="{FF2B5EF4-FFF2-40B4-BE49-F238E27FC236}">
-                  <a16:creationId xmlns:a16="http://schemas.microsoft.com/office/drawing/2014/main" xmlns="" id="{A1687216-9C76-4F29-934C-F430DF40C5FA}"/>
+                  <a16:creationId xmlns="" xmlns:a16="http://schemas.microsoft.com/office/drawing/2014/main" id="{A1687216-9C76-4F29-934C-F430DF40C5FA}"/>
                 </a:ext>
               </a:extLst>
             </p:cNvPr>
@@ -14876,7 +14411,7 @@
           <p:spPr>
             <a:xfrm>
               <a:off x="371213" y="1750400"/>
-              <a:ext cx="227750" cy="3586171"/>
+              <a:ext cx="227750" cy="3446086"/>
             </a:xfrm>
             <a:prstGeom prst="rect">
               <a:avLst/>
@@ -15587,7 +15122,7 @@
                 </a:rPr>
               </a:br>
               <a:r>
-                <a:rPr lang="en-US" altLang="ko-KR" sz="800" b="1" dirty="0">
+                <a:rPr lang="en-US" altLang="ko-KR" sz="800" b="1" dirty="0" smtClean="0">
                   <a:ln>
                     <a:solidFill>
                       <a:schemeClr val="accent1">
@@ -15606,47 +15141,6 @@
                   <a:ea typeface="나눔바른고딕 Light" pitchFamily="50" charset="-127"/>
                 </a:rPr>
                 <a:t>24</a:t>
-              </a:r>
-              <a:br>
-                <a:rPr lang="en-US" altLang="ko-KR" sz="800" b="1" dirty="0">
-                  <a:ln>
-                    <a:solidFill>
-                      <a:schemeClr val="accent1">
-                        <a:shade val="50000"/>
-                        <a:alpha val="0"/>
-                      </a:schemeClr>
-                    </a:solidFill>
-                  </a:ln>
-                  <a:solidFill>
-                    <a:schemeClr val="tx1">
-                      <a:lumMod val="75000"/>
-                      <a:lumOff val="25000"/>
-                    </a:schemeClr>
-                  </a:solidFill>
-                  <a:latin typeface="나눔바른고딕 Light" pitchFamily="50" charset="-127"/>
-                  <a:ea typeface="나눔바른고딕 Light" pitchFamily="50" charset="-127"/>
-                </a:rPr>
-              </a:br>
-              <a:r>
-                <a:rPr lang="en-US" altLang="ko-KR" sz="800" b="1" dirty="0">
-                  <a:ln>
-                    <a:solidFill>
-                      <a:schemeClr val="accent1">
-                        <a:shade val="50000"/>
-                        <a:alpha val="0"/>
-                      </a:schemeClr>
-                    </a:solidFill>
-                  </a:ln>
-                  <a:solidFill>
-                    <a:schemeClr val="tx1">
-                      <a:lumMod val="75000"/>
-                      <a:lumOff val="25000"/>
-                    </a:schemeClr>
-                  </a:solidFill>
-                  <a:latin typeface="나눔바른고딕 Light" pitchFamily="50" charset="-127"/>
-                  <a:ea typeface="나눔바른고딕 Light" pitchFamily="50" charset="-127"/>
-                </a:rPr>
-                <a:t>25</a:t>
               </a:r>
               <a:endParaRPr lang="en-US" altLang="ko-KR" sz="800" b="1" dirty="0">
                 <a:ln>
@@ -16125,28 +15619,7 @@
                     <a:latin typeface="한수원 한돋움" pitchFamily="50" charset="-127"/>
                     <a:ea typeface="한수원 한돋움" pitchFamily="50" charset="-127"/>
                   </a:rPr>
-                  <a:t> </a:t>
-                </a:r>
-                <a:r>
-                  <a:rPr lang="ko-KR" altLang="en-US" sz="1400" b="1" dirty="0">
-                    <a:ln>
-                      <a:solidFill>
-                        <a:schemeClr val="accent1">
-                          <a:shade val="50000"/>
-                          <a:alpha val="0"/>
-                        </a:schemeClr>
-                      </a:solidFill>
-                    </a:ln>
-                    <a:solidFill>
-                      <a:schemeClr val="tx1">
-                        <a:lumMod val="75000"/>
-                        <a:lumOff val="25000"/>
-                      </a:schemeClr>
-                    </a:solidFill>
-                    <a:latin typeface="한수원 한돋움" pitchFamily="50" charset="-127"/>
-                    <a:ea typeface="한수원 한돋움" pitchFamily="50" charset="-127"/>
-                  </a:rPr>
-                  <a:t>사라진다</a:t>
+                  <a:t> 사라진다</a:t>
                 </a:r>
                 <a:r>
                   <a:rPr lang="en-US" altLang="ko-KR" sz="1400" b="1" dirty="0">
@@ -16384,24 +15857,6 @@
                 </a:rPr>
                 <a:t> 확인</a:t>
               </a:r>
-              <a:endParaRPr lang="ko-KR" altLang="en-US" sz="1400" b="1" dirty="0">
-                <a:ln>
-                  <a:solidFill>
-                    <a:schemeClr val="accent1">
-                      <a:shade val="50000"/>
-                      <a:alpha val="0"/>
-                    </a:schemeClr>
-                  </a:solidFill>
-                </a:ln>
-                <a:solidFill>
-                  <a:schemeClr val="tx1">
-                    <a:lumMod val="75000"/>
-                    <a:lumOff val="25000"/>
-                  </a:schemeClr>
-                </a:solidFill>
-                <a:latin typeface="한수원 한돋움" pitchFamily="50" charset="-127"/>
-                <a:ea typeface="한수원 한돋움" pitchFamily="50" charset="-127"/>
-              </a:endParaRPr>
             </a:p>
           </p:txBody>
         </p:sp>
@@ -16515,24 +15970,6 @@
                 </a:rPr>
                 <a:t>기타 유효하지 않은 값 처리</a:t>
               </a:r>
-              <a:endParaRPr lang="ko-KR" altLang="en-US" sz="1400" b="1" dirty="0">
-                <a:ln>
-                  <a:solidFill>
-                    <a:schemeClr val="accent1">
-                      <a:shade val="50000"/>
-                      <a:alpha val="0"/>
-                    </a:schemeClr>
-                  </a:solidFill>
-                </a:ln>
-                <a:solidFill>
-                  <a:schemeClr val="tx1">
-                    <a:lumMod val="75000"/>
-                    <a:lumOff val="25000"/>
-                  </a:schemeClr>
-                </a:solidFill>
-                <a:latin typeface="한수원 한돋움" pitchFamily="50" charset="-127"/>
-                <a:ea typeface="한수원 한돋움" pitchFamily="50" charset="-127"/>
-              </a:endParaRPr>
             </a:p>
           </p:txBody>
         </p:sp>
@@ -16835,7 +16272,6 @@
                 <a:rPr lang="ko-KR" altLang="en-US" sz="800" b="1" dirty="0"/>
                 <a:t>임시로 넣음</a:t>
               </a:r>
-              <a:endParaRPr lang="ko-KR" altLang="en-US" sz="800" b="1" dirty="0"/>
             </a:p>
           </p:txBody>
         </p:sp>
@@ -16938,7 +16374,7 @@
           <p:cNvPr id="48" name="TextBox 47">
             <a:extLst>
               <a:ext uri="{FF2B5EF4-FFF2-40B4-BE49-F238E27FC236}">
-                <a16:creationId xmlns:a16="http://schemas.microsoft.com/office/drawing/2014/main" xmlns="" id="{7C6F9878-777C-4CD4-9613-851CABCDFC3E}"/>
+                <a16:creationId xmlns="" xmlns:a16="http://schemas.microsoft.com/office/drawing/2014/main" id="{7C6F9878-777C-4CD4-9613-851CABCDFC3E}"/>
               </a:ext>
             </a:extLst>
           </p:cNvPr>
@@ -16988,7 +16424,7 @@
           <p:cNvPr id="39" name="직사각형 38">
             <a:extLst>
               <a:ext uri="{FF2B5EF4-FFF2-40B4-BE49-F238E27FC236}">
-                <a16:creationId xmlns:a16="http://schemas.microsoft.com/office/drawing/2014/main" xmlns="" id="{5898757E-EC0B-47E5-9EA1-43BA79ABA10A}"/>
+                <a16:creationId xmlns="" xmlns:a16="http://schemas.microsoft.com/office/drawing/2014/main" id="{5898757E-EC0B-47E5-9EA1-43BA79ABA10A}"/>
               </a:ext>
             </a:extLst>
           </p:cNvPr>
@@ -17925,7 +17361,7 @@
   <a:extraClrSchemeLst/>
   <a:extLst>
     <a:ext uri="{05A4C25C-085E-4340-85A3-A5531E510DB2}">
-      <thm15:themeFamily xmlns:thm15="http://schemas.microsoft.com/office/thememl/2012/main" xmlns="" name="Office Theme" id="{62F939B6-93AF-4DB8-9C6B-D6C7DFDC589F}" vid="{4A3C46E8-61CC-4603-A589-7422A47A8E4A}"/>
+      <thm15:themeFamily xmlns="" xmlns:thm15="http://schemas.microsoft.com/office/thememl/2012/main" name="Office Theme" id="{62F939B6-93AF-4DB8-9C6B-D6C7DFDC589F}" vid="{4A3C46E8-61CC-4603-A589-7422A47A8E4A}"/>
     </a:ext>
   </a:extLst>
 </a:theme>

--- a/2 vsStudio_P/210408_cSharp_basic_chap5/sukje_lotto/PPT/210409_로또번호 생성기.pptx
+++ b/2 vsStudio_P/210408_cSharp_basic_chap5/sukje_lotto/PPT/210409_로또번호 생성기.pptx
@@ -24,20 +24,20 @@
   <p:notesSz cx="6858000" cy="9144000"/>
   <p:embeddedFontLst>
     <p:embeddedFont>
-      <p:font typeface="한수원 한돋움 Bold" pitchFamily="50" charset="-127"/>
+      <p:font typeface="한수원 한돋움" panose="020B0600000101010101" pitchFamily="50" charset="-127"/>
       <p:bold r:id="rId12"/>
     </p:embeddedFont>
     <p:embeddedFont>
-      <p:font typeface="나눔바른고딕 Light" pitchFamily="50" charset="-127"/>
+      <p:font typeface="나눔바른고딕 Light" panose="020B0603020101020101" pitchFamily="50" charset="-127"/>
       <p:regular r:id="rId13"/>
     </p:embeddedFont>
     <p:embeddedFont>
-      <p:font typeface="한수원 한돋움" pitchFamily="50" charset="-127"/>
-      <p:bold r:id="rId14"/>
+      <p:font typeface="맑은 고딕" panose="020B0503020000020004" pitchFamily="50" charset="-127"/>
+      <p:regular r:id="rId14"/>
+      <p:bold r:id="rId15"/>
     </p:embeddedFont>
     <p:embeddedFont>
-      <p:font typeface="맑은 고딕" pitchFamily="50" charset="-127"/>
-      <p:regular r:id="rId15"/>
+      <p:font typeface="한수원 한돋움 Bold" panose="020B0600000101010101" pitchFamily="50" charset="-127"/>
       <p:bold r:id="rId16"/>
     </p:embeddedFont>
   </p:embeddedFontLst>
@@ -136,11 +136,41 @@
       </a:defRPr>
     </a:lvl9pPr>
   </p:defaultTextStyle>
+  <p:extLst>
+    <p:ext uri="{EFAFB233-063F-42B5-8137-9DF3F51BA10A}">
+      <p15:sldGuideLst xmlns:p15="http://schemas.microsoft.com/office/powerpoint/2012/main">
+        <p15:guide id="1" orient="horz" pos="1620">
+          <p15:clr>
+            <a:srgbClr val="A4A3A4"/>
+          </p15:clr>
+        </p15:guide>
+        <p15:guide id="2" pos="2880">
+          <p15:clr>
+            <a:srgbClr val="A4A3A4"/>
+          </p15:clr>
+        </p15:guide>
+      </p15:sldGuideLst>
+    </p:ext>
+    <p:ext uri="{2D200454-40CA-4A62-9FC3-DE9A4176ACB9}">
+      <p15:notesGuideLst xmlns:p15="http://schemas.microsoft.com/office/powerpoint/2012/main">
+        <p15:guide id="1" orient="horz" pos="2880">
+          <p15:clr>
+            <a:srgbClr val="A4A3A4"/>
+          </p15:clr>
+        </p15:guide>
+        <p15:guide id="2" pos="2160">
+          <p15:clr>
+            <a:srgbClr val="A4A3A4"/>
+          </p15:clr>
+        </p15:guide>
+      </p15:notesGuideLst>
+    </p:ext>
+  </p:extLst>
 </p:presentation>
 </file>
 
 <file path=ppt/charts/chart1.xml><?xml version="1.0" encoding="utf-8"?>
-<c:chartSpace xmlns:c="http://schemas.openxmlformats.org/drawingml/2006/chart" xmlns:a="http://schemas.openxmlformats.org/drawingml/2006/main" xmlns:r="http://schemas.openxmlformats.org/officeDocument/2006/relationships">
+<c:chartSpace xmlns:c="http://schemas.openxmlformats.org/drawingml/2006/chart" xmlns:a="http://schemas.openxmlformats.org/drawingml/2006/main" xmlns:r="http://schemas.openxmlformats.org/officeDocument/2006/relationships" xmlns:c16r2="http://schemas.microsoft.com/office/drawing/2015/06/chart">
   <c:date1904 val="0"/>
   <c:lang val="ko-KR"/>
   <c:roundedCorners val="0"/>
@@ -314,6 +344,12 @@
             <c:showPercent val="0"/>
             <c:showBubbleSize val="0"/>
             <c:showLeaderLines val="0"/>
+            <c:extLst>
+              <c:ext xmlns:c15="http://schemas.microsoft.com/office/drawing/2012/chart" uri="{CE6537A1-D6FC-4f65-9D91-7224C49458BB}">
+                <c15:layout/>
+                <c15:showLeaderLines val="0"/>
+              </c:ext>
+            </c:extLst>
           </c:dLbls>
           <c:cat>
             <c:numRef>
@@ -603,6 +639,11 @@
               </c:numCache>
             </c:numRef>
           </c:val>
+          <c:extLst>
+            <c:ext xmlns:c16="http://schemas.microsoft.com/office/drawing/2014/chart" uri="{C3380CC4-5D6E-409C-BE32-E72D297353CC}">
+              <c16:uniqueId val="{00000000-9810-4526-B9FB-2142229B5032}"/>
+            </c:ext>
+          </c:extLst>
         </c:ser>
         <c:dLbls>
           <c:dLblPos val="outEnd"/>
@@ -769,7 +810,7 @@
           <a:p>
             <a:fld id="{3D914578-7EF3-4727-BD42-39B967B9454B}" type="datetimeFigureOut">
               <a:rPr lang="ko-KR" altLang="en-US" smtClean="0"/>
-              <a:t>2021-04-11</a:t>
+              <a:t>2021-04-29</a:t>
             </a:fld>
             <a:endParaRPr lang="ko-KR" altLang="en-US"/>
           </a:p>
@@ -934,7 +975,7 @@
           <a:p>
             <a:fld id="{4E69F32D-416B-41F8-965B-AFE94DF4D917}" type="datetimeFigureOut">
               <a:rPr lang="ko-KR" altLang="en-US" smtClean="0"/>
-              <a:t>2021-04-11</a:t>
+              <a:t>2021-04-29</a:t>
             </a:fld>
             <a:endParaRPr lang="ko-KR" altLang="en-US"/>
           </a:p>
@@ -1476,7 +1517,7 @@
           <p:cNvPr id="4" name="날짜 개체 틀 3">
             <a:extLst>
               <a:ext uri="{FF2B5EF4-FFF2-40B4-BE49-F238E27FC236}">
-                <a16:creationId xmlns="" xmlns:a16="http://schemas.microsoft.com/office/drawing/2014/main" id="{3BA2C713-AC81-4EB2-9330-581E0B6AE811}"/>
+                <a16:creationId xmlns:a16="http://schemas.microsoft.com/office/drawing/2014/main" id="{3BA2C713-AC81-4EB2-9330-581E0B6AE811}"/>
               </a:ext>
             </a:extLst>
           </p:cNvPr>
@@ -1494,7 +1535,7 @@
           <a:p>
             <a:fld id="{CF798D60-6305-4CBF-A4B2-1F42DE11A197}" type="datetimeFigureOut">
               <a:rPr lang="ko-KR" altLang="en-US" smtClean="0"/>
-              <a:t>2021-04-11</a:t>
+              <a:t>2021-04-29</a:t>
             </a:fld>
             <a:endParaRPr lang="ko-KR" altLang="en-US"/>
           </a:p>
@@ -1505,7 +1546,7 @@
           <p:cNvPr id="5" name="바닥글 개체 틀 4">
             <a:extLst>
               <a:ext uri="{FF2B5EF4-FFF2-40B4-BE49-F238E27FC236}">
-                <a16:creationId xmlns="" xmlns:a16="http://schemas.microsoft.com/office/drawing/2014/main" id="{1F0F55EC-D62C-46D0-85AA-2079E978B3AC}"/>
+                <a16:creationId xmlns:a16="http://schemas.microsoft.com/office/drawing/2014/main" id="{1F0F55EC-D62C-46D0-85AA-2079E978B3AC}"/>
               </a:ext>
             </a:extLst>
           </p:cNvPr>
@@ -1530,7 +1571,7 @@
           <p:cNvPr id="6" name="슬라이드 번호 개체 틀 5">
             <a:extLst>
               <a:ext uri="{FF2B5EF4-FFF2-40B4-BE49-F238E27FC236}">
-                <a16:creationId xmlns="" xmlns:a16="http://schemas.microsoft.com/office/drawing/2014/main" id="{A786F994-D68F-40EE-B340-2867A153420B}"/>
+                <a16:creationId xmlns:a16="http://schemas.microsoft.com/office/drawing/2014/main" id="{A786F994-D68F-40EE-B340-2867A153420B}"/>
               </a:ext>
             </a:extLst>
           </p:cNvPr>
@@ -1564,6 +1605,18 @@
   <p:clrMapOvr>
     <a:masterClrMapping/>
   </p:clrMapOvr>
+  <mc:AlternateContent xmlns:mc="http://schemas.openxmlformats.org/markup-compatibility/2006" xmlns:p14="http://schemas.microsoft.com/office/powerpoint/2010/main">
+    <mc:Choice Requires="p14">
+      <p:transition p14:dur="300" advClick="0">
+        <p:push/>
+      </p:transition>
+    </mc:Choice>
+    <mc:Fallback xmlns="">
+      <p:transition advClick="0">
+        <p:push/>
+      </p:transition>
+    </mc:Fallback>
+  </mc:AlternateContent>
   <p:timing>
     <p:tnLst>
       <p:par>
@@ -1573,7 +1626,7 @@
   </p:timing>
   <p:extLst mod="1">
     <p:ext uri="{DCECCB84-F9BA-43D5-87BE-67443E8EF086}">
-      <p15:sldGuideLst xmlns="" xmlns:p15="http://schemas.microsoft.com/office/powerpoint/2012/main">
+      <p15:sldGuideLst xmlns:p15="http://schemas.microsoft.com/office/powerpoint/2012/main">
         <p15:guide id="1" orient="horz" pos="278" userDrawn="1">
           <p15:clr>
             <a:srgbClr val="FBAE40"/>
@@ -1622,7 +1675,7 @@
           <p:cNvPr id="4" name="날짜 개체 틀 3">
             <a:extLst>
               <a:ext uri="{FF2B5EF4-FFF2-40B4-BE49-F238E27FC236}">
-                <a16:creationId xmlns="" xmlns:a16="http://schemas.microsoft.com/office/drawing/2014/main" id="{46623D75-7690-462B-A0DC-A4F3108DC644}"/>
+                <a16:creationId xmlns:a16="http://schemas.microsoft.com/office/drawing/2014/main" id="{46623D75-7690-462B-A0DC-A4F3108DC644}"/>
               </a:ext>
             </a:extLst>
           </p:cNvPr>
@@ -1640,7 +1693,7 @@
           <a:p>
             <a:fld id="{CF798D60-6305-4CBF-A4B2-1F42DE11A197}" type="datetimeFigureOut">
               <a:rPr lang="ko-KR" altLang="en-US" smtClean="0"/>
-              <a:t>2021-04-11</a:t>
+              <a:t>2021-04-29</a:t>
             </a:fld>
             <a:endParaRPr lang="ko-KR" altLang="en-US"/>
           </a:p>
@@ -1651,7 +1704,7 @@
           <p:cNvPr id="5" name="바닥글 개체 틀 4">
             <a:extLst>
               <a:ext uri="{FF2B5EF4-FFF2-40B4-BE49-F238E27FC236}">
-                <a16:creationId xmlns="" xmlns:a16="http://schemas.microsoft.com/office/drawing/2014/main" id="{70F3BCB1-6A24-432F-A778-B735C6861206}"/>
+                <a16:creationId xmlns:a16="http://schemas.microsoft.com/office/drawing/2014/main" id="{70F3BCB1-6A24-432F-A778-B735C6861206}"/>
               </a:ext>
             </a:extLst>
           </p:cNvPr>
@@ -1676,7 +1729,7 @@
           <p:cNvPr id="6" name="슬라이드 번호 개체 틀 5">
             <a:extLst>
               <a:ext uri="{FF2B5EF4-FFF2-40B4-BE49-F238E27FC236}">
-                <a16:creationId xmlns="" xmlns:a16="http://schemas.microsoft.com/office/drawing/2014/main" id="{FB4ED32B-3446-46D1-A849-41F78A9D9060}"/>
+                <a16:creationId xmlns:a16="http://schemas.microsoft.com/office/drawing/2014/main" id="{FB4ED32B-3446-46D1-A849-41F78A9D9060}"/>
               </a:ext>
             </a:extLst>
           </p:cNvPr>
@@ -1705,7 +1758,7 @@
           <p:cNvPr id="7" name="TextBox 6">
             <a:extLst>
               <a:ext uri="{FF2B5EF4-FFF2-40B4-BE49-F238E27FC236}">
-                <a16:creationId xmlns="" xmlns:a16="http://schemas.microsoft.com/office/drawing/2014/main" id="{A1687216-9C76-4F29-934C-F430DF40C5FA}"/>
+                <a16:creationId xmlns:a16="http://schemas.microsoft.com/office/drawing/2014/main" id="{A1687216-9C76-4F29-934C-F430DF40C5FA}"/>
               </a:ext>
             </a:extLst>
           </p:cNvPr>
@@ -1867,6 +1920,18 @@
   <p:clrMapOvr>
     <a:masterClrMapping/>
   </p:clrMapOvr>
+  <mc:AlternateContent xmlns:mc="http://schemas.openxmlformats.org/markup-compatibility/2006" xmlns:p14="http://schemas.microsoft.com/office/powerpoint/2010/main">
+    <mc:Choice Requires="p14">
+      <p:transition p14:dur="300" advClick="0">
+        <p:push/>
+      </p:transition>
+    </mc:Choice>
+    <mc:Fallback xmlns="">
+      <p:transition advClick="0">
+        <p:push/>
+      </p:transition>
+    </mc:Fallback>
+  </mc:AlternateContent>
   <p:timing>
     <p:tnLst>
       <p:par>
@@ -1899,7 +1964,7 @@
           <p:cNvPr id="4" name="날짜 개체 틀 3">
             <a:extLst>
               <a:ext uri="{FF2B5EF4-FFF2-40B4-BE49-F238E27FC236}">
-                <a16:creationId xmlns="" xmlns:a16="http://schemas.microsoft.com/office/drawing/2014/main" id="{46623D75-7690-462B-A0DC-A4F3108DC644}"/>
+                <a16:creationId xmlns:a16="http://schemas.microsoft.com/office/drawing/2014/main" id="{46623D75-7690-462B-A0DC-A4F3108DC644}"/>
               </a:ext>
             </a:extLst>
           </p:cNvPr>
@@ -1917,7 +1982,7 @@
           <a:p>
             <a:fld id="{CF798D60-6305-4CBF-A4B2-1F42DE11A197}" type="datetimeFigureOut">
               <a:rPr lang="ko-KR" altLang="en-US" smtClean="0"/>
-              <a:t>2021-04-11</a:t>
+              <a:t>2021-04-29</a:t>
             </a:fld>
             <a:endParaRPr lang="ko-KR" altLang="en-US"/>
           </a:p>
@@ -1928,7 +1993,7 @@
           <p:cNvPr id="5" name="바닥글 개체 틀 4">
             <a:extLst>
               <a:ext uri="{FF2B5EF4-FFF2-40B4-BE49-F238E27FC236}">
-                <a16:creationId xmlns="" xmlns:a16="http://schemas.microsoft.com/office/drawing/2014/main" id="{70F3BCB1-6A24-432F-A778-B735C6861206}"/>
+                <a16:creationId xmlns:a16="http://schemas.microsoft.com/office/drawing/2014/main" id="{70F3BCB1-6A24-432F-A778-B735C6861206}"/>
               </a:ext>
             </a:extLst>
           </p:cNvPr>
@@ -1953,7 +2018,7 @@
           <p:cNvPr id="6" name="슬라이드 번호 개체 틀 5">
             <a:extLst>
               <a:ext uri="{FF2B5EF4-FFF2-40B4-BE49-F238E27FC236}">
-                <a16:creationId xmlns="" xmlns:a16="http://schemas.microsoft.com/office/drawing/2014/main" id="{FB4ED32B-3446-46D1-A849-41F78A9D9060}"/>
+                <a16:creationId xmlns:a16="http://schemas.microsoft.com/office/drawing/2014/main" id="{FB4ED32B-3446-46D1-A849-41F78A9D9060}"/>
               </a:ext>
             </a:extLst>
           </p:cNvPr>
@@ -1982,7 +2047,7 @@
           <p:cNvPr id="7" name="TextBox 6">
             <a:extLst>
               <a:ext uri="{FF2B5EF4-FFF2-40B4-BE49-F238E27FC236}">
-                <a16:creationId xmlns="" xmlns:a16="http://schemas.microsoft.com/office/drawing/2014/main" id="{A1687216-9C76-4F29-934C-F430DF40C5FA}"/>
+                <a16:creationId xmlns:a16="http://schemas.microsoft.com/office/drawing/2014/main" id="{A1687216-9C76-4F29-934C-F430DF40C5FA}"/>
               </a:ext>
             </a:extLst>
           </p:cNvPr>
@@ -2123,6 +2188,18 @@
   <p:clrMapOvr>
     <a:masterClrMapping/>
   </p:clrMapOvr>
+  <mc:AlternateContent xmlns:mc="http://schemas.openxmlformats.org/markup-compatibility/2006" xmlns:p14="http://schemas.microsoft.com/office/powerpoint/2010/main">
+    <mc:Choice Requires="p14">
+      <p:transition p14:dur="300" advClick="0">
+        <p:push/>
+      </p:transition>
+    </mc:Choice>
+    <mc:Fallback xmlns="">
+      <p:transition advClick="0">
+        <p:push/>
+      </p:transition>
+    </mc:Fallback>
+  </mc:AlternateContent>
   <p:timing>
     <p:tnLst>
       <p:par>
@@ -2155,7 +2232,7 @@
           <p:cNvPr id="4" name="날짜 개체 틀 3">
             <a:extLst>
               <a:ext uri="{FF2B5EF4-FFF2-40B4-BE49-F238E27FC236}">
-                <a16:creationId xmlns="" xmlns:a16="http://schemas.microsoft.com/office/drawing/2014/main" id="{46623D75-7690-462B-A0DC-A4F3108DC644}"/>
+                <a16:creationId xmlns:a16="http://schemas.microsoft.com/office/drawing/2014/main" id="{46623D75-7690-462B-A0DC-A4F3108DC644}"/>
               </a:ext>
             </a:extLst>
           </p:cNvPr>
@@ -2173,7 +2250,7 @@
           <a:p>
             <a:fld id="{CF798D60-6305-4CBF-A4B2-1F42DE11A197}" type="datetimeFigureOut">
               <a:rPr lang="ko-KR" altLang="en-US" smtClean="0"/>
-              <a:t>2021-04-11</a:t>
+              <a:t>2021-04-29</a:t>
             </a:fld>
             <a:endParaRPr lang="ko-KR" altLang="en-US"/>
           </a:p>
@@ -2184,7 +2261,7 @@
           <p:cNvPr id="5" name="바닥글 개체 틀 4">
             <a:extLst>
               <a:ext uri="{FF2B5EF4-FFF2-40B4-BE49-F238E27FC236}">
-                <a16:creationId xmlns="" xmlns:a16="http://schemas.microsoft.com/office/drawing/2014/main" id="{70F3BCB1-6A24-432F-A778-B735C6861206}"/>
+                <a16:creationId xmlns:a16="http://schemas.microsoft.com/office/drawing/2014/main" id="{70F3BCB1-6A24-432F-A778-B735C6861206}"/>
               </a:ext>
             </a:extLst>
           </p:cNvPr>
@@ -2209,7 +2286,7 @@
           <p:cNvPr id="6" name="슬라이드 번호 개체 틀 5">
             <a:extLst>
               <a:ext uri="{FF2B5EF4-FFF2-40B4-BE49-F238E27FC236}">
-                <a16:creationId xmlns="" xmlns:a16="http://schemas.microsoft.com/office/drawing/2014/main" id="{FB4ED32B-3446-46D1-A849-41F78A9D9060}"/>
+                <a16:creationId xmlns:a16="http://schemas.microsoft.com/office/drawing/2014/main" id="{FB4ED32B-3446-46D1-A849-41F78A9D9060}"/>
               </a:ext>
             </a:extLst>
           </p:cNvPr>
@@ -2238,7 +2315,7 @@
           <p:cNvPr id="7" name="TextBox 6">
             <a:extLst>
               <a:ext uri="{FF2B5EF4-FFF2-40B4-BE49-F238E27FC236}">
-                <a16:creationId xmlns="" xmlns:a16="http://schemas.microsoft.com/office/drawing/2014/main" id="{A1687216-9C76-4F29-934C-F430DF40C5FA}"/>
+                <a16:creationId xmlns:a16="http://schemas.microsoft.com/office/drawing/2014/main" id="{A1687216-9C76-4F29-934C-F430DF40C5FA}"/>
               </a:ext>
             </a:extLst>
           </p:cNvPr>
@@ -2379,6 +2456,18 @@
   <p:clrMapOvr>
     <a:masterClrMapping/>
   </p:clrMapOvr>
+  <mc:AlternateContent xmlns:mc="http://schemas.openxmlformats.org/markup-compatibility/2006" xmlns:p14="http://schemas.microsoft.com/office/powerpoint/2010/main">
+    <mc:Choice Requires="p14">
+      <p:transition p14:dur="300" advClick="0">
+        <p:push/>
+      </p:transition>
+    </mc:Choice>
+    <mc:Fallback xmlns="">
+      <p:transition advClick="0">
+        <p:push/>
+      </p:transition>
+    </mc:Fallback>
+  </mc:AlternateContent>
   <p:timing>
     <p:tnLst>
       <p:par>
@@ -2411,7 +2500,7 @@
           <p:cNvPr id="4" name="날짜 개체 틀 3">
             <a:extLst>
               <a:ext uri="{FF2B5EF4-FFF2-40B4-BE49-F238E27FC236}">
-                <a16:creationId xmlns="" xmlns:a16="http://schemas.microsoft.com/office/drawing/2014/main" id="{46623D75-7690-462B-A0DC-A4F3108DC644}"/>
+                <a16:creationId xmlns:a16="http://schemas.microsoft.com/office/drawing/2014/main" id="{46623D75-7690-462B-A0DC-A4F3108DC644}"/>
               </a:ext>
             </a:extLst>
           </p:cNvPr>
@@ -2429,7 +2518,7 @@
           <a:p>
             <a:fld id="{CF798D60-6305-4CBF-A4B2-1F42DE11A197}" type="datetimeFigureOut">
               <a:rPr lang="ko-KR" altLang="en-US" smtClean="0"/>
-              <a:t>2021-04-11</a:t>
+              <a:t>2021-04-29</a:t>
             </a:fld>
             <a:endParaRPr lang="ko-KR" altLang="en-US"/>
           </a:p>
@@ -2440,7 +2529,7 @@
           <p:cNvPr id="5" name="바닥글 개체 틀 4">
             <a:extLst>
               <a:ext uri="{FF2B5EF4-FFF2-40B4-BE49-F238E27FC236}">
-                <a16:creationId xmlns="" xmlns:a16="http://schemas.microsoft.com/office/drawing/2014/main" id="{70F3BCB1-6A24-432F-A778-B735C6861206}"/>
+                <a16:creationId xmlns:a16="http://schemas.microsoft.com/office/drawing/2014/main" id="{70F3BCB1-6A24-432F-A778-B735C6861206}"/>
               </a:ext>
             </a:extLst>
           </p:cNvPr>
@@ -2465,7 +2554,7 @@
           <p:cNvPr id="6" name="슬라이드 번호 개체 틀 5">
             <a:extLst>
               <a:ext uri="{FF2B5EF4-FFF2-40B4-BE49-F238E27FC236}">
-                <a16:creationId xmlns="" xmlns:a16="http://schemas.microsoft.com/office/drawing/2014/main" id="{FB4ED32B-3446-46D1-A849-41F78A9D9060}"/>
+                <a16:creationId xmlns:a16="http://schemas.microsoft.com/office/drawing/2014/main" id="{FB4ED32B-3446-46D1-A849-41F78A9D9060}"/>
               </a:ext>
             </a:extLst>
           </p:cNvPr>
@@ -2494,7 +2583,7 @@
           <p:cNvPr id="7" name="TextBox 6">
             <a:extLst>
               <a:ext uri="{FF2B5EF4-FFF2-40B4-BE49-F238E27FC236}">
-                <a16:creationId xmlns="" xmlns:a16="http://schemas.microsoft.com/office/drawing/2014/main" id="{A1687216-9C76-4F29-934C-F430DF40C5FA}"/>
+                <a16:creationId xmlns:a16="http://schemas.microsoft.com/office/drawing/2014/main" id="{A1687216-9C76-4F29-934C-F430DF40C5FA}"/>
               </a:ext>
             </a:extLst>
           </p:cNvPr>
@@ -2635,6 +2724,18 @@
   <p:clrMapOvr>
     <a:masterClrMapping/>
   </p:clrMapOvr>
+  <mc:AlternateContent xmlns:mc="http://schemas.openxmlformats.org/markup-compatibility/2006" xmlns:p14="http://schemas.microsoft.com/office/powerpoint/2010/main">
+    <mc:Choice Requires="p14">
+      <p:transition p14:dur="300" advClick="0">
+        <p:push/>
+      </p:transition>
+    </mc:Choice>
+    <mc:Fallback xmlns="">
+      <p:transition advClick="0">
+        <p:push/>
+      </p:transition>
+    </mc:Fallback>
+  </mc:AlternateContent>
   <p:timing>
     <p:tnLst>
       <p:par>
@@ -2667,7 +2768,7 @@
           <p:cNvPr id="2" name="제목 1">
             <a:extLst>
               <a:ext uri="{FF2B5EF4-FFF2-40B4-BE49-F238E27FC236}">
-                <a16:creationId xmlns="" xmlns:a16="http://schemas.microsoft.com/office/drawing/2014/main" id="{36BFCA8F-81E3-4494-807A-19ED363184C9}"/>
+                <a16:creationId xmlns:a16="http://schemas.microsoft.com/office/drawing/2014/main" id="{36BFCA8F-81E3-4494-807A-19ED363184C9}"/>
               </a:ext>
             </a:extLst>
           </p:cNvPr>
@@ -2707,7 +2808,7 @@
           <p:cNvPr id="3" name="부제목 2">
             <a:extLst>
               <a:ext uri="{FF2B5EF4-FFF2-40B4-BE49-F238E27FC236}">
-                <a16:creationId xmlns="" xmlns:a16="http://schemas.microsoft.com/office/drawing/2014/main" id="{54A30F0C-47F5-4BBB-8D9A-EEA1FF7E8DFB}"/>
+                <a16:creationId xmlns:a16="http://schemas.microsoft.com/office/drawing/2014/main" id="{54A30F0C-47F5-4BBB-8D9A-EEA1FF7E8DFB}"/>
               </a:ext>
             </a:extLst>
           </p:cNvPr>
@@ -2780,7 +2881,7 @@
           <p:cNvPr id="4" name="날짜 개체 틀 3">
             <a:extLst>
               <a:ext uri="{FF2B5EF4-FFF2-40B4-BE49-F238E27FC236}">
-                <a16:creationId xmlns="" xmlns:a16="http://schemas.microsoft.com/office/drawing/2014/main" id="{3BA2C713-AC81-4EB2-9330-581E0B6AE811}"/>
+                <a16:creationId xmlns:a16="http://schemas.microsoft.com/office/drawing/2014/main" id="{3BA2C713-AC81-4EB2-9330-581E0B6AE811}"/>
               </a:ext>
             </a:extLst>
           </p:cNvPr>
@@ -2798,7 +2899,7 @@
           <a:p>
             <a:fld id="{25C880E9-F562-4ADC-9C95-311ED8011E61}" type="datetimeFigureOut">
               <a:rPr lang="ko-KR" altLang="en-US" smtClean="0"/>
-              <a:t>2021-04-11</a:t>
+              <a:t>2021-04-29</a:t>
             </a:fld>
             <a:endParaRPr lang="ko-KR" altLang="en-US"/>
           </a:p>
@@ -2809,7 +2910,7 @@
           <p:cNvPr id="5" name="바닥글 개체 틀 4">
             <a:extLst>
               <a:ext uri="{FF2B5EF4-FFF2-40B4-BE49-F238E27FC236}">
-                <a16:creationId xmlns="" xmlns:a16="http://schemas.microsoft.com/office/drawing/2014/main" id="{1F0F55EC-D62C-46D0-85AA-2079E978B3AC}"/>
+                <a16:creationId xmlns:a16="http://schemas.microsoft.com/office/drawing/2014/main" id="{1F0F55EC-D62C-46D0-85AA-2079E978B3AC}"/>
               </a:ext>
             </a:extLst>
           </p:cNvPr>
@@ -2834,7 +2935,7 @@
           <p:cNvPr id="6" name="슬라이드 번호 개체 틀 5">
             <a:extLst>
               <a:ext uri="{FF2B5EF4-FFF2-40B4-BE49-F238E27FC236}">
-                <a16:creationId xmlns="" xmlns:a16="http://schemas.microsoft.com/office/drawing/2014/main" id="{A786F994-D68F-40EE-B340-2867A153420B}"/>
+                <a16:creationId xmlns:a16="http://schemas.microsoft.com/office/drawing/2014/main" id="{A786F994-D68F-40EE-B340-2867A153420B}"/>
               </a:ext>
             </a:extLst>
           </p:cNvPr>
@@ -2868,9 +2969,21 @@
   <p:clrMapOvr>
     <a:masterClrMapping/>
   </p:clrMapOvr>
+  <mc:AlternateContent xmlns:mc="http://schemas.openxmlformats.org/markup-compatibility/2006" xmlns:p14="http://schemas.microsoft.com/office/powerpoint/2010/main">
+    <mc:Choice Requires="p14">
+      <p:transition p14:dur="300" advClick="0">
+        <p:push/>
+      </p:transition>
+    </mc:Choice>
+    <mc:Fallback xmlns="">
+      <p:transition advClick="0">
+        <p:push/>
+      </p:transition>
+    </mc:Fallback>
+  </mc:AlternateContent>
   <p:extLst mod="1">
     <p:ext uri="{DCECCB84-F9BA-43D5-87BE-67443E8EF086}">
-      <p15:sldGuideLst xmlns="" xmlns:p15="http://schemas.microsoft.com/office/powerpoint/2012/main">
+      <p15:sldGuideLst xmlns:p15="http://schemas.microsoft.com/office/powerpoint/2012/main">
         <p15:guide id="1" orient="horz" pos="278" userDrawn="1">
           <p15:clr>
             <a:srgbClr val="FBAE40"/>
@@ -2927,7 +3040,7 @@
           <p:cNvPr id="4" name="날짜 개체 틀 3">
             <a:extLst>
               <a:ext uri="{FF2B5EF4-FFF2-40B4-BE49-F238E27FC236}">
-                <a16:creationId xmlns="" xmlns:a16="http://schemas.microsoft.com/office/drawing/2014/main" id="{42D06877-D131-4080-A9F4-48C0B274C06E}"/>
+                <a16:creationId xmlns:a16="http://schemas.microsoft.com/office/drawing/2014/main" id="{42D06877-D131-4080-A9F4-48C0B274C06E}"/>
               </a:ext>
             </a:extLst>
           </p:cNvPr>
@@ -2963,7 +3076,7 @@
           <a:p>
             <a:fld id="{CF798D60-6305-4CBF-A4B2-1F42DE11A197}" type="datetimeFigureOut">
               <a:rPr lang="ko-KR" altLang="en-US" smtClean="0"/>
-              <a:t>2021-04-11</a:t>
+              <a:t>2021-04-29</a:t>
             </a:fld>
             <a:endParaRPr lang="ko-KR" altLang="en-US"/>
           </a:p>
@@ -2974,7 +3087,7 @@
           <p:cNvPr id="5" name="바닥글 개체 틀 4">
             <a:extLst>
               <a:ext uri="{FF2B5EF4-FFF2-40B4-BE49-F238E27FC236}">
-                <a16:creationId xmlns="" xmlns:a16="http://schemas.microsoft.com/office/drawing/2014/main" id="{64076F67-2A68-49D1-BB80-037677E09A3F}"/>
+                <a16:creationId xmlns:a16="http://schemas.microsoft.com/office/drawing/2014/main" id="{64076F67-2A68-49D1-BB80-037677E09A3F}"/>
               </a:ext>
             </a:extLst>
           </p:cNvPr>
@@ -3017,7 +3130,7 @@
           <p:cNvPr id="6" name="슬라이드 번호 개체 틀 5">
             <a:extLst>
               <a:ext uri="{FF2B5EF4-FFF2-40B4-BE49-F238E27FC236}">
-                <a16:creationId xmlns="" xmlns:a16="http://schemas.microsoft.com/office/drawing/2014/main" id="{58782565-736B-44B3-9A33-43CB9E3F7716}"/>
+                <a16:creationId xmlns:a16="http://schemas.microsoft.com/office/drawing/2014/main" id="{58782565-736B-44B3-9A33-43CB9E3F7716}"/>
               </a:ext>
             </a:extLst>
           </p:cNvPr>
@@ -3075,6 +3188,18 @@
     <p:sldLayoutId id="2147483670" r:id="rId5"/>
     <p:sldLayoutId id="2147483672" r:id="rId6"/>
   </p:sldLayoutIdLst>
+  <mc:AlternateContent xmlns:mc="http://schemas.openxmlformats.org/markup-compatibility/2006" xmlns:p14="http://schemas.microsoft.com/office/powerpoint/2010/main">
+    <mc:Choice Requires="p14">
+      <p:transition p14:dur="300" advClick="0">
+        <p:push/>
+      </p:transition>
+    </mc:Choice>
+    <mc:Fallback xmlns="">
+      <p:transition advClick="0">
+        <p:push/>
+      </p:transition>
+    </mc:Fallback>
+  </mc:AlternateContent>
   <p:timing>
     <p:tnLst>
       <p:par>
@@ -3459,7 +3584,7 @@
             <p:cNvPr id="17" name="직선 연결선 16">
               <a:extLst>
                 <a:ext uri="{FF2B5EF4-FFF2-40B4-BE49-F238E27FC236}">
-                  <a16:creationId xmlns="" xmlns:a16="http://schemas.microsoft.com/office/drawing/2014/main" id="{AA7311F7-BDB2-4871-A52E-85827F6BBA0C}"/>
+                  <a16:creationId xmlns:a16="http://schemas.microsoft.com/office/drawing/2014/main" id="{AA7311F7-BDB2-4871-A52E-85827F6BBA0C}"/>
                 </a:ext>
               </a:extLst>
             </p:cNvPr>
@@ -3500,7 +3625,7 @@
             <p:cNvPr id="18" name="직사각형 17">
               <a:extLst>
                 <a:ext uri="{FF2B5EF4-FFF2-40B4-BE49-F238E27FC236}">
-                  <a16:creationId xmlns="" xmlns:a16="http://schemas.microsoft.com/office/drawing/2014/main" id="{4607419D-DA91-41E9-BA14-DED2C6883059}"/>
+                  <a16:creationId xmlns:a16="http://schemas.microsoft.com/office/drawing/2014/main" id="{4607419D-DA91-41E9-BA14-DED2C6883059}"/>
                 </a:ext>
               </a:extLst>
             </p:cNvPr>
@@ -3597,7 +3722,7 @@
             <p:cNvPr id="7" name="TextBox 6">
               <a:extLst>
                 <a:ext uri="{FF2B5EF4-FFF2-40B4-BE49-F238E27FC236}">
-                  <a16:creationId xmlns="" xmlns:a16="http://schemas.microsoft.com/office/drawing/2014/main" id="{704C1FE0-6BEB-44C5-B4B9-1755F444F838}"/>
+                  <a16:creationId xmlns:a16="http://schemas.microsoft.com/office/drawing/2014/main" id="{704C1FE0-6BEB-44C5-B4B9-1755F444F838}"/>
                 </a:ext>
               </a:extLst>
             </p:cNvPr>
@@ -3646,7 +3771,7 @@
             <p:cNvPr id="50" name="TextBox 49">
               <a:extLst>
                 <a:ext uri="{FF2B5EF4-FFF2-40B4-BE49-F238E27FC236}">
-                  <a16:creationId xmlns="" xmlns:a16="http://schemas.microsoft.com/office/drawing/2014/main" id="{704C1FE0-6BEB-44C5-B4B9-1755F444F838}"/>
+                  <a16:creationId xmlns:a16="http://schemas.microsoft.com/office/drawing/2014/main" id="{704C1FE0-6BEB-44C5-B4B9-1755F444F838}"/>
                 </a:ext>
               </a:extLst>
             </p:cNvPr>
@@ -3752,6 +3877,14 @@
   <p:clrMapOvr>
     <a:overrideClrMapping bg1="lt1" tx1="dk1" bg2="lt2" tx2="dk2" accent1="accent1" accent2="accent2" accent3="accent3" accent4="accent4" accent5="accent5" accent6="accent6" hlink="hlink" folHlink="folHlink"/>
   </p:clrMapOvr>
+  <mc:AlternateContent xmlns:mc="http://schemas.openxmlformats.org/markup-compatibility/2006" xmlns:p14="http://schemas.microsoft.com/office/powerpoint/2010/main">
+    <mc:Choice Requires="p14">
+      <p:transition p14:dur="0" advClick="0"/>
+    </mc:Choice>
+    <mc:Fallback xmlns="">
+      <p:transition advClick="0"/>
+    </mc:Fallback>
+  </mc:AlternateContent>
   <p:timing>
     <p:tnLst>
       <p:par>
@@ -3784,7 +3917,7 @@
           <p:cNvPr id="7" name="TextBox 6">
             <a:extLst>
               <a:ext uri="{FF2B5EF4-FFF2-40B4-BE49-F238E27FC236}">
-                <a16:creationId xmlns="" xmlns:a16="http://schemas.microsoft.com/office/drawing/2014/main" id="{704C1FE0-6BEB-44C5-B4B9-1755F444F838}"/>
+                <a16:creationId xmlns:a16="http://schemas.microsoft.com/office/drawing/2014/main" id="{704C1FE0-6BEB-44C5-B4B9-1755F444F838}"/>
               </a:ext>
             </a:extLst>
           </p:cNvPr>
@@ -3848,7 +3981,7 @@
           <p:cNvPr id="17" name="직선 연결선 16">
             <a:extLst>
               <a:ext uri="{FF2B5EF4-FFF2-40B4-BE49-F238E27FC236}">
-                <a16:creationId xmlns="" xmlns:a16="http://schemas.microsoft.com/office/drawing/2014/main" id="{AA7311F7-BDB2-4871-A52E-85827F6BBA0C}"/>
+                <a16:creationId xmlns:a16="http://schemas.microsoft.com/office/drawing/2014/main" id="{AA7311F7-BDB2-4871-A52E-85827F6BBA0C}"/>
               </a:ext>
             </a:extLst>
           </p:cNvPr>
@@ -3891,7 +4024,7 @@
           <p:cNvPr id="65" name="직사각형 64">
             <a:extLst>
               <a:ext uri="{FF2B5EF4-FFF2-40B4-BE49-F238E27FC236}">
-                <a16:creationId xmlns="" xmlns:a16="http://schemas.microsoft.com/office/drawing/2014/main" id="{4607419D-DA91-41E9-BA14-DED2C6883059}"/>
+                <a16:creationId xmlns:a16="http://schemas.microsoft.com/office/drawing/2014/main" id="{4607419D-DA91-41E9-BA14-DED2C6883059}"/>
               </a:ext>
             </a:extLst>
           </p:cNvPr>
@@ -4105,7 +4238,7 @@
             <p:cNvPr id="32" name="직사각형 31">
               <a:extLst>
                 <a:ext uri="{FF2B5EF4-FFF2-40B4-BE49-F238E27FC236}">
-                  <a16:creationId xmlns="" xmlns:a16="http://schemas.microsoft.com/office/drawing/2014/main" id="{79E4D4CF-E815-4434-98D1-D205C55FA41F}"/>
+                  <a16:creationId xmlns:a16="http://schemas.microsoft.com/office/drawing/2014/main" id="{79E4D4CF-E815-4434-98D1-D205C55FA41F}"/>
                 </a:ext>
               </a:extLst>
             </p:cNvPr>
@@ -4157,7 +4290,7 @@
             <p:cNvPr id="33" name="직사각형 32">
               <a:extLst>
                 <a:ext uri="{FF2B5EF4-FFF2-40B4-BE49-F238E27FC236}">
-                  <a16:creationId xmlns="" xmlns:a16="http://schemas.microsoft.com/office/drawing/2014/main" id="{00ED8BB9-3121-4110-8B98-9D680221AE12}"/>
+                  <a16:creationId xmlns:a16="http://schemas.microsoft.com/office/drawing/2014/main" id="{00ED8BB9-3121-4110-8B98-9D680221AE12}"/>
                 </a:ext>
               </a:extLst>
             </p:cNvPr>
@@ -4240,7 +4373,7 @@
             <p:cNvPr id="30" name="직사각형 29">
               <a:extLst>
                 <a:ext uri="{FF2B5EF4-FFF2-40B4-BE49-F238E27FC236}">
-                  <a16:creationId xmlns="" xmlns:a16="http://schemas.microsoft.com/office/drawing/2014/main" id="{71E05397-CBA0-4CD3-BDA0-ECCF9AD60C5A}"/>
+                  <a16:creationId xmlns:a16="http://schemas.microsoft.com/office/drawing/2014/main" id="{71E05397-CBA0-4CD3-BDA0-ECCF9AD60C5A}"/>
                 </a:ext>
               </a:extLst>
             </p:cNvPr>
@@ -4292,7 +4425,7 @@
             <p:cNvPr id="31" name="직사각형 30">
               <a:extLst>
                 <a:ext uri="{FF2B5EF4-FFF2-40B4-BE49-F238E27FC236}">
-                  <a16:creationId xmlns="" xmlns:a16="http://schemas.microsoft.com/office/drawing/2014/main" id="{00ED8BB9-3121-4110-8B98-9D680221AE12}"/>
+                  <a16:creationId xmlns:a16="http://schemas.microsoft.com/office/drawing/2014/main" id="{00ED8BB9-3121-4110-8B98-9D680221AE12}"/>
                 </a:ext>
               </a:extLst>
             </p:cNvPr>
@@ -4375,7 +4508,7 @@
             <p:cNvPr id="28" name="직사각형 27">
               <a:extLst>
                 <a:ext uri="{FF2B5EF4-FFF2-40B4-BE49-F238E27FC236}">
-                  <a16:creationId xmlns="" xmlns:a16="http://schemas.microsoft.com/office/drawing/2014/main" id="{137EA967-CEA9-44DE-9294-0D152AA293B8}"/>
+                  <a16:creationId xmlns:a16="http://schemas.microsoft.com/office/drawing/2014/main" id="{137EA967-CEA9-44DE-9294-0D152AA293B8}"/>
                 </a:ext>
               </a:extLst>
             </p:cNvPr>
@@ -4427,7 +4560,7 @@
             <p:cNvPr id="29" name="직사각형 28">
               <a:extLst>
                 <a:ext uri="{FF2B5EF4-FFF2-40B4-BE49-F238E27FC236}">
-                  <a16:creationId xmlns="" xmlns:a16="http://schemas.microsoft.com/office/drawing/2014/main" id="{00ED8BB9-3121-4110-8B98-9D680221AE12}"/>
+                  <a16:creationId xmlns:a16="http://schemas.microsoft.com/office/drawing/2014/main" id="{00ED8BB9-3121-4110-8B98-9D680221AE12}"/>
                 </a:ext>
               </a:extLst>
             </p:cNvPr>
@@ -4510,7 +4643,7 @@
             <p:cNvPr id="26" name="직사각형 25">
               <a:extLst>
                 <a:ext uri="{FF2B5EF4-FFF2-40B4-BE49-F238E27FC236}">
-                  <a16:creationId xmlns="" xmlns:a16="http://schemas.microsoft.com/office/drawing/2014/main" id="{A7B5F3E0-8716-4DBC-9C00-68995BAFCA3B}"/>
+                  <a16:creationId xmlns:a16="http://schemas.microsoft.com/office/drawing/2014/main" id="{A7B5F3E0-8716-4DBC-9C00-68995BAFCA3B}"/>
                 </a:ext>
               </a:extLst>
             </p:cNvPr>
@@ -4562,7 +4695,7 @@
             <p:cNvPr id="27" name="직사각형 26">
               <a:extLst>
                 <a:ext uri="{FF2B5EF4-FFF2-40B4-BE49-F238E27FC236}">
-                  <a16:creationId xmlns="" xmlns:a16="http://schemas.microsoft.com/office/drawing/2014/main" id="{00ED8BB9-3121-4110-8B98-9D680221AE12}"/>
+                  <a16:creationId xmlns:a16="http://schemas.microsoft.com/office/drawing/2014/main" id="{00ED8BB9-3121-4110-8B98-9D680221AE12}"/>
                 </a:ext>
               </a:extLst>
             </p:cNvPr>
@@ -4636,6 +4769,18 @@
   <p:clrMapOvr>
     <a:masterClrMapping/>
   </p:clrMapOvr>
+  <mc:AlternateContent xmlns:mc="http://schemas.openxmlformats.org/markup-compatibility/2006" xmlns:p14="http://schemas.microsoft.com/office/powerpoint/2010/main">
+    <mc:Choice Requires="p14">
+      <p:transition p14:dur="300" advClick="0">
+        <p:push/>
+      </p:transition>
+    </mc:Choice>
+    <mc:Fallback xmlns="">
+      <p:transition advClick="0">
+        <p:push/>
+      </p:transition>
+    </mc:Fallback>
+  </mc:AlternateContent>
   <p:timing>
     <p:tnLst>
       <p:par>
@@ -5184,6 +5329,18 @@
   <p:clrMapOvr>
     <a:masterClrMapping/>
   </p:clrMapOvr>
+  <mc:AlternateContent xmlns:mc="http://schemas.openxmlformats.org/markup-compatibility/2006" xmlns:p14="http://schemas.microsoft.com/office/powerpoint/2010/main">
+    <mc:Choice Requires="p14">
+      <p:transition p14:dur="300" advClick="0">
+        <p:push/>
+      </p:transition>
+    </mc:Choice>
+    <mc:Fallback xmlns="">
+      <p:transition advClick="0">
+        <p:push/>
+      </p:transition>
+    </mc:Fallback>
+  </mc:AlternateContent>
   <p:timing>
     <p:tnLst>
       <p:par>
@@ -5196,6 +5353,9 @@
                     <p:cTn id="3" fill="hold">
                       <p:stCondLst>
                         <p:cond delay="indefinite"/>
+                        <p:cond evt="onBegin" delay="0">
+                          <p:tn val="2"/>
+                        </p:cond>
                       </p:stCondLst>
                       <p:childTnLst>
                         <p:par>
@@ -5205,9 +5365,9 @@
                             </p:stCondLst>
                             <p:childTnLst>
                               <p:par>
-                                <p:cTn id="5" presetID="22" presetClass="entr" presetSubtype="8" fill="hold" grpId="0" nodeType="clickEffect">
+                                <p:cTn id="5" presetID="22" presetClass="entr" presetSubtype="8" fill="hold" grpId="0" nodeType="afterEffect">
                                   <p:stCondLst>
-                                    <p:cond delay="0"/>
+                                    <p:cond delay="400"/>
                                   </p:stCondLst>
                                   <p:childTnLst>
                                     <p:set>
@@ -5343,7 +5503,7 @@
           <p:cNvPr id="5" name="TextBox 4">
             <a:extLst>
               <a:ext uri="{FF2B5EF4-FFF2-40B4-BE49-F238E27FC236}">
-                <a16:creationId xmlns="" xmlns:a16="http://schemas.microsoft.com/office/drawing/2014/main" id="{A1687216-9C76-4F29-934C-F430DF40C5FA}"/>
+                <a16:creationId xmlns:a16="http://schemas.microsoft.com/office/drawing/2014/main" id="{A1687216-9C76-4F29-934C-F430DF40C5FA}"/>
               </a:ext>
             </a:extLst>
           </p:cNvPr>
@@ -5573,7 +5733,7 @@
           <p:cNvPr id="9" name="TextBox 8">
             <a:extLst>
               <a:ext uri="{FF2B5EF4-FFF2-40B4-BE49-F238E27FC236}">
-                <a16:creationId xmlns="" xmlns:a16="http://schemas.microsoft.com/office/drawing/2014/main" id="{A1687216-9C76-4F29-934C-F430DF40C5FA}"/>
+                <a16:creationId xmlns:a16="http://schemas.microsoft.com/office/drawing/2014/main" id="{A1687216-9C76-4F29-934C-F430DF40C5FA}"/>
               </a:ext>
             </a:extLst>
           </p:cNvPr>
@@ -5761,7 +5921,7 @@
           <p:cNvPr id="17" name="TextBox 16">
             <a:extLst>
               <a:ext uri="{FF2B5EF4-FFF2-40B4-BE49-F238E27FC236}">
-                <a16:creationId xmlns="" xmlns:a16="http://schemas.microsoft.com/office/drawing/2014/main" id="{A1687216-9C76-4F29-934C-F430DF40C5FA}"/>
+                <a16:creationId xmlns:a16="http://schemas.microsoft.com/office/drawing/2014/main" id="{A1687216-9C76-4F29-934C-F430DF40C5FA}"/>
               </a:ext>
             </a:extLst>
           </p:cNvPr>
@@ -5975,7 +6135,7 @@
           <p:cNvPr id="19" name="TextBox 18">
             <a:extLst>
               <a:ext uri="{FF2B5EF4-FFF2-40B4-BE49-F238E27FC236}">
-                <a16:creationId xmlns="" xmlns:a16="http://schemas.microsoft.com/office/drawing/2014/main" id="{A1687216-9C76-4F29-934C-F430DF40C5FA}"/>
+                <a16:creationId xmlns:a16="http://schemas.microsoft.com/office/drawing/2014/main" id="{A1687216-9C76-4F29-934C-F430DF40C5FA}"/>
               </a:ext>
             </a:extLst>
           </p:cNvPr>
@@ -6462,7 +6622,7 @@
           <p:cNvPr id="20" name="TextBox 19">
             <a:extLst>
               <a:ext uri="{FF2B5EF4-FFF2-40B4-BE49-F238E27FC236}">
-                <a16:creationId xmlns="" xmlns:a16="http://schemas.microsoft.com/office/drawing/2014/main" id="{A1687216-9C76-4F29-934C-F430DF40C5FA}"/>
+                <a16:creationId xmlns:a16="http://schemas.microsoft.com/office/drawing/2014/main" id="{A1687216-9C76-4F29-934C-F430DF40C5FA}"/>
               </a:ext>
             </a:extLst>
           </p:cNvPr>
@@ -6975,7 +7135,7 @@
           <p:cNvPr id="21" name="TextBox 20">
             <a:extLst>
               <a:ext uri="{FF2B5EF4-FFF2-40B4-BE49-F238E27FC236}">
-                <a16:creationId xmlns="" xmlns:a16="http://schemas.microsoft.com/office/drawing/2014/main" id="{A1687216-9C76-4F29-934C-F430DF40C5FA}"/>
+                <a16:creationId xmlns:a16="http://schemas.microsoft.com/office/drawing/2014/main" id="{A1687216-9C76-4F29-934C-F430DF40C5FA}"/>
               </a:ext>
             </a:extLst>
           </p:cNvPr>
@@ -7126,6 +7286,14 @@
   <p:clrMapOvr>
     <a:masterClrMapping/>
   </p:clrMapOvr>
+  <mc:AlternateContent xmlns:mc="http://schemas.openxmlformats.org/markup-compatibility/2006" xmlns:p14="http://schemas.microsoft.com/office/powerpoint/2010/main">
+    <mc:Choice Requires="p14">
+      <p:transition p14:dur="0" advClick="0"/>
+    </mc:Choice>
+    <mc:Fallback xmlns="">
+      <p:transition advClick="0"/>
+    </mc:Fallback>
+  </mc:AlternateContent>
   <p:timing>
     <p:tnLst>
       <p:par>
@@ -7178,7 +7346,13 @@
                 <a:tableStyleId>{EB344D84-9AFB-497E-A393-DC336BA19D2E}</a:tableStyleId>
               </a:tblPr>
               <a:tblGrid>
-                <a:gridCol w="4094984"/>
+                <a:gridCol w="4094984">
+                  <a:extLst>
+                    <a:ext uri="{9D8B030D-6E8A-4147-A177-3AD203B41FA5}">
+                      <a16:colId xmlns:a16="http://schemas.microsoft.com/office/drawing/2014/main" val="20000"/>
+                    </a:ext>
+                  </a:extLst>
+                </a:gridCol>
               </a:tblGrid>
               <a:tr h="133419">
                 <a:tc>
@@ -7213,6 +7387,11 @@
                     </a:lnBlToTr>
                   </a:tcPr>
                 </a:tc>
+                <a:extLst>
+                  <a:ext uri="{0D108BD9-81ED-4DB2-BD59-A6C34878D82A}">
+                    <a16:rowId xmlns:a16="http://schemas.microsoft.com/office/drawing/2014/main" val="10000"/>
+                  </a:ext>
+                </a:extLst>
               </a:tr>
               <a:tr h="133419">
                 <a:tc>
@@ -7247,6 +7426,11 @@
                     </a:lnBlToTr>
                   </a:tcPr>
                 </a:tc>
+                <a:extLst>
+                  <a:ext uri="{0D108BD9-81ED-4DB2-BD59-A6C34878D82A}">
+                    <a16:rowId xmlns:a16="http://schemas.microsoft.com/office/drawing/2014/main" val="10001"/>
+                  </a:ext>
+                </a:extLst>
               </a:tr>
               <a:tr h="133419">
                 <a:tc>
@@ -7281,6 +7465,11 @@
                     </a:lnBlToTr>
                   </a:tcPr>
                 </a:tc>
+                <a:extLst>
+                  <a:ext uri="{0D108BD9-81ED-4DB2-BD59-A6C34878D82A}">
+                    <a16:rowId xmlns:a16="http://schemas.microsoft.com/office/drawing/2014/main" val="10002"/>
+                  </a:ext>
+                </a:extLst>
               </a:tr>
               <a:tr h="133419">
                 <a:tc>
@@ -7315,6 +7504,11 @@
                     </a:lnBlToTr>
                   </a:tcPr>
                 </a:tc>
+                <a:extLst>
+                  <a:ext uri="{0D108BD9-81ED-4DB2-BD59-A6C34878D82A}">
+                    <a16:rowId xmlns:a16="http://schemas.microsoft.com/office/drawing/2014/main" val="10003"/>
+                  </a:ext>
+                </a:extLst>
               </a:tr>
               <a:tr h="133419">
                 <a:tc>
@@ -7349,6 +7543,11 @@
                     </a:lnBlToTr>
                   </a:tcPr>
                 </a:tc>
+                <a:extLst>
+                  <a:ext uri="{0D108BD9-81ED-4DB2-BD59-A6C34878D82A}">
+                    <a16:rowId xmlns:a16="http://schemas.microsoft.com/office/drawing/2014/main" val="10004"/>
+                  </a:ext>
+                </a:extLst>
               </a:tr>
               <a:tr h="133419">
                 <a:tc>
@@ -7383,6 +7582,11 @@
                     </a:lnBlToTr>
                   </a:tcPr>
                 </a:tc>
+                <a:extLst>
+                  <a:ext uri="{0D108BD9-81ED-4DB2-BD59-A6C34878D82A}">
+                    <a16:rowId xmlns:a16="http://schemas.microsoft.com/office/drawing/2014/main" val="10005"/>
+                  </a:ext>
+                </a:extLst>
               </a:tr>
               <a:tr h="133419">
                 <a:tc>
@@ -7417,6 +7621,11 @@
                     </a:lnBlToTr>
                   </a:tcPr>
                 </a:tc>
+                <a:extLst>
+                  <a:ext uri="{0D108BD9-81ED-4DB2-BD59-A6C34878D82A}">
+                    <a16:rowId xmlns:a16="http://schemas.microsoft.com/office/drawing/2014/main" val="10006"/>
+                  </a:ext>
+                </a:extLst>
               </a:tr>
               <a:tr h="133419">
                 <a:tc>
@@ -7451,6 +7660,11 @@
                     </a:lnBlToTr>
                   </a:tcPr>
                 </a:tc>
+                <a:extLst>
+                  <a:ext uri="{0D108BD9-81ED-4DB2-BD59-A6C34878D82A}">
+                    <a16:rowId xmlns:a16="http://schemas.microsoft.com/office/drawing/2014/main" val="10007"/>
+                  </a:ext>
+                </a:extLst>
               </a:tr>
               <a:tr h="133419">
                 <a:tc>
@@ -7485,6 +7699,11 @@
                     </a:lnBlToTr>
                   </a:tcPr>
                 </a:tc>
+                <a:extLst>
+                  <a:ext uri="{0D108BD9-81ED-4DB2-BD59-A6C34878D82A}">
+                    <a16:rowId xmlns:a16="http://schemas.microsoft.com/office/drawing/2014/main" val="10008"/>
+                  </a:ext>
+                </a:extLst>
               </a:tr>
               <a:tr h="133419">
                 <a:tc>
@@ -7519,6 +7738,11 @@
                     </a:lnBlToTr>
                   </a:tcPr>
                 </a:tc>
+                <a:extLst>
+                  <a:ext uri="{0D108BD9-81ED-4DB2-BD59-A6C34878D82A}">
+                    <a16:rowId xmlns:a16="http://schemas.microsoft.com/office/drawing/2014/main" val="10009"/>
+                  </a:ext>
+                </a:extLst>
               </a:tr>
               <a:tr h="133419">
                 <a:tc>
@@ -7553,6 +7777,11 @@
                     </a:lnBlToTr>
                   </a:tcPr>
                 </a:tc>
+                <a:extLst>
+                  <a:ext uri="{0D108BD9-81ED-4DB2-BD59-A6C34878D82A}">
+                    <a16:rowId xmlns:a16="http://schemas.microsoft.com/office/drawing/2014/main" val="10010"/>
+                  </a:ext>
+                </a:extLst>
               </a:tr>
               <a:tr h="133419">
                 <a:tc>
@@ -7587,6 +7816,11 @@
                     </a:lnBlToTr>
                   </a:tcPr>
                 </a:tc>
+                <a:extLst>
+                  <a:ext uri="{0D108BD9-81ED-4DB2-BD59-A6C34878D82A}">
+                    <a16:rowId xmlns:a16="http://schemas.microsoft.com/office/drawing/2014/main" val="10011"/>
+                  </a:ext>
+                </a:extLst>
               </a:tr>
               <a:tr h="133419">
                 <a:tc>
@@ -7621,6 +7855,11 @@
                     </a:lnBlToTr>
                   </a:tcPr>
                 </a:tc>
+                <a:extLst>
+                  <a:ext uri="{0D108BD9-81ED-4DB2-BD59-A6C34878D82A}">
+                    <a16:rowId xmlns:a16="http://schemas.microsoft.com/office/drawing/2014/main" val="10012"/>
+                  </a:ext>
+                </a:extLst>
               </a:tr>
               <a:tr h="133419">
                 <a:tc>
@@ -7655,6 +7894,11 @@
                     </a:lnBlToTr>
                   </a:tcPr>
                 </a:tc>
+                <a:extLst>
+                  <a:ext uri="{0D108BD9-81ED-4DB2-BD59-A6C34878D82A}">
+                    <a16:rowId xmlns:a16="http://schemas.microsoft.com/office/drawing/2014/main" val="10013"/>
+                  </a:ext>
+                </a:extLst>
               </a:tr>
               <a:tr h="133419">
                 <a:tc>
@@ -7689,6 +7933,11 @@
                     </a:lnBlToTr>
                   </a:tcPr>
                 </a:tc>
+                <a:extLst>
+                  <a:ext uri="{0D108BD9-81ED-4DB2-BD59-A6C34878D82A}">
+                    <a16:rowId xmlns:a16="http://schemas.microsoft.com/office/drawing/2014/main" val="10014"/>
+                  </a:ext>
+                </a:extLst>
               </a:tr>
               <a:tr h="133419">
                 <a:tc>
@@ -7723,6 +7972,11 @@
                     </a:lnBlToTr>
                   </a:tcPr>
                 </a:tc>
+                <a:extLst>
+                  <a:ext uri="{0D108BD9-81ED-4DB2-BD59-A6C34878D82A}">
+                    <a16:rowId xmlns:a16="http://schemas.microsoft.com/office/drawing/2014/main" val="10015"/>
+                  </a:ext>
+                </a:extLst>
               </a:tr>
               <a:tr h="133419">
                 <a:tc>
@@ -7757,6 +8011,11 @@
                     </a:lnBlToTr>
                   </a:tcPr>
                 </a:tc>
+                <a:extLst>
+                  <a:ext uri="{0D108BD9-81ED-4DB2-BD59-A6C34878D82A}">
+                    <a16:rowId xmlns:a16="http://schemas.microsoft.com/office/drawing/2014/main" val="10016"/>
+                  </a:ext>
+                </a:extLst>
               </a:tr>
               <a:tr h="133419">
                 <a:tc>
@@ -7791,6 +8050,11 @@
                     </a:lnBlToTr>
                   </a:tcPr>
                 </a:tc>
+                <a:extLst>
+                  <a:ext uri="{0D108BD9-81ED-4DB2-BD59-A6C34878D82A}">
+                    <a16:rowId xmlns:a16="http://schemas.microsoft.com/office/drawing/2014/main" val="10017"/>
+                  </a:ext>
+                </a:extLst>
               </a:tr>
               <a:tr h="133419">
                 <a:tc>
@@ -7825,6 +8089,11 @@
                     </a:lnBlToTr>
                   </a:tcPr>
                 </a:tc>
+                <a:extLst>
+                  <a:ext uri="{0D108BD9-81ED-4DB2-BD59-A6C34878D82A}">
+                    <a16:rowId xmlns:a16="http://schemas.microsoft.com/office/drawing/2014/main" val="10018"/>
+                  </a:ext>
+                </a:extLst>
               </a:tr>
               <a:tr h="133419">
                 <a:tc>
@@ -7859,6 +8128,11 @@
                     </a:lnBlToTr>
                   </a:tcPr>
                 </a:tc>
+                <a:extLst>
+                  <a:ext uri="{0D108BD9-81ED-4DB2-BD59-A6C34878D82A}">
+                    <a16:rowId xmlns:a16="http://schemas.microsoft.com/office/drawing/2014/main" val="10019"/>
+                  </a:ext>
+                </a:extLst>
               </a:tr>
               <a:tr h="133419">
                 <a:tc>
@@ -7893,6 +8167,11 @@
                     </a:lnBlToTr>
                   </a:tcPr>
                 </a:tc>
+                <a:extLst>
+                  <a:ext uri="{0D108BD9-81ED-4DB2-BD59-A6C34878D82A}">
+                    <a16:rowId xmlns:a16="http://schemas.microsoft.com/office/drawing/2014/main" val="10020"/>
+                  </a:ext>
+                </a:extLst>
               </a:tr>
               <a:tr h="133419">
                 <a:tc>
@@ -7927,6 +8206,11 @@
                     </a:lnBlToTr>
                   </a:tcPr>
                 </a:tc>
+                <a:extLst>
+                  <a:ext uri="{0D108BD9-81ED-4DB2-BD59-A6C34878D82A}">
+                    <a16:rowId xmlns:a16="http://schemas.microsoft.com/office/drawing/2014/main" val="10021"/>
+                  </a:ext>
+                </a:extLst>
               </a:tr>
             </a:tbl>
           </a:graphicData>
@@ -7995,7 +8279,7 @@
           <p:cNvPr id="5" name="TextBox 4">
             <a:extLst>
               <a:ext uri="{FF2B5EF4-FFF2-40B4-BE49-F238E27FC236}">
-                <a16:creationId xmlns="" xmlns:a16="http://schemas.microsoft.com/office/drawing/2014/main" id="{A1687216-9C76-4F29-934C-F430DF40C5FA}"/>
+                <a16:creationId xmlns:a16="http://schemas.microsoft.com/office/drawing/2014/main" id="{A1687216-9C76-4F29-934C-F430DF40C5FA}"/>
               </a:ext>
             </a:extLst>
           </p:cNvPr>
@@ -8089,7 +8373,7 @@
           <p:cNvPr id="22" name="TextBox 21">
             <a:extLst>
               <a:ext uri="{FF2B5EF4-FFF2-40B4-BE49-F238E27FC236}">
-                <a16:creationId xmlns="" xmlns:a16="http://schemas.microsoft.com/office/drawing/2014/main" id="{A1687216-9C76-4F29-934C-F430DF40C5FA}"/>
+                <a16:creationId xmlns:a16="http://schemas.microsoft.com/office/drawing/2014/main" id="{A1687216-9C76-4F29-934C-F430DF40C5FA}"/>
               </a:ext>
             </a:extLst>
           </p:cNvPr>
@@ -8281,7 +8565,7 @@
           <p:cNvPr id="11" name="TextBox 10">
             <a:extLst>
               <a:ext uri="{FF2B5EF4-FFF2-40B4-BE49-F238E27FC236}">
-                <a16:creationId xmlns="" xmlns:a16="http://schemas.microsoft.com/office/drawing/2014/main" id="{A1687216-9C76-4F29-934C-F430DF40C5FA}"/>
+                <a16:creationId xmlns:a16="http://schemas.microsoft.com/office/drawing/2014/main" id="{A1687216-9C76-4F29-934C-F430DF40C5FA}"/>
               </a:ext>
             </a:extLst>
           </p:cNvPr>
@@ -10262,7 +10546,7 @@
           <p:cNvPr id="13" name="TextBox 12">
             <a:extLst>
               <a:ext uri="{FF2B5EF4-FFF2-40B4-BE49-F238E27FC236}">
-                <a16:creationId xmlns="" xmlns:a16="http://schemas.microsoft.com/office/drawing/2014/main" id="{A1687216-9C76-4F29-934C-F430DF40C5FA}"/>
+                <a16:creationId xmlns:a16="http://schemas.microsoft.com/office/drawing/2014/main" id="{A1687216-9C76-4F29-934C-F430DF40C5FA}"/>
               </a:ext>
             </a:extLst>
           </p:cNvPr>
@@ -11353,6 +11637,14 @@
   <p:clrMapOvr>
     <a:masterClrMapping/>
   </p:clrMapOvr>
+  <mc:AlternateContent xmlns:mc="http://schemas.openxmlformats.org/markup-compatibility/2006" xmlns:p14="http://schemas.microsoft.com/office/powerpoint/2010/main">
+    <mc:Choice Requires="p14">
+      <p:transition p14:dur="0" advClick="0"/>
+    </mc:Choice>
+    <mc:Fallback xmlns="">
+      <p:transition advClick="0"/>
+    </mc:Fallback>
+  </mc:AlternateContent>
   <p:timing>
     <p:tnLst>
       <p:par>
@@ -11405,7 +11697,13 @@
                 <a:tableStyleId>{EB344D84-9AFB-497E-A393-DC336BA19D2E}</a:tableStyleId>
               </a:tblPr>
               <a:tblGrid>
-                <a:gridCol w="4498490"/>
+                <a:gridCol w="4498490">
+                  <a:extLst>
+                    <a:ext uri="{9D8B030D-6E8A-4147-A177-3AD203B41FA5}">
+                      <a16:colId xmlns:a16="http://schemas.microsoft.com/office/drawing/2014/main" val="20000"/>
+                    </a:ext>
+                  </a:extLst>
+                </a:gridCol>
               </a:tblGrid>
               <a:tr h="152657">
                 <a:tc>
@@ -11440,6 +11738,11 @@
                     </a:lnBlToTr>
                   </a:tcPr>
                 </a:tc>
+                <a:extLst>
+                  <a:ext uri="{0D108BD9-81ED-4DB2-BD59-A6C34878D82A}">
+                    <a16:rowId xmlns:a16="http://schemas.microsoft.com/office/drawing/2014/main" val="10000"/>
+                  </a:ext>
+                </a:extLst>
               </a:tr>
               <a:tr h="152657">
                 <a:tc>
@@ -11474,6 +11777,11 @@
                     </a:lnBlToTr>
                   </a:tcPr>
                 </a:tc>
+                <a:extLst>
+                  <a:ext uri="{0D108BD9-81ED-4DB2-BD59-A6C34878D82A}">
+                    <a16:rowId xmlns:a16="http://schemas.microsoft.com/office/drawing/2014/main" val="10001"/>
+                  </a:ext>
+                </a:extLst>
               </a:tr>
               <a:tr h="152657">
                 <a:tc>
@@ -11508,6 +11816,11 @@
                     </a:lnBlToTr>
                   </a:tcPr>
                 </a:tc>
+                <a:extLst>
+                  <a:ext uri="{0D108BD9-81ED-4DB2-BD59-A6C34878D82A}">
+                    <a16:rowId xmlns:a16="http://schemas.microsoft.com/office/drawing/2014/main" val="10002"/>
+                  </a:ext>
+                </a:extLst>
               </a:tr>
               <a:tr h="152657">
                 <a:tc>
@@ -11542,6 +11855,11 @@
                     </a:lnBlToTr>
                   </a:tcPr>
                 </a:tc>
+                <a:extLst>
+                  <a:ext uri="{0D108BD9-81ED-4DB2-BD59-A6C34878D82A}">
+                    <a16:rowId xmlns:a16="http://schemas.microsoft.com/office/drawing/2014/main" val="10003"/>
+                  </a:ext>
+                </a:extLst>
               </a:tr>
               <a:tr h="152657">
                 <a:tc>
@@ -11576,6 +11894,11 @@
                     </a:lnBlToTr>
                   </a:tcPr>
                 </a:tc>
+                <a:extLst>
+                  <a:ext uri="{0D108BD9-81ED-4DB2-BD59-A6C34878D82A}">
+                    <a16:rowId xmlns:a16="http://schemas.microsoft.com/office/drawing/2014/main" val="10004"/>
+                  </a:ext>
+                </a:extLst>
               </a:tr>
               <a:tr h="152657">
                 <a:tc>
@@ -11610,6 +11933,11 @@
                     </a:lnBlToTr>
                   </a:tcPr>
                 </a:tc>
+                <a:extLst>
+                  <a:ext uri="{0D108BD9-81ED-4DB2-BD59-A6C34878D82A}">
+                    <a16:rowId xmlns:a16="http://schemas.microsoft.com/office/drawing/2014/main" val="10005"/>
+                  </a:ext>
+                </a:extLst>
               </a:tr>
               <a:tr h="152657">
                 <a:tc>
@@ -11644,6 +11972,11 @@
                     </a:lnBlToTr>
                   </a:tcPr>
                 </a:tc>
+                <a:extLst>
+                  <a:ext uri="{0D108BD9-81ED-4DB2-BD59-A6C34878D82A}">
+                    <a16:rowId xmlns:a16="http://schemas.microsoft.com/office/drawing/2014/main" val="10006"/>
+                  </a:ext>
+                </a:extLst>
               </a:tr>
               <a:tr h="152657">
                 <a:tc>
@@ -11678,6 +12011,11 @@
                     </a:lnBlToTr>
                   </a:tcPr>
                 </a:tc>
+                <a:extLst>
+                  <a:ext uri="{0D108BD9-81ED-4DB2-BD59-A6C34878D82A}">
+                    <a16:rowId xmlns:a16="http://schemas.microsoft.com/office/drawing/2014/main" val="10007"/>
+                  </a:ext>
+                </a:extLst>
               </a:tr>
               <a:tr h="152657">
                 <a:tc>
@@ -11712,6 +12050,11 @@
                     </a:lnBlToTr>
                   </a:tcPr>
                 </a:tc>
+                <a:extLst>
+                  <a:ext uri="{0D108BD9-81ED-4DB2-BD59-A6C34878D82A}">
+                    <a16:rowId xmlns:a16="http://schemas.microsoft.com/office/drawing/2014/main" val="10008"/>
+                  </a:ext>
+                </a:extLst>
               </a:tr>
               <a:tr h="152657">
                 <a:tc>
@@ -11746,6 +12089,11 @@
                     </a:lnBlToTr>
                   </a:tcPr>
                 </a:tc>
+                <a:extLst>
+                  <a:ext uri="{0D108BD9-81ED-4DB2-BD59-A6C34878D82A}">
+                    <a16:rowId xmlns:a16="http://schemas.microsoft.com/office/drawing/2014/main" val="10009"/>
+                  </a:ext>
+                </a:extLst>
               </a:tr>
               <a:tr h="152657">
                 <a:tc>
@@ -11780,6 +12128,11 @@
                     </a:lnBlToTr>
                   </a:tcPr>
                 </a:tc>
+                <a:extLst>
+                  <a:ext uri="{0D108BD9-81ED-4DB2-BD59-A6C34878D82A}">
+                    <a16:rowId xmlns:a16="http://schemas.microsoft.com/office/drawing/2014/main" val="10010"/>
+                  </a:ext>
+                </a:extLst>
               </a:tr>
               <a:tr h="152657">
                 <a:tc>
@@ -11814,6 +12167,11 @@
                     </a:lnBlToTr>
                   </a:tcPr>
                 </a:tc>
+                <a:extLst>
+                  <a:ext uri="{0D108BD9-81ED-4DB2-BD59-A6C34878D82A}">
+                    <a16:rowId xmlns:a16="http://schemas.microsoft.com/office/drawing/2014/main" val="10011"/>
+                  </a:ext>
+                </a:extLst>
               </a:tr>
               <a:tr h="152657">
                 <a:tc>
@@ -11848,6 +12206,11 @@
                     </a:lnBlToTr>
                   </a:tcPr>
                 </a:tc>
+                <a:extLst>
+                  <a:ext uri="{0D108BD9-81ED-4DB2-BD59-A6C34878D82A}">
+                    <a16:rowId xmlns:a16="http://schemas.microsoft.com/office/drawing/2014/main" val="10012"/>
+                  </a:ext>
+                </a:extLst>
               </a:tr>
               <a:tr h="152657">
                 <a:tc>
@@ -11882,6 +12245,11 @@
                     </a:lnBlToTr>
                   </a:tcPr>
                 </a:tc>
+                <a:extLst>
+                  <a:ext uri="{0D108BD9-81ED-4DB2-BD59-A6C34878D82A}">
+                    <a16:rowId xmlns:a16="http://schemas.microsoft.com/office/drawing/2014/main" val="10013"/>
+                  </a:ext>
+                </a:extLst>
               </a:tr>
               <a:tr h="152657">
                 <a:tc>
@@ -11916,6 +12284,11 @@
                     </a:lnBlToTr>
                   </a:tcPr>
                 </a:tc>
+                <a:extLst>
+                  <a:ext uri="{0D108BD9-81ED-4DB2-BD59-A6C34878D82A}">
+                    <a16:rowId xmlns:a16="http://schemas.microsoft.com/office/drawing/2014/main" val="10014"/>
+                  </a:ext>
+                </a:extLst>
               </a:tr>
               <a:tr h="152657">
                 <a:tc>
@@ -11950,6 +12323,11 @@
                     </a:lnBlToTr>
                   </a:tcPr>
                 </a:tc>
+                <a:extLst>
+                  <a:ext uri="{0D108BD9-81ED-4DB2-BD59-A6C34878D82A}">
+                    <a16:rowId xmlns:a16="http://schemas.microsoft.com/office/drawing/2014/main" val="10015"/>
+                  </a:ext>
+                </a:extLst>
               </a:tr>
               <a:tr h="152657">
                 <a:tc>
@@ -11984,6 +12362,11 @@
                     </a:lnBlToTr>
                   </a:tcPr>
                 </a:tc>
+                <a:extLst>
+                  <a:ext uri="{0D108BD9-81ED-4DB2-BD59-A6C34878D82A}">
+                    <a16:rowId xmlns:a16="http://schemas.microsoft.com/office/drawing/2014/main" val="10016"/>
+                  </a:ext>
+                </a:extLst>
               </a:tr>
               <a:tr h="152657">
                 <a:tc>
@@ -12018,6 +12401,11 @@
                     </a:lnBlToTr>
                   </a:tcPr>
                 </a:tc>
+                <a:extLst>
+                  <a:ext uri="{0D108BD9-81ED-4DB2-BD59-A6C34878D82A}">
+                    <a16:rowId xmlns:a16="http://schemas.microsoft.com/office/drawing/2014/main" val="10017"/>
+                  </a:ext>
+                </a:extLst>
               </a:tr>
               <a:tr h="152657">
                 <a:tc>
@@ -12052,6 +12440,11 @@
                     </a:lnBlToTr>
                   </a:tcPr>
                 </a:tc>
+                <a:extLst>
+                  <a:ext uri="{0D108BD9-81ED-4DB2-BD59-A6C34878D82A}">
+                    <a16:rowId xmlns:a16="http://schemas.microsoft.com/office/drawing/2014/main" val="10018"/>
+                  </a:ext>
+                </a:extLst>
               </a:tr>
               <a:tr h="152657">
                 <a:tc>
@@ -12086,6 +12479,11 @@
                     </a:lnBlToTr>
                   </a:tcPr>
                 </a:tc>
+                <a:extLst>
+                  <a:ext uri="{0D108BD9-81ED-4DB2-BD59-A6C34878D82A}">
+                    <a16:rowId xmlns:a16="http://schemas.microsoft.com/office/drawing/2014/main" val="10019"/>
+                  </a:ext>
+                </a:extLst>
               </a:tr>
               <a:tr h="152657">
                 <a:tc>
@@ -12120,6 +12518,11 @@
                     </a:lnBlToTr>
                   </a:tcPr>
                 </a:tc>
+                <a:extLst>
+                  <a:ext uri="{0D108BD9-81ED-4DB2-BD59-A6C34878D82A}">
+                    <a16:rowId xmlns:a16="http://schemas.microsoft.com/office/drawing/2014/main" val="10020"/>
+                  </a:ext>
+                </a:extLst>
               </a:tr>
               <a:tr h="152657">
                 <a:tc>
@@ -12154,6 +12557,11 @@
                     </a:lnBlToTr>
                   </a:tcPr>
                 </a:tc>
+                <a:extLst>
+                  <a:ext uri="{0D108BD9-81ED-4DB2-BD59-A6C34878D82A}">
+                    <a16:rowId xmlns:a16="http://schemas.microsoft.com/office/drawing/2014/main" val="10021"/>
+                  </a:ext>
+                </a:extLst>
               </a:tr>
               <a:tr h="152657">
                 <a:tc>
@@ -12188,6 +12596,11 @@
                     </a:lnBlToTr>
                   </a:tcPr>
                 </a:tc>
+                <a:extLst>
+                  <a:ext uri="{0D108BD9-81ED-4DB2-BD59-A6C34878D82A}">
+                    <a16:rowId xmlns:a16="http://schemas.microsoft.com/office/drawing/2014/main" val="10022"/>
+                  </a:ext>
+                </a:extLst>
               </a:tr>
               <a:tr h="152657">
                 <a:tc>
@@ -12222,6 +12635,11 @@
                     </a:lnBlToTr>
                   </a:tcPr>
                 </a:tc>
+                <a:extLst>
+                  <a:ext uri="{0D108BD9-81ED-4DB2-BD59-A6C34878D82A}">
+                    <a16:rowId xmlns:a16="http://schemas.microsoft.com/office/drawing/2014/main" val="10023"/>
+                  </a:ext>
+                </a:extLst>
               </a:tr>
             </a:tbl>
           </a:graphicData>
@@ -12246,7 +12664,7 @@
             <p:cNvPr id="3" name="TextBox 2">
               <a:extLst>
                 <a:ext uri="{FF2B5EF4-FFF2-40B4-BE49-F238E27FC236}">
-                  <a16:creationId xmlns="" xmlns:a16="http://schemas.microsoft.com/office/drawing/2014/main" id="{A1687216-9C76-4F29-934C-F430DF40C5FA}"/>
+                  <a16:creationId xmlns:a16="http://schemas.microsoft.com/office/drawing/2014/main" id="{A1687216-9C76-4F29-934C-F430DF40C5FA}"/>
                 </a:ext>
               </a:extLst>
             </p:cNvPr>
@@ -14401,7 +14819,7 @@
             <p:cNvPr id="4" name="TextBox 3">
               <a:extLst>
                 <a:ext uri="{FF2B5EF4-FFF2-40B4-BE49-F238E27FC236}">
-                  <a16:creationId xmlns="" xmlns:a16="http://schemas.microsoft.com/office/drawing/2014/main" id="{A1687216-9C76-4F29-934C-F430DF40C5FA}"/>
+                  <a16:creationId xmlns:a16="http://schemas.microsoft.com/office/drawing/2014/main" id="{A1687216-9C76-4F29-934C-F430DF40C5FA}"/>
                 </a:ext>
               </a:extLst>
             </p:cNvPr>
@@ -16100,6 +16518,14 @@
   <p:clrMapOvr>
     <a:masterClrMapping/>
   </p:clrMapOvr>
+  <mc:AlternateContent xmlns:mc="http://schemas.openxmlformats.org/markup-compatibility/2006" xmlns:p14="http://schemas.microsoft.com/office/powerpoint/2010/main">
+    <mc:Choice Requires="p14">
+      <p:transition p14:dur="0" advClick="0"/>
+    </mc:Choice>
+    <mc:Fallback xmlns="">
+      <p:transition advClick="0"/>
+    </mc:Fallback>
+  </mc:AlternateContent>
   <p:timing>
     <p:tnLst>
       <p:par>
@@ -16113,6 +16539,14 @@
 <file path=ppt/slides/slide7.xml><?xml version="1.0" encoding="utf-8"?>
 <p:sld xmlns:a="http://schemas.openxmlformats.org/drawingml/2006/main" xmlns:r="http://schemas.openxmlformats.org/officeDocument/2006/relationships" xmlns:p="http://schemas.openxmlformats.org/presentationml/2006/main">
   <p:cSld>
+    <p:bg>
+      <p:bgPr>
+        <a:solidFill>
+          <a:schemeClr val="bg1"/>
+        </a:solidFill>
+        <a:effectLst/>
+      </p:bgPr>
+    </p:bg>
     <p:spTree>
       <p:nvGrpSpPr>
         <p:cNvPr id="1" name=""/>
@@ -16127,6 +16561,52 @@
           <a:chExt cx="0" cy="0"/>
         </a:xfrm>
       </p:grpSpPr>
+      <p:sp>
+        <p:nvSpPr>
+          <p:cNvPr id="6" name="직사각형 5"/>
+          <p:cNvSpPr/>
+          <p:nvPr/>
+        </p:nvSpPr>
+        <p:spPr>
+          <a:xfrm>
+            <a:off x="6508868" y="3673542"/>
+            <a:ext cx="1303492" cy="92332"/>
+          </a:xfrm>
+          <a:prstGeom prst="rect">
+            <a:avLst/>
+          </a:prstGeom>
+        </p:spPr>
+        <p:txBody>
+          <a:bodyPr wrap="square" lIns="0" tIns="0" rIns="0" bIns="0">
+            <a:noAutofit/>
+          </a:bodyPr>
+          <a:lstStyle/>
+          <a:p>
+            <a:pPr algn="ctr"/>
+            <a:r>
+              <a:rPr lang="ko-KR" altLang="en-US" sz="600" b="1" dirty="0">
+                <a:ln>
+                  <a:solidFill>
+                    <a:schemeClr val="accent1">
+                      <a:shade val="50000"/>
+                      <a:alpha val="0"/>
+                    </a:schemeClr>
+                  </a:solidFill>
+                </a:ln>
+                <a:solidFill>
+                  <a:schemeClr val="tx1">
+                    <a:lumMod val="75000"/>
+                    <a:lumOff val="25000"/>
+                  </a:schemeClr>
+                </a:solidFill>
+                <a:latin typeface="한수원 한돋움" pitchFamily="50" charset="-127"/>
+                <a:ea typeface="한수원 한돋움" pitchFamily="50" charset="-127"/>
+              </a:rPr>
+              <a:t>https://qrgo.page.link/CNRmv</a:t>
+            </a:r>
+          </a:p>
+        </p:txBody>
+      </p:sp>
       <p:pic>
         <p:nvPicPr>
           <p:cNvPr id="2" name="그림 1"/>
@@ -16163,119 +16643,6 @@
           </a:effectLst>
         </p:spPr>
       </p:pic>
-      <p:grpSp>
-        <p:nvGrpSpPr>
-          <p:cNvPr id="4" name="그룹 3"/>
-          <p:cNvGrpSpPr/>
-          <p:nvPr/>
-        </p:nvGrpSpPr>
-        <p:grpSpPr>
-          <a:xfrm>
-            <a:off x="6806721" y="2427734"/>
-            <a:ext cx="1070298" cy="1070298"/>
-            <a:chOff x="5961464" y="1441718"/>
-            <a:chExt cx="782266" cy="782266"/>
-          </a:xfrm>
-        </p:grpSpPr>
-        <p:pic>
-          <p:nvPicPr>
-            <p:cNvPr id="2050" name="Picture 2" descr="QR Code Generator | Create Your Free QR Codes"/>
-            <p:cNvPicPr>
-              <a:picLocks noChangeAspect="1" noChangeArrowheads="1"/>
-            </p:cNvPicPr>
-            <p:nvPr/>
-          </p:nvPicPr>
-          <p:blipFill>
-            <a:blip r:embed="rId3" cstate="print">
-              <a:lum bright="70000" contrast="-70000"/>
-              <a:extLst>
-                <a:ext uri="{28A0092B-C50C-407E-A947-70E740481C1C}">
-                  <a14:useLocalDpi xmlns:a14="http://schemas.microsoft.com/office/drawing/2010/main" val="0"/>
-                </a:ext>
-              </a:extLst>
-            </a:blip>
-            <a:srcRect/>
-            <a:stretch>
-              <a:fillRect/>
-            </a:stretch>
-          </p:blipFill>
-          <p:spPr bwMode="auto">
-            <a:xfrm>
-              <a:off x="5961464" y="1441718"/>
-              <a:ext cx="782266" cy="782266"/>
-            </a:xfrm>
-            <a:prstGeom prst="rect">
-              <a:avLst/>
-            </a:prstGeom>
-            <a:noFill/>
-            <a:ln w="28575">
-              <a:solidFill>
-                <a:srgbClr val="8CBEFF"/>
-              </a:solidFill>
-            </a:ln>
-            <a:extLst>
-              <a:ext uri="{909E8E84-426E-40DD-AFC4-6F175D3DCCD1}">
-                <a14:hiddenFill xmlns:a14="http://schemas.microsoft.com/office/drawing/2010/main">
-                  <a:solidFill>
-                    <a:srgbClr val="FFFFFF"/>
-                  </a:solidFill>
-                </a14:hiddenFill>
-              </a:ext>
-            </a:extLst>
-          </p:spPr>
-        </p:pic>
-        <p:sp>
-          <p:nvSpPr>
-            <p:cNvPr id="3" name="직사각형 2"/>
-            <p:cNvSpPr/>
-            <p:nvPr/>
-          </p:nvSpPr>
-          <p:spPr>
-            <a:xfrm>
-              <a:off x="6048376" y="1719264"/>
-              <a:ext cx="607218" cy="252212"/>
-            </a:xfrm>
-            <a:prstGeom prst="rect">
-              <a:avLst/>
-            </a:prstGeom>
-            <a:solidFill>
-              <a:schemeClr val="bg1">
-                <a:lumMod val="75000"/>
-              </a:schemeClr>
-            </a:solidFill>
-            <a:ln>
-              <a:noFill/>
-            </a:ln>
-          </p:spPr>
-          <p:style>
-            <a:lnRef idx="2">
-              <a:schemeClr val="accent1">
-                <a:shade val="50000"/>
-              </a:schemeClr>
-            </a:lnRef>
-            <a:fillRef idx="1">
-              <a:schemeClr val="accent1"/>
-            </a:fillRef>
-            <a:effectRef idx="0">
-              <a:schemeClr val="accent1"/>
-            </a:effectRef>
-            <a:fontRef idx="minor">
-              <a:schemeClr val="lt1"/>
-            </a:fontRef>
-          </p:style>
-          <p:txBody>
-            <a:bodyPr rtlCol="0" anchor="ctr"/>
-            <a:lstStyle/>
-            <a:p>
-              <a:pPr algn="ctr"/>
-              <a:r>
-                <a:rPr lang="ko-KR" altLang="en-US" sz="800" b="1" dirty="0"/>
-                <a:t>임시로 넣음</a:t>
-              </a:r>
-            </a:p>
-          </p:txBody>
-        </p:sp>
-      </p:grpSp>
       <p:sp>
         <p:nvSpPr>
           <p:cNvPr id="5" name="직사각형 4"/>
@@ -16324,6 +16691,174 @@
           </a:p>
         </p:txBody>
       </p:sp>
+      <p:grpSp>
+        <p:nvGrpSpPr>
+          <p:cNvPr id="8" name="그룹 7"/>
+          <p:cNvGrpSpPr/>
+          <p:nvPr/>
+        </p:nvGrpSpPr>
+        <p:grpSpPr>
+          <a:xfrm>
+            <a:off x="6556448" y="2358168"/>
+            <a:ext cx="1208332" cy="1208332"/>
+            <a:chOff x="6806721" y="2427734"/>
+            <a:chExt cx="1069200" cy="1069200"/>
+          </a:xfrm>
+        </p:grpSpPr>
+        <p:pic>
+          <p:nvPicPr>
+            <p:cNvPr id="2050" name="Picture 2"/>
+            <p:cNvPicPr>
+              <a:picLocks noChangeAspect="1" noChangeArrowheads="1"/>
+            </p:cNvPicPr>
+            <p:nvPr/>
+          </p:nvPicPr>
+          <p:blipFill>
+            <a:blip r:embed="rId3">
+              <a:extLst>
+                <a:ext uri="{28A0092B-C50C-407E-A947-70E740481C1C}">
+                  <a14:useLocalDpi xmlns:a14="http://schemas.microsoft.com/office/drawing/2010/main" val="0"/>
+                </a:ext>
+              </a:extLst>
+            </a:blip>
+            <a:stretch>
+              <a:fillRect/>
+            </a:stretch>
+          </p:blipFill>
+          <p:spPr bwMode="auto">
+            <a:xfrm>
+              <a:off x="6852312" y="2473325"/>
+              <a:ext cx="979116" cy="979116"/>
+            </a:xfrm>
+            <a:prstGeom prst="rect">
+              <a:avLst/>
+            </a:prstGeom>
+            <a:noFill/>
+            <a:ln w="28575">
+              <a:noFill/>
+            </a:ln>
+            <a:extLst>
+              <a:ext uri="{909E8E84-426E-40DD-AFC4-6F175D3DCCD1}">
+                <a14:hiddenFill xmlns:a14="http://schemas.microsoft.com/office/drawing/2010/main">
+                  <a:solidFill>
+                    <a:srgbClr val="FFFFFF"/>
+                  </a:solidFill>
+                </a14:hiddenFill>
+              </a:ext>
+            </a:extLst>
+          </p:spPr>
+        </p:pic>
+        <p:sp>
+          <p:nvSpPr>
+            <p:cNvPr id="7" name="직사각형 6"/>
+            <p:cNvSpPr/>
+            <p:nvPr/>
+          </p:nvSpPr>
+          <p:spPr>
+            <a:xfrm>
+              <a:off x="6806721" y="2427734"/>
+              <a:ext cx="1069200" cy="1069200"/>
+            </a:xfrm>
+            <a:prstGeom prst="rect">
+              <a:avLst/>
+            </a:prstGeom>
+            <a:noFill/>
+            <a:ln w="28575">
+              <a:solidFill>
+                <a:srgbClr val="8CBEFF"/>
+              </a:solidFill>
+            </a:ln>
+            <a:extLst>
+              <a:ext uri="{909E8E84-426E-40DD-AFC4-6F175D3DCCD1}">
+                <a14:hiddenFill xmlns:a14="http://schemas.microsoft.com/office/drawing/2010/main">
+                  <a:solidFill>
+                    <a:srgbClr val="FFFFFF"/>
+                  </a:solidFill>
+                </a14:hiddenFill>
+              </a:ext>
+            </a:extLst>
+          </p:spPr>
+          <p:style>
+            <a:lnRef idx="2">
+              <a:schemeClr val="accent1">
+                <a:shade val="50000"/>
+              </a:schemeClr>
+            </a:lnRef>
+            <a:fillRef idx="1">
+              <a:schemeClr val="accent1"/>
+            </a:fillRef>
+            <a:effectRef idx="0">
+              <a:schemeClr val="accent1"/>
+            </a:effectRef>
+            <a:fontRef idx="minor">
+              <a:schemeClr val="lt1"/>
+            </a:fontRef>
+          </p:style>
+          <p:txBody>
+            <a:bodyPr rtlCol="0" anchor="ctr"/>
+            <a:lstStyle/>
+            <a:p>
+              <a:pPr algn="ctr"/>
+              <a:endParaRPr lang="ko-KR" altLang="en-US"/>
+            </a:p>
+          </p:txBody>
+        </p:sp>
+      </p:grpSp>
+      <p:sp>
+        <p:nvSpPr>
+          <p:cNvPr id="10" name="직사각형 9">
+            <a:hlinkClick r:id="rId4"/>
+          </p:cNvPr>
+          <p:cNvSpPr/>
+          <p:nvPr/>
+        </p:nvSpPr>
+        <p:spPr>
+          <a:xfrm>
+            <a:off x="6436860" y="2238580"/>
+            <a:ext cx="1447508" cy="1629314"/>
+          </a:xfrm>
+          <a:prstGeom prst="rect">
+            <a:avLst/>
+          </a:prstGeom>
+          <a:noFill/>
+          <a:ln w="28575">
+            <a:noFill/>
+          </a:ln>
+          <a:extLst>
+            <a:ext uri="{909E8E84-426E-40DD-AFC4-6F175D3DCCD1}">
+              <a14:hiddenFill xmlns:a14="http://schemas.microsoft.com/office/drawing/2010/main">
+                <a:solidFill>
+                  <a:srgbClr val="FFFFFF"/>
+                </a:solidFill>
+              </a14:hiddenFill>
+            </a:ext>
+          </a:extLst>
+        </p:spPr>
+        <p:style>
+          <a:lnRef idx="2">
+            <a:schemeClr val="accent1">
+              <a:shade val="50000"/>
+            </a:schemeClr>
+          </a:lnRef>
+          <a:fillRef idx="1">
+            <a:schemeClr val="accent1"/>
+          </a:fillRef>
+          <a:effectRef idx="0">
+            <a:schemeClr val="accent1"/>
+          </a:effectRef>
+          <a:fontRef idx="minor">
+            <a:schemeClr val="lt1"/>
+          </a:fontRef>
+        </p:style>
+        <p:txBody>
+          <a:bodyPr rtlCol="0" anchor="ctr"/>
+          <a:lstStyle/>
+          <a:p>
+            <a:pPr algn="ctr"/>
+            <a:endParaRPr lang="ko-KR" altLang="en-US"/>
+          </a:p>
+        </p:txBody>
+      </p:sp>
     </p:spTree>
     <p:extLst>
       <p:ext uri="{BB962C8B-B14F-4D97-AF65-F5344CB8AC3E}">
@@ -16334,6 +16869,14 @@
   <p:clrMapOvr>
     <a:masterClrMapping/>
   </p:clrMapOvr>
+  <mc:AlternateContent xmlns:mc="http://schemas.openxmlformats.org/markup-compatibility/2006" xmlns:p14="http://schemas.microsoft.com/office/powerpoint/2010/main">
+    <mc:Choice Requires="p14">
+      <p:transition p14:dur="0" advClick="0"/>
+    </mc:Choice>
+    <mc:Fallback xmlns="">
+      <p:transition advClick="0"/>
+    </mc:Fallback>
+  </mc:AlternateContent>
   <p:timing>
     <p:tnLst>
       <p:par>
@@ -16374,7 +16917,7 @@
           <p:cNvPr id="48" name="TextBox 47">
             <a:extLst>
               <a:ext uri="{FF2B5EF4-FFF2-40B4-BE49-F238E27FC236}">
-                <a16:creationId xmlns="" xmlns:a16="http://schemas.microsoft.com/office/drawing/2014/main" id="{7C6F9878-777C-4CD4-9613-851CABCDFC3E}"/>
+                <a16:creationId xmlns:a16="http://schemas.microsoft.com/office/drawing/2014/main" id="{7C6F9878-777C-4CD4-9613-851CABCDFC3E}"/>
               </a:ext>
             </a:extLst>
           </p:cNvPr>
@@ -16424,7 +16967,7 @@
           <p:cNvPr id="39" name="직사각형 38">
             <a:extLst>
               <a:ext uri="{FF2B5EF4-FFF2-40B4-BE49-F238E27FC236}">
-                <a16:creationId xmlns="" xmlns:a16="http://schemas.microsoft.com/office/drawing/2014/main" id="{5898757E-EC0B-47E5-9EA1-43BA79ABA10A}"/>
+                <a16:creationId xmlns:a16="http://schemas.microsoft.com/office/drawing/2014/main" id="{5898757E-EC0B-47E5-9EA1-43BA79ABA10A}"/>
               </a:ext>
             </a:extLst>
           </p:cNvPr>
@@ -17062,6 +17605,14 @@
   <p:clrMapOvr>
     <a:overrideClrMapping bg1="lt1" tx1="dk1" bg2="lt2" tx2="dk2" accent1="accent1" accent2="accent2" accent3="accent3" accent4="accent4" accent5="accent5" accent6="accent6" hlink="hlink" folHlink="folHlink"/>
   </p:clrMapOvr>
+  <mc:AlternateContent xmlns:mc="http://schemas.openxmlformats.org/markup-compatibility/2006">
+    <mc:Choice xmlns:p14="http://schemas.microsoft.com/office/powerpoint/2010/main" Requires="p14">
+      <p:transition p14:dur="0" advClick="0"/>
+    </mc:Choice>
+    <mc:Fallback>
+      <p:transition advClick="0"/>
+    </mc:Fallback>
+  </mc:AlternateContent>
   <p:timing>
     <p:tnLst>
       <p:par>
@@ -17361,7 +17912,7 @@
   <a:extraClrSchemeLst/>
   <a:extLst>
     <a:ext uri="{05A4C25C-085E-4340-85A3-A5531E510DB2}">
-      <thm15:themeFamily xmlns="" xmlns:thm15="http://schemas.microsoft.com/office/thememl/2012/main" name="Office Theme" id="{62F939B6-93AF-4DB8-9C6B-D6C7DFDC589F}" vid="{4A3C46E8-61CC-4603-A589-7422A47A8E4A}"/>
+      <thm15:themeFamily xmlns:thm15="http://schemas.microsoft.com/office/thememl/2012/main" name="Office Theme" id="{62F939B6-93AF-4DB8-9C6B-D6C7DFDC589F}" vid="{4A3C46E8-61CC-4603-A589-7422A47A8E4A}"/>
     </a:ext>
   </a:extLst>
 </a:theme>
